--- a/기획 문서/FrameWork.pptx
+++ b/기획 문서/FrameWork.pptx
@@ -5,7 +5,12 @@
     <p:sldMasterId id="2147483648" r:id="rId1"/>
   </p:sldMasterIdLst>
   <p:sldIdLst>
-    <p:sldId id="256" r:id="rId2"/>
+    <p:sldId id="261" r:id="rId2"/>
+    <p:sldId id="262" r:id="rId3"/>
+    <p:sldId id="260" r:id="rId4"/>
+    <p:sldId id="257" r:id="rId5"/>
+    <p:sldId id="258" r:id="rId6"/>
+    <p:sldId id="259" r:id="rId7"/>
   </p:sldIdLst>
   <p:sldSz cx="12192000" cy="6858000"/>
   <p:notesSz cx="6858000" cy="9144000"/>
@@ -104,6 +109,11 @@
       </a:defRPr>
     </a:lvl9pPr>
   </p:defaultTextStyle>
+  <p:extLst>
+    <p:ext uri="{EFAFB233-063F-42B5-8137-9DF3F51BA10A}">
+      <p15:sldGuideLst xmlns:p15="http://schemas.microsoft.com/office/powerpoint/2012/main"/>
+    </p:ext>
+  </p:extLst>
 </p:presentation>
 </file>
 
@@ -238,7 +248,7 @@
           <a:p>
             <a:fld id="{9F268087-1A4D-47AC-A1CE-95FF2473F6F0}" type="datetimeFigureOut">
               <a:rPr lang="ko-KR" altLang="en-US" smtClean="0"/>
-              <a:t>2021-08-05</a:t>
+              <a:t>2021-08-06</a:t>
             </a:fld>
             <a:endParaRPr lang="ko-KR" altLang="en-US"/>
           </a:p>
@@ -408,7 +418,7 @@
           <a:p>
             <a:fld id="{9F268087-1A4D-47AC-A1CE-95FF2473F6F0}" type="datetimeFigureOut">
               <a:rPr lang="ko-KR" altLang="en-US" smtClean="0"/>
-              <a:t>2021-08-05</a:t>
+              <a:t>2021-08-06</a:t>
             </a:fld>
             <a:endParaRPr lang="ko-KR" altLang="en-US"/>
           </a:p>
@@ -588,7 +598,7 @@
           <a:p>
             <a:fld id="{9F268087-1A4D-47AC-A1CE-95FF2473F6F0}" type="datetimeFigureOut">
               <a:rPr lang="ko-KR" altLang="en-US" smtClean="0"/>
-              <a:t>2021-08-05</a:t>
+              <a:t>2021-08-06</a:t>
             </a:fld>
             <a:endParaRPr lang="ko-KR" altLang="en-US"/>
           </a:p>
@@ -758,7 +768,7 @@
           <a:p>
             <a:fld id="{9F268087-1A4D-47AC-A1CE-95FF2473F6F0}" type="datetimeFigureOut">
               <a:rPr lang="ko-KR" altLang="en-US" smtClean="0"/>
-              <a:t>2021-08-05</a:t>
+              <a:t>2021-08-06</a:t>
             </a:fld>
             <a:endParaRPr lang="ko-KR" altLang="en-US"/>
           </a:p>
@@ -1004,7 +1014,7 @@
           <a:p>
             <a:fld id="{9F268087-1A4D-47AC-A1CE-95FF2473F6F0}" type="datetimeFigureOut">
               <a:rPr lang="ko-KR" altLang="en-US" smtClean="0"/>
-              <a:t>2021-08-05</a:t>
+              <a:t>2021-08-06</a:t>
             </a:fld>
             <a:endParaRPr lang="ko-KR" altLang="en-US"/>
           </a:p>
@@ -1236,7 +1246,7 @@
           <a:p>
             <a:fld id="{9F268087-1A4D-47AC-A1CE-95FF2473F6F0}" type="datetimeFigureOut">
               <a:rPr lang="ko-KR" altLang="en-US" smtClean="0"/>
-              <a:t>2021-08-05</a:t>
+              <a:t>2021-08-06</a:t>
             </a:fld>
             <a:endParaRPr lang="ko-KR" altLang="en-US"/>
           </a:p>
@@ -1603,7 +1613,7 @@
           <a:p>
             <a:fld id="{9F268087-1A4D-47AC-A1CE-95FF2473F6F0}" type="datetimeFigureOut">
               <a:rPr lang="ko-KR" altLang="en-US" smtClean="0"/>
-              <a:t>2021-08-05</a:t>
+              <a:t>2021-08-06</a:t>
             </a:fld>
             <a:endParaRPr lang="ko-KR" altLang="en-US"/>
           </a:p>
@@ -1721,7 +1731,7 @@
           <a:p>
             <a:fld id="{9F268087-1A4D-47AC-A1CE-95FF2473F6F0}" type="datetimeFigureOut">
               <a:rPr lang="ko-KR" altLang="en-US" smtClean="0"/>
-              <a:t>2021-08-05</a:t>
+              <a:t>2021-08-06</a:t>
             </a:fld>
             <a:endParaRPr lang="ko-KR" altLang="en-US"/>
           </a:p>
@@ -1816,7 +1826,7 @@
           <a:p>
             <a:fld id="{9F268087-1A4D-47AC-A1CE-95FF2473F6F0}" type="datetimeFigureOut">
               <a:rPr lang="ko-KR" altLang="en-US" smtClean="0"/>
-              <a:t>2021-08-05</a:t>
+              <a:t>2021-08-06</a:t>
             </a:fld>
             <a:endParaRPr lang="ko-KR" altLang="en-US"/>
           </a:p>
@@ -2093,7 +2103,7 @@
           <a:p>
             <a:fld id="{9F268087-1A4D-47AC-A1CE-95FF2473F6F0}" type="datetimeFigureOut">
               <a:rPr lang="ko-KR" altLang="en-US" smtClean="0"/>
-              <a:t>2021-08-05</a:t>
+              <a:t>2021-08-06</a:t>
             </a:fld>
             <a:endParaRPr lang="ko-KR" altLang="en-US"/>
           </a:p>
@@ -2346,7 +2356,7 @@
           <a:p>
             <a:fld id="{9F268087-1A4D-47AC-A1CE-95FF2473F6F0}" type="datetimeFigureOut">
               <a:rPr lang="ko-KR" altLang="en-US" smtClean="0"/>
-              <a:t>2021-08-05</a:t>
+              <a:t>2021-08-06</a:t>
             </a:fld>
             <a:endParaRPr lang="ko-KR" altLang="en-US"/>
           </a:p>
@@ -2559,7 +2569,7 @@
           <a:p>
             <a:fld id="{9F268087-1A4D-47AC-A1CE-95FF2473F6F0}" type="datetimeFigureOut">
               <a:rPr lang="ko-KR" altLang="en-US" smtClean="0"/>
-              <a:t>2021-08-05</a:t>
+              <a:t>2021-08-06</a:t>
             </a:fld>
             <a:endParaRPr lang="ko-KR" altLang="en-US"/>
           </a:p>
@@ -2966,6 +2976,1577 @@
       </p:grpSpPr>
       <p:sp>
         <p:nvSpPr>
+          <p:cNvPr id="42" name="Rectangle 41"/>
+          <p:cNvSpPr/>
+          <p:nvPr/>
+        </p:nvSpPr>
+        <p:spPr>
+          <a:xfrm>
+            <a:off x="1512921" y="249390"/>
+            <a:ext cx="8886304" cy="3246360"/>
+          </a:xfrm>
+          <a:prstGeom prst="rect">
+            <a:avLst/>
+          </a:prstGeom>
+        </p:spPr>
+        <p:style>
+          <a:lnRef idx="2">
+            <a:schemeClr val="accent1">
+              <a:shade val="50000"/>
+            </a:schemeClr>
+          </a:lnRef>
+          <a:fillRef idx="1">
+            <a:schemeClr val="accent1"/>
+          </a:fillRef>
+          <a:effectRef idx="0">
+            <a:schemeClr val="accent1"/>
+          </a:effectRef>
+          <a:fontRef idx="minor">
+            <a:schemeClr val="lt1"/>
+          </a:fontRef>
+        </p:style>
+        <p:txBody>
+          <a:bodyPr rtlCol="0" anchor="ctr"/>
+          <a:lstStyle/>
+          <a:p>
+            <a:pPr algn="ctr"/>
+            <a:endParaRPr lang="ko-KR" altLang="en-US"/>
+          </a:p>
+        </p:txBody>
+      </p:sp>
+      <p:sp>
+        <p:nvSpPr>
+          <p:cNvPr id="6" name="Rectangle 5"/>
+          <p:cNvSpPr/>
+          <p:nvPr/>
+        </p:nvSpPr>
+        <p:spPr>
+          <a:xfrm>
+            <a:off x="5411590" y="831279"/>
+            <a:ext cx="1712420" cy="270163"/>
+          </a:xfrm>
+          <a:prstGeom prst="rect">
+            <a:avLst/>
+          </a:prstGeom>
+        </p:spPr>
+        <p:style>
+          <a:lnRef idx="2">
+            <a:schemeClr val="accent1">
+              <a:shade val="50000"/>
+            </a:schemeClr>
+          </a:lnRef>
+          <a:fillRef idx="1">
+            <a:schemeClr val="accent1"/>
+          </a:fillRef>
+          <a:effectRef idx="0">
+            <a:schemeClr val="accent1"/>
+          </a:effectRef>
+          <a:fontRef idx="minor">
+            <a:schemeClr val="lt1"/>
+          </a:fontRef>
+        </p:style>
+        <p:txBody>
+          <a:bodyPr rtlCol="0" anchor="ctr"/>
+          <a:lstStyle/>
+          <a:p>
+            <a:pPr algn="ctr"/>
+            <a:r>
+              <a:rPr lang="en-US" altLang="ko-KR" dirty="0" smtClean="0"/>
+              <a:t>List&lt;Player&gt;</a:t>
+            </a:r>
+            <a:endParaRPr lang="ko-KR" altLang="en-US" dirty="0"/>
+          </a:p>
+        </p:txBody>
+      </p:sp>
+      <p:sp>
+        <p:nvSpPr>
+          <p:cNvPr id="7" name="Rectangle 6"/>
+          <p:cNvSpPr/>
+          <p:nvPr/>
+        </p:nvSpPr>
+        <p:spPr>
+          <a:xfrm>
+            <a:off x="5411590" y="1163788"/>
+            <a:ext cx="1712420" cy="270165"/>
+          </a:xfrm>
+          <a:prstGeom prst="rect">
+            <a:avLst/>
+          </a:prstGeom>
+        </p:spPr>
+        <p:style>
+          <a:lnRef idx="2">
+            <a:schemeClr val="accent1">
+              <a:shade val="50000"/>
+            </a:schemeClr>
+          </a:lnRef>
+          <a:fillRef idx="1">
+            <a:schemeClr val="accent1"/>
+          </a:fillRef>
+          <a:effectRef idx="0">
+            <a:schemeClr val="accent1"/>
+          </a:effectRef>
+          <a:fontRef idx="minor">
+            <a:schemeClr val="lt1"/>
+          </a:fontRef>
+        </p:style>
+        <p:txBody>
+          <a:bodyPr rtlCol="0" anchor="ctr"/>
+          <a:lstStyle/>
+          <a:p>
+            <a:pPr algn="ctr"/>
+            <a:r>
+              <a:rPr lang="en-US" altLang="ko-KR" dirty="0" err="1" smtClean="0"/>
+              <a:t>AddPlayer</a:t>
+            </a:r>
+            <a:r>
+              <a:rPr lang="en-US" altLang="ko-KR" dirty="0" smtClean="0"/>
+              <a:t>()</a:t>
+            </a:r>
+            <a:endParaRPr lang="ko-KR" altLang="en-US" dirty="0"/>
+          </a:p>
+        </p:txBody>
+      </p:sp>
+      <p:sp>
+        <p:nvSpPr>
+          <p:cNvPr id="8" name="Rectangle 7"/>
+          <p:cNvSpPr/>
+          <p:nvPr/>
+        </p:nvSpPr>
+        <p:spPr>
+          <a:xfrm>
+            <a:off x="5411590" y="1496299"/>
+            <a:ext cx="1712420" cy="286788"/>
+          </a:xfrm>
+          <a:prstGeom prst="rect">
+            <a:avLst/>
+          </a:prstGeom>
+        </p:spPr>
+        <p:style>
+          <a:lnRef idx="2">
+            <a:schemeClr val="accent1">
+              <a:shade val="50000"/>
+            </a:schemeClr>
+          </a:lnRef>
+          <a:fillRef idx="1">
+            <a:schemeClr val="accent1"/>
+          </a:fillRef>
+          <a:effectRef idx="0">
+            <a:schemeClr val="accent1"/>
+          </a:effectRef>
+          <a:fontRef idx="minor">
+            <a:schemeClr val="lt1"/>
+          </a:fontRef>
+        </p:style>
+        <p:txBody>
+          <a:bodyPr rtlCol="0" anchor="ctr"/>
+          <a:lstStyle/>
+          <a:p>
+            <a:pPr algn="ctr"/>
+            <a:r>
+              <a:rPr lang="en-US" altLang="ko-KR" dirty="0" err="1"/>
+              <a:t>R</a:t>
+            </a:r>
+            <a:r>
+              <a:rPr lang="en-US" altLang="ko-KR" dirty="0" err="1" smtClean="0"/>
+              <a:t>emovePlayer</a:t>
+            </a:r>
+            <a:r>
+              <a:rPr lang="en-US" altLang="ko-KR" dirty="0" smtClean="0"/>
+              <a:t>()</a:t>
+            </a:r>
+            <a:endParaRPr lang="ko-KR" altLang="en-US" dirty="0"/>
+          </a:p>
+        </p:txBody>
+      </p:sp>
+      <p:sp>
+        <p:nvSpPr>
+          <p:cNvPr id="18" name="TextBox 17"/>
+          <p:cNvSpPr txBox="1"/>
+          <p:nvPr/>
+        </p:nvSpPr>
+        <p:spPr>
+          <a:xfrm>
+            <a:off x="1388230" y="320338"/>
+            <a:ext cx="2377437" cy="369332"/>
+          </a:xfrm>
+          <a:prstGeom prst="rect">
+            <a:avLst/>
+          </a:prstGeom>
+          <a:noFill/>
+        </p:spPr>
+        <p:txBody>
+          <a:bodyPr wrap="square" rtlCol="0">
+            <a:spAutoFit/>
+          </a:bodyPr>
+          <a:lstStyle/>
+          <a:p>
+            <a:pPr algn="ctr"/>
+            <a:r>
+              <a:rPr lang="en-US" altLang="ko-KR" dirty="0" err="1"/>
+              <a:t>PlayerManager</a:t>
+            </a:r>
+            <a:endParaRPr lang="ko-KR" altLang="en-US" dirty="0"/>
+          </a:p>
+        </p:txBody>
+      </p:sp>
+      <p:sp>
+        <p:nvSpPr>
+          <p:cNvPr id="74" name="Rectangle 73"/>
+          <p:cNvSpPr/>
+          <p:nvPr/>
+        </p:nvSpPr>
+        <p:spPr>
+          <a:xfrm>
+            <a:off x="1687490" y="1217819"/>
+            <a:ext cx="1712420" cy="270165"/>
+          </a:xfrm>
+          <a:prstGeom prst="rect">
+            <a:avLst/>
+          </a:prstGeom>
+        </p:spPr>
+        <p:style>
+          <a:lnRef idx="2">
+            <a:schemeClr val="accent1">
+              <a:shade val="50000"/>
+            </a:schemeClr>
+          </a:lnRef>
+          <a:fillRef idx="1">
+            <a:schemeClr val="accent1"/>
+          </a:fillRef>
+          <a:effectRef idx="0">
+            <a:schemeClr val="accent1"/>
+          </a:effectRef>
+          <a:fontRef idx="minor">
+            <a:schemeClr val="lt1"/>
+          </a:fontRef>
+        </p:style>
+        <p:txBody>
+          <a:bodyPr rtlCol="0" anchor="ctr"/>
+          <a:lstStyle/>
+          <a:p>
+            <a:pPr algn="ctr"/>
+            <a:r>
+              <a:rPr lang="en-US" altLang="ko-KR" dirty="0" smtClean="0"/>
+              <a:t>Update()</a:t>
+            </a:r>
+            <a:endParaRPr lang="ko-KR" altLang="en-US" dirty="0"/>
+          </a:p>
+        </p:txBody>
+      </p:sp>
+      <p:sp>
+        <p:nvSpPr>
+          <p:cNvPr id="77" name="Rectangle 76"/>
+          <p:cNvSpPr/>
+          <p:nvPr/>
+        </p:nvSpPr>
+        <p:spPr>
+          <a:xfrm>
+            <a:off x="1687490" y="897776"/>
+            <a:ext cx="1712420" cy="270165"/>
+          </a:xfrm>
+          <a:prstGeom prst="rect">
+            <a:avLst/>
+          </a:prstGeom>
+        </p:spPr>
+        <p:style>
+          <a:lnRef idx="2">
+            <a:schemeClr val="accent1">
+              <a:shade val="50000"/>
+            </a:schemeClr>
+          </a:lnRef>
+          <a:fillRef idx="1">
+            <a:schemeClr val="accent1"/>
+          </a:fillRef>
+          <a:effectRef idx="0">
+            <a:schemeClr val="accent1"/>
+          </a:effectRef>
+          <a:fontRef idx="minor">
+            <a:schemeClr val="lt1"/>
+          </a:fontRef>
+        </p:style>
+        <p:txBody>
+          <a:bodyPr rtlCol="0" anchor="ctr"/>
+          <a:lstStyle/>
+          <a:p>
+            <a:pPr algn="ctr"/>
+            <a:r>
+              <a:rPr lang="en-US" altLang="ko-KR" dirty="0" smtClean="0"/>
+              <a:t>Render</a:t>
+            </a:r>
+            <a:r>
+              <a:rPr lang="en-US" altLang="ko-KR" dirty="0" smtClean="0"/>
+              <a:t>()</a:t>
+            </a:r>
+            <a:endParaRPr lang="ko-KR" altLang="en-US" dirty="0"/>
+          </a:p>
+        </p:txBody>
+      </p:sp>
+      <p:sp>
+        <p:nvSpPr>
+          <p:cNvPr id="36" name="TextBox 35"/>
+          <p:cNvSpPr txBox="1"/>
+          <p:nvPr/>
+        </p:nvSpPr>
+        <p:spPr>
+          <a:xfrm>
+            <a:off x="1604361" y="764777"/>
+            <a:ext cx="3233650" cy="1754326"/>
+          </a:xfrm>
+          <a:prstGeom prst="rect">
+            <a:avLst/>
+          </a:prstGeom>
+          <a:noFill/>
+          <a:ln>
+            <a:solidFill>
+              <a:schemeClr val="tx1"/>
+            </a:solidFill>
+          </a:ln>
+        </p:spPr>
+        <p:txBody>
+          <a:bodyPr wrap="square" rtlCol="0">
+            <a:spAutoFit/>
+          </a:bodyPr>
+          <a:lstStyle/>
+          <a:p>
+            <a:endParaRPr lang="en-US" altLang="ko-KR" dirty="0" smtClean="0"/>
+          </a:p>
+          <a:p>
+            <a:endParaRPr lang="en-US" altLang="ko-KR" dirty="0"/>
+          </a:p>
+          <a:p>
+            <a:endParaRPr lang="en-US" altLang="ko-KR" dirty="0" smtClean="0"/>
+          </a:p>
+          <a:p>
+            <a:r>
+              <a:rPr lang="ko-KR" altLang="en-US" dirty="0" smtClean="0"/>
+              <a:t>사용중인 객체들의 </a:t>
+            </a:r>
+            <a:endParaRPr lang="en-US" altLang="ko-KR" dirty="0" smtClean="0"/>
+          </a:p>
+          <a:p>
+            <a:r>
+              <a:rPr lang="en-US" altLang="ko-KR" dirty="0" err="1" smtClean="0"/>
+              <a:t>Update&amp;Render</a:t>
+            </a:r>
+            <a:r>
+              <a:rPr lang="en-US" altLang="ko-KR" dirty="0"/>
+              <a:t> </a:t>
+            </a:r>
+            <a:r>
+              <a:rPr lang="ko-KR" altLang="en-US" dirty="0" smtClean="0"/>
+              <a:t>범위기반 </a:t>
+            </a:r>
+            <a:endParaRPr lang="en-US" altLang="ko-KR" dirty="0" smtClean="0"/>
+          </a:p>
+          <a:p>
+            <a:r>
+              <a:rPr lang="en-US" altLang="ko-KR" dirty="0" smtClean="0"/>
+              <a:t>For </a:t>
+            </a:r>
+            <a:r>
+              <a:rPr lang="ko-KR" altLang="en-US" dirty="0" smtClean="0"/>
+              <a:t>문으로 지속적으로 처리 </a:t>
+            </a:r>
+            <a:endParaRPr lang="ko-KR" altLang="en-US" dirty="0"/>
+          </a:p>
+        </p:txBody>
+      </p:sp>
+      <p:sp>
+        <p:nvSpPr>
+          <p:cNvPr id="38" name="TextBox 37"/>
+          <p:cNvSpPr txBox="1"/>
+          <p:nvPr/>
+        </p:nvSpPr>
+        <p:spPr>
+          <a:xfrm>
+            <a:off x="5212085" y="764777"/>
+            <a:ext cx="4854632" cy="1754326"/>
+          </a:xfrm>
+          <a:prstGeom prst="rect">
+            <a:avLst/>
+          </a:prstGeom>
+          <a:noFill/>
+          <a:ln>
+            <a:solidFill>
+              <a:schemeClr val="tx1"/>
+            </a:solidFill>
+          </a:ln>
+        </p:spPr>
+        <p:txBody>
+          <a:bodyPr wrap="square" rtlCol="0">
+            <a:spAutoFit/>
+          </a:bodyPr>
+          <a:lstStyle/>
+          <a:p>
+            <a:endParaRPr lang="en-US" altLang="ko-KR" dirty="0" smtClean="0"/>
+          </a:p>
+          <a:p>
+            <a:endParaRPr lang="en-US" altLang="ko-KR" dirty="0"/>
+          </a:p>
+          <a:p>
+            <a:endParaRPr lang="en-US" altLang="ko-KR" dirty="0" smtClean="0"/>
+          </a:p>
+          <a:p>
+            <a:endParaRPr lang="en-US" altLang="ko-KR" dirty="0" smtClean="0"/>
+          </a:p>
+          <a:p>
+            <a:r>
+              <a:rPr lang="en-US" altLang="ko-KR" dirty="0" smtClean="0"/>
+              <a:t>List</a:t>
+            </a:r>
+            <a:r>
+              <a:rPr lang="ko-KR" altLang="en-US" dirty="0" smtClean="0"/>
+              <a:t>를 사용하여서 삽입 삭제에 용의하게 제작</a:t>
+            </a:r>
+            <a:endParaRPr lang="en-US" altLang="ko-KR" dirty="0" smtClean="0"/>
+          </a:p>
+          <a:p>
+            <a:r>
+              <a:rPr lang="en-US" altLang="ko-KR" dirty="0" smtClean="0"/>
+              <a:t>Add</a:t>
+            </a:r>
+            <a:r>
+              <a:rPr lang="ko-KR" altLang="en-US" dirty="0" smtClean="0"/>
+              <a:t>와 </a:t>
+            </a:r>
+            <a:r>
+              <a:rPr lang="en-US" altLang="ko-KR" dirty="0" smtClean="0"/>
+              <a:t>Remove</a:t>
+            </a:r>
+            <a:r>
+              <a:rPr lang="ko-KR" altLang="en-US" dirty="0" smtClean="0"/>
+              <a:t>함수를 사용하여서 </a:t>
+            </a:r>
+            <a:r>
+              <a:rPr lang="en-US" altLang="ko-KR" dirty="0" smtClean="0"/>
+              <a:t>List</a:t>
+            </a:r>
+            <a:r>
+              <a:rPr lang="ko-KR" altLang="en-US" dirty="0" smtClean="0"/>
+              <a:t>관리</a:t>
+            </a:r>
+            <a:endParaRPr lang="en-US" altLang="ko-KR" dirty="0" smtClean="0"/>
+          </a:p>
+        </p:txBody>
+      </p:sp>
+      <p:sp>
+        <p:nvSpPr>
+          <p:cNvPr id="40" name="TextBox 39"/>
+          <p:cNvSpPr txBox="1"/>
+          <p:nvPr/>
+        </p:nvSpPr>
+        <p:spPr>
+          <a:xfrm>
+            <a:off x="1620988" y="2669318"/>
+            <a:ext cx="8495608" cy="646331"/>
+          </a:xfrm>
+          <a:prstGeom prst="rect">
+            <a:avLst/>
+          </a:prstGeom>
+          <a:noFill/>
+          <a:ln>
+            <a:solidFill>
+              <a:schemeClr val="tx1"/>
+            </a:solidFill>
+          </a:ln>
+        </p:spPr>
+        <p:txBody>
+          <a:bodyPr wrap="square" rtlCol="0">
+            <a:spAutoFit/>
+          </a:bodyPr>
+          <a:lstStyle/>
+          <a:p>
+            <a:r>
+              <a:rPr lang="ko-KR" altLang="en-US" dirty="0" smtClean="0"/>
+              <a:t>용도</a:t>
+            </a:r>
+            <a:r>
+              <a:rPr lang="en-US" altLang="ko-KR" dirty="0" smtClean="0"/>
+              <a:t>:</a:t>
+            </a:r>
+          </a:p>
+          <a:p>
+            <a:r>
+              <a:rPr lang="ko-KR" altLang="en-US" dirty="0" smtClean="0"/>
+              <a:t>플레이어 객체가 사망하거나 스폰할 경우 관리를 위해서 제작</a:t>
+            </a:r>
+            <a:endParaRPr lang="ko-KR" altLang="en-US" dirty="0"/>
+          </a:p>
+        </p:txBody>
+      </p:sp>
+      <p:sp>
+        <p:nvSpPr>
+          <p:cNvPr id="12" name="Rectangle 11"/>
+          <p:cNvSpPr/>
+          <p:nvPr/>
+        </p:nvSpPr>
+        <p:spPr>
+          <a:xfrm>
+            <a:off x="1496296" y="3549777"/>
+            <a:ext cx="8886304" cy="3100408"/>
+          </a:xfrm>
+          <a:prstGeom prst="rect">
+            <a:avLst/>
+          </a:prstGeom>
+        </p:spPr>
+        <p:style>
+          <a:lnRef idx="2">
+            <a:schemeClr val="accent1">
+              <a:shade val="50000"/>
+            </a:schemeClr>
+          </a:lnRef>
+          <a:fillRef idx="1">
+            <a:schemeClr val="accent1"/>
+          </a:fillRef>
+          <a:effectRef idx="0">
+            <a:schemeClr val="accent1"/>
+          </a:effectRef>
+          <a:fontRef idx="minor">
+            <a:schemeClr val="lt1"/>
+          </a:fontRef>
+        </p:style>
+        <p:txBody>
+          <a:bodyPr rtlCol="0" anchor="ctr"/>
+          <a:lstStyle/>
+          <a:p>
+            <a:pPr algn="ctr"/>
+            <a:endParaRPr lang="ko-KR" altLang="en-US"/>
+          </a:p>
+        </p:txBody>
+      </p:sp>
+      <p:sp>
+        <p:nvSpPr>
+          <p:cNvPr id="13" name="Rectangle 12"/>
+          <p:cNvSpPr/>
+          <p:nvPr/>
+        </p:nvSpPr>
+        <p:spPr>
+          <a:xfrm>
+            <a:off x="5444842" y="3961549"/>
+            <a:ext cx="1712420" cy="270163"/>
+          </a:xfrm>
+          <a:prstGeom prst="rect">
+            <a:avLst/>
+          </a:prstGeom>
+        </p:spPr>
+        <p:style>
+          <a:lnRef idx="2">
+            <a:schemeClr val="accent1">
+              <a:shade val="50000"/>
+            </a:schemeClr>
+          </a:lnRef>
+          <a:fillRef idx="1">
+            <a:schemeClr val="accent1"/>
+          </a:fillRef>
+          <a:effectRef idx="0">
+            <a:schemeClr val="accent1"/>
+          </a:effectRef>
+          <a:fontRef idx="minor">
+            <a:schemeClr val="lt1"/>
+          </a:fontRef>
+        </p:style>
+        <p:txBody>
+          <a:bodyPr rtlCol="0" anchor="ctr"/>
+          <a:lstStyle/>
+          <a:p>
+            <a:pPr algn="ctr"/>
+            <a:r>
+              <a:rPr lang="en-US" altLang="ko-KR" dirty="0" smtClean="0"/>
+              <a:t>List&lt;Player&gt;</a:t>
+            </a:r>
+            <a:endParaRPr lang="ko-KR" altLang="en-US" dirty="0"/>
+          </a:p>
+        </p:txBody>
+      </p:sp>
+      <p:sp>
+        <p:nvSpPr>
+          <p:cNvPr id="14" name="Rectangle 13"/>
+          <p:cNvSpPr/>
+          <p:nvPr/>
+        </p:nvSpPr>
+        <p:spPr>
+          <a:xfrm>
+            <a:off x="5444842" y="4294058"/>
+            <a:ext cx="1712420" cy="270165"/>
+          </a:xfrm>
+          <a:prstGeom prst="rect">
+            <a:avLst/>
+          </a:prstGeom>
+        </p:spPr>
+        <p:style>
+          <a:lnRef idx="2">
+            <a:schemeClr val="accent1">
+              <a:shade val="50000"/>
+            </a:schemeClr>
+          </a:lnRef>
+          <a:fillRef idx="1">
+            <a:schemeClr val="accent1"/>
+          </a:fillRef>
+          <a:effectRef idx="0">
+            <a:schemeClr val="accent1"/>
+          </a:effectRef>
+          <a:fontRef idx="minor">
+            <a:schemeClr val="lt1"/>
+          </a:fontRef>
+        </p:style>
+        <p:txBody>
+          <a:bodyPr rtlCol="0" anchor="ctr"/>
+          <a:lstStyle/>
+          <a:p>
+            <a:pPr algn="ctr"/>
+            <a:r>
+              <a:rPr lang="en-US" altLang="ko-KR" dirty="0" err="1" smtClean="0"/>
+              <a:t>AddPlayer</a:t>
+            </a:r>
+            <a:r>
+              <a:rPr lang="en-US" altLang="ko-KR" dirty="0" smtClean="0"/>
+              <a:t>()</a:t>
+            </a:r>
+            <a:endParaRPr lang="ko-KR" altLang="en-US" dirty="0"/>
+          </a:p>
+        </p:txBody>
+      </p:sp>
+      <p:sp>
+        <p:nvSpPr>
+          <p:cNvPr id="15" name="Rectangle 14"/>
+          <p:cNvSpPr/>
+          <p:nvPr/>
+        </p:nvSpPr>
+        <p:spPr>
+          <a:xfrm>
+            <a:off x="5444842" y="4626569"/>
+            <a:ext cx="1712420" cy="286788"/>
+          </a:xfrm>
+          <a:prstGeom prst="rect">
+            <a:avLst/>
+          </a:prstGeom>
+        </p:spPr>
+        <p:style>
+          <a:lnRef idx="2">
+            <a:schemeClr val="accent1">
+              <a:shade val="50000"/>
+            </a:schemeClr>
+          </a:lnRef>
+          <a:fillRef idx="1">
+            <a:schemeClr val="accent1"/>
+          </a:fillRef>
+          <a:effectRef idx="0">
+            <a:schemeClr val="accent1"/>
+          </a:effectRef>
+          <a:fontRef idx="minor">
+            <a:schemeClr val="lt1"/>
+          </a:fontRef>
+        </p:style>
+        <p:txBody>
+          <a:bodyPr rtlCol="0" anchor="ctr"/>
+          <a:lstStyle/>
+          <a:p>
+            <a:pPr algn="ctr"/>
+            <a:r>
+              <a:rPr lang="en-US" altLang="ko-KR" dirty="0" err="1"/>
+              <a:t>R</a:t>
+            </a:r>
+            <a:r>
+              <a:rPr lang="en-US" altLang="ko-KR" dirty="0" err="1" smtClean="0"/>
+              <a:t>emovePlayer</a:t>
+            </a:r>
+            <a:r>
+              <a:rPr lang="en-US" altLang="ko-KR" dirty="0" smtClean="0"/>
+              <a:t>()</a:t>
+            </a:r>
+            <a:endParaRPr lang="ko-KR" altLang="en-US" dirty="0"/>
+          </a:p>
+        </p:txBody>
+      </p:sp>
+      <p:sp>
+        <p:nvSpPr>
+          <p:cNvPr id="16" name="TextBox 15"/>
+          <p:cNvSpPr txBox="1"/>
+          <p:nvPr/>
+        </p:nvSpPr>
+        <p:spPr>
+          <a:xfrm>
+            <a:off x="1230292" y="3549777"/>
+            <a:ext cx="2377437" cy="369332"/>
+          </a:xfrm>
+          <a:prstGeom prst="rect">
+            <a:avLst/>
+          </a:prstGeom>
+          <a:noFill/>
+        </p:spPr>
+        <p:txBody>
+          <a:bodyPr wrap="square" rtlCol="0">
+            <a:spAutoFit/>
+          </a:bodyPr>
+          <a:lstStyle/>
+          <a:p>
+            <a:pPr algn="ctr"/>
+            <a:r>
+              <a:rPr lang="en-US" altLang="ko-KR" dirty="0" err="1" smtClean="0"/>
+              <a:t>EnemyManager</a:t>
+            </a:r>
+            <a:endParaRPr lang="ko-KR" altLang="en-US" dirty="0"/>
+          </a:p>
+        </p:txBody>
+      </p:sp>
+      <p:sp>
+        <p:nvSpPr>
+          <p:cNvPr id="17" name="Rectangle 16"/>
+          <p:cNvSpPr/>
+          <p:nvPr/>
+        </p:nvSpPr>
+        <p:spPr>
+          <a:xfrm>
+            <a:off x="1687490" y="4348088"/>
+            <a:ext cx="1712420" cy="270165"/>
+          </a:xfrm>
+          <a:prstGeom prst="rect">
+            <a:avLst/>
+          </a:prstGeom>
+        </p:spPr>
+        <p:style>
+          <a:lnRef idx="2">
+            <a:schemeClr val="accent1">
+              <a:shade val="50000"/>
+            </a:schemeClr>
+          </a:lnRef>
+          <a:fillRef idx="1">
+            <a:schemeClr val="accent1"/>
+          </a:fillRef>
+          <a:effectRef idx="0">
+            <a:schemeClr val="accent1"/>
+          </a:effectRef>
+          <a:fontRef idx="minor">
+            <a:schemeClr val="lt1"/>
+          </a:fontRef>
+        </p:style>
+        <p:txBody>
+          <a:bodyPr rtlCol="0" anchor="ctr"/>
+          <a:lstStyle/>
+          <a:p>
+            <a:pPr algn="ctr"/>
+            <a:r>
+              <a:rPr lang="en-US" altLang="ko-KR" dirty="0" smtClean="0"/>
+              <a:t>Update()</a:t>
+            </a:r>
+            <a:endParaRPr lang="ko-KR" altLang="en-US" dirty="0"/>
+          </a:p>
+        </p:txBody>
+      </p:sp>
+      <p:sp>
+        <p:nvSpPr>
+          <p:cNvPr id="19" name="Rectangle 18"/>
+          <p:cNvSpPr/>
+          <p:nvPr/>
+        </p:nvSpPr>
+        <p:spPr>
+          <a:xfrm>
+            <a:off x="1687490" y="4028045"/>
+            <a:ext cx="1712420" cy="270165"/>
+          </a:xfrm>
+          <a:prstGeom prst="rect">
+            <a:avLst/>
+          </a:prstGeom>
+        </p:spPr>
+        <p:style>
+          <a:lnRef idx="2">
+            <a:schemeClr val="accent1">
+              <a:shade val="50000"/>
+            </a:schemeClr>
+          </a:lnRef>
+          <a:fillRef idx="1">
+            <a:schemeClr val="accent1"/>
+          </a:fillRef>
+          <a:effectRef idx="0">
+            <a:schemeClr val="accent1"/>
+          </a:effectRef>
+          <a:fontRef idx="minor">
+            <a:schemeClr val="lt1"/>
+          </a:fontRef>
+        </p:style>
+        <p:txBody>
+          <a:bodyPr rtlCol="0" anchor="ctr"/>
+          <a:lstStyle/>
+          <a:p>
+            <a:pPr algn="ctr"/>
+            <a:r>
+              <a:rPr lang="en-US" altLang="ko-KR" dirty="0" smtClean="0"/>
+              <a:t>Render</a:t>
+            </a:r>
+            <a:r>
+              <a:rPr lang="en-US" altLang="ko-KR" dirty="0" smtClean="0"/>
+              <a:t>()</a:t>
+            </a:r>
+            <a:endParaRPr lang="ko-KR" altLang="en-US" dirty="0"/>
+          </a:p>
+        </p:txBody>
+      </p:sp>
+      <p:sp>
+        <p:nvSpPr>
+          <p:cNvPr id="20" name="TextBox 19"/>
+          <p:cNvSpPr txBox="1"/>
+          <p:nvPr/>
+        </p:nvSpPr>
+        <p:spPr>
+          <a:xfrm>
+            <a:off x="1604361" y="3895047"/>
+            <a:ext cx="3233650" cy="1754326"/>
+          </a:xfrm>
+          <a:prstGeom prst="rect">
+            <a:avLst/>
+          </a:prstGeom>
+          <a:noFill/>
+          <a:ln>
+            <a:solidFill>
+              <a:schemeClr val="tx1"/>
+            </a:solidFill>
+          </a:ln>
+        </p:spPr>
+        <p:txBody>
+          <a:bodyPr wrap="square" rtlCol="0">
+            <a:spAutoFit/>
+          </a:bodyPr>
+          <a:lstStyle/>
+          <a:p>
+            <a:endParaRPr lang="en-US" altLang="ko-KR" dirty="0" smtClean="0"/>
+          </a:p>
+          <a:p>
+            <a:endParaRPr lang="en-US" altLang="ko-KR" dirty="0"/>
+          </a:p>
+          <a:p>
+            <a:endParaRPr lang="en-US" altLang="ko-KR" dirty="0" smtClean="0"/>
+          </a:p>
+          <a:p>
+            <a:r>
+              <a:rPr lang="ko-KR" altLang="en-US" dirty="0" smtClean="0"/>
+              <a:t>사용 중인 객체들의 </a:t>
+            </a:r>
+            <a:endParaRPr lang="en-US" altLang="ko-KR" dirty="0" smtClean="0"/>
+          </a:p>
+          <a:p>
+            <a:r>
+              <a:rPr lang="en-US" altLang="ko-KR" dirty="0" err="1" smtClean="0"/>
+              <a:t>Update&amp;Render</a:t>
+            </a:r>
+            <a:r>
+              <a:rPr lang="en-US" altLang="ko-KR" dirty="0"/>
+              <a:t> </a:t>
+            </a:r>
+            <a:r>
+              <a:rPr lang="ko-KR" altLang="en-US" dirty="0" smtClean="0"/>
+              <a:t>범위기반 </a:t>
+            </a:r>
+            <a:endParaRPr lang="en-US" altLang="ko-KR" dirty="0" smtClean="0"/>
+          </a:p>
+          <a:p>
+            <a:r>
+              <a:rPr lang="en-US" altLang="ko-KR" dirty="0" smtClean="0"/>
+              <a:t>For </a:t>
+            </a:r>
+            <a:r>
+              <a:rPr lang="ko-KR" altLang="en-US" dirty="0" smtClean="0"/>
+              <a:t>문으로 지속적으로 처리 </a:t>
+            </a:r>
+            <a:endParaRPr lang="ko-KR" altLang="en-US" dirty="0"/>
+          </a:p>
+        </p:txBody>
+      </p:sp>
+      <p:sp>
+        <p:nvSpPr>
+          <p:cNvPr id="21" name="TextBox 20"/>
+          <p:cNvSpPr txBox="1"/>
+          <p:nvPr/>
+        </p:nvSpPr>
+        <p:spPr>
+          <a:xfrm>
+            <a:off x="5245337" y="3895047"/>
+            <a:ext cx="4854632" cy="1754326"/>
+          </a:xfrm>
+          <a:prstGeom prst="rect">
+            <a:avLst/>
+          </a:prstGeom>
+          <a:noFill/>
+          <a:ln>
+            <a:solidFill>
+              <a:schemeClr val="tx1"/>
+            </a:solidFill>
+          </a:ln>
+        </p:spPr>
+        <p:txBody>
+          <a:bodyPr wrap="square" rtlCol="0">
+            <a:spAutoFit/>
+          </a:bodyPr>
+          <a:lstStyle/>
+          <a:p>
+            <a:endParaRPr lang="en-US" altLang="ko-KR" dirty="0" smtClean="0"/>
+          </a:p>
+          <a:p>
+            <a:endParaRPr lang="en-US" altLang="ko-KR" dirty="0"/>
+          </a:p>
+          <a:p>
+            <a:endParaRPr lang="en-US" altLang="ko-KR" dirty="0" smtClean="0"/>
+          </a:p>
+          <a:p>
+            <a:endParaRPr lang="en-US" altLang="ko-KR" dirty="0" smtClean="0"/>
+          </a:p>
+          <a:p>
+            <a:r>
+              <a:rPr lang="en-US" altLang="ko-KR" dirty="0" smtClean="0"/>
+              <a:t>List</a:t>
+            </a:r>
+            <a:r>
+              <a:rPr lang="ko-KR" altLang="en-US" dirty="0" smtClean="0"/>
+              <a:t>를 사용하여서 삽입 삭제에 용의하게 제작</a:t>
+            </a:r>
+            <a:endParaRPr lang="en-US" altLang="ko-KR" dirty="0" smtClean="0"/>
+          </a:p>
+          <a:p>
+            <a:r>
+              <a:rPr lang="en-US" altLang="ko-KR" dirty="0" smtClean="0"/>
+              <a:t>Add</a:t>
+            </a:r>
+            <a:r>
+              <a:rPr lang="ko-KR" altLang="en-US" dirty="0" smtClean="0"/>
+              <a:t>와 </a:t>
+            </a:r>
+            <a:r>
+              <a:rPr lang="en-US" altLang="ko-KR" dirty="0" smtClean="0"/>
+              <a:t>Remove</a:t>
+            </a:r>
+            <a:r>
+              <a:rPr lang="ko-KR" altLang="en-US" dirty="0" smtClean="0"/>
+              <a:t>함수를 사용하여서 </a:t>
+            </a:r>
+            <a:r>
+              <a:rPr lang="en-US" altLang="ko-KR" dirty="0" smtClean="0"/>
+              <a:t>List</a:t>
+            </a:r>
+            <a:r>
+              <a:rPr lang="ko-KR" altLang="en-US" dirty="0" smtClean="0"/>
+              <a:t>관리</a:t>
+            </a:r>
+            <a:endParaRPr lang="en-US" altLang="ko-KR" dirty="0" smtClean="0"/>
+          </a:p>
+        </p:txBody>
+      </p:sp>
+      <p:sp>
+        <p:nvSpPr>
+          <p:cNvPr id="22" name="TextBox 21"/>
+          <p:cNvSpPr txBox="1"/>
+          <p:nvPr/>
+        </p:nvSpPr>
+        <p:spPr>
+          <a:xfrm>
+            <a:off x="1604362" y="5799588"/>
+            <a:ext cx="8495608" cy="646331"/>
+          </a:xfrm>
+          <a:prstGeom prst="rect">
+            <a:avLst/>
+          </a:prstGeom>
+          <a:noFill/>
+          <a:ln>
+            <a:solidFill>
+              <a:schemeClr val="tx1"/>
+            </a:solidFill>
+          </a:ln>
+        </p:spPr>
+        <p:txBody>
+          <a:bodyPr wrap="square" rtlCol="0">
+            <a:spAutoFit/>
+          </a:bodyPr>
+          <a:lstStyle/>
+          <a:p>
+            <a:r>
+              <a:rPr lang="ko-KR" altLang="en-US" dirty="0" smtClean="0"/>
+              <a:t>용도</a:t>
+            </a:r>
+            <a:r>
+              <a:rPr lang="en-US" altLang="ko-KR" dirty="0" smtClean="0"/>
+              <a:t>:</a:t>
+            </a:r>
+          </a:p>
+          <a:p>
+            <a:r>
+              <a:rPr lang="ko-KR" altLang="en-US" dirty="0" smtClean="0"/>
+              <a:t>적 객체가 사망하거나 스폰할 경우 관리를 위해서 제작</a:t>
+            </a:r>
+            <a:endParaRPr lang="ko-KR" altLang="en-US" dirty="0"/>
+          </a:p>
+        </p:txBody>
+      </p:sp>
+    </p:spTree>
+    <p:extLst>
+      <p:ext uri="{BB962C8B-B14F-4D97-AF65-F5344CB8AC3E}">
+        <p14:creationId xmlns:p14="http://schemas.microsoft.com/office/powerpoint/2010/main" val="1570549073"/>
+      </p:ext>
+    </p:extLst>
+  </p:cSld>
+  <p:clrMapOvr>
+    <a:masterClrMapping/>
+  </p:clrMapOvr>
+</p:sld>
+</file>
+
+<file path=ppt/slides/slide2.xml><?xml version="1.0" encoding="utf-8"?>
+<p:sld xmlns:a="http://schemas.openxmlformats.org/drawingml/2006/main" xmlns:r="http://schemas.openxmlformats.org/officeDocument/2006/relationships" xmlns:p="http://schemas.openxmlformats.org/presentationml/2006/main">
+  <p:cSld>
+    <p:spTree>
+      <p:nvGrpSpPr>
+        <p:cNvPr id="1" name=""/>
+        <p:cNvGrpSpPr/>
+        <p:nvPr/>
+      </p:nvGrpSpPr>
+      <p:grpSpPr>
+        <a:xfrm>
+          <a:off x="0" y="0"/>
+          <a:ext cx="0" cy="0"/>
+          <a:chOff x="0" y="0"/>
+          <a:chExt cx="0" cy="0"/>
+        </a:xfrm>
+      </p:grpSpPr>
+      <p:sp>
+        <p:nvSpPr>
+          <p:cNvPr id="4" name="Rectangle 3"/>
+          <p:cNvSpPr/>
+          <p:nvPr/>
+        </p:nvSpPr>
+        <p:spPr>
+          <a:xfrm>
+            <a:off x="1496295" y="99760"/>
+            <a:ext cx="8720046" cy="3175455"/>
+          </a:xfrm>
+          <a:prstGeom prst="rect">
+            <a:avLst/>
+          </a:prstGeom>
+        </p:spPr>
+        <p:style>
+          <a:lnRef idx="2">
+            <a:schemeClr val="accent1">
+              <a:shade val="50000"/>
+            </a:schemeClr>
+          </a:lnRef>
+          <a:fillRef idx="1">
+            <a:schemeClr val="accent1"/>
+          </a:fillRef>
+          <a:effectRef idx="0">
+            <a:schemeClr val="accent1"/>
+          </a:effectRef>
+          <a:fontRef idx="minor">
+            <a:schemeClr val="lt1"/>
+          </a:fontRef>
+        </p:style>
+        <p:txBody>
+          <a:bodyPr rtlCol="0" anchor="ctr"/>
+          <a:lstStyle/>
+          <a:p>
+            <a:pPr algn="ctr"/>
+            <a:endParaRPr lang="ko-KR" altLang="en-US"/>
+          </a:p>
+        </p:txBody>
+      </p:sp>
+      <p:sp>
+        <p:nvSpPr>
+          <p:cNvPr id="5" name="Rectangle 4"/>
+          <p:cNvSpPr/>
+          <p:nvPr/>
+        </p:nvSpPr>
+        <p:spPr>
+          <a:xfrm>
+            <a:off x="5394964" y="681650"/>
+            <a:ext cx="1712420" cy="270163"/>
+          </a:xfrm>
+          <a:prstGeom prst="rect">
+            <a:avLst/>
+          </a:prstGeom>
+        </p:spPr>
+        <p:style>
+          <a:lnRef idx="2">
+            <a:schemeClr val="accent1">
+              <a:shade val="50000"/>
+            </a:schemeClr>
+          </a:lnRef>
+          <a:fillRef idx="1">
+            <a:schemeClr val="accent1"/>
+          </a:fillRef>
+          <a:effectRef idx="0">
+            <a:schemeClr val="accent1"/>
+          </a:effectRef>
+          <a:fontRef idx="minor">
+            <a:schemeClr val="lt1"/>
+          </a:fontRef>
+        </p:style>
+        <p:txBody>
+          <a:bodyPr rtlCol="0" anchor="ctr"/>
+          <a:lstStyle/>
+          <a:p>
+            <a:pPr algn="ctr"/>
+            <a:r>
+              <a:rPr lang="en-US" altLang="ko-KR" dirty="0" smtClean="0"/>
+              <a:t>List&lt;Player&gt;</a:t>
+            </a:r>
+            <a:endParaRPr lang="ko-KR" altLang="en-US" dirty="0"/>
+          </a:p>
+        </p:txBody>
+      </p:sp>
+      <p:sp>
+        <p:nvSpPr>
+          <p:cNvPr id="6" name="Rectangle 5"/>
+          <p:cNvSpPr/>
+          <p:nvPr/>
+        </p:nvSpPr>
+        <p:spPr>
+          <a:xfrm>
+            <a:off x="5394964" y="1014159"/>
+            <a:ext cx="1712420" cy="270165"/>
+          </a:xfrm>
+          <a:prstGeom prst="rect">
+            <a:avLst/>
+          </a:prstGeom>
+        </p:spPr>
+        <p:style>
+          <a:lnRef idx="2">
+            <a:schemeClr val="accent1">
+              <a:shade val="50000"/>
+            </a:schemeClr>
+          </a:lnRef>
+          <a:fillRef idx="1">
+            <a:schemeClr val="accent1"/>
+          </a:fillRef>
+          <a:effectRef idx="0">
+            <a:schemeClr val="accent1"/>
+          </a:effectRef>
+          <a:fontRef idx="minor">
+            <a:schemeClr val="lt1"/>
+          </a:fontRef>
+        </p:style>
+        <p:txBody>
+          <a:bodyPr rtlCol="0" anchor="ctr"/>
+          <a:lstStyle/>
+          <a:p>
+            <a:pPr algn="ctr"/>
+            <a:r>
+              <a:rPr lang="en-US" altLang="ko-KR" dirty="0" err="1" smtClean="0"/>
+              <a:t>AddPlayer</a:t>
+            </a:r>
+            <a:r>
+              <a:rPr lang="en-US" altLang="ko-KR" dirty="0" smtClean="0"/>
+              <a:t>()</a:t>
+            </a:r>
+            <a:endParaRPr lang="ko-KR" altLang="en-US" dirty="0"/>
+          </a:p>
+        </p:txBody>
+      </p:sp>
+      <p:sp>
+        <p:nvSpPr>
+          <p:cNvPr id="7" name="Rectangle 6"/>
+          <p:cNvSpPr/>
+          <p:nvPr/>
+        </p:nvSpPr>
+        <p:spPr>
+          <a:xfrm>
+            <a:off x="5394964" y="1346670"/>
+            <a:ext cx="1712420" cy="286788"/>
+          </a:xfrm>
+          <a:prstGeom prst="rect">
+            <a:avLst/>
+          </a:prstGeom>
+        </p:spPr>
+        <p:style>
+          <a:lnRef idx="2">
+            <a:schemeClr val="accent1">
+              <a:shade val="50000"/>
+            </a:schemeClr>
+          </a:lnRef>
+          <a:fillRef idx="1">
+            <a:schemeClr val="accent1"/>
+          </a:fillRef>
+          <a:effectRef idx="0">
+            <a:schemeClr val="accent1"/>
+          </a:effectRef>
+          <a:fontRef idx="minor">
+            <a:schemeClr val="lt1"/>
+          </a:fontRef>
+        </p:style>
+        <p:txBody>
+          <a:bodyPr rtlCol="0" anchor="ctr"/>
+          <a:lstStyle/>
+          <a:p>
+            <a:pPr algn="ctr"/>
+            <a:r>
+              <a:rPr lang="en-US" altLang="ko-KR" dirty="0" err="1"/>
+              <a:t>R</a:t>
+            </a:r>
+            <a:r>
+              <a:rPr lang="en-US" altLang="ko-KR" dirty="0" err="1" smtClean="0"/>
+              <a:t>emovePlayer</a:t>
+            </a:r>
+            <a:r>
+              <a:rPr lang="en-US" altLang="ko-KR" dirty="0" smtClean="0"/>
+              <a:t>()</a:t>
+            </a:r>
+            <a:endParaRPr lang="ko-KR" altLang="en-US" dirty="0"/>
+          </a:p>
+        </p:txBody>
+      </p:sp>
+      <p:sp>
+        <p:nvSpPr>
+          <p:cNvPr id="8" name="TextBox 7"/>
+          <p:cNvSpPr txBox="1"/>
+          <p:nvPr/>
+        </p:nvSpPr>
+        <p:spPr>
+          <a:xfrm>
+            <a:off x="1371604" y="170709"/>
+            <a:ext cx="2377437" cy="369332"/>
+          </a:xfrm>
+          <a:prstGeom prst="rect">
+            <a:avLst/>
+          </a:prstGeom>
+          <a:noFill/>
+        </p:spPr>
+        <p:txBody>
+          <a:bodyPr wrap="square" rtlCol="0">
+            <a:spAutoFit/>
+          </a:bodyPr>
+          <a:lstStyle/>
+          <a:p>
+            <a:pPr algn="ctr"/>
+            <a:r>
+              <a:rPr lang="en-US" altLang="ko-KR" dirty="0" err="1" smtClean="0"/>
+              <a:t>ProjectileManager</a:t>
+            </a:r>
+            <a:endParaRPr lang="ko-KR" altLang="en-US" dirty="0"/>
+          </a:p>
+        </p:txBody>
+      </p:sp>
+      <p:sp>
+        <p:nvSpPr>
+          <p:cNvPr id="9" name="Rectangle 8"/>
+          <p:cNvSpPr/>
+          <p:nvPr/>
+        </p:nvSpPr>
+        <p:spPr>
+          <a:xfrm>
+            <a:off x="1670864" y="1068190"/>
+            <a:ext cx="1712420" cy="270165"/>
+          </a:xfrm>
+          <a:prstGeom prst="rect">
+            <a:avLst/>
+          </a:prstGeom>
+        </p:spPr>
+        <p:style>
+          <a:lnRef idx="2">
+            <a:schemeClr val="accent1">
+              <a:shade val="50000"/>
+            </a:schemeClr>
+          </a:lnRef>
+          <a:fillRef idx="1">
+            <a:schemeClr val="accent1"/>
+          </a:fillRef>
+          <a:effectRef idx="0">
+            <a:schemeClr val="accent1"/>
+          </a:effectRef>
+          <a:fontRef idx="minor">
+            <a:schemeClr val="lt1"/>
+          </a:fontRef>
+        </p:style>
+        <p:txBody>
+          <a:bodyPr rtlCol="0" anchor="ctr"/>
+          <a:lstStyle/>
+          <a:p>
+            <a:pPr algn="ctr"/>
+            <a:r>
+              <a:rPr lang="en-US" altLang="ko-KR" dirty="0" smtClean="0"/>
+              <a:t>Update()</a:t>
+            </a:r>
+            <a:endParaRPr lang="ko-KR" altLang="en-US" dirty="0"/>
+          </a:p>
+        </p:txBody>
+      </p:sp>
+      <p:sp>
+        <p:nvSpPr>
+          <p:cNvPr id="10" name="Rectangle 9"/>
+          <p:cNvSpPr/>
+          <p:nvPr/>
+        </p:nvSpPr>
+        <p:spPr>
+          <a:xfrm>
+            <a:off x="1670864" y="748147"/>
+            <a:ext cx="1712420" cy="270165"/>
+          </a:xfrm>
+          <a:prstGeom prst="rect">
+            <a:avLst/>
+          </a:prstGeom>
+        </p:spPr>
+        <p:style>
+          <a:lnRef idx="2">
+            <a:schemeClr val="accent1">
+              <a:shade val="50000"/>
+            </a:schemeClr>
+          </a:lnRef>
+          <a:fillRef idx="1">
+            <a:schemeClr val="accent1"/>
+          </a:fillRef>
+          <a:effectRef idx="0">
+            <a:schemeClr val="accent1"/>
+          </a:effectRef>
+          <a:fontRef idx="minor">
+            <a:schemeClr val="lt1"/>
+          </a:fontRef>
+        </p:style>
+        <p:txBody>
+          <a:bodyPr rtlCol="0" anchor="ctr"/>
+          <a:lstStyle/>
+          <a:p>
+            <a:pPr algn="ctr"/>
+            <a:r>
+              <a:rPr lang="en-US" altLang="ko-KR" dirty="0" smtClean="0"/>
+              <a:t>Render</a:t>
+            </a:r>
+            <a:r>
+              <a:rPr lang="en-US" altLang="ko-KR" dirty="0" smtClean="0"/>
+              <a:t>()</a:t>
+            </a:r>
+            <a:endParaRPr lang="ko-KR" altLang="en-US" dirty="0"/>
+          </a:p>
+        </p:txBody>
+      </p:sp>
+      <p:sp>
+        <p:nvSpPr>
+          <p:cNvPr id="11" name="TextBox 10"/>
+          <p:cNvSpPr txBox="1"/>
+          <p:nvPr/>
+        </p:nvSpPr>
+        <p:spPr>
+          <a:xfrm>
+            <a:off x="1587735" y="615148"/>
+            <a:ext cx="3233650" cy="1754326"/>
+          </a:xfrm>
+          <a:prstGeom prst="rect">
+            <a:avLst/>
+          </a:prstGeom>
+          <a:noFill/>
+          <a:ln>
+            <a:solidFill>
+              <a:schemeClr val="tx1"/>
+            </a:solidFill>
+          </a:ln>
+        </p:spPr>
+        <p:txBody>
+          <a:bodyPr wrap="square" rtlCol="0">
+            <a:spAutoFit/>
+          </a:bodyPr>
+          <a:lstStyle/>
+          <a:p>
+            <a:endParaRPr lang="en-US" altLang="ko-KR" dirty="0" smtClean="0"/>
+          </a:p>
+          <a:p>
+            <a:endParaRPr lang="en-US" altLang="ko-KR" dirty="0"/>
+          </a:p>
+          <a:p>
+            <a:endParaRPr lang="en-US" altLang="ko-KR" dirty="0" smtClean="0"/>
+          </a:p>
+          <a:p>
+            <a:r>
+              <a:rPr lang="ko-KR" altLang="en-US" dirty="0" smtClean="0"/>
+              <a:t>사용중인 객체들의 </a:t>
+            </a:r>
+            <a:endParaRPr lang="en-US" altLang="ko-KR" dirty="0" smtClean="0"/>
+          </a:p>
+          <a:p>
+            <a:r>
+              <a:rPr lang="en-US" altLang="ko-KR" dirty="0" err="1" smtClean="0"/>
+              <a:t>Update&amp;Render</a:t>
+            </a:r>
+            <a:r>
+              <a:rPr lang="en-US" altLang="ko-KR" dirty="0"/>
+              <a:t> </a:t>
+            </a:r>
+            <a:r>
+              <a:rPr lang="ko-KR" altLang="en-US" dirty="0" smtClean="0"/>
+              <a:t>범위기반 </a:t>
+            </a:r>
+            <a:endParaRPr lang="en-US" altLang="ko-KR" dirty="0" smtClean="0"/>
+          </a:p>
+          <a:p>
+            <a:r>
+              <a:rPr lang="en-US" altLang="ko-KR" dirty="0" smtClean="0"/>
+              <a:t>For </a:t>
+            </a:r>
+            <a:r>
+              <a:rPr lang="ko-KR" altLang="en-US" dirty="0" smtClean="0"/>
+              <a:t>문으로 지속적으로 처리 </a:t>
+            </a:r>
+            <a:endParaRPr lang="ko-KR" altLang="en-US" dirty="0"/>
+          </a:p>
+        </p:txBody>
+      </p:sp>
+      <p:sp>
+        <p:nvSpPr>
+          <p:cNvPr id="12" name="TextBox 11"/>
+          <p:cNvSpPr txBox="1"/>
+          <p:nvPr/>
+        </p:nvSpPr>
+        <p:spPr>
+          <a:xfrm>
+            <a:off x="5195459" y="615148"/>
+            <a:ext cx="4854632" cy="1754326"/>
+          </a:xfrm>
+          <a:prstGeom prst="rect">
+            <a:avLst/>
+          </a:prstGeom>
+          <a:noFill/>
+          <a:ln>
+            <a:solidFill>
+              <a:schemeClr val="tx1"/>
+            </a:solidFill>
+          </a:ln>
+        </p:spPr>
+        <p:txBody>
+          <a:bodyPr wrap="square" rtlCol="0">
+            <a:spAutoFit/>
+          </a:bodyPr>
+          <a:lstStyle/>
+          <a:p>
+            <a:endParaRPr lang="en-US" altLang="ko-KR" dirty="0" smtClean="0"/>
+          </a:p>
+          <a:p>
+            <a:endParaRPr lang="en-US" altLang="ko-KR" dirty="0"/>
+          </a:p>
+          <a:p>
+            <a:endParaRPr lang="en-US" altLang="ko-KR" dirty="0" smtClean="0"/>
+          </a:p>
+          <a:p>
+            <a:endParaRPr lang="en-US" altLang="ko-KR" dirty="0" smtClean="0"/>
+          </a:p>
+          <a:p>
+            <a:r>
+              <a:rPr lang="en-US" altLang="ko-KR" dirty="0" smtClean="0"/>
+              <a:t>List</a:t>
+            </a:r>
+            <a:r>
+              <a:rPr lang="ko-KR" altLang="en-US" dirty="0" smtClean="0"/>
+              <a:t>를 사용하여서 삽입 삭제에 용의하게 제작</a:t>
+            </a:r>
+            <a:endParaRPr lang="en-US" altLang="ko-KR" dirty="0" smtClean="0"/>
+          </a:p>
+          <a:p>
+            <a:r>
+              <a:rPr lang="en-US" altLang="ko-KR" dirty="0" smtClean="0"/>
+              <a:t>Add</a:t>
+            </a:r>
+            <a:r>
+              <a:rPr lang="ko-KR" altLang="en-US" dirty="0" smtClean="0"/>
+              <a:t>와 </a:t>
+            </a:r>
+            <a:r>
+              <a:rPr lang="en-US" altLang="ko-KR" dirty="0" smtClean="0"/>
+              <a:t>Remove</a:t>
+            </a:r>
+            <a:r>
+              <a:rPr lang="ko-KR" altLang="en-US" dirty="0" smtClean="0"/>
+              <a:t>함수를 사용하여서 </a:t>
+            </a:r>
+            <a:r>
+              <a:rPr lang="en-US" altLang="ko-KR" dirty="0" smtClean="0"/>
+              <a:t>List</a:t>
+            </a:r>
+            <a:r>
+              <a:rPr lang="ko-KR" altLang="en-US" dirty="0" smtClean="0"/>
+              <a:t>관리</a:t>
+            </a:r>
+            <a:endParaRPr lang="en-US" altLang="ko-KR" dirty="0" smtClean="0"/>
+          </a:p>
+        </p:txBody>
+      </p:sp>
+      <p:sp>
+        <p:nvSpPr>
+          <p:cNvPr id="13" name="TextBox 12"/>
+          <p:cNvSpPr txBox="1"/>
+          <p:nvPr/>
+        </p:nvSpPr>
+        <p:spPr>
+          <a:xfrm>
+            <a:off x="1604362" y="2519689"/>
+            <a:ext cx="8495608" cy="646331"/>
+          </a:xfrm>
+          <a:prstGeom prst="rect">
+            <a:avLst/>
+          </a:prstGeom>
+          <a:noFill/>
+          <a:ln>
+            <a:solidFill>
+              <a:schemeClr val="tx1"/>
+            </a:solidFill>
+          </a:ln>
+        </p:spPr>
+        <p:txBody>
+          <a:bodyPr wrap="square" rtlCol="0">
+            <a:spAutoFit/>
+          </a:bodyPr>
+          <a:lstStyle/>
+          <a:p>
+            <a:r>
+              <a:rPr lang="ko-KR" altLang="en-US" dirty="0" smtClean="0"/>
+              <a:t>용도</a:t>
+            </a:r>
+            <a:r>
+              <a:rPr lang="en-US" altLang="ko-KR" dirty="0" smtClean="0"/>
+              <a:t>:</a:t>
+            </a:r>
+          </a:p>
+          <a:p>
+            <a:r>
+              <a:rPr lang="ko-KR" altLang="en-US" dirty="0" smtClean="0"/>
+              <a:t>플레이어와 적이 발사하는 투사체들의 </a:t>
+            </a:r>
+            <a:r>
+              <a:rPr lang="en-US" altLang="ko-KR" dirty="0" smtClean="0"/>
+              <a:t>Update Render</a:t>
+            </a:r>
+            <a:r>
+              <a:rPr lang="ko-KR" altLang="en-US" dirty="0" smtClean="0"/>
+              <a:t>를 하는 객체이다</a:t>
+            </a:r>
+            <a:r>
+              <a:rPr lang="en-US" altLang="ko-KR" dirty="0" smtClean="0"/>
+              <a:t>.</a:t>
+            </a:r>
+          </a:p>
+        </p:txBody>
+      </p:sp>
+    </p:spTree>
+    <p:extLst>
+      <p:ext uri="{BB962C8B-B14F-4D97-AF65-F5344CB8AC3E}">
+        <p14:creationId xmlns:p14="http://schemas.microsoft.com/office/powerpoint/2010/main" val="1081497504"/>
+      </p:ext>
+    </p:extLst>
+  </p:cSld>
+  <p:clrMapOvr>
+    <a:masterClrMapping/>
+  </p:clrMapOvr>
+</p:sld>
+</file>
+
+<file path=ppt/slides/slide3.xml><?xml version="1.0" encoding="utf-8"?>
+<p:sld xmlns:a="http://schemas.openxmlformats.org/drawingml/2006/main" xmlns:r="http://schemas.openxmlformats.org/officeDocument/2006/relationships" xmlns:p="http://schemas.openxmlformats.org/presentationml/2006/main">
+  <p:cSld>
+    <p:spTree>
+      <p:nvGrpSpPr>
+        <p:cNvPr id="1" name=""/>
+        <p:cNvGrpSpPr/>
+        <p:nvPr/>
+      </p:nvGrpSpPr>
+      <p:grpSpPr>
+        <a:xfrm>
+          <a:off x="0" y="0"/>
+          <a:ext cx="0" cy="0"/>
+          <a:chOff x="0" y="0"/>
+          <a:chExt cx="0" cy="0"/>
+        </a:xfrm>
+      </p:grpSpPr>
+      <p:sp>
+        <p:nvSpPr>
           <p:cNvPr id="4" name="Rectangle 3"/>
           <p:cNvSpPr/>
           <p:nvPr/>
@@ -3330,15 +4911,7 @@
             <a:pPr algn="ctr"/>
             <a:r>
               <a:rPr lang="en-US" altLang="ko-KR" dirty="0" smtClean="0"/>
-              <a:t>List&lt;</a:t>
-            </a:r>
-            <a:r>
-              <a:rPr lang="en-US" altLang="ko-KR" dirty="0" smtClean="0"/>
-              <a:t>Enemy</a:t>
-            </a:r>
-            <a:r>
-              <a:rPr lang="en-US" altLang="ko-KR" dirty="0" smtClean="0"/>
-              <a:t>&gt;</a:t>
+              <a:t>List&lt;Enemy&gt;</a:t>
             </a:r>
             <a:endParaRPr lang="ko-KR" altLang="en-US" dirty="0"/>
           </a:p>
@@ -3382,11 +4955,7 @@
             <a:pPr algn="ctr"/>
             <a:r>
               <a:rPr lang="en-US" altLang="ko-KR" dirty="0" err="1" smtClean="0"/>
-              <a:t>add</a:t>
-            </a:r>
-            <a:r>
-              <a:rPr lang="en-US" altLang="ko-KR" dirty="0" err="1" smtClean="0"/>
-              <a:t>Enemy</a:t>
+              <a:t>addEnemy</a:t>
             </a:r>
             <a:endParaRPr lang="ko-KR" altLang="en-US" dirty="0"/>
           </a:p>
@@ -3430,11 +4999,7 @@
             <a:pPr algn="ctr"/>
             <a:r>
               <a:rPr lang="en-US" altLang="ko-KR" dirty="0" err="1" smtClean="0"/>
-              <a:t>remove</a:t>
-            </a:r>
-            <a:r>
-              <a:rPr lang="en-US" altLang="ko-KR" dirty="0" err="1" smtClean="0"/>
-              <a:t>Enemy</a:t>
+              <a:t>removeEnemy</a:t>
             </a:r>
             <a:endParaRPr lang="ko-KR" altLang="en-US" dirty="0"/>
           </a:p>
@@ -3642,11 +5207,7 @@
             </a:r>
             <a:r>
               <a:rPr lang="en-US" altLang="ko-KR" dirty="0" err="1" smtClean="0"/>
-              <a:t>Player</a:t>
-            </a:r>
-            <a:r>
-              <a:rPr lang="en-US" altLang="ko-KR" dirty="0" err="1" smtClean="0"/>
-              <a:t>Projectile</a:t>
+              <a:t>PlayerProjectile</a:t>
             </a:r>
             <a:r>
               <a:rPr lang="en-US" altLang="ko-KR" dirty="0" smtClean="0"/>
@@ -3694,11 +5255,7 @@
             <a:pPr algn="ctr"/>
             <a:r>
               <a:rPr lang="en-US" altLang="ko-KR" dirty="0" err="1" smtClean="0"/>
-              <a:t>addPlayer</a:t>
-            </a:r>
-            <a:r>
-              <a:rPr lang="en-US" altLang="ko-KR" dirty="0" err="1" smtClean="0"/>
-              <a:t>Projectile</a:t>
+              <a:t>addPlayerProjectile</a:t>
             </a:r>
             <a:endParaRPr lang="ko-KR" altLang="en-US" dirty="0"/>
           </a:p>
@@ -3742,11 +5299,7 @@
             <a:pPr algn="ctr"/>
             <a:r>
               <a:rPr lang="en-US" altLang="ko-KR" dirty="0" err="1" smtClean="0"/>
-              <a:t>removePlayer</a:t>
-            </a:r>
-            <a:r>
-              <a:rPr lang="en-US" altLang="ko-KR" dirty="0" err="1" smtClean="0"/>
-              <a:t>Projectile</a:t>
+              <a:t>removePlayerProjectile</a:t>
             </a:r>
             <a:endParaRPr lang="ko-KR" altLang="en-US" dirty="0"/>
           </a:p>
@@ -3895,11 +5448,7 @@
             <a:pPr algn="ctr"/>
             <a:r>
               <a:rPr lang="en-US" altLang="ko-KR" dirty="0" err="1" smtClean="0"/>
-              <a:t>Enemy</a:t>
-            </a:r>
-            <a:r>
-              <a:rPr lang="en-US" altLang="ko-KR" dirty="0" err="1" smtClean="0"/>
-              <a:t>Projectile</a:t>
+              <a:t>EnemyProjectile</a:t>
             </a:r>
             <a:endParaRPr lang="en-US" altLang="ko-KR" dirty="0" smtClean="0"/>
           </a:p>
@@ -4003,11 +5552,7 @@
             <a:pPr algn="ctr"/>
             <a:r>
               <a:rPr lang="en-US" altLang="ko-KR" dirty="0" err="1" smtClean="0"/>
-              <a:t>add</a:t>
-            </a:r>
-            <a:r>
-              <a:rPr lang="en-US" altLang="ko-KR" dirty="0" err="1" smtClean="0"/>
-              <a:t>EnemyProjectile</a:t>
+              <a:t>addEnemyProjectile</a:t>
             </a:r>
             <a:endParaRPr lang="ko-KR" altLang="en-US" dirty="0"/>
           </a:p>
@@ -4051,11 +5596,7 @@
             <a:pPr algn="ctr"/>
             <a:r>
               <a:rPr lang="en-US" altLang="ko-KR" dirty="0" err="1" smtClean="0"/>
-              <a:t>remove</a:t>
-            </a:r>
-            <a:r>
-              <a:rPr lang="en-US" altLang="ko-KR" dirty="0" err="1" smtClean="0"/>
-              <a:t>EnemyProjectile</a:t>
+              <a:t>removeEnemyProjectile</a:t>
             </a:r>
             <a:endParaRPr lang="ko-KR" altLang="en-US" dirty="0"/>
           </a:p>
@@ -4178,7 +5719,7 @@
         <p:spPr>
           <a:xfrm>
             <a:off x="0" y="116378"/>
-            <a:ext cx="5727469" cy="5951913"/>
+            <a:ext cx="5727469" cy="6226231"/>
           </a:xfrm>
           <a:prstGeom prst="rect">
             <a:avLst/>
@@ -4343,7 +5884,7 @@
         </p:nvSpPr>
         <p:spPr>
           <a:xfrm>
-            <a:off x="5857695" y="764769"/>
+            <a:off x="5933892" y="798022"/>
             <a:ext cx="5926975" cy="5577840"/>
           </a:xfrm>
           <a:prstGeom prst="rect">
@@ -4383,14 +5924,410 @@
       </p:sp>
       <p:sp>
         <p:nvSpPr>
-          <p:cNvPr id="83" name="TextBox 82"/>
+          <p:cNvPr id="100" name="Rectangle 99"/>
+          <p:cNvSpPr/>
+          <p:nvPr/>
+        </p:nvSpPr>
+        <p:spPr>
+          <a:xfrm>
+            <a:off x="8219199" y="2953736"/>
+            <a:ext cx="1454727" cy="496683"/>
+          </a:xfrm>
+          <a:prstGeom prst="rect">
+            <a:avLst/>
+          </a:prstGeom>
+        </p:spPr>
+        <p:style>
+          <a:lnRef idx="2">
+            <a:schemeClr val="accent1">
+              <a:shade val="50000"/>
+            </a:schemeClr>
+          </a:lnRef>
+          <a:fillRef idx="1">
+            <a:schemeClr val="accent1"/>
+          </a:fillRef>
+          <a:effectRef idx="0">
+            <a:schemeClr val="accent1"/>
+          </a:effectRef>
+          <a:fontRef idx="minor">
+            <a:schemeClr val="lt1"/>
+          </a:fontRef>
+        </p:style>
+        <p:txBody>
+          <a:bodyPr rtlCol="0" anchor="ctr"/>
+          <a:lstStyle/>
+          <a:p>
+            <a:pPr algn="ctr"/>
+            <a:r>
+              <a:rPr lang="en-US" altLang="ko-KR" dirty="0" smtClean="0"/>
+              <a:t>Enemy</a:t>
+            </a:r>
+            <a:endParaRPr lang="ko-KR" altLang="en-US" dirty="0"/>
+          </a:p>
+        </p:txBody>
+      </p:sp>
+      <p:sp>
+        <p:nvSpPr>
+          <p:cNvPr id="103" name="Rectangle 102"/>
+          <p:cNvSpPr/>
+          <p:nvPr/>
+        </p:nvSpPr>
+        <p:spPr>
+          <a:xfrm>
+            <a:off x="9486889" y="4275859"/>
+            <a:ext cx="1629295" cy="392778"/>
+          </a:xfrm>
+          <a:prstGeom prst="rect">
+            <a:avLst/>
+          </a:prstGeom>
+        </p:spPr>
+        <p:style>
+          <a:lnRef idx="2">
+            <a:schemeClr val="accent1">
+              <a:shade val="50000"/>
+            </a:schemeClr>
+          </a:lnRef>
+          <a:fillRef idx="1">
+            <a:schemeClr val="accent1"/>
+          </a:fillRef>
+          <a:effectRef idx="0">
+            <a:schemeClr val="accent1"/>
+          </a:effectRef>
+          <a:fontRef idx="minor">
+            <a:schemeClr val="lt1"/>
+          </a:fontRef>
+        </p:style>
+        <p:txBody>
+          <a:bodyPr rtlCol="0" anchor="ctr"/>
+          <a:lstStyle/>
+          <a:p>
+            <a:pPr algn="ctr"/>
+            <a:r>
+              <a:rPr lang="en-US" altLang="ko-KR" dirty="0" smtClean="0"/>
+              <a:t>shield</a:t>
+            </a:r>
+            <a:endParaRPr lang="ko-KR" altLang="en-US" dirty="0"/>
+          </a:p>
+        </p:txBody>
+      </p:sp>
+      <p:sp>
+        <p:nvSpPr>
+          <p:cNvPr id="104" name="Rectangle 103"/>
+          <p:cNvSpPr/>
+          <p:nvPr/>
+        </p:nvSpPr>
+        <p:spPr>
+          <a:xfrm>
+            <a:off x="6371012" y="4299912"/>
+            <a:ext cx="1629295" cy="392778"/>
+          </a:xfrm>
+          <a:prstGeom prst="rect">
+            <a:avLst/>
+          </a:prstGeom>
+        </p:spPr>
+        <p:style>
+          <a:lnRef idx="2">
+            <a:schemeClr val="accent1">
+              <a:shade val="50000"/>
+            </a:schemeClr>
+          </a:lnRef>
+          <a:fillRef idx="1">
+            <a:schemeClr val="accent1"/>
+          </a:fillRef>
+          <a:effectRef idx="0">
+            <a:schemeClr val="accent1"/>
+          </a:effectRef>
+          <a:fontRef idx="minor">
+            <a:schemeClr val="lt1"/>
+          </a:fontRef>
+        </p:style>
+        <p:txBody>
+          <a:bodyPr rtlCol="0" anchor="ctr"/>
+          <a:lstStyle/>
+          <a:p>
+            <a:pPr algn="ctr"/>
+            <a:r>
+              <a:rPr lang="en-US" altLang="ko-KR" dirty="0" smtClean="0"/>
+              <a:t>rifle</a:t>
+            </a:r>
+            <a:endParaRPr lang="ko-KR" altLang="en-US" dirty="0"/>
+          </a:p>
+        </p:txBody>
+      </p:sp>
+      <p:sp>
+        <p:nvSpPr>
+          <p:cNvPr id="105" name="Rectangle 104"/>
+          <p:cNvSpPr/>
+          <p:nvPr/>
+        </p:nvSpPr>
+        <p:spPr>
+          <a:xfrm>
+            <a:off x="6400970" y="4770973"/>
+            <a:ext cx="1629295" cy="392778"/>
+          </a:xfrm>
+          <a:prstGeom prst="rect">
+            <a:avLst/>
+          </a:prstGeom>
+        </p:spPr>
+        <p:style>
+          <a:lnRef idx="2">
+            <a:schemeClr val="accent1">
+              <a:shade val="50000"/>
+            </a:schemeClr>
+          </a:lnRef>
+          <a:fillRef idx="1">
+            <a:schemeClr val="accent1"/>
+          </a:fillRef>
+          <a:effectRef idx="0">
+            <a:schemeClr val="accent1"/>
+          </a:effectRef>
+          <a:fontRef idx="minor">
+            <a:schemeClr val="lt1"/>
+          </a:fontRef>
+        </p:style>
+        <p:txBody>
+          <a:bodyPr rtlCol="0" anchor="ctr"/>
+          <a:lstStyle/>
+          <a:p>
+            <a:pPr algn="ctr"/>
+            <a:r>
+              <a:rPr lang="en-US" altLang="ko-KR" dirty="0" smtClean="0"/>
+              <a:t>bazooka</a:t>
+            </a:r>
+            <a:endParaRPr lang="ko-KR" altLang="en-US" dirty="0"/>
+          </a:p>
+        </p:txBody>
+      </p:sp>
+      <p:sp>
+        <p:nvSpPr>
+          <p:cNvPr id="106" name="Rectangle 105"/>
+          <p:cNvSpPr/>
+          <p:nvPr/>
+        </p:nvSpPr>
+        <p:spPr>
+          <a:xfrm>
+            <a:off x="9476322" y="4802527"/>
+            <a:ext cx="1618729" cy="392778"/>
+          </a:xfrm>
+          <a:prstGeom prst="rect">
+            <a:avLst/>
+          </a:prstGeom>
+        </p:spPr>
+        <p:style>
+          <a:lnRef idx="2">
+            <a:schemeClr val="accent1">
+              <a:shade val="50000"/>
+            </a:schemeClr>
+          </a:lnRef>
+          <a:fillRef idx="1">
+            <a:schemeClr val="accent1"/>
+          </a:fillRef>
+          <a:effectRef idx="0">
+            <a:schemeClr val="accent1"/>
+          </a:effectRef>
+          <a:fontRef idx="minor">
+            <a:schemeClr val="lt1"/>
+          </a:fontRef>
+        </p:style>
+        <p:txBody>
+          <a:bodyPr rtlCol="0" anchor="ctr"/>
+          <a:lstStyle/>
+          <a:p>
+            <a:pPr algn="ctr"/>
+            <a:r>
+              <a:rPr lang="en-US" altLang="ko-KR" dirty="0" smtClean="0"/>
+              <a:t>Tank</a:t>
+            </a:r>
+            <a:endParaRPr lang="ko-KR" altLang="en-US" dirty="0"/>
+          </a:p>
+        </p:txBody>
+      </p:sp>
+      <p:sp>
+        <p:nvSpPr>
+          <p:cNvPr id="107" name="Rectangle 106"/>
+          <p:cNvSpPr/>
+          <p:nvPr/>
+        </p:nvSpPr>
+        <p:spPr>
+          <a:xfrm>
+            <a:off x="9465756" y="5349088"/>
+            <a:ext cx="1629295" cy="392778"/>
+          </a:xfrm>
+          <a:prstGeom prst="rect">
+            <a:avLst/>
+          </a:prstGeom>
+        </p:spPr>
+        <p:style>
+          <a:lnRef idx="2">
+            <a:schemeClr val="accent1">
+              <a:shade val="50000"/>
+            </a:schemeClr>
+          </a:lnRef>
+          <a:fillRef idx="1">
+            <a:schemeClr val="accent1"/>
+          </a:fillRef>
+          <a:effectRef idx="0">
+            <a:schemeClr val="accent1"/>
+          </a:effectRef>
+          <a:fontRef idx="minor">
+            <a:schemeClr val="lt1"/>
+          </a:fontRef>
+        </p:style>
+        <p:txBody>
+          <a:bodyPr rtlCol="0" anchor="ctr"/>
+          <a:lstStyle/>
+          <a:p>
+            <a:pPr algn="ctr"/>
+            <a:r>
+              <a:rPr lang="en-US" altLang="ko-KR" dirty="0" err="1" smtClean="0"/>
+              <a:t>HalfTrack</a:t>
+            </a:r>
+            <a:endParaRPr lang="ko-KR" altLang="en-US" dirty="0"/>
+          </a:p>
+        </p:txBody>
+      </p:sp>
+      <p:sp>
+        <p:nvSpPr>
+          <p:cNvPr id="108" name="Rectangle 107"/>
+          <p:cNvSpPr/>
+          <p:nvPr/>
+        </p:nvSpPr>
+        <p:spPr>
+          <a:xfrm>
+            <a:off x="6400969" y="5713095"/>
+            <a:ext cx="1629295" cy="392778"/>
+          </a:xfrm>
+          <a:prstGeom prst="rect">
+            <a:avLst/>
+          </a:prstGeom>
+        </p:spPr>
+        <p:style>
+          <a:lnRef idx="2">
+            <a:schemeClr val="accent1">
+              <a:shade val="50000"/>
+            </a:schemeClr>
+          </a:lnRef>
+          <a:fillRef idx="1">
+            <a:schemeClr val="accent1"/>
+          </a:fillRef>
+          <a:effectRef idx="0">
+            <a:schemeClr val="accent1"/>
+          </a:effectRef>
+          <a:fontRef idx="minor">
+            <a:schemeClr val="lt1"/>
+          </a:fontRef>
+        </p:style>
+        <p:txBody>
+          <a:bodyPr rtlCol="0" anchor="ctr"/>
+          <a:lstStyle/>
+          <a:p>
+            <a:pPr algn="ctr"/>
+            <a:r>
+              <a:rPr lang="en-US" altLang="ko-KR" dirty="0" err="1" smtClean="0"/>
+              <a:t>Granadier</a:t>
+            </a:r>
+            <a:endParaRPr lang="ko-KR" altLang="en-US" dirty="0"/>
+          </a:p>
+        </p:txBody>
+      </p:sp>
+      <p:sp>
+        <p:nvSpPr>
+          <p:cNvPr id="110" name="Rectangle 109"/>
+          <p:cNvSpPr/>
+          <p:nvPr/>
+        </p:nvSpPr>
+        <p:spPr>
+          <a:xfrm>
+            <a:off x="6400969" y="5242034"/>
+            <a:ext cx="1629295" cy="392778"/>
+          </a:xfrm>
+          <a:prstGeom prst="rect">
+            <a:avLst/>
+          </a:prstGeom>
+        </p:spPr>
+        <p:style>
+          <a:lnRef idx="2">
+            <a:schemeClr val="accent1">
+              <a:shade val="50000"/>
+            </a:schemeClr>
+          </a:lnRef>
+          <a:fillRef idx="1">
+            <a:schemeClr val="accent1"/>
+          </a:fillRef>
+          <a:effectRef idx="0">
+            <a:schemeClr val="accent1"/>
+          </a:effectRef>
+          <a:fontRef idx="minor">
+            <a:schemeClr val="lt1"/>
+          </a:fontRef>
+        </p:style>
+        <p:txBody>
+          <a:bodyPr rtlCol="0" anchor="ctr"/>
+          <a:lstStyle/>
+          <a:p>
+            <a:pPr algn="ctr"/>
+            <a:r>
+              <a:rPr lang="en-US" altLang="ko-KR" dirty="0" smtClean="0"/>
+              <a:t>Siren</a:t>
+            </a:r>
+            <a:endParaRPr lang="ko-KR" altLang="en-US" dirty="0"/>
+          </a:p>
+        </p:txBody>
+      </p:sp>
+      <p:sp>
+        <p:nvSpPr>
+          <p:cNvPr id="111" name="Rectangle 110"/>
+          <p:cNvSpPr/>
+          <p:nvPr/>
+        </p:nvSpPr>
+        <p:spPr>
+          <a:xfrm>
+            <a:off x="6349879" y="3794379"/>
+            <a:ext cx="1629295" cy="392778"/>
+          </a:xfrm>
+          <a:prstGeom prst="rect">
+            <a:avLst/>
+          </a:prstGeom>
+        </p:spPr>
+        <p:style>
+          <a:lnRef idx="2">
+            <a:schemeClr val="accent1">
+              <a:shade val="50000"/>
+            </a:schemeClr>
+          </a:lnRef>
+          <a:fillRef idx="1">
+            <a:schemeClr val="accent1"/>
+          </a:fillRef>
+          <a:effectRef idx="0">
+            <a:schemeClr val="accent1"/>
+          </a:effectRef>
+          <a:fontRef idx="minor">
+            <a:schemeClr val="lt1"/>
+          </a:fontRef>
+        </p:style>
+        <p:txBody>
+          <a:bodyPr rtlCol="0" anchor="ctr"/>
+          <a:lstStyle/>
+          <a:p>
+            <a:pPr algn="ctr"/>
+            <a:r>
+              <a:rPr lang="en-US" altLang="ko-KR" dirty="0" err="1" smtClean="0"/>
+              <a:t>Moter</a:t>
+            </a:r>
+            <a:endParaRPr lang="ko-KR" altLang="en-US" dirty="0"/>
+          </a:p>
+        </p:txBody>
+      </p:sp>
+      <p:sp>
+        <p:nvSpPr>
+          <p:cNvPr id="2" name="TextBox 1"/>
           <p:cNvSpPr txBox="1"/>
           <p:nvPr/>
         </p:nvSpPr>
         <p:spPr>
           <a:xfrm>
-            <a:off x="6026727" y="1119393"/>
-            <a:ext cx="1928553" cy="369332"/>
+            <a:off x="5943598" y="38810"/>
+            <a:ext cx="750923" cy="646331"/>
           </a:xfrm>
           <a:prstGeom prst="rect">
             <a:avLst/>
@@ -4405,7 +6342,14 @@
           <a:p>
             <a:r>
               <a:rPr lang="ko-KR" altLang="en-US" dirty="0" smtClean="0"/>
-              <a:t>상속 관계</a:t>
+              <a:t>상호</a:t>
+            </a:r>
+            <a:endParaRPr lang="en-US" altLang="ko-KR" dirty="0" smtClean="0"/>
+          </a:p>
+          <a:p>
+            <a:r>
+              <a:rPr lang="ko-KR" altLang="en-US" dirty="0" smtClean="0"/>
+              <a:t>작용</a:t>
             </a:r>
             <a:endParaRPr lang="ko-KR" altLang="en-US" dirty="0"/>
           </a:p>
@@ -4413,18 +6357,655 @@
       </p:sp>
       <p:sp>
         <p:nvSpPr>
-          <p:cNvPr id="88" name="Rectangle 87"/>
+          <p:cNvPr id="3" name="TextBox 2"/>
+          <p:cNvSpPr txBox="1"/>
+          <p:nvPr/>
+        </p:nvSpPr>
+        <p:spPr>
+          <a:xfrm>
+            <a:off x="8730431" y="89733"/>
+            <a:ext cx="2510444" cy="369332"/>
+          </a:xfrm>
+          <a:prstGeom prst="rect">
+            <a:avLst/>
+          </a:prstGeom>
+          <a:noFill/>
+        </p:spPr>
+        <p:txBody>
+          <a:bodyPr wrap="square" rtlCol="0">
+            <a:spAutoFit/>
+          </a:bodyPr>
+          <a:lstStyle/>
+          <a:p>
+            <a:r>
+              <a:rPr lang="en-US" altLang="ko-KR" dirty="0" smtClean="0"/>
+              <a:t>*</a:t>
+            </a:r>
+            <a:r>
+              <a:rPr lang="ko-KR" altLang="en-US" dirty="0" smtClean="0"/>
+              <a:t>옵저버 패턴</a:t>
+            </a:r>
+            <a:endParaRPr lang="ko-KR" altLang="en-US" dirty="0"/>
+          </a:p>
+        </p:txBody>
+      </p:sp>
+      <p:sp>
+        <p:nvSpPr>
+          <p:cNvPr id="26" name="Rectangle 25"/>
           <p:cNvSpPr/>
           <p:nvPr/>
         </p:nvSpPr>
         <p:spPr>
           <a:xfrm>
-            <a:off x="7516773" y="1643841"/>
-            <a:ext cx="1213658" cy="502920"/>
-          </a:xfrm>
-          <a:prstGeom prst="rect">
-            <a:avLst/>
-          </a:prstGeom>
+            <a:off x="6371012" y="3314709"/>
+            <a:ext cx="1608162" cy="343427"/>
+          </a:xfrm>
+          <a:prstGeom prst="rect">
+            <a:avLst/>
+          </a:prstGeom>
+        </p:spPr>
+        <p:style>
+          <a:lnRef idx="2">
+            <a:schemeClr val="accent1">
+              <a:shade val="50000"/>
+            </a:schemeClr>
+          </a:lnRef>
+          <a:fillRef idx="1">
+            <a:schemeClr val="accent1"/>
+          </a:fillRef>
+          <a:effectRef idx="0">
+            <a:schemeClr val="accent1"/>
+          </a:effectRef>
+          <a:fontRef idx="minor">
+            <a:schemeClr val="lt1"/>
+          </a:fontRef>
+        </p:style>
+        <p:txBody>
+          <a:bodyPr rtlCol="0" anchor="ctr"/>
+          <a:lstStyle/>
+          <a:p>
+            <a:pPr algn="ctr"/>
+            <a:r>
+              <a:rPr lang="en-US" altLang="ko-KR" dirty="0" smtClean="0"/>
+              <a:t>Human</a:t>
+            </a:r>
+            <a:endParaRPr lang="ko-KR" altLang="en-US" dirty="0"/>
+          </a:p>
+        </p:txBody>
+      </p:sp>
+      <p:sp>
+        <p:nvSpPr>
+          <p:cNvPr id="71" name="Rectangle 70"/>
+          <p:cNvSpPr/>
+          <p:nvPr/>
+        </p:nvSpPr>
+        <p:spPr>
+          <a:xfrm>
+            <a:off x="9486889" y="3771604"/>
+            <a:ext cx="1608162" cy="343427"/>
+          </a:xfrm>
+          <a:prstGeom prst="rect">
+            <a:avLst/>
+          </a:prstGeom>
+        </p:spPr>
+        <p:style>
+          <a:lnRef idx="2">
+            <a:schemeClr val="accent1">
+              <a:shade val="50000"/>
+            </a:schemeClr>
+          </a:lnRef>
+          <a:fillRef idx="1">
+            <a:schemeClr val="accent1"/>
+          </a:fillRef>
+          <a:effectRef idx="0">
+            <a:schemeClr val="accent1"/>
+          </a:effectRef>
+          <a:fontRef idx="minor">
+            <a:schemeClr val="lt1"/>
+          </a:fontRef>
+        </p:style>
+        <p:txBody>
+          <a:bodyPr rtlCol="0" anchor="ctr"/>
+          <a:lstStyle/>
+          <a:p>
+            <a:pPr algn="ctr"/>
+            <a:r>
+              <a:rPr lang="en-US" altLang="ko-KR" dirty="0" smtClean="0"/>
+              <a:t>Arm</a:t>
+            </a:r>
+            <a:endParaRPr lang="ko-KR" altLang="en-US" dirty="0"/>
+          </a:p>
+        </p:txBody>
+      </p:sp>
+      <p:cxnSp>
+        <p:nvCxnSpPr>
+          <p:cNvPr id="35" name="Straight Arrow Connector 34"/>
+          <p:cNvCxnSpPr>
+            <a:stCxn id="100" idx="1"/>
+            <a:endCxn id="26" idx="0"/>
+          </p:cNvCxnSpPr>
+          <p:nvPr/>
+        </p:nvCxnSpPr>
+        <p:spPr>
+          <a:xfrm flipH="1">
+            <a:off x="7175093" y="3202078"/>
+            <a:ext cx="1044106" cy="112631"/>
+          </a:xfrm>
+          <a:prstGeom prst="straightConnector1">
+            <a:avLst/>
+          </a:prstGeom>
+          <a:ln>
+            <a:tailEnd type="triangle"/>
+          </a:ln>
+        </p:spPr>
+        <p:style>
+          <a:lnRef idx="1">
+            <a:schemeClr val="accent1"/>
+          </a:lnRef>
+          <a:fillRef idx="0">
+            <a:schemeClr val="accent1"/>
+          </a:fillRef>
+          <a:effectRef idx="0">
+            <a:schemeClr val="accent1"/>
+          </a:effectRef>
+          <a:fontRef idx="minor">
+            <a:schemeClr val="tx1"/>
+          </a:fontRef>
+        </p:style>
+      </p:cxnSp>
+      <p:cxnSp>
+        <p:nvCxnSpPr>
+          <p:cNvPr id="37" name="Straight Arrow Connector 36"/>
+          <p:cNvCxnSpPr>
+            <a:stCxn id="26" idx="2"/>
+            <a:endCxn id="111" idx="0"/>
+          </p:cNvCxnSpPr>
+          <p:nvPr/>
+        </p:nvCxnSpPr>
+        <p:spPr>
+          <a:xfrm flipH="1">
+            <a:off x="7164527" y="3658136"/>
+            <a:ext cx="10566" cy="136243"/>
+          </a:xfrm>
+          <a:prstGeom prst="straightConnector1">
+            <a:avLst/>
+          </a:prstGeom>
+          <a:ln>
+            <a:tailEnd type="triangle"/>
+          </a:ln>
+        </p:spPr>
+        <p:style>
+          <a:lnRef idx="1">
+            <a:schemeClr val="accent1"/>
+          </a:lnRef>
+          <a:fillRef idx="0">
+            <a:schemeClr val="accent1"/>
+          </a:fillRef>
+          <a:effectRef idx="0">
+            <a:schemeClr val="accent1"/>
+          </a:effectRef>
+          <a:fontRef idx="minor">
+            <a:schemeClr val="tx1"/>
+          </a:fontRef>
+        </p:style>
+      </p:cxnSp>
+      <p:cxnSp>
+        <p:nvCxnSpPr>
+          <p:cNvPr id="39" name="Straight Arrow Connector 38"/>
+          <p:cNvCxnSpPr>
+            <a:stCxn id="26" idx="2"/>
+            <a:endCxn id="104" idx="0"/>
+          </p:cNvCxnSpPr>
+          <p:nvPr/>
+        </p:nvCxnSpPr>
+        <p:spPr>
+          <a:xfrm>
+            <a:off x="7175093" y="3658136"/>
+            <a:ext cx="10567" cy="641776"/>
+          </a:xfrm>
+          <a:prstGeom prst="straightConnector1">
+            <a:avLst/>
+          </a:prstGeom>
+          <a:ln>
+            <a:tailEnd type="triangle"/>
+          </a:ln>
+        </p:spPr>
+        <p:style>
+          <a:lnRef idx="1">
+            <a:schemeClr val="accent1"/>
+          </a:lnRef>
+          <a:fillRef idx="0">
+            <a:schemeClr val="accent1"/>
+          </a:fillRef>
+          <a:effectRef idx="0">
+            <a:schemeClr val="accent1"/>
+          </a:effectRef>
+          <a:fontRef idx="minor">
+            <a:schemeClr val="tx1"/>
+          </a:fontRef>
+        </p:style>
+      </p:cxnSp>
+      <p:cxnSp>
+        <p:nvCxnSpPr>
+          <p:cNvPr id="41" name="Straight Arrow Connector 40"/>
+          <p:cNvCxnSpPr>
+            <a:stCxn id="26" idx="2"/>
+            <a:endCxn id="105" idx="0"/>
+          </p:cNvCxnSpPr>
+          <p:nvPr/>
+        </p:nvCxnSpPr>
+        <p:spPr>
+          <a:xfrm>
+            <a:off x="7175093" y="3658136"/>
+            <a:ext cx="40525" cy="1112837"/>
+          </a:xfrm>
+          <a:prstGeom prst="straightConnector1">
+            <a:avLst/>
+          </a:prstGeom>
+          <a:ln>
+            <a:tailEnd type="triangle"/>
+          </a:ln>
+        </p:spPr>
+        <p:style>
+          <a:lnRef idx="1">
+            <a:schemeClr val="accent1"/>
+          </a:lnRef>
+          <a:fillRef idx="0">
+            <a:schemeClr val="accent1"/>
+          </a:fillRef>
+          <a:effectRef idx="0">
+            <a:schemeClr val="accent1"/>
+          </a:effectRef>
+          <a:fontRef idx="minor">
+            <a:schemeClr val="tx1"/>
+          </a:fontRef>
+        </p:style>
+      </p:cxnSp>
+      <p:cxnSp>
+        <p:nvCxnSpPr>
+          <p:cNvPr id="43" name="Straight Arrow Connector 42"/>
+          <p:cNvCxnSpPr>
+            <a:stCxn id="26" idx="2"/>
+            <a:endCxn id="110" idx="0"/>
+          </p:cNvCxnSpPr>
+          <p:nvPr/>
+        </p:nvCxnSpPr>
+        <p:spPr>
+          <a:xfrm>
+            <a:off x="7175093" y="3658136"/>
+            <a:ext cx="40524" cy="1583898"/>
+          </a:xfrm>
+          <a:prstGeom prst="straightConnector1">
+            <a:avLst/>
+          </a:prstGeom>
+          <a:ln>
+            <a:tailEnd type="triangle"/>
+          </a:ln>
+        </p:spPr>
+        <p:style>
+          <a:lnRef idx="1">
+            <a:schemeClr val="accent1"/>
+          </a:lnRef>
+          <a:fillRef idx="0">
+            <a:schemeClr val="accent1"/>
+          </a:fillRef>
+          <a:effectRef idx="0">
+            <a:schemeClr val="accent1"/>
+          </a:effectRef>
+          <a:fontRef idx="minor">
+            <a:schemeClr val="tx1"/>
+          </a:fontRef>
+        </p:style>
+      </p:cxnSp>
+      <p:cxnSp>
+        <p:nvCxnSpPr>
+          <p:cNvPr id="52" name="Straight Arrow Connector 51"/>
+          <p:cNvCxnSpPr>
+            <a:stCxn id="26" idx="2"/>
+            <a:endCxn id="108" idx="0"/>
+          </p:cNvCxnSpPr>
+          <p:nvPr/>
+        </p:nvCxnSpPr>
+        <p:spPr>
+          <a:xfrm>
+            <a:off x="7175093" y="3658136"/>
+            <a:ext cx="40524" cy="2054959"/>
+          </a:xfrm>
+          <a:prstGeom prst="straightConnector1">
+            <a:avLst/>
+          </a:prstGeom>
+          <a:ln>
+            <a:tailEnd type="triangle"/>
+          </a:ln>
+        </p:spPr>
+        <p:style>
+          <a:lnRef idx="1">
+            <a:schemeClr val="accent1"/>
+          </a:lnRef>
+          <a:fillRef idx="0">
+            <a:schemeClr val="accent1"/>
+          </a:fillRef>
+          <a:effectRef idx="0">
+            <a:schemeClr val="accent1"/>
+          </a:effectRef>
+          <a:fontRef idx="minor">
+            <a:schemeClr val="tx1"/>
+          </a:fontRef>
+        </p:style>
+      </p:cxnSp>
+      <p:cxnSp>
+        <p:nvCxnSpPr>
+          <p:cNvPr id="55" name="Straight Arrow Connector 54"/>
+          <p:cNvCxnSpPr>
+            <a:stCxn id="100" idx="2"/>
+            <a:endCxn id="71" idx="0"/>
+          </p:cNvCxnSpPr>
+          <p:nvPr/>
+        </p:nvCxnSpPr>
+        <p:spPr>
+          <a:xfrm>
+            <a:off x="8946563" y="3450419"/>
+            <a:ext cx="1344407" cy="321185"/>
+          </a:xfrm>
+          <a:prstGeom prst="straightConnector1">
+            <a:avLst/>
+          </a:prstGeom>
+          <a:ln>
+            <a:tailEnd type="triangle"/>
+          </a:ln>
+        </p:spPr>
+        <p:style>
+          <a:lnRef idx="1">
+            <a:schemeClr val="accent1"/>
+          </a:lnRef>
+          <a:fillRef idx="0">
+            <a:schemeClr val="accent1"/>
+          </a:fillRef>
+          <a:effectRef idx="0">
+            <a:schemeClr val="accent1"/>
+          </a:effectRef>
+          <a:fontRef idx="minor">
+            <a:schemeClr val="tx1"/>
+          </a:fontRef>
+        </p:style>
+      </p:cxnSp>
+      <p:cxnSp>
+        <p:nvCxnSpPr>
+          <p:cNvPr id="57" name="Straight Arrow Connector 56"/>
+          <p:cNvCxnSpPr>
+            <a:stCxn id="71" idx="2"/>
+            <a:endCxn id="103" idx="0"/>
+          </p:cNvCxnSpPr>
+          <p:nvPr/>
+        </p:nvCxnSpPr>
+        <p:spPr>
+          <a:xfrm>
+            <a:off x="10290970" y="4115031"/>
+            <a:ext cx="10567" cy="160828"/>
+          </a:xfrm>
+          <a:prstGeom prst="straightConnector1">
+            <a:avLst/>
+          </a:prstGeom>
+          <a:ln>
+            <a:tailEnd type="triangle"/>
+          </a:ln>
+        </p:spPr>
+        <p:style>
+          <a:lnRef idx="1">
+            <a:schemeClr val="accent1"/>
+          </a:lnRef>
+          <a:fillRef idx="0">
+            <a:schemeClr val="accent1"/>
+          </a:fillRef>
+          <a:effectRef idx="0">
+            <a:schemeClr val="accent1"/>
+          </a:effectRef>
+          <a:fontRef idx="minor">
+            <a:schemeClr val="tx1"/>
+          </a:fontRef>
+        </p:style>
+      </p:cxnSp>
+      <p:cxnSp>
+        <p:nvCxnSpPr>
+          <p:cNvPr id="59" name="Straight Arrow Connector 58"/>
+          <p:cNvCxnSpPr>
+            <a:stCxn id="71" idx="2"/>
+            <a:endCxn id="106" idx="0"/>
+          </p:cNvCxnSpPr>
+          <p:nvPr/>
+        </p:nvCxnSpPr>
+        <p:spPr>
+          <a:xfrm flipH="1">
+            <a:off x="10285687" y="4115031"/>
+            <a:ext cx="5283" cy="687496"/>
+          </a:xfrm>
+          <a:prstGeom prst="straightConnector1">
+            <a:avLst/>
+          </a:prstGeom>
+          <a:ln>
+            <a:tailEnd type="triangle"/>
+          </a:ln>
+        </p:spPr>
+        <p:style>
+          <a:lnRef idx="1">
+            <a:schemeClr val="accent1"/>
+          </a:lnRef>
+          <a:fillRef idx="0">
+            <a:schemeClr val="accent1"/>
+          </a:fillRef>
+          <a:effectRef idx="0">
+            <a:schemeClr val="accent1"/>
+          </a:effectRef>
+          <a:fontRef idx="minor">
+            <a:schemeClr val="tx1"/>
+          </a:fontRef>
+        </p:style>
+      </p:cxnSp>
+      <p:cxnSp>
+        <p:nvCxnSpPr>
+          <p:cNvPr id="61" name="Straight Arrow Connector 60"/>
+          <p:cNvCxnSpPr>
+            <a:stCxn id="71" idx="2"/>
+            <a:endCxn id="107" idx="0"/>
+          </p:cNvCxnSpPr>
+          <p:nvPr/>
+        </p:nvCxnSpPr>
+        <p:spPr>
+          <a:xfrm flipH="1">
+            <a:off x="10280404" y="4115031"/>
+            <a:ext cx="10566" cy="1234057"/>
+          </a:xfrm>
+          <a:prstGeom prst="straightConnector1">
+            <a:avLst/>
+          </a:prstGeom>
+          <a:ln>
+            <a:tailEnd type="triangle"/>
+          </a:ln>
+        </p:spPr>
+        <p:style>
+          <a:lnRef idx="1">
+            <a:schemeClr val="accent1"/>
+          </a:lnRef>
+          <a:fillRef idx="0">
+            <a:schemeClr val="accent1"/>
+          </a:fillRef>
+          <a:effectRef idx="0">
+            <a:schemeClr val="accent1"/>
+          </a:effectRef>
+          <a:fontRef idx="minor">
+            <a:schemeClr val="tx1"/>
+          </a:fontRef>
+        </p:style>
+      </p:cxnSp>
+    </p:spTree>
+    <p:extLst>
+      <p:ext uri="{BB962C8B-B14F-4D97-AF65-F5344CB8AC3E}">
+        <p14:creationId xmlns:p14="http://schemas.microsoft.com/office/powerpoint/2010/main" val="2322464200"/>
+      </p:ext>
+    </p:extLst>
+  </p:cSld>
+  <p:clrMapOvr>
+    <a:masterClrMapping/>
+  </p:clrMapOvr>
+</p:sld>
+</file>
+
+<file path=ppt/slides/slide4.xml><?xml version="1.0" encoding="utf-8"?>
+<p:sld xmlns:a="http://schemas.openxmlformats.org/drawingml/2006/main" xmlns:r="http://schemas.openxmlformats.org/officeDocument/2006/relationships" xmlns:p="http://schemas.openxmlformats.org/presentationml/2006/main">
+  <p:cSld>
+    <p:spTree>
+      <p:nvGrpSpPr>
+        <p:cNvPr id="1" name=""/>
+        <p:cNvGrpSpPr/>
+        <p:nvPr/>
+      </p:nvGrpSpPr>
+      <p:grpSpPr>
+        <a:xfrm>
+          <a:off x="0" y="0"/>
+          <a:ext cx="0" cy="0"/>
+          <a:chOff x="0" y="0"/>
+          <a:chExt cx="0" cy="0"/>
+        </a:xfrm>
+      </p:grpSpPr>
+      <p:sp>
+        <p:nvSpPr>
+          <p:cNvPr id="4" name="Rectangle 3"/>
+          <p:cNvSpPr/>
+          <p:nvPr/>
+        </p:nvSpPr>
+        <p:spPr>
+          <a:xfrm>
+            <a:off x="476601" y="1558634"/>
+            <a:ext cx="1454727" cy="496683"/>
+          </a:xfrm>
+          <a:prstGeom prst="rect">
+            <a:avLst/>
+          </a:prstGeom>
+        </p:spPr>
+        <p:style>
+          <a:lnRef idx="2">
+            <a:schemeClr val="accent1">
+              <a:shade val="50000"/>
+            </a:schemeClr>
+          </a:lnRef>
+          <a:fillRef idx="1">
+            <a:schemeClr val="accent1"/>
+          </a:fillRef>
+          <a:effectRef idx="0">
+            <a:schemeClr val="accent1"/>
+          </a:effectRef>
+          <a:fontRef idx="minor">
+            <a:schemeClr val="lt1"/>
+          </a:fontRef>
+        </p:style>
+        <p:txBody>
+          <a:bodyPr rtlCol="0" anchor="ctr"/>
+          <a:lstStyle/>
+          <a:p>
+            <a:pPr algn="ctr"/>
+            <a:r>
+              <a:rPr lang="en-US" altLang="ko-KR" dirty="0" smtClean="0"/>
+              <a:t>Friendly</a:t>
+            </a:r>
+            <a:endParaRPr lang="ko-KR" altLang="en-US" dirty="0"/>
+          </a:p>
+        </p:txBody>
+      </p:sp>
+      <p:sp>
+        <p:nvSpPr>
+          <p:cNvPr id="5" name="Rectangle 4"/>
+          <p:cNvSpPr/>
+          <p:nvPr/>
+        </p:nvSpPr>
+        <p:spPr>
+          <a:xfrm>
+            <a:off x="389318" y="2239235"/>
+            <a:ext cx="1629295" cy="392778"/>
+          </a:xfrm>
+          <a:prstGeom prst="rect">
+            <a:avLst/>
+          </a:prstGeom>
+        </p:spPr>
+        <p:style>
+          <a:lnRef idx="2">
+            <a:schemeClr val="accent1">
+              <a:shade val="50000"/>
+            </a:schemeClr>
+          </a:lnRef>
+          <a:fillRef idx="1">
+            <a:schemeClr val="accent1"/>
+          </a:fillRef>
+          <a:effectRef idx="0">
+            <a:schemeClr val="accent1"/>
+          </a:effectRef>
+          <a:fontRef idx="minor">
+            <a:schemeClr val="lt1"/>
+          </a:fontRef>
+        </p:style>
+        <p:txBody>
+          <a:bodyPr rtlCol="0" anchor="ctr"/>
+          <a:lstStyle/>
+          <a:p>
+            <a:pPr algn="ctr"/>
+            <a:r>
+              <a:rPr lang="en-US" altLang="ko-KR" dirty="0" smtClean="0"/>
+              <a:t>NPC</a:t>
+            </a:r>
+            <a:endParaRPr lang="ko-KR" altLang="en-US" dirty="0"/>
+          </a:p>
+        </p:txBody>
+      </p:sp>
+      <p:cxnSp>
+        <p:nvCxnSpPr>
+          <p:cNvPr id="13" name="Straight Arrow Connector 12"/>
+          <p:cNvCxnSpPr>
+            <a:stCxn id="4" idx="2"/>
+            <a:endCxn id="5" idx="0"/>
+          </p:cNvCxnSpPr>
+          <p:nvPr/>
+        </p:nvCxnSpPr>
+        <p:spPr>
+          <a:xfrm>
+            <a:off x="1203965" y="2055317"/>
+            <a:ext cx="1" cy="183918"/>
+          </a:xfrm>
+          <a:prstGeom prst="straightConnector1">
+            <a:avLst/>
+          </a:prstGeom>
+          <a:ln>
+            <a:tailEnd type="triangle"/>
+          </a:ln>
+        </p:spPr>
+        <p:style>
+          <a:lnRef idx="1">
+            <a:schemeClr val="accent1"/>
+          </a:lnRef>
+          <a:fillRef idx="0">
+            <a:schemeClr val="accent1"/>
+          </a:fillRef>
+          <a:effectRef idx="0">
+            <a:schemeClr val="accent1"/>
+          </a:effectRef>
+          <a:fontRef idx="minor">
+            <a:schemeClr val="tx1"/>
+          </a:fontRef>
+        </p:style>
+      </p:cxnSp>
+      <p:sp>
+        <p:nvSpPr>
+          <p:cNvPr id="22" name="Rectangle 21"/>
+          <p:cNvSpPr/>
+          <p:nvPr/>
+        </p:nvSpPr>
+        <p:spPr>
+          <a:xfrm>
+            <a:off x="220286" y="308602"/>
+            <a:ext cx="11683539" cy="6366518"/>
+          </a:xfrm>
+          <a:prstGeom prst="rect">
+            <a:avLst/>
+          </a:prstGeom>
+          <a:noFill/>
           <a:ln>
             <a:solidFill>
               <a:schemeClr val="tx1"/>
@@ -4452,9 +7033,79 @@
           <a:lstStyle/>
           <a:p>
             <a:pPr algn="ctr"/>
+            <a:endParaRPr lang="ko-KR" altLang="en-US"/>
+          </a:p>
+        </p:txBody>
+      </p:sp>
+      <p:sp>
+        <p:nvSpPr>
+          <p:cNvPr id="23" name="TextBox 22"/>
+          <p:cNvSpPr txBox="1"/>
+          <p:nvPr/>
+        </p:nvSpPr>
+        <p:spPr>
+          <a:xfrm>
+            <a:off x="389318" y="663226"/>
+            <a:ext cx="1928553" cy="369332"/>
+          </a:xfrm>
+          <a:prstGeom prst="rect">
+            <a:avLst/>
+          </a:prstGeom>
+          <a:noFill/>
+        </p:spPr>
+        <p:txBody>
+          <a:bodyPr wrap="square" rtlCol="0">
+            <a:spAutoFit/>
+          </a:bodyPr>
+          <a:lstStyle/>
+          <a:p>
+            <a:r>
+              <a:rPr lang="ko-KR" altLang="en-US" dirty="0" smtClean="0"/>
+              <a:t>상속 관계</a:t>
+            </a:r>
+            <a:endParaRPr lang="ko-KR" altLang="en-US" dirty="0"/>
+          </a:p>
+        </p:txBody>
+      </p:sp>
+      <p:sp>
+        <p:nvSpPr>
+          <p:cNvPr id="24" name="Rectangle 23"/>
+          <p:cNvSpPr/>
+          <p:nvPr/>
+        </p:nvSpPr>
+        <p:spPr>
+          <a:xfrm>
+            <a:off x="2762597" y="1612664"/>
+            <a:ext cx="1496290" cy="415636"/>
+          </a:xfrm>
+          <a:prstGeom prst="rect">
+            <a:avLst/>
+          </a:prstGeom>
+        </p:spPr>
+        <p:style>
+          <a:lnRef idx="2">
+            <a:schemeClr val="accent1">
+              <a:shade val="50000"/>
+            </a:schemeClr>
+          </a:lnRef>
+          <a:fillRef idx="1">
+            <a:schemeClr val="accent1"/>
+          </a:fillRef>
+          <a:effectRef idx="0">
+            <a:schemeClr val="accent1"/>
+          </a:effectRef>
+          <a:fontRef idx="minor">
+            <a:schemeClr val="lt1"/>
+          </a:fontRef>
+        </p:style>
+        <p:txBody>
+          <a:bodyPr rtlCol="0" anchor="ctr"/>
+          <a:lstStyle/>
+          <a:p>
+            <a:pPr algn="ctr"/>
             <a:r>
               <a:rPr lang="en-US" altLang="ko-KR" dirty="0" smtClean="0"/>
-              <a:t>Projectile</a:t>
+              <a:t>Player</a:t>
             </a:r>
             <a:endParaRPr lang="ko-KR" altLang="en-US" dirty="0"/>
           </a:p>
@@ -4462,14 +7113,1135 @@
       </p:sp>
       <p:sp>
         <p:nvSpPr>
-          <p:cNvPr id="89" name="Rectangle 88"/>
+          <p:cNvPr id="25" name="Rectangle 24"/>
           <p:cNvSpPr/>
           <p:nvPr/>
         </p:nvSpPr>
         <p:spPr>
           <a:xfrm>
-            <a:off x="6151418" y="2294313"/>
-            <a:ext cx="1213658" cy="469668"/>
+            <a:off x="2419005" y="2239235"/>
+            <a:ext cx="997527" cy="392778"/>
+          </a:xfrm>
+          <a:prstGeom prst="rect">
+            <a:avLst/>
+          </a:prstGeom>
+        </p:spPr>
+        <p:style>
+          <a:lnRef idx="2">
+            <a:schemeClr val="accent1">
+              <a:shade val="50000"/>
+            </a:schemeClr>
+          </a:lnRef>
+          <a:fillRef idx="1">
+            <a:schemeClr val="accent1"/>
+          </a:fillRef>
+          <a:effectRef idx="0">
+            <a:schemeClr val="accent1"/>
+          </a:effectRef>
+          <a:fontRef idx="minor">
+            <a:schemeClr val="lt1"/>
+          </a:fontRef>
+        </p:style>
+        <p:txBody>
+          <a:bodyPr rtlCol="0" anchor="ctr"/>
+          <a:lstStyle/>
+          <a:p>
+            <a:pPr algn="ctr"/>
+            <a:r>
+              <a:rPr lang="en-US" altLang="ko-KR" dirty="0" smtClean="0"/>
+              <a:t>Soldier</a:t>
+            </a:r>
+            <a:endParaRPr lang="ko-KR" altLang="en-US" dirty="0"/>
+          </a:p>
+        </p:txBody>
+      </p:sp>
+      <p:sp>
+        <p:nvSpPr>
+          <p:cNvPr id="27" name="Rectangle 26"/>
+          <p:cNvSpPr/>
+          <p:nvPr/>
+        </p:nvSpPr>
+        <p:spPr>
+          <a:xfrm>
+            <a:off x="3610495" y="2234034"/>
+            <a:ext cx="997527" cy="392778"/>
+          </a:xfrm>
+          <a:prstGeom prst="rect">
+            <a:avLst/>
+          </a:prstGeom>
+        </p:spPr>
+        <p:style>
+          <a:lnRef idx="2">
+            <a:schemeClr val="accent1">
+              <a:shade val="50000"/>
+            </a:schemeClr>
+          </a:lnRef>
+          <a:fillRef idx="1">
+            <a:schemeClr val="accent1"/>
+          </a:fillRef>
+          <a:effectRef idx="0">
+            <a:schemeClr val="accent1"/>
+          </a:effectRef>
+          <a:fontRef idx="minor">
+            <a:schemeClr val="lt1"/>
+          </a:fontRef>
+        </p:style>
+        <p:txBody>
+          <a:bodyPr rtlCol="0" anchor="ctr"/>
+          <a:lstStyle/>
+          <a:p>
+            <a:pPr algn="ctr"/>
+            <a:r>
+              <a:rPr lang="en-US" altLang="ko-KR" dirty="0" smtClean="0"/>
+              <a:t>Slug</a:t>
+            </a:r>
+            <a:endParaRPr lang="ko-KR" altLang="en-US" dirty="0"/>
+          </a:p>
+        </p:txBody>
+      </p:sp>
+      <p:cxnSp>
+        <p:nvCxnSpPr>
+          <p:cNvPr id="29" name="Straight Arrow Connector 28"/>
+          <p:cNvCxnSpPr>
+            <a:stCxn id="24" idx="2"/>
+            <a:endCxn id="25" idx="0"/>
+          </p:cNvCxnSpPr>
+          <p:nvPr/>
+        </p:nvCxnSpPr>
+        <p:spPr>
+          <a:xfrm flipH="1">
+            <a:off x="2917769" y="2028300"/>
+            <a:ext cx="592973" cy="210935"/>
+          </a:xfrm>
+          <a:prstGeom prst="straightConnector1">
+            <a:avLst/>
+          </a:prstGeom>
+          <a:ln>
+            <a:tailEnd type="triangle"/>
+          </a:ln>
+        </p:spPr>
+        <p:style>
+          <a:lnRef idx="1">
+            <a:schemeClr val="accent1"/>
+          </a:lnRef>
+          <a:fillRef idx="0">
+            <a:schemeClr val="accent1"/>
+          </a:fillRef>
+          <a:effectRef idx="0">
+            <a:schemeClr val="accent1"/>
+          </a:effectRef>
+          <a:fontRef idx="minor">
+            <a:schemeClr val="tx1"/>
+          </a:fontRef>
+        </p:style>
+      </p:cxnSp>
+      <p:cxnSp>
+        <p:nvCxnSpPr>
+          <p:cNvPr id="31" name="Straight Arrow Connector 30"/>
+          <p:cNvCxnSpPr>
+            <a:stCxn id="24" idx="2"/>
+            <a:endCxn id="27" idx="0"/>
+          </p:cNvCxnSpPr>
+          <p:nvPr/>
+        </p:nvCxnSpPr>
+        <p:spPr>
+          <a:xfrm>
+            <a:off x="3510742" y="2028300"/>
+            <a:ext cx="598517" cy="205734"/>
+          </a:xfrm>
+          <a:prstGeom prst="straightConnector1">
+            <a:avLst/>
+          </a:prstGeom>
+          <a:ln>
+            <a:tailEnd type="triangle"/>
+          </a:ln>
+        </p:spPr>
+        <p:style>
+          <a:lnRef idx="1">
+            <a:schemeClr val="accent1"/>
+          </a:lnRef>
+          <a:fillRef idx="0">
+            <a:schemeClr val="accent1"/>
+          </a:fillRef>
+          <a:effectRef idx="0">
+            <a:schemeClr val="accent1"/>
+          </a:effectRef>
+          <a:fontRef idx="minor">
+            <a:schemeClr val="tx1"/>
+          </a:fontRef>
+        </p:style>
+      </p:cxnSp>
+      <p:sp>
+        <p:nvSpPr>
+          <p:cNvPr id="32" name="Rectangle 31"/>
+          <p:cNvSpPr/>
+          <p:nvPr/>
+        </p:nvSpPr>
+        <p:spPr>
+          <a:xfrm>
+            <a:off x="8084131" y="616922"/>
+            <a:ext cx="1645920" cy="415636"/>
+          </a:xfrm>
+          <a:prstGeom prst="rect">
+            <a:avLst/>
+          </a:prstGeom>
+        </p:spPr>
+        <p:style>
+          <a:lnRef idx="2">
+            <a:schemeClr val="accent1">
+              <a:shade val="50000"/>
+            </a:schemeClr>
+          </a:lnRef>
+          <a:fillRef idx="1">
+            <a:schemeClr val="accent1"/>
+          </a:fillRef>
+          <a:effectRef idx="0">
+            <a:schemeClr val="accent1"/>
+          </a:effectRef>
+          <a:fontRef idx="minor">
+            <a:schemeClr val="lt1"/>
+          </a:fontRef>
+        </p:style>
+        <p:txBody>
+          <a:bodyPr rtlCol="0" anchor="ctr"/>
+          <a:lstStyle/>
+          <a:p>
+            <a:pPr algn="ctr"/>
+            <a:r>
+              <a:rPr lang="en-US" altLang="ko-KR" dirty="0" smtClean="0"/>
+              <a:t>Item</a:t>
+            </a:r>
+            <a:endParaRPr lang="ko-KR" altLang="en-US" dirty="0"/>
+          </a:p>
+        </p:txBody>
+      </p:sp>
+      <p:sp>
+        <p:nvSpPr>
+          <p:cNvPr id="33" name="Rectangle 32"/>
+          <p:cNvSpPr/>
+          <p:nvPr/>
+        </p:nvSpPr>
+        <p:spPr>
+          <a:xfrm>
+            <a:off x="6317682" y="1292322"/>
+            <a:ext cx="1645920" cy="415636"/>
+          </a:xfrm>
+          <a:prstGeom prst="rect">
+            <a:avLst/>
+          </a:prstGeom>
+        </p:spPr>
+        <p:style>
+          <a:lnRef idx="2">
+            <a:schemeClr val="accent1">
+              <a:shade val="50000"/>
+            </a:schemeClr>
+          </a:lnRef>
+          <a:fillRef idx="1">
+            <a:schemeClr val="accent1"/>
+          </a:fillRef>
+          <a:effectRef idx="0">
+            <a:schemeClr val="accent1"/>
+          </a:effectRef>
+          <a:fontRef idx="minor">
+            <a:schemeClr val="lt1"/>
+          </a:fontRef>
+        </p:style>
+        <p:txBody>
+          <a:bodyPr rtlCol="0" anchor="ctr"/>
+          <a:lstStyle/>
+          <a:p>
+            <a:pPr algn="ctr"/>
+            <a:r>
+              <a:rPr lang="en-US" altLang="ko-KR" dirty="0" smtClean="0"/>
+              <a:t>Weapon</a:t>
+            </a:r>
+            <a:endParaRPr lang="ko-KR" altLang="en-US" dirty="0"/>
+          </a:p>
+        </p:txBody>
+      </p:sp>
+      <p:sp>
+        <p:nvSpPr>
+          <p:cNvPr id="34" name="Rectangle 33"/>
+          <p:cNvSpPr/>
+          <p:nvPr/>
+        </p:nvSpPr>
+        <p:spPr>
+          <a:xfrm>
+            <a:off x="8084131" y="1292322"/>
+            <a:ext cx="1645920" cy="415636"/>
+          </a:xfrm>
+          <a:prstGeom prst="rect">
+            <a:avLst/>
+          </a:prstGeom>
+        </p:spPr>
+        <p:style>
+          <a:lnRef idx="2">
+            <a:schemeClr val="accent1">
+              <a:shade val="50000"/>
+            </a:schemeClr>
+          </a:lnRef>
+          <a:fillRef idx="1">
+            <a:schemeClr val="accent1"/>
+          </a:fillRef>
+          <a:effectRef idx="0">
+            <a:schemeClr val="accent1"/>
+          </a:effectRef>
+          <a:fontRef idx="minor">
+            <a:schemeClr val="lt1"/>
+          </a:fontRef>
+        </p:style>
+        <p:txBody>
+          <a:bodyPr rtlCol="0" anchor="ctr"/>
+          <a:lstStyle/>
+          <a:p>
+            <a:pPr algn="ctr"/>
+            <a:r>
+              <a:rPr lang="en-US" altLang="ko-KR" dirty="0" smtClean="0"/>
+              <a:t>Score</a:t>
+            </a:r>
+            <a:endParaRPr lang="ko-KR" altLang="en-US" dirty="0"/>
+          </a:p>
+        </p:txBody>
+      </p:sp>
+      <p:sp>
+        <p:nvSpPr>
+          <p:cNvPr id="36" name="Rectangle 35"/>
+          <p:cNvSpPr/>
+          <p:nvPr/>
+        </p:nvSpPr>
+        <p:spPr>
+          <a:xfrm>
+            <a:off x="9850580" y="1292322"/>
+            <a:ext cx="1645920" cy="415636"/>
+          </a:xfrm>
+          <a:prstGeom prst="rect">
+            <a:avLst/>
+          </a:prstGeom>
+        </p:spPr>
+        <p:style>
+          <a:lnRef idx="2">
+            <a:schemeClr val="accent1">
+              <a:shade val="50000"/>
+            </a:schemeClr>
+          </a:lnRef>
+          <a:fillRef idx="1">
+            <a:schemeClr val="accent1"/>
+          </a:fillRef>
+          <a:effectRef idx="0">
+            <a:schemeClr val="accent1"/>
+          </a:effectRef>
+          <a:fontRef idx="minor">
+            <a:schemeClr val="lt1"/>
+          </a:fontRef>
+        </p:style>
+        <p:txBody>
+          <a:bodyPr rtlCol="0" anchor="ctr"/>
+          <a:lstStyle/>
+          <a:p>
+            <a:pPr algn="ctr"/>
+            <a:r>
+              <a:rPr lang="en-US" altLang="ko-KR" dirty="0" smtClean="0"/>
+              <a:t>BOMB</a:t>
+            </a:r>
+            <a:endParaRPr lang="ko-KR" altLang="en-US" dirty="0"/>
+          </a:p>
+        </p:txBody>
+      </p:sp>
+      <p:sp>
+        <p:nvSpPr>
+          <p:cNvPr id="38" name="Rectangle 37"/>
+          <p:cNvSpPr/>
+          <p:nvPr/>
+        </p:nvSpPr>
+        <p:spPr>
+          <a:xfrm>
+            <a:off x="1663590" y="3054318"/>
+            <a:ext cx="1510829" cy="415636"/>
+          </a:xfrm>
+          <a:prstGeom prst="rect">
+            <a:avLst/>
+          </a:prstGeom>
+        </p:spPr>
+        <p:style>
+          <a:lnRef idx="2">
+            <a:schemeClr val="accent1">
+              <a:shade val="50000"/>
+            </a:schemeClr>
+          </a:lnRef>
+          <a:fillRef idx="1">
+            <a:schemeClr val="accent1"/>
+          </a:fillRef>
+          <a:effectRef idx="0">
+            <a:schemeClr val="accent1"/>
+          </a:effectRef>
+          <a:fontRef idx="minor">
+            <a:schemeClr val="lt1"/>
+          </a:fontRef>
+        </p:style>
+        <p:txBody>
+          <a:bodyPr rtlCol="0" anchor="ctr"/>
+          <a:lstStyle/>
+          <a:p>
+            <a:pPr algn="ctr"/>
+            <a:r>
+              <a:rPr lang="en-US" altLang="ko-KR" dirty="0" smtClean="0"/>
+              <a:t>Object</a:t>
+            </a:r>
+            <a:endParaRPr lang="ko-KR" altLang="en-US" dirty="0"/>
+          </a:p>
+        </p:txBody>
+      </p:sp>
+      <p:sp>
+        <p:nvSpPr>
+          <p:cNvPr id="39" name="Rectangle 38"/>
+          <p:cNvSpPr/>
+          <p:nvPr/>
+        </p:nvSpPr>
+        <p:spPr>
+          <a:xfrm>
+            <a:off x="497411" y="3704335"/>
+            <a:ext cx="1203068" cy="392778"/>
+          </a:xfrm>
+          <a:prstGeom prst="rect">
+            <a:avLst/>
+          </a:prstGeom>
+        </p:spPr>
+        <p:style>
+          <a:lnRef idx="2">
+            <a:schemeClr val="accent1">
+              <a:shade val="50000"/>
+            </a:schemeClr>
+          </a:lnRef>
+          <a:fillRef idx="1">
+            <a:schemeClr val="accent1"/>
+          </a:fillRef>
+          <a:effectRef idx="0">
+            <a:schemeClr val="accent1"/>
+          </a:effectRef>
+          <a:fontRef idx="minor">
+            <a:schemeClr val="lt1"/>
+          </a:fontRef>
+        </p:style>
+        <p:txBody>
+          <a:bodyPr rtlCol="0" anchor="ctr"/>
+          <a:lstStyle/>
+          <a:p>
+            <a:pPr algn="ctr"/>
+            <a:r>
+              <a:rPr lang="en-US" altLang="ko-KR" dirty="0" err="1" smtClean="0"/>
+              <a:t>SandBags</a:t>
+            </a:r>
+            <a:endParaRPr lang="ko-KR" altLang="en-US" dirty="0"/>
+          </a:p>
+        </p:txBody>
+      </p:sp>
+      <p:sp>
+        <p:nvSpPr>
+          <p:cNvPr id="40" name="Rectangle 39"/>
+          <p:cNvSpPr/>
+          <p:nvPr/>
+        </p:nvSpPr>
+        <p:spPr>
+          <a:xfrm>
+            <a:off x="1830253" y="3704335"/>
+            <a:ext cx="1181704" cy="392778"/>
+          </a:xfrm>
+          <a:prstGeom prst="rect">
+            <a:avLst/>
+          </a:prstGeom>
+        </p:spPr>
+        <p:style>
+          <a:lnRef idx="2">
+            <a:schemeClr val="accent1">
+              <a:shade val="50000"/>
+            </a:schemeClr>
+          </a:lnRef>
+          <a:fillRef idx="1">
+            <a:schemeClr val="accent1"/>
+          </a:fillRef>
+          <a:effectRef idx="0">
+            <a:schemeClr val="accent1"/>
+          </a:effectRef>
+          <a:fontRef idx="minor">
+            <a:schemeClr val="lt1"/>
+          </a:fontRef>
+        </p:style>
+        <p:txBody>
+          <a:bodyPr rtlCol="0" anchor="ctr"/>
+          <a:lstStyle/>
+          <a:p>
+            <a:pPr algn="ctr"/>
+            <a:r>
+              <a:rPr lang="en-US" altLang="ko-KR" dirty="0" err="1" smtClean="0"/>
+              <a:t>EXPBarrel</a:t>
+            </a:r>
+            <a:endParaRPr lang="ko-KR" altLang="en-US" dirty="0"/>
+          </a:p>
+        </p:txBody>
+      </p:sp>
+      <p:cxnSp>
+        <p:nvCxnSpPr>
+          <p:cNvPr id="41" name="Straight Arrow Connector 40"/>
+          <p:cNvCxnSpPr>
+            <a:stCxn id="38" idx="2"/>
+            <a:endCxn id="39" idx="0"/>
+          </p:cNvCxnSpPr>
+          <p:nvPr/>
+        </p:nvCxnSpPr>
+        <p:spPr>
+          <a:xfrm flipH="1">
+            <a:off x="1098945" y="3469954"/>
+            <a:ext cx="1320060" cy="234381"/>
+          </a:xfrm>
+          <a:prstGeom prst="straightConnector1">
+            <a:avLst/>
+          </a:prstGeom>
+          <a:ln>
+            <a:tailEnd type="triangle"/>
+          </a:ln>
+        </p:spPr>
+        <p:style>
+          <a:lnRef idx="1">
+            <a:schemeClr val="accent1"/>
+          </a:lnRef>
+          <a:fillRef idx="0">
+            <a:schemeClr val="accent1"/>
+          </a:fillRef>
+          <a:effectRef idx="0">
+            <a:schemeClr val="accent1"/>
+          </a:effectRef>
+          <a:fontRef idx="minor">
+            <a:schemeClr val="tx1"/>
+          </a:fontRef>
+        </p:style>
+      </p:cxnSp>
+      <p:cxnSp>
+        <p:nvCxnSpPr>
+          <p:cNvPr id="42" name="Straight Arrow Connector 41"/>
+          <p:cNvCxnSpPr>
+            <a:stCxn id="38" idx="2"/>
+            <a:endCxn id="40" idx="0"/>
+          </p:cNvCxnSpPr>
+          <p:nvPr/>
+        </p:nvCxnSpPr>
+        <p:spPr>
+          <a:xfrm>
+            <a:off x="2419005" y="3469954"/>
+            <a:ext cx="2100" cy="234381"/>
+          </a:xfrm>
+          <a:prstGeom prst="straightConnector1">
+            <a:avLst/>
+          </a:prstGeom>
+          <a:ln>
+            <a:tailEnd type="triangle"/>
+          </a:ln>
+        </p:spPr>
+        <p:style>
+          <a:lnRef idx="1">
+            <a:schemeClr val="accent1"/>
+          </a:lnRef>
+          <a:fillRef idx="0">
+            <a:schemeClr val="accent1"/>
+          </a:fillRef>
+          <a:effectRef idx="0">
+            <a:schemeClr val="accent1"/>
+          </a:effectRef>
+          <a:fontRef idx="minor">
+            <a:schemeClr val="tx1"/>
+          </a:fontRef>
+        </p:style>
+      </p:cxnSp>
+      <p:sp>
+        <p:nvSpPr>
+          <p:cNvPr id="50" name="Rectangle 49"/>
+          <p:cNvSpPr/>
+          <p:nvPr/>
+        </p:nvSpPr>
+        <p:spPr>
+          <a:xfrm>
+            <a:off x="3194188" y="3704335"/>
+            <a:ext cx="1197033" cy="392778"/>
+          </a:xfrm>
+          <a:prstGeom prst="rect">
+            <a:avLst/>
+          </a:prstGeom>
+        </p:spPr>
+        <p:style>
+          <a:lnRef idx="2">
+            <a:schemeClr val="accent1">
+              <a:shade val="50000"/>
+            </a:schemeClr>
+          </a:lnRef>
+          <a:fillRef idx="1">
+            <a:schemeClr val="accent1"/>
+          </a:fillRef>
+          <a:effectRef idx="0">
+            <a:schemeClr val="accent1"/>
+          </a:effectRef>
+          <a:fontRef idx="minor">
+            <a:schemeClr val="lt1"/>
+          </a:fontRef>
+        </p:style>
+        <p:txBody>
+          <a:bodyPr rtlCol="0" anchor="ctr"/>
+          <a:lstStyle/>
+          <a:p>
+            <a:pPr algn="ctr"/>
+            <a:r>
+              <a:rPr lang="en-US" altLang="ko-KR" dirty="0" smtClean="0"/>
+              <a:t>Rock</a:t>
+            </a:r>
+          </a:p>
+        </p:txBody>
+      </p:sp>
+      <p:sp>
+        <p:nvSpPr>
+          <p:cNvPr id="51" name="Rectangle 50"/>
+          <p:cNvSpPr/>
+          <p:nvPr/>
+        </p:nvSpPr>
+        <p:spPr>
+          <a:xfrm>
+            <a:off x="497411" y="4205556"/>
+            <a:ext cx="1203068" cy="353660"/>
+          </a:xfrm>
+          <a:prstGeom prst="rect">
+            <a:avLst/>
+          </a:prstGeom>
+        </p:spPr>
+        <p:style>
+          <a:lnRef idx="2">
+            <a:schemeClr val="accent1">
+              <a:shade val="50000"/>
+            </a:schemeClr>
+          </a:lnRef>
+          <a:fillRef idx="1">
+            <a:schemeClr val="accent1"/>
+          </a:fillRef>
+          <a:effectRef idx="0">
+            <a:schemeClr val="accent1"/>
+          </a:effectRef>
+          <a:fontRef idx="minor">
+            <a:schemeClr val="lt1"/>
+          </a:fontRef>
+        </p:style>
+        <p:txBody>
+          <a:bodyPr rtlCol="0" anchor="ctr"/>
+          <a:lstStyle/>
+          <a:p>
+            <a:pPr algn="ctr"/>
+            <a:r>
+              <a:rPr lang="en-US" altLang="ko-KR" dirty="0" smtClean="0"/>
+              <a:t>Fish</a:t>
+            </a:r>
+            <a:endParaRPr lang="ko-KR" altLang="en-US" dirty="0"/>
+          </a:p>
+        </p:txBody>
+      </p:sp>
+      <p:sp>
+        <p:nvSpPr>
+          <p:cNvPr id="52" name="Rectangle 51"/>
+          <p:cNvSpPr/>
+          <p:nvPr/>
+        </p:nvSpPr>
+        <p:spPr>
+          <a:xfrm>
+            <a:off x="1826053" y="4193419"/>
+            <a:ext cx="1185904" cy="353660"/>
+          </a:xfrm>
+          <a:prstGeom prst="rect">
+            <a:avLst/>
+          </a:prstGeom>
+        </p:spPr>
+        <p:style>
+          <a:lnRef idx="2">
+            <a:schemeClr val="accent1">
+              <a:shade val="50000"/>
+            </a:schemeClr>
+          </a:lnRef>
+          <a:fillRef idx="1">
+            <a:schemeClr val="accent1"/>
+          </a:fillRef>
+          <a:effectRef idx="0">
+            <a:schemeClr val="accent1"/>
+          </a:effectRef>
+          <a:fontRef idx="minor">
+            <a:schemeClr val="lt1"/>
+          </a:fontRef>
+        </p:style>
+        <p:txBody>
+          <a:bodyPr rtlCol="0" anchor="ctr"/>
+          <a:lstStyle/>
+          <a:p>
+            <a:pPr algn="ctr"/>
+            <a:r>
+              <a:rPr lang="en-US" altLang="ko-KR" dirty="0" err="1" smtClean="0"/>
+              <a:t>MailBox</a:t>
+            </a:r>
+            <a:endParaRPr lang="ko-KR" altLang="en-US" dirty="0"/>
+          </a:p>
+        </p:txBody>
+      </p:sp>
+      <p:sp>
+        <p:nvSpPr>
+          <p:cNvPr id="53" name="Rectangle 52"/>
+          <p:cNvSpPr/>
+          <p:nvPr/>
+        </p:nvSpPr>
+        <p:spPr>
+          <a:xfrm>
+            <a:off x="3194188" y="4193419"/>
+            <a:ext cx="1197033" cy="365797"/>
+          </a:xfrm>
+          <a:prstGeom prst="rect">
+            <a:avLst/>
+          </a:prstGeom>
+        </p:spPr>
+        <p:style>
+          <a:lnRef idx="2">
+            <a:schemeClr val="accent1">
+              <a:shade val="50000"/>
+            </a:schemeClr>
+          </a:lnRef>
+          <a:fillRef idx="1">
+            <a:schemeClr val="accent1"/>
+          </a:fillRef>
+          <a:effectRef idx="0">
+            <a:schemeClr val="accent1"/>
+          </a:effectRef>
+          <a:fontRef idx="minor">
+            <a:schemeClr val="lt1"/>
+          </a:fontRef>
+        </p:style>
+        <p:txBody>
+          <a:bodyPr rtlCol="0" anchor="ctr"/>
+          <a:lstStyle/>
+          <a:p>
+            <a:pPr algn="ctr"/>
+            <a:r>
+              <a:rPr lang="en-US" altLang="ko-KR" dirty="0" smtClean="0"/>
+              <a:t>House</a:t>
+            </a:r>
+            <a:endParaRPr lang="ko-KR" altLang="en-US" dirty="0"/>
+          </a:p>
+        </p:txBody>
+      </p:sp>
+      <p:cxnSp>
+        <p:nvCxnSpPr>
+          <p:cNvPr id="55" name="Straight Arrow Connector 54"/>
+          <p:cNvCxnSpPr>
+            <a:stCxn id="38" idx="2"/>
+            <a:endCxn id="50" idx="0"/>
+          </p:cNvCxnSpPr>
+          <p:nvPr/>
+        </p:nvCxnSpPr>
+        <p:spPr>
+          <a:xfrm>
+            <a:off x="2419005" y="3469954"/>
+            <a:ext cx="1373700" cy="234381"/>
+          </a:xfrm>
+          <a:prstGeom prst="straightConnector1">
+            <a:avLst/>
+          </a:prstGeom>
+          <a:ln>
+            <a:tailEnd type="triangle"/>
+          </a:ln>
+        </p:spPr>
+        <p:style>
+          <a:lnRef idx="1">
+            <a:schemeClr val="accent1"/>
+          </a:lnRef>
+          <a:fillRef idx="0">
+            <a:schemeClr val="accent1"/>
+          </a:fillRef>
+          <a:effectRef idx="0">
+            <a:schemeClr val="accent1"/>
+          </a:effectRef>
+          <a:fontRef idx="minor">
+            <a:schemeClr val="tx1"/>
+          </a:fontRef>
+        </p:style>
+      </p:cxnSp>
+      <p:cxnSp>
+        <p:nvCxnSpPr>
+          <p:cNvPr id="60" name="Straight Arrow Connector 59"/>
+          <p:cNvCxnSpPr>
+            <a:stCxn id="38" idx="2"/>
+            <a:endCxn id="52" idx="0"/>
+          </p:cNvCxnSpPr>
+          <p:nvPr/>
+        </p:nvCxnSpPr>
+        <p:spPr>
+          <a:xfrm>
+            <a:off x="2419005" y="3469954"/>
+            <a:ext cx="0" cy="723465"/>
+          </a:xfrm>
+          <a:prstGeom prst="straightConnector1">
+            <a:avLst/>
+          </a:prstGeom>
+          <a:ln>
+            <a:tailEnd type="triangle"/>
+          </a:ln>
+        </p:spPr>
+        <p:style>
+          <a:lnRef idx="1">
+            <a:schemeClr val="accent1"/>
+          </a:lnRef>
+          <a:fillRef idx="0">
+            <a:schemeClr val="accent1"/>
+          </a:fillRef>
+          <a:effectRef idx="0">
+            <a:schemeClr val="accent1"/>
+          </a:effectRef>
+          <a:fontRef idx="minor">
+            <a:schemeClr val="tx1"/>
+          </a:fontRef>
+        </p:style>
+      </p:cxnSp>
+      <p:cxnSp>
+        <p:nvCxnSpPr>
+          <p:cNvPr id="62" name="Straight Arrow Connector 61"/>
+          <p:cNvCxnSpPr>
+            <a:stCxn id="38" idx="2"/>
+            <a:endCxn id="53" idx="0"/>
+          </p:cNvCxnSpPr>
+          <p:nvPr/>
+        </p:nvCxnSpPr>
+        <p:spPr>
+          <a:xfrm>
+            <a:off x="2419005" y="3469954"/>
+            <a:ext cx="1373700" cy="723465"/>
+          </a:xfrm>
+          <a:prstGeom prst="straightConnector1">
+            <a:avLst/>
+          </a:prstGeom>
+          <a:ln>
+            <a:tailEnd type="triangle"/>
+          </a:ln>
+        </p:spPr>
+        <p:style>
+          <a:lnRef idx="1">
+            <a:schemeClr val="accent1"/>
+          </a:lnRef>
+          <a:fillRef idx="0">
+            <a:schemeClr val="accent1"/>
+          </a:fillRef>
+          <a:effectRef idx="0">
+            <a:schemeClr val="accent1"/>
+          </a:effectRef>
+          <a:fontRef idx="minor">
+            <a:schemeClr val="tx1"/>
+          </a:fontRef>
+        </p:style>
+      </p:cxnSp>
+      <p:cxnSp>
+        <p:nvCxnSpPr>
+          <p:cNvPr id="64" name="Straight Arrow Connector 63"/>
+          <p:cNvCxnSpPr>
+            <a:stCxn id="38" idx="2"/>
+            <a:endCxn id="51" idx="0"/>
+          </p:cNvCxnSpPr>
+          <p:nvPr/>
+        </p:nvCxnSpPr>
+        <p:spPr>
+          <a:xfrm flipH="1">
+            <a:off x="1098945" y="3469954"/>
+            <a:ext cx="1320060" cy="735602"/>
+          </a:xfrm>
+          <a:prstGeom prst="straightConnector1">
+            <a:avLst/>
+          </a:prstGeom>
+          <a:ln>
+            <a:tailEnd type="triangle"/>
+          </a:ln>
+        </p:spPr>
+        <p:style>
+          <a:lnRef idx="1">
+            <a:schemeClr val="accent1"/>
+          </a:lnRef>
+          <a:fillRef idx="0">
+            <a:schemeClr val="accent1"/>
+          </a:fillRef>
+          <a:effectRef idx="0">
+            <a:schemeClr val="accent1"/>
+          </a:effectRef>
+          <a:fontRef idx="minor">
+            <a:schemeClr val="tx1"/>
+          </a:fontRef>
+        </p:style>
+      </p:cxnSp>
+      <p:cxnSp>
+        <p:nvCxnSpPr>
+          <p:cNvPr id="66" name="Straight Arrow Connector 65"/>
+          <p:cNvCxnSpPr>
+            <a:stCxn id="32" idx="2"/>
+            <a:endCxn id="33" idx="0"/>
+          </p:cNvCxnSpPr>
+          <p:nvPr/>
+        </p:nvCxnSpPr>
+        <p:spPr>
+          <a:xfrm flipH="1">
+            <a:off x="7140642" y="1032558"/>
+            <a:ext cx="1766449" cy="259764"/>
+          </a:xfrm>
+          <a:prstGeom prst="straightConnector1">
+            <a:avLst/>
+          </a:prstGeom>
+          <a:ln>
+            <a:tailEnd type="triangle"/>
+          </a:ln>
+        </p:spPr>
+        <p:style>
+          <a:lnRef idx="1">
+            <a:schemeClr val="accent1"/>
+          </a:lnRef>
+          <a:fillRef idx="0">
+            <a:schemeClr val="accent1"/>
+          </a:fillRef>
+          <a:effectRef idx="0">
+            <a:schemeClr val="accent1"/>
+          </a:effectRef>
+          <a:fontRef idx="minor">
+            <a:schemeClr val="tx1"/>
+          </a:fontRef>
+        </p:style>
+      </p:cxnSp>
+      <p:cxnSp>
+        <p:nvCxnSpPr>
+          <p:cNvPr id="68" name="Straight Arrow Connector 67"/>
+          <p:cNvCxnSpPr>
+            <a:stCxn id="32" idx="2"/>
+            <a:endCxn id="34" idx="0"/>
+          </p:cNvCxnSpPr>
+          <p:nvPr/>
+        </p:nvCxnSpPr>
+        <p:spPr>
+          <a:xfrm>
+            <a:off x="8907091" y="1032558"/>
+            <a:ext cx="0" cy="259764"/>
+          </a:xfrm>
+          <a:prstGeom prst="straightConnector1">
+            <a:avLst/>
+          </a:prstGeom>
+          <a:ln>
+            <a:tailEnd type="triangle"/>
+          </a:ln>
+        </p:spPr>
+        <p:style>
+          <a:lnRef idx="1">
+            <a:schemeClr val="accent1"/>
+          </a:lnRef>
+          <a:fillRef idx="0">
+            <a:schemeClr val="accent1"/>
+          </a:fillRef>
+          <a:effectRef idx="0">
+            <a:schemeClr val="accent1"/>
+          </a:effectRef>
+          <a:fontRef idx="minor">
+            <a:schemeClr val="tx1"/>
+          </a:fontRef>
+        </p:style>
+      </p:cxnSp>
+      <p:cxnSp>
+        <p:nvCxnSpPr>
+          <p:cNvPr id="70" name="Straight Arrow Connector 69"/>
+          <p:cNvCxnSpPr>
+            <a:stCxn id="32" idx="2"/>
+            <a:endCxn id="36" idx="0"/>
+          </p:cNvCxnSpPr>
+          <p:nvPr/>
+        </p:nvCxnSpPr>
+        <p:spPr>
+          <a:xfrm>
+            <a:off x="8907091" y="1032558"/>
+            <a:ext cx="1766449" cy="259764"/>
+          </a:xfrm>
+          <a:prstGeom prst="straightConnector1">
+            <a:avLst/>
+          </a:prstGeom>
+          <a:ln>
+            <a:tailEnd type="triangle"/>
+          </a:ln>
+        </p:spPr>
+        <p:style>
+          <a:lnRef idx="1">
+            <a:schemeClr val="accent1"/>
+          </a:lnRef>
+          <a:fillRef idx="0">
+            <a:schemeClr val="accent1"/>
+          </a:fillRef>
+          <a:effectRef idx="0">
+            <a:schemeClr val="accent1"/>
+          </a:effectRef>
+          <a:fontRef idx="minor">
+            <a:schemeClr val="tx1"/>
+          </a:fontRef>
+        </p:style>
+      </p:cxnSp>
+      <p:sp>
+        <p:nvSpPr>
+          <p:cNvPr id="2" name="Rectangle 1"/>
+          <p:cNvSpPr/>
+          <p:nvPr/>
+        </p:nvSpPr>
+        <p:spPr>
+          <a:xfrm>
+            <a:off x="6317682" y="2160098"/>
+            <a:ext cx="1645920" cy="368143"/>
+          </a:xfrm>
+          <a:prstGeom prst="rect">
+            <a:avLst/>
+          </a:prstGeom>
+        </p:spPr>
+        <p:style>
+          <a:lnRef idx="2">
+            <a:schemeClr val="accent1">
+              <a:shade val="50000"/>
+            </a:schemeClr>
+          </a:lnRef>
+          <a:fillRef idx="1">
+            <a:schemeClr val="accent1"/>
+          </a:fillRef>
+          <a:effectRef idx="0">
+            <a:schemeClr val="accent1"/>
+          </a:effectRef>
+          <a:fontRef idx="minor">
+            <a:schemeClr val="lt1"/>
+          </a:fontRef>
+        </p:style>
+        <p:txBody>
+          <a:bodyPr rtlCol="0" anchor="ctr"/>
+          <a:lstStyle/>
+          <a:p>
+            <a:pPr algn="ctr"/>
+            <a:r>
+              <a:rPr lang="en-US" altLang="ko-KR" dirty="0" smtClean="0"/>
+              <a:t>Boss</a:t>
+            </a:r>
+            <a:endParaRPr lang="ko-KR" altLang="en-US" dirty="0"/>
+          </a:p>
+        </p:txBody>
+      </p:sp>
+      <p:sp>
+        <p:nvSpPr>
+          <p:cNvPr id="35" name="Rectangle 34"/>
+          <p:cNvSpPr/>
+          <p:nvPr/>
+        </p:nvSpPr>
+        <p:spPr>
+          <a:xfrm>
+            <a:off x="6317682" y="2645432"/>
+            <a:ext cx="1645920" cy="368143"/>
+          </a:xfrm>
+          <a:prstGeom prst="rect">
+            <a:avLst/>
+          </a:prstGeom>
+        </p:spPr>
+        <p:style>
+          <a:lnRef idx="2">
+            <a:schemeClr val="accent1">
+              <a:shade val="50000"/>
+            </a:schemeClr>
+          </a:lnRef>
+          <a:fillRef idx="1">
+            <a:schemeClr val="accent1"/>
+          </a:fillRef>
+          <a:effectRef idx="0">
+            <a:schemeClr val="accent1"/>
+          </a:effectRef>
+          <a:fontRef idx="minor">
+            <a:schemeClr val="lt1"/>
+          </a:fontRef>
+        </p:style>
+        <p:txBody>
+          <a:bodyPr rtlCol="0" anchor="ctr"/>
+          <a:lstStyle/>
+          <a:p>
+            <a:pPr algn="ctr"/>
+            <a:r>
+              <a:rPr lang="en-US" altLang="ko-KR" dirty="0" smtClean="0"/>
+              <a:t>Stage1Boss</a:t>
+            </a:r>
+            <a:endParaRPr lang="ko-KR" altLang="en-US" dirty="0"/>
+          </a:p>
+        </p:txBody>
+      </p:sp>
+      <p:cxnSp>
+        <p:nvCxnSpPr>
+          <p:cNvPr id="6" name="Straight Arrow Connector 5"/>
+          <p:cNvCxnSpPr>
+            <a:stCxn id="2" idx="2"/>
+            <a:endCxn id="35" idx="0"/>
+          </p:cNvCxnSpPr>
+          <p:nvPr/>
+        </p:nvCxnSpPr>
+        <p:spPr>
+          <a:xfrm>
+            <a:off x="7140642" y="2528241"/>
+            <a:ext cx="0" cy="117191"/>
+          </a:xfrm>
+          <a:prstGeom prst="straightConnector1">
+            <a:avLst/>
+          </a:prstGeom>
+          <a:ln>
+            <a:tailEnd type="triangle"/>
+          </a:ln>
+        </p:spPr>
+        <p:style>
+          <a:lnRef idx="1">
+            <a:schemeClr val="accent1"/>
+          </a:lnRef>
+          <a:fillRef idx="0">
+            <a:schemeClr val="accent1"/>
+          </a:fillRef>
+          <a:effectRef idx="0">
+            <a:schemeClr val="accent1"/>
+          </a:effectRef>
+          <a:fontRef idx="minor">
+            <a:schemeClr val="tx1"/>
+          </a:fontRef>
+        </p:style>
+      </p:cxnSp>
+    </p:spTree>
+    <p:extLst>
+      <p:ext uri="{BB962C8B-B14F-4D97-AF65-F5344CB8AC3E}">
+        <p14:creationId xmlns:p14="http://schemas.microsoft.com/office/powerpoint/2010/main" val="1841653546"/>
+      </p:ext>
+    </p:extLst>
+  </p:cSld>
+  <p:clrMapOvr>
+    <a:masterClrMapping/>
+  </p:clrMapOvr>
+</p:sld>
+</file>
+
+<file path=ppt/slides/slide5.xml><?xml version="1.0" encoding="utf-8"?>
+<p:sld xmlns:a="http://schemas.openxmlformats.org/drawingml/2006/main" xmlns:r="http://schemas.openxmlformats.org/officeDocument/2006/relationships" xmlns:p="http://schemas.openxmlformats.org/presentationml/2006/main">
+  <p:cSld>
+    <p:spTree>
+      <p:nvGrpSpPr>
+        <p:cNvPr id="1" name=""/>
+        <p:cNvGrpSpPr/>
+        <p:nvPr/>
+      </p:nvGrpSpPr>
+      <p:grpSpPr>
+        <a:xfrm>
+          <a:off x="0" y="0"/>
+          <a:ext cx="0" cy="0"/>
+          <a:chOff x="0" y="0"/>
+          <a:chExt cx="0" cy="0"/>
+        </a:xfrm>
+      </p:grpSpPr>
+      <p:sp>
+        <p:nvSpPr>
+          <p:cNvPr id="4" name="Rectangle 3"/>
+          <p:cNvSpPr/>
+          <p:nvPr/>
+        </p:nvSpPr>
+        <p:spPr>
+          <a:xfrm>
+            <a:off x="1905682" y="139228"/>
+            <a:ext cx="1213658" cy="502920"/>
           </a:xfrm>
           <a:prstGeom prst="rect">
             <a:avLst/>
@@ -4503,7 +8275,7 @@
             <a:pPr algn="ctr"/>
             <a:r>
               <a:rPr lang="en-US" altLang="ko-KR" dirty="0" smtClean="0"/>
-              <a:t>Bullet</a:t>
+              <a:t>Projectile</a:t>
             </a:r>
             <a:endParaRPr lang="ko-KR" altLang="en-US" dirty="0"/>
           </a:p>
@@ -4511,14 +8283,14 @@
       </p:sp>
       <p:sp>
         <p:nvSpPr>
-          <p:cNvPr id="90" name="Rectangle 89"/>
+          <p:cNvPr id="5" name="Rectangle 4"/>
           <p:cNvSpPr/>
           <p:nvPr/>
         </p:nvSpPr>
         <p:spPr>
           <a:xfrm>
-            <a:off x="7436421" y="2294313"/>
-            <a:ext cx="1389614" cy="469668"/>
+            <a:off x="540327" y="789700"/>
+            <a:ext cx="1213658" cy="469668"/>
           </a:xfrm>
           <a:prstGeom prst="rect">
             <a:avLst/>
@@ -4552,7 +8324,7 @@
             <a:pPr algn="ctr"/>
             <a:r>
               <a:rPr lang="en-US" altLang="ko-KR" dirty="0" smtClean="0"/>
-              <a:t>Missile</a:t>
+              <a:t>Bullet</a:t>
             </a:r>
             <a:endParaRPr lang="ko-KR" altLang="en-US" dirty="0"/>
           </a:p>
@@ -4560,13 +8332,13 @@
       </p:sp>
       <p:sp>
         <p:nvSpPr>
-          <p:cNvPr id="91" name="Rectangle 90"/>
+          <p:cNvPr id="6" name="Rectangle 5"/>
           <p:cNvSpPr/>
           <p:nvPr/>
         </p:nvSpPr>
         <p:spPr>
           <a:xfrm>
-            <a:off x="8897380" y="2294313"/>
+            <a:off x="1825330" y="789700"/>
             <a:ext cx="1389614" cy="469668"/>
           </a:xfrm>
           <a:prstGeom prst="rect">
@@ -4600,6 +8372,55 @@
           <a:p>
             <a:pPr algn="ctr"/>
             <a:r>
+              <a:rPr lang="en-US" altLang="ko-KR" dirty="0" smtClean="0"/>
+              <a:t>Missile</a:t>
+            </a:r>
+            <a:endParaRPr lang="ko-KR" altLang="en-US" dirty="0"/>
+          </a:p>
+        </p:txBody>
+      </p:sp>
+      <p:sp>
+        <p:nvSpPr>
+          <p:cNvPr id="7" name="Rectangle 6"/>
+          <p:cNvSpPr/>
+          <p:nvPr/>
+        </p:nvSpPr>
+        <p:spPr>
+          <a:xfrm>
+            <a:off x="3286289" y="789700"/>
+            <a:ext cx="1389614" cy="469668"/>
+          </a:xfrm>
+          <a:prstGeom prst="rect">
+            <a:avLst/>
+          </a:prstGeom>
+          <a:ln>
+            <a:solidFill>
+              <a:schemeClr val="tx1"/>
+            </a:solidFill>
+          </a:ln>
+        </p:spPr>
+        <p:style>
+          <a:lnRef idx="2">
+            <a:schemeClr val="accent1">
+              <a:shade val="50000"/>
+            </a:schemeClr>
+          </a:lnRef>
+          <a:fillRef idx="1">
+            <a:schemeClr val="accent1"/>
+          </a:fillRef>
+          <a:effectRef idx="0">
+            <a:schemeClr val="accent1"/>
+          </a:effectRef>
+          <a:fontRef idx="minor">
+            <a:schemeClr val="lt1"/>
+          </a:fontRef>
+        </p:style>
+        <p:txBody>
+          <a:bodyPr rtlCol="0" anchor="ctr"/>
+          <a:lstStyle/>
+          <a:p>
+            <a:pPr algn="ctr"/>
+            <a:r>
               <a:rPr lang="en-US" altLang="ko-KR" dirty="0" err="1" smtClean="0"/>
               <a:t>Granade</a:t>
             </a:r>
@@ -4609,16 +8430,16 @@
       </p:sp>
       <p:cxnSp>
         <p:nvCxnSpPr>
-          <p:cNvPr id="93" name="Straight Arrow Connector 92"/>
+          <p:cNvPr id="8" name="Straight Arrow Connector 7"/>
           <p:cNvCxnSpPr>
-            <a:stCxn id="88" idx="2"/>
-            <a:endCxn id="89" idx="0"/>
+            <a:stCxn id="4" idx="2"/>
+            <a:endCxn id="5" idx="0"/>
           </p:cNvCxnSpPr>
           <p:nvPr/>
         </p:nvCxnSpPr>
         <p:spPr>
           <a:xfrm flipH="1">
-            <a:off x="6758247" y="2146761"/>
+            <a:off x="1147156" y="642148"/>
             <a:ext cx="1365355" cy="147552"/>
           </a:xfrm>
           <a:prstGeom prst="straightConnector1">
@@ -4648,16 +8469,16 @@
       </p:cxnSp>
       <p:cxnSp>
         <p:nvCxnSpPr>
-          <p:cNvPr id="95" name="Straight Arrow Connector 94"/>
+          <p:cNvPr id="9" name="Straight Arrow Connector 8"/>
           <p:cNvCxnSpPr>
-            <a:stCxn id="88" idx="2"/>
-            <a:endCxn id="91" idx="0"/>
+            <a:stCxn id="4" idx="2"/>
+            <a:endCxn id="7" idx="0"/>
           </p:cNvCxnSpPr>
           <p:nvPr/>
         </p:nvCxnSpPr>
         <p:spPr>
           <a:xfrm>
-            <a:off x="8123602" y="2146761"/>
+            <a:off x="2512511" y="642148"/>
             <a:ext cx="1468585" cy="147552"/>
           </a:xfrm>
           <a:prstGeom prst="straightConnector1">
@@ -4687,16 +8508,16 @@
       </p:cxnSp>
       <p:cxnSp>
         <p:nvCxnSpPr>
-          <p:cNvPr id="97" name="Straight Arrow Connector 96"/>
+          <p:cNvPr id="10" name="Straight Arrow Connector 9"/>
           <p:cNvCxnSpPr>
-            <a:stCxn id="88" idx="2"/>
-            <a:endCxn id="90" idx="0"/>
+            <a:stCxn id="4" idx="2"/>
+            <a:endCxn id="6" idx="0"/>
           </p:cNvCxnSpPr>
           <p:nvPr/>
         </p:nvCxnSpPr>
         <p:spPr>
           <a:xfrm>
-            <a:off x="8123602" y="2146761"/>
+            <a:off x="2512511" y="642148"/>
             <a:ext cx="7626" cy="147552"/>
           </a:xfrm>
           <a:prstGeom prst="straightConnector1">
@@ -4724,694 +8545,40 @@
           </a:fontRef>
         </p:style>
       </p:cxnSp>
-      <p:sp>
-        <p:nvSpPr>
-          <p:cNvPr id="100" name="Rectangle 99"/>
-          <p:cNvSpPr/>
-          <p:nvPr/>
-        </p:nvSpPr>
-        <p:spPr>
-          <a:xfrm>
-            <a:off x="7710053" y="3254431"/>
-            <a:ext cx="1454727" cy="496683"/>
-          </a:xfrm>
-          <a:prstGeom prst="rect">
-            <a:avLst/>
-          </a:prstGeom>
-        </p:spPr>
-        <p:style>
-          <a:lnRef idx="2">
-            <a:schemeClr val="accent1">
-              <a:shade val="50000"/>
-            </a:schemeClr>
-          </a:lnRef>
-          <a:fillRef idx="1">
-            <a:schemeClr val="accent1"/>
-          </a:fillRef>
-          <a:effectRef idx="0">
-            <a:schemeClr val="accent1"/>
-          </a:effectRef>
-          <a:fontRef idx="minor">
-            <a:schemeClr val="lt1"/>
-          </a:fontRef>
-        </p:style>
-        <p:txBody>
-          <a:bodyPr rtlCol="0" anchor="ctr"/>
-          <a:lstStyle/>
-          <a:p>
-            <a:pPr algn="ctr"/>
-            <a:r>
-              <a:rPr lang="en-US" altLang="ko-KR" dirty="0" smtClean="0"/>
-              <a:t>Enemy</a:t>
-            </a:r>
-            <a:endParaRPr lang="ko-KR" altLang="en-US" dirty="0"/>
-          </a:p>
-        </p:txBody>
-      </p:sp>
-      <p:sp>
-        <p:nvSpPr>
-          <p:cNvPr id="103" name="Rectangle 102"/>
-          <p:cNvSpPr/>
-          <p:nvPr/>
-        </p:nvSpPr>
-        <p:spPr>
-          <a:xfrm>
-            <a:off x="5943599" y="3918406"/>
-            <a:ext cx="1629295" cy="392778"/>
-          </a:xfrm>
-          <a:prstGeom prst="rect">
-            <a:avLst/>
-          </a:prstGeom>
-        </p:spPr>
-        <p:style>
-          <a:lnRef idx="2">
-            <a:schemeClr val="accent1">
-              <a:shade val="50000"/>
-            </a:schemeClr>
-          </a:lnRef>
-          <a:fillRef idx="1">
-            <a:schemeClr val="accent1"/>
-          </a:fillRef>
-          <a:effectRef idx="0">
-            <a:schemeClr val="accent1"/>
-          </a:effectRef>
-          <a:fontRef idx="minor">
-            <a:schemeClr val="lt1"/>
-          </a:fontRef>
-        </p:style>
-        <p:txBody>
-          <a:bodyPr rtlCol="0" anchor="ctr"/>
-          <a:lstStyle/>
-          <a:p>
-            <a:pPr algn="ctr"/>
-            <a:r>
-              <a:rPr lang="en-US" altLang="ko-KR" dirty="0" smtClean="0"/>
-              <a:t>shield</a:t>
-            </a:r>
-            <a:endParaRPr lang="ko-KR" altLang="en-US" dirty="0"/>
-          </a:p>
-        </p:txBody>
-      </p:sp>
-      <p:sp>
-        <p:nvSpPr>
-          <p:cNvPr id="104" name="Rectangle 103"/>
-          <p:cNvSpPr/>
-          <p:nvPr/>
-        </p:nvSpPr>
-        <p:spPr>
-          <a:xfrm>
-            <a:off x="5958839" y="4408855"/>
-            <a:ext cx="1629295" cy="392778"/>
-          </a:xfrm>
-          <a:prstGeom prst="rect">
-            <a:avLst/>
-          </a:prstGeom>
-        </p:spPr>
-        <p:style>
-          <a:lnRef idx="2">
-            <a:schemeClr val="accent1">
-              <a:shade val="50000"/>
-            </a:schemeClr>
-          </a:lnRef>
-          <a:fillRef idx="1">
-            <a:schemeClr val="accent1"/>
-          </a:fillRef>
-          <a:effectRef idx="0">
-            <a:schemeClr val="accent1"/>
-          </a:effectRef>
-          <a:fontRef idx="minor">
-            <a:schemeClr val="lt1"/>
-          </a:fontRef>
-        </p:style>
-        <p:txBody>
-          <a:bodyPr rtlCol="0" anchor="ctr"/>
-          <a:lstStyle/>
-          <a:p>
-            <a:pPr algn="ctr"/>
-            <a:r>
-              <a:rPr lang="en-US" altLang="ko-KR" dirty="0" smtClean="0"/>
-              <a:t>rifle</a:t>
-            </a:r>
-            <a:endParaRPr lang="ko-KR" altLang="en-US" dirty="0"/>
-          </a:p>
-        </p:txBody>
-      </p:sp>
-      <p:sp>
-        <p:nvSpPr>
-          <p:cNvPr id="105" name="Rectangle 104"/>
-          <p:cNvSpPr/>
-          <p:nvPr/>
-        </p:nvSpPr>
-        <p:spPr>
-          <a:xfrm>
-            <a:off x="5943598" y="4916969"/>
-            <a:ext cx="1629295" cy="392778"/>
-          </a:xfrm>
-          <a:prstGeom prst="rect">
-            <a:avLst/>
-          </a:prstGeom>
-        </p:spPr>
-        <p:style>
-          <a:lnRef idx="2">
-            <a:schemeClr val="accent1">
-              <a:shade val="50000"/>
-            </a:schemeClr>
-          </a:lnRef>
-          <a:fillRef idx="1">
-            <a:schemeClr val="accent1"/>
-          </a:fillRef>
-          <a:effectRef idx="0">
-            <a:schemeClr val="accent1"/>
-          </a:effectRef>
-          <a:fontRef idx="minor">
-            <a:schemeClr val="lt1"/>
-          </a:fontRef>
-        </p:style>
-        <p:txBody>
-          <a:bodyPr rtlCol="0" anchor="ctr"/>
-          <a:lstStyle/>
-          <a:p>
-            <a:pPr algn="ctr"/>
-            <a:r>
-              <a:rPr lang="en-US" altLang="ko-KR" dirty="0" smtClean="0"/>
-              <a:t>bazooka</a:t>
-            </a:r>
-            <a:endParaRPr lang="ko-KR" altLang="en-US" dirty="0"/>
-          </a:p>
-        </p:txBody>
-      </p:sp>
-      <p:sp>
-        <p:nvSpPr>
-          <p:cNvPr id="106" name="Rectangle 105"/>
-          <p:cNvSpPr/>
-          <p:nvPr/>
-        </p:nvSpPr>
-        <p:spPr>
-          <a:xfrm>
-            <a:off x="7617915" y="3905939"/>
-            <a:ext cx="1667401" cy="392778"/>
-          </a:xfrm>
-          <a:prstGeom prst="rect">
-            <a:avLst/>
-          </a:prstGeom>
-        </p:spPr>
-        <p:style>
-          <a:lnRef idx="2">
-            <a:schemeClr val="accent1">
-              <a:shade val="50000"/>
-            </a:schemeClr>
-          </a:lnRef>
-          <a:fillRef idx="1">
-            <a:schemeClr val="accent1"/>
-          </a:fillRef>
-          <a:effectRef idx="0">
-            <a:schemeClr val="accent1"/>
-          </a:effectRef>
-          <a:fontRef idx="minor">
-            <a:schemeClr val="lt1"/>
-          </a:fontRef>
-        </p:style>
-        <p:txBody>
-          <a:bodyPr rtlCol="0" anchor="ctr"/>
-          <a:lstStyle/>
-          <a:p>
-            <a:pPr algn="ctr"/>
-            <a:r>
-              <a:rPr lang="en-US" altLang="ko-KR" dirty="0" smtClean="0"/>
-              <a:t>Tank04</a:t>
-            </a:r>
-            <a:endParaRPr lang="ko-KR" altLang="en-US" dirty="0"/>
-          </a:p>
-        </p:txBody>
-      </p:sp>
-      <p:sp>
-        <p:nvSpPr>
-          <p:cNvPr id="107" name="Rectangle 106"/>
-          <p:cNvSpPr/>
-          <p:nvPr/>
-        </p:nvSpPr>
-        <p:spPr>
-          <a:xfrm>
-            <a:off x="7644921" y="4408855"/>
-            <a:ext cx="1629295" cy="392778"/>
-          </a:xfrm>
-          <a:prstGeom prst="rect">
-            <a:avLst/>
-          </a:prstGeom>
-        </p:spPr>
-        <p:style>
-          <a:lnRef idx="2">
-            <a:schemeClr val="accent1">
-              <a:shade val="50000"/>
-            </a:schemeClr>
-          </a:lnRef>
-          <a:fillRef idx="1">
-            <a:schemeClr val="accent1"/>
-          </a:fillRef>
-          <a:effectRef idx="0">
-            <a:schemeClr val="accent1"/>
-          </a:effectRef>
-          <a:fontRef idx="minor">
-            <a:schemeClr val="lt1"/>
-          </a:fontRef>
-        </p:style>
-        <p:txBody>
-          <a:bodyPr rtlCol="0" anchor="ctr"/>
-          <a:lstStyle/>
-          <a:p>
-            <a:pPr algn="ctr"/>
-            <a:r>
-              <a:rPr lang="en-US" altLang="ko-KR" dirty="0" err="1" smtClean="0"/>
-              <a:t>HalfTrack</a:t>
-            </a:r>
-            <a:endParaRPr lang="ko-KR" altLang="en-US" dirty="0"/>
-          </a:p>
-        </p:txBody>
-      </p:sp>
-      <p:sp>
-        <p:nvSpPr>
-          <p:cNvPr id="108" name="Rectangle 107"/>
-          <p:cNvSpPr/>
-          <p:nvPr/>
-        </p:nvSpPr>
-        <p:spPr>
-          <a:xfrm>
-            <a:off x="7656021" y="4914882"/>
-            <a:ext cx="1629295" cy="392778"/>
-          </a:xfrm>
-          <a:prstGeom prst="rect">
-            <a:avLst/>
-          </a:prstGeom>
-        </p:spPr>
-        <p:style>
-          <a:lnRef idx="2">
-            <a:schemeClr val="accent1">
-              <a:shade val="50000"/>
-            </a:schemeClr>
-          </a:lnRef>
-          <a:fillRef idx="1">
-            <a:schemeClr val="accent1"/>
-          </a:fillRef>
-          <a:effectRef idx="0">
-            <a:schemeClr val="accent1"/>
-          </a:effectRef>
-          <a:fontRef idx="minor">
-            <a:schemeClr val="lt1"/>
-          </a:fontRef>
-        </p:style>
-        <p:txBody>
-          <a:bodyPr rtlCol="0" anchor="ctr"/>
-          <a:lstStyle/>
-          <a:p>
-            <a:pPr algn="ctr"/>
-            <a:r>
-              <a:rPr lang="en-US" altLang="ko-KR" dirty="0" err="1" smtClean="0"/>
-              <a:t>Granadier</a:t>
-            </a:r>
-            <a:endParaRPr lang="ko-KR" altLang="en-US" dirty="0"/>
-          </a:p>
-        </p:txBody>
-      </p:sp>
-      <p:sp>
-        <p:nvSpPr>
-          <p:cNvPr id="110" name="Rectangle 109"/>
-          <p:cNvSpPr/>
-          <p:nvPr/>
-        </p:nvSpPr>
-        <p:spPr>
-          <a:xfrm>
-            <a:off x="5943598" y="5375732"/>
-            <a:ext cx="1629295" cy="392778"/>
-          </a:xfrm>
-          <a:prstGeom prst="rect">
-            <a:avLst/>
-          </a:prstGeom>
-        </p:spPr>
-        <p:style>
-          <a:lnRef idx="2">
-            <a:schemeClr val="accent1">
-              <a:shade val="50000"/>
-            </a:schemeClr>
-          </a:lnRef>
-          <a:fillRef idx="1">
-            <a:schemeClr val="accent1"/>
-          </a:fillRef>
-          <a:effectRef idx="0">
-            <a:schemeClr val="accent1"/>
-          </a:effectRef>
-          <a:fontRef idx="minor">
-            <a:schemeClr val="lt1"/>
-          </a:fontRef>
-        </p:style>
-        <p:txBody>
-          <a:bodyPr rtlCol="0" anchor="ctr"/>
-          <a:lstStyle/>
-          <a:p>
-            <a:pPr algn="ctr"/>
-            <a:r>
-              <a:rPr lang="en-US" altLang="ko-KR" dirty="0" smtClean="0"/>
-              <a:t>Siren</a:t>
-            </a:r>
-            <a:endParaRPr lang="ko-KR" altLang="en-US" dirty="0"/>
-          </a:p>
-        </p:txBody>
-      </p:sp>
-      <p:sp>
-        <p:nvSpPr>
-          <p:cNvPr id="111" name="Rectangle 110"/>
-          <p:cNvSpPr/>
-          <p:nvPr/>
-        </p:nvSpPr>
-        <p:spPr>
-          <a:xfrm>
-            <a:off x="9323742" y="3918406"/>
-            <a:ext cx="1629295" cy="392778"/>
-          </a:xfrm>
-          <a:prstGeom prst="rect">
-            <a:avLst/>
-          </a:prstGeom>
-        </p:spPr>
-        <p:style>
-          <a:lnRef idx="2">
-            <a:schemeClr val="accent1">
-              <a:shade val="50000"/>
-            </a:schemeClr>
-          </a:lnRef>
-          <a:fillRef idx="1">
-            <a:schemeClr val="accent1"/>
-          </a:fillRef>
-          <a:effectRef idx="0">
-            <a:schemeClr val="accent1"/>
-          </a:effectRef>
-          <a:fontRef idx="minor">
-            <a:schemeClr val="lt1"/>
-          </a:fontRef>
-        </p:style>
-        <p:txBody>
-          <a:bodyPr rtlCol="0" anchor="ctr"/>
-          <a:lstStyle/>
-          <a:p>
-            <a:pPr algn="ctr"/>
-            <a:r>
-              <a:rPr lang="en-US" altLang="ko-KR" dirty="0" err="1" smtClean="0"/>
-              <a:t>Moter</a:t>
-            </a:r>
-            <a:endParaRPr lang="ko-KR" altLang="en-US" dirty="0"/>
-          </a:p>
-        </p:txBody>
-      </p:sp>
-      <p:cxnSp>
-        <p:nvCxnSpPr>
-          <p:cNvPr id="113" name="Straight Arrow Connector 112"/>
-          <p:cNvCxnSpPr>
-            <a:stCxn id="100" idx="2"/>
-            <a:endCxn id="103" idx="0"/>
-          </p:cNvCxnSpPr>
-          <p:nvPr/>
-        </p:nvCxnSpPr>
-        <p:spPr>
-          <a:xfrm flipH="1">
-            <a:off x="6758247" y="3751114"/>
-            <a:ext cx="1679170" cy="167292"/>
-          </a:xfrm>
-          <a:prstGeom prst="straightConnector1">
-            <a:avLst/>
-          </a:prstGeom>
-          <a:ln>
-            <a:tailEnd type="triangle"/>
-          </a:ln>
-        </p:spPr>
-        <p:style>
-          <a:lnRef idx="1">
-            <a:schemeClr val="accent1"/>
-          </a:lnRef>
-          <a:fillRef idx="0">
-            <a:schemeClr val="accent1"/>
-          </a:fillRef>
-          <a:effectRef idx="0">
-            <a:schemeClr val="accent1"/>
-          </a:effectRef>
-          <a:fontRef idx="minor">
-            <a:schemeClr val="tx1"/>
-          </a:fontRef>
-        </p:style>
-      </p:cxnSp>
-      <p:cxnSp>
-        <p:nvCxnSpPr>
-          <p:cNvPr id="115" name="Straight Arrow Connector 114"/>
-          <p:cNvCxnSpPr>
-            <a:stCxn id="100" idx="2"/>
-            <a:endCxn id="106" idx="0"/>
-          </p:cNvCxnSpPr>
-          <p:nvPr/>
-        </p:nvCxnSpPr>
-        <p:spPr>
-          <a:xfrm>
-            <a:off x="8437417" y="3751114"/>
-            <a:ext cx="14199" cy="154825"/>
-          </a:xfrm>
-          <a:prstGeom prst="straightConnector1">
-            <a:avLst/>
-          </a:prstGeom>
-          <a:ln>
-            <a:tailEnd type="triangle"/>
-          </a:ln>
-        </p:spPr>
-        <p:style>
-          <a:lnRef idx="1">
-            <a:schemeClr val="accent1"/>
-          </a:lnRef>
-          <a:fillRef idx="0">
-            <a:schemeClr val="accent1"/>
-          </a:fillRef>
-          <a:effectRef idx="0">
-            <a:schemeClr val="accent1"/>
-          </a:effectRef>
-          <a:fontRef idx="minor">
-            <a:schemeClr val="tx1"/>
-          </a:fontRef>
-        </p:style>
-      </p:cxnSp>
-      <p:cxnSp>
-        <p:nvCxnSpPr>
-          <p:cNvPr id="117" name="Straight Arrow Connector 116"/>
-          <p:cNvCxnSpPr>
-            <a:stCxn id="100" idx="2"/>
-            <a:endCxn id="111" idx="0"/>
-          </p:cNvCxnSpPr>
-          <p:nvPr/>
-        </p:nvCxnSpPr>
-        <p:spPr>
-          <a:xfrm>
-            <a:off x="8437417" y="3751114"/>
-            <a:ext cx="1700973" cy="167292"/>
-          </a:xfrm>
-          <a:prstGeom prst="straightConnector1">
-            <a:avLst/>
-          </a:prstGeom>
-          <a:ln>
-            <a:tailEnd type="triangle"/>
-          </a:ln>
-        </p:spPr>
-        <p:style>
-          <a:lnRef idx="1">
-            <a:schemeClr val="accent1"/>
-          </a:lnRef>
-          <a:fillRef idx="0">
-            <a:schemeClr val="accent1"/>
-          </a:fillRef>
-          <a:effectRef idx="0">
-            <a:schemeClr val="accent1"/>
-          </a:effectRef>
-          <a:fontRef idx="minor">
-            <a:schemeClr val="tx1"/>
-          </a:fontRef>
-        </p:style>
-      </p:cxnSp>
-      <p:cxnSp>
-        <p:nvCxnSpPr>
-          <p:cNvPr id="119" name="Straight Arrow Connector 118"/>
-          <p:cNvCxnSpPr>
-            <a:stCxn id="100" idx="2"/>
-            <a:endCxn id="107" idx="0"/>
-          </p:cNvCxnSpPr>
-          <p:nvPr/>
-        </p:nvCxnSpPr>
-        <p:spPr>
-          <a:xfrm>
-            <a:off x="8437417" y="3751114"/>
-            <a:ext cx="22152" cy="657741"/>
-          </a:xfrm>
-          <a:prstGeom prst="straightConnector1">
-            <a:avLst/>
-          </a:prstGeom>
-          <a:ln>
-            <a:tailEnd type="triangle"/>
-          </a:ln>
-        </p:spPr>
-        <p:style>
-          <a:lnRef idx="1">
-            <a:schemeClr val="accent1"/>
-          </a:lnRef>
-          <a:fillRef idx="0">
-            <a:schemeClr val="accent1"/>
-          </a:fillRef>
-          <a:effectRef idx="0">
-            <a:schemeClr val="accent1"/>
-          </a:effectRef>
-          <a:fontRef idx="minor">
-            <a:schemeClr val="tx1"/>
-          </a:fontRef>
-        </p:style>
-      </p:cxnSp>
-      <p:cxnSp>
-        <p:nvCxnSpPr>
-          <p:cNvPr id="121" name="Straight Arrow Connector 120"/>
-          <p:cNvCxnSpPr>
-            <a:stCxn id="100" idx="2"/>
-            <a:endCxn id="104" idx="0"/>
-          </p:cNvCxnSpPr>
-          <p:nvPr/>
-        </p:nvCxnSpPr>
-        <p:spPr>
-          <a:xfrm flipH="1">
-            <a:off x="6773487" y="3751114"/>
-            <a:ext cx="1663930" cy="657741"/>
-          </a:xfrm>
-          <a:prstGeom prst="straightConnector1">
-            <a:avLst/>
-          </a:prstGeom>
-          <a:ln>
-            <a:tailEnd type="triangle"/>
-          </a:ln>
-        </p:spPr>
-        <p:style>
-          <a:lnRef idx="1">
-            <a:schemeClr val="accent1"/>
-          </a:lnRef>
-          <a:fillRef idx="0">
-            <a:schemeClr val="accent1"/>
-          </a:fillRef>
-          <a:effectRef idx="0">
-            <a:schemeClr val="accent1"/>
-          </a:effectRef>
-          <a:fontRef idx="minor">
-            <a:schemeClr val="tx1"/>
-          </a:fontRef>
-        </p:style>
-      </p:cxnSp>
-      <p:cxnSp>
-        <p:nvCxnSpPr>
-          <p:cNvPr id="123" name="Straight Arrow Connector 122"/>
-          <p:cNvCxnSpPr>
-            <a:stCxn id="100" idx="2"/>
-            <a:endCxn id="105" idx="0"/>
-          </p:cNvCxnSpPr>
-          <p:nvPr/>
-        </p:nvCxnSpPr>
-        <p:spPr>
-          <a:xfrm flipH="1">
-            <a:off x="6758246" y="3751114"/>
-            <a:ext cx="1679171" cy="1165855"/>
-          </a:xfrm>
-          <a:prstGeom prst="straightConnector1">
-            <a:avLst/>
-          </a:prstGeom>
-          <a:ln>
-            <a:tailEnd type="triangle"/>
-          </a:ln>
-        </p:spPr>
-        <p:style>
-          <a:lnRef idx="1">
-            <a:schemeClr val="accent1"/>
-          </a:lnRef>
-          <a:fillRef idx="0">
-            <a:schemeClr val="accent1"/>
-          </a:fillRef>
-          <a:effectRef idx="0">
-            <a:schemeClr val="accent1"/>
-          </a:effectRef>
-          <a:fontRef idx="minor">
-            <a:schemeClr val="tx1"/>
-          </a:fontRef>
-        </p:style>
-      </p:cxnSp>
-      <p:cxnSp>
-        <p:nvCxnSpPr>
-          <p:cNvPr id="125" name="Straight Arrow Connector 124"/>
-          <p:cNvCxnSpPr>
-            <a:stCxn id="100" idx="2"/>
-            <a:endCxn id="108" idx="0"/>
-          </p:cNvCxnSpPr>
-          <p:nvPr/>
-        </p:nvCxnSpPr>
-        <p:spPr>
-          <a:xfrm>
-            <a:off x="8437417" y="3751114"/>
-            <a:ext cx="33252" cy="1163768"/>
-          </a:xfrm>
-          <a:prstGeom prst="straightConnector1">
-            <a:avLst/>
-          </a:prstGeom>
-          <a:ln>
-            <a:tailEnd type="triangle"/>
-          </a:ln>
-        </p:spPr>
-        <p:style>
-          <a:lnRef idx="1">
-            <a:schemeClr val="accent1"/>
-          </a:lnRef>
-          <a:fillRef idx="0">
-            <a:schemeClr val="accent1"/>
-          </a:fillRef>
-          <a:effectRef idx="0">
-            <a:schemeClr val="accent1"/>
-          </a:effectRef>
-          <a:fontRef idx="minor">
-            <a:schemeClr val="tx1"/>
-          </a:fontRef>
-        </p:style>
-      </p:cxnSp>
-      <p:cxnSp>
-        <p:nvCxnSpPr>
-          <p:cNvPr id="127" name="Straight Arrow Connector 126"/>
-          <p:cNvCxnSpPr>
-            <a:stCxn id="100" idx="2"/>
-            <a:endCxn id="110" idx="0"/>
-          </p:cNvCxnSpPr>
-          <p:nvPr/>
-        </p:nvCxnSpPr>
-        <p:spPr>
-          <a:xfrm flipH="1">
-            <a:off x="6758246" y="3751114"/>
-            <a:ext cx="1679171" cy="1624618"/>
-          </a:xfrm>
-          <a:prstGeom prst="straightConnector1">
-            <a:avLst/>
-          </a:prstGeom>
-          <a:ln>
-            <a:tailEnd type="triangle"/>
-          </a:ln>
-        </p:spPr>
-        <p:style>
-          <a:lnRef idx="1">
-            <a:schemeClr val="accent1"/>
-          </a:lnRef>
-          <a:fillRef idx="0">
-            <a:schemeClr val="accent1"/>
-          </a:fillRef>
-          <a:effectRef idx="0">
-            <a:schemeClr val="accent1"/>
-          </a:effectRef>
-          <a:fontRef idx="minor">
-            <a:schemeClr val="tx1"/>
-          </a:fontRef>
-        </p:style>
-      </p:cxnSp>
     </p:spTree>
     <p:extLst>
       <p:ext uri="{BB962C8B-B14F-4D97-AF65-F5344CB8AC3E}">
-        <p14:creationId xmlns:p14="http://schemas.microsoft.com/office/powerpoint/2010/main" val="2114473717"/>
+        <p14:creationId xmlns:p14="http://schemas.microsoft.com/office/powerpoint/2010/main" val="138135117"/>
+      </p:ext>
+    </p:extLst>
+  </p:cSld>
+  <p:clrMapOvr>
+    <a:masterClrMapping/>
+  </p:clrMapOvr>
+</p:sld>
+</file>
+
+<file path=ppt/slides/slide6.xml><?xml version="1.0" encoding="utf-8"?>
+<p:sld xmlns:a="http://schemas.openxmlformats.org/drawingml/2006/main" xmlns:r="http://schemas.openxmlformats.org/officeDocument/2006/relationships" xmlns:p="http://schemas.openxmlformats.org/presentationml/2006/main">
+  <p:cSld>
+    <p:spTree>
+      <p:nvGrpSpPr>
+        <p:cNvPr id="1" name=""/>
+        <p:cNvGrpSpPr/>
+        <p:nvPr/>
+      </p:nvGrpSpPr>
+      <p:grpSpPr>
+        <a:xfrm>
+          <a:off x="0" y="0"/>
+          <a:ext cx="0" cy="0"/>
+          <a:chOff x="0" y="0"/>
+          <a:chExt cx="0" cy="0"/>
+        </a:xfrm>
+      </p:grpSpPr>
+    </p:spTree>
+    <p:extLst>
+      <p:ext uri="{BB962C8B-B14F-4D97-AF65-F5344CB8AC3E}">
+        <p14:creationId xmlns:p14="http://schemas.microsoft.com/office/powerpoint/2010/main" val="2904132236"/>
       </p:ext>
     </p:extLst>
   </p:cSld>

--- a/기획 문서/FrameWork.pptx
+++ b/기획 문서/FrameWork.pptx
@@ -5,9 +5,9 @@
     <p:sldMasterId id="2147483648" r:id="rId1"/>
   </p:sldMasterIdLst>
   <p:sldIdLst>
-    <p:sldId id="261" r:id="rId2"/>
-    <p:sldId id="262" r:id="rId3"/>
-    <p:sldId id="260" r:id="rId4"/>
+    <p:sldId id="263" r:id="rId2"/>
+    <p:sldId id="261" r:id="rId3"/>
+    <p:sldId id="262" r:id="rId4"/>
     <p:sldId id="257" r:id="rId5"/>
     <p:sldId id="258" r:id="rId6"/>
     <p:sldId id="259" r:id="rId7"/>
@@ -248,7 +248,7 @@
           <a:p>
             <a:fld id="{9F268087-1A4D-47AC-A1CE-95FF2473F6F0}" type="datetimeFigureOut">
               <a:rPr lang="ko-KR" altLang="en-US" smtClean="0"/>
-              <a:t>2021-08-06</a:t>
+              <a:t>2021-08-07</a:t>
             </a:fld>
             <a:endParaRPr lang="ko-KR" altLang="en-US"/>
           </a:p>
@@ -418,7 +418,7 @@
           <a:p>
             <a:fld id="{9F268087-1A4D-47AC-A1CE-95FF2473F6F0}" type="datetimeFigureOut">
               <a:rPr lang="ko-KR" altLang="en-US" smtClean="0"/>
-              <a:t>2021-08-06</a:t>
+              <a:t>2021-08-07</a:t>
             </a:fld>
             <a:endParaRPr lang="ko-KR" altLang="en-US"/>
           </a:p>
@@ -598,7 +598,7 @@
           <a:p>
             <a:fld id="{9F268087-1A4D-47AC-A1CE-95FF2473F6F0}" type="datetimeFigureOut">
               <a:rPr lang="ko-KR" altLang="en-US" smtClean="0"/>
-              <a:t>2021-08-06</a:t>
+              <a:t>2021-08-07</a:t>
             </a:fld>
             <a:endParaRPr lang="ko-KR" altLang="en-US"/>
           </a:p>
@@ -768,7 +768,7 @@
           <a:p>
             <a:fld id="{9F268087-1A4D-47AC-A1CE-95FF2473F6F0}" type="datetimeFigureOut">
               <a:rPr lang="ko-KR" altLang="en-US" smtClean="0"/>
-              <a:t>2021-08-06</a:t>
+              <a:t>2021-08-07</a:t>
             </a:fld>
             <a:endParaRPr lang="ko-KR" altLang="en-US"/>
           </a:p>
@@ -1014,7 +1014,7 @@
           <a:p>
             <a:fld id="{9F268087-1A4D-47AC-A1CE-95FF2473F6F0}" type="datetimeFigureOut">
               <a:rPr lang="ko-KR" altLang="en-US" smtClean="0"/>
-              <a:t>2021-08-06</a:t>
+              <a:t>2021-08-07</a:t>
             </a:fld>
             <a:endParaRPr lang="ko-KR" altLang="en-US"/>
           </a:p>
@@ -1246,7 +1246,7 @@
           <a:p>
             <a:fld id="{9F268087-1A4D-47AC-A1CE-95FF2473F6F0}" type="datetimeFigureOut">
               <a:rPr lang="ko-KR" altLang="en-US" smtClean="0"/>
-              <a:t>2021-08-06</a:t>
+              <a:t>2021-08-07</a:t>
             </a:fld>
             <a:endParaRPr lang="ko-KR" altLang="en-US"/>
           </a:p>
@@ -1613,7 +1613,7 @@
           <a:p>
             <a:fld id="{9F268087-1A4D-47AC-A1CE-95FF2473F6F0}" type="datetimeFigureOut">
               <a:rPr lang="ko-KR" altLang="en-US" smtClean="0"/>
-              <a:t>2021-08-06</a:t>
+              <a:t>2021-08-07</a:t>
             </a:fld>
             <a:endParaRPr lang="ko-KR" altLang="en-US"/>
           </a:p>
@@ -1731,7 +1731,7 @@
           <a:p>
             <a:fld id="{9F268087-1A4D-47AC-A1CE-95FF2473F6F0}" type="datetimeFigureOut">
               <a:rPr lang="ko-KR" altLang="en-US" smtClean="0"/>
-              <a:t>2021-08-06</a:t>
+              <a:t>2021-08-07</a:t>
             </a:fld>
             <a:endParaRPr lang="ko-KR" altLang="en-US"/>
           </a:p>
@@ -1826,7 +1826,7 @@
           <a:p>
             <a:fld id="{9F268087-1A4D-47AC-A1CE-95FF2473F6F0}" type="datetimeFigureOut">
               <a:rPr lang="ko-KR" altLang="en-US" smtClean="0"/>
-              <a:t>2021-08-06</a:t>
+              <a:t>2021-08-07</a:t>
             </a:fld>
             <a:endParaRPr lang="ko-KR" altLang="en-US"/>
           </a:p>
@@ -2103,7 +2103,7 @@
           <a:p>
             <a:fld id="{9F268087-1A4D-47AC-A1CE-95FF2473F6F0}" type="datetimeFigureOut">
               <a:rPr lang="ko-KR" altLang="en-US" smtClean="0"/>
-              <a:t>2021-08-06</a:t>
+              <a:t>2021-08-07</a:t>
             </a:fld>
             <a:endParaRPr lang="ko-KR" altLang="en-US"/>
           </a:p>
@@ -2356,7 +2356,7 @@
           <a:p>
             <a:fld id="{9F268087-1A4D-47AC-A1CE-95FF2473F6F0}" type="datetimeFigureOut">
               <a:rPr lang="ko-KR" altLang="en-US" smtClean="0"/>
-              <a:t>2021-08-06</a:t>
+              <a:t>2021-08-07</a:t>
             </a:fld>
             <a:endParaRPr lang="ko-KR" altLang="en-US"/>
           </a:p>
@@ -2569,7 +2569,7 @@
           <a:p>
             <a:fld id="{9F268087-1A4D-47AC-A1CE-95FF2473F6F0}" type="datetimeFigureOut">
               <a:rPr lang="ko-KR" altLang="en-US" smtClean="0"/>
-              <a:t>2021-08-06</a:t>
+              <a:t>2021-08-07</a:t>
             </a:fld>
             <a:endParaRPr lang="ko-KR" altLang="en-US"/>
           </a:p>
@@ -2976,14 +2976,14 @@
       </p:grpSpPr>
       <p:sp>
         <p:nvSpPr>
-          <p:cNvPr id="42" name="Rectangle 41"/>
+          <p:cNvPr id="4" name="Rectangle 3"/>
           <p:cNvSpPr/>
           <p:nvPr/>
         </p:nvSpPr>
         <p:spPr>
           <a:xfrm>
-            <a:off x="1512921" y="249390"/>
-            <a:ext cx="8886304" cy="3246360"/>
+            <a:off x="149630" y="540327"/>
+            <a:ext cx="2269375" cy="515389"/>
           </a:xfrm>
           <a:prstGeom prst="rect">
             <a:avLst/>
@@ -3010,20 +3010,24 @@
           <a:lstStyle/>
           <a:p>
             <a:pPr algn="ctr"/>
-            <a:endParaRPr lang="ko-KR" altLang="en-US"/>
-          </a:p>
-        </p:txBody>
-      </p:sp>
-      <p:sp>
-        <p:nvSpPr>
-          <p:cNvPr id="6" name="Rectangle 5"/>
+            <a:r>
+              <a:rPr lang="en-US" altLang="ko-KR" dirty="0" smtClean="0"/>
+              <a:t>Program</a:t>
+            </a:r>
+            <a:endParaRPr lang="ko-KR" altLang="en-US" dirty="0"/>
+          </a:p>
+        </p:txBody>
+      </p:sp>
+      <p:sp>
+        <p:nvSpPr>
+          <p:cNvPr id="7" name="Rectangle 6"/>
           <p:cNvSpPr/>
           <p:nvPr/>
         </p:nvSpPr>
         <p:spPr>
           <a:xfrm>
-            <a:off x="5411590" y="831279"/>
-            <a:ext cx="1712420" cy="270163"/>
+            <a:off x="3383281" y="565266"/>
+            <a:ext cx="2385752" cy="465513"/>
           </a:xfrm>
           <a:prstGeom prst="rect">
             <a:avLst/>
@@ -3052,7 +3056,7 @@
             <a:pPr algn="ctr"/>
             <a:r>
               <a:rPr lang="en-US" altLang="ko-KR" dirty="0" smtClean="0"/>
-              <a:t>List&lt;Player&gt;</a:t>
+              <a:t>Intro</a:t>
             </a:r>
             <a:endParaRPr lang="ko-KR" altLang="en-US" dirty="0"/>
           </a:p>
@@ -3060,14 +3064,14 @@
       </p:sp>
       <p:sp>
         <p:nvSpPr>
-          <p:cNvPr id="7" name="Rectangle 6"/>
+          <p:cNvPr id="9" name="Rectangle 8"/>
           <p:cNvSpPr/>
           <p:nvPr/>
         </p:nvSpPr>
         <p:spPr>
           <a:xfrm>
-            <a:off x="5411590" y="1163788"/>
-            <a:ext cx="1712420" cy="270165"/>
+            <a:off x="91441" y="3428994"/>
+            <a:ext cx="2385752" cy="465513"/>
           </a:xfrm>
           <a:prstGeom prst="rect">
             <a:avLst/>
@@ -3095,30 +3099,64 @@
           <a:p>
             <a:pPr algn="ctr"/>
             <a:r>
-              <a:rPr lang="en-US" altLang="ko-KR" dirty="0" err="1" smtClean="0"/>
-              <a:t>AddPlayer</a:t>
-            </a:r>
-            <a:r>
               <a:rPr lang="en-US" altLang="ko-KR" dirty="0" smtClean="0"/>
-              <a:t>()</a:t>
+              <a:t>Stage1</a:t>
             </a:r>
             <a:endParaRPr lang="ko-KR" altLang="en-US" dirty="0"/>
           </a:p>
         </p:txBody>
       </p:sp>
-      <p:sp>
-        <p:nvSpPr>
-          <p:cNvPr id="8" name="Rectangle 7"/>
+      <p:cxnSp>
+        <p:nvCxnSpPr>
+          <p:cNvPr id="13" name="Straight Arrow Connector 12"/>
+          <p:cNvCxnSpPr>
+            <a:stCxn id="4" idx="2"/>
+            <a:endCxn id="9" idx="0"/>
+          </p:cNvCxnSpPr>
+          <p:nvPr/>
+        </p:nvCxnSpPr>
+        <p:spPr>
+          <a:xfrm flipH="1">
+            <a:off x="1284317" y="1055716"/>
+            <a:ext cx="1" cy="2373278"/>
+          </a:xfrm>
+          <a:prstGeom prst="straightConnector1">
+            <a:avLst/>
+          </a:prstGeom>
+          <a:ln>
+            <a:tailEnd type="triangle"/>
+          </a:ln>
+        </p:spPr>
+        <p:style>
+          <a:lnRef idx="1">
+            <a:schemeClr val="accent1"/>
+          </a:lnRef>
+          <a:fillRef idx="0">
+            <a:schemeClr val="accent1"/>
+          </a:fillRef>
+          <a:effectRef idx="0">
+            <a:schemeClr val="accent1"/>
+          </a:effectRef>
+          <a:fontRef idx="minor">
+            <a:schemeClr val="tx1"/>
+          </a:fontRef>
+        </p:style>
+      </p:cxnSp>
+      <p:sp>
+        <p:nvSpPr>
+          <p:cNvPr id="21" name="Rounded Rectangle 20"/>
           <p:cNvSpPr/>
           <p:nvPr/>
         </p:nvSpPr>
         <p:spPr>
           <a:xfrm>
-            <a:off x="5411590" y="1496299"/>
-            <a:ext cx="1712420" cy="286788"/>
-          </a:xfrm>
-          <a:prstGeom prst="rect">
-            <a:avLst/>
+            <a:off x="9385069" y="48489"/>
+            <a:ext cx="2402378" cy="432262"/>
+          </a:xfrm>
+          <a:prstGeom prst="roundRect">
+            <a:avLst>
+              <a:gd name="adj" fmla="val 50000"/>
+            </a:avLst>
           </a:prstGeom>
         </p:spPr>
         <p:style>
@@ -3143,65 +3181,28 @@
           <a:p>
             <a:pPr algn="ctr"/>
             <a:r>
-              <a:rPr lang="en-US" altLang="ko-KR" dirty="0" err="1"/>
-              <a:t>R</a:t>
-            </a:r>
-            <a:r>
-              <a:rPr lang="en-US" altLang="ko-KR" dirty="0" err="1" smtClean="0"/>
-              <a:t>emovePlayer</a:t>
-            </a:r>
-            <a:r>
-              <a:rPr lang="en-US" altLang="ko-KR" dirty="0" smtClean="0"/>
-              <a:t>()</a:t>
-            </a:r>
-            <a:endParaRPr lang="ko-KR" altLang="en-US" dirty="0"/>
-          </a:p>
-        </p:txBody>
-      </p:sp>
-      <p:sp>
-        <p:nvSpPr>
-          <p:cNvPr id="18" name="TextBox 17"/>
-          <p:cNvSpPr txBox="1"/>
-          <p:nvPr/>
-        </p:nvSpPr>
-        <p:spPr>
-          <a:xfrm>
-            <a:off x="1388230" y="320338"/>
-            <a:ext cx="2377437" cy="369332"/>
-          </a:xfrm>
-          <a:prstGeom prst="rect">
-            <a:avLst/>
-          </a:prstGeom>
-          <a:noFill/>
-        </p:spPr>
-        <p:txBody>
-          <a:bodyPr wrap="square" rtlCol="0">
-            <a:spAutoFit/>
-          </a:bodyPr>
-          <a:lstStyle/>
-          <a:p>
-            <a:pPr algn="ctr"/>
-            <a:r>
-              <a:rPr lang="en-US" altLang="ko-KR" dirty="0" err="1"/>
-              <a:t>PlayerManager</a:t>
-            </a:r>
-            <a:endParaRPr lang="ko-KR" altLang="en-US" dirty="0"/>
-          </a:p>
-        </p:txBody>
-      </p:sp>
-      <p:sp>
-        <p:nvSpPr>
-          <p:cNvPr id="74" name="Rectangle 73"/>
+              <a:rPr lang="ko-KR" altLang="en-US" smtClean="0"/>
+              <a:t>소리 조절</a:t>
+            </a:r>
+            <a:endParaRPr lang="ko-KR" altLang="en-US"/>
+          </a:p>
+        </p:txBody>
+      </p:sp>
+      <p:sp>
+        <p:nvSpPr>
+          <p:cNvPr id="22" name="Rounded Rectangle 21"/>
           <p:cNvSpPr/>
           <p:nvPr/>
         </p:nvSpPr>
         <p:spPr>
           <a:xfrm>
-            <a:off x="1687490" y="1217819"/>
-            <a:ext cx="1712420" cy="270165"/>
-          </a:xfrm>
-          <a:prstGeom prst="rect">
-            <a:avLst/>
+            <a:off x="9385069" y="591587"/>
+            <a:ext cx="2402378" cy="432262"/>
+          </a:xfrm>
+          <a:prstGeom prst="roundRect">
+            <a:avLst>
+              <a:gd name="adj" fmla="val 50000"/>
+            </a:avLst>
           </a:prstGeom>
         </p:spPr>
         <p:style>
@@ -3226,8 +3227,8 @@
           <a:p>
             <a:pPr algn="ctr"/>
             <a:r>
-              <a:rPr lang="en-US" altLang="ko-KR" dirty="0" smtClean="0"/>
-              <a:t>Update()</a:t>
+              <a:rPr lang="ko-KR" altLang="en-US" dirty="0" smtClean="0"/>
+              <a:t>조작키 변경</a:t>
             </a:r>
             <a:endParaRPr lang="ko-KR" altLang="en-US" dirty="0"/>
           </a:p>
@@ -3235,17 +3236,19 @@
       </p:sp>
       <p:sp>
         <p:nvSpPr>
-          <p:cNvPr id="77" name="Rectangle 76"/>
+          <p:cNvPr id="23" name="Rounded Rectangle 22"/>
           <p:cNvSpPr/>
           <p:nvPr/>
         </p:nvSpPr>
         <p:spPr>
           <a:xfrm>
-            <a:off x="1687490" y="897776"/>
-            <a:ext cx="1712420" cy="270165"/>
-          </a:xfrm>
-          <a:prstGeom prst="rect">
-            <a:avLst/>
+            <a:off x="9385069" y="1159623"/>
+            <a:ext cx="2402378" cy="432262"/>
+          </a:xfrm>
+          <a:prstGeom prst="roundRect">
+            <a:avLst>
+              <a:gd name="adj" fmla="val 50000"/>
+            </a:avLst>
           </a:prstGeom>
         </p:spPr>
         <p:style>
@@ -3270,220 +3273,164 @@
           <a:p>
             <a:pPr algn="ctr"/>
             <a:r>
-              <a:rPr lang="en-US" altLang="ko-KR" dirty="0" smtClean="0"/>
-              <a:t>Render</a:t>
-            </a:r>
-            <a:r>
-              <a:rPr lang="en-US" altLang="ko-KR" dirty="0" smtClean="0"/>
-              <a:t>()</a:t>
+              <a:rPr lang="ko-KR" altLang="en-US" dirty="0" smtClean="0"/>
+              <a:t>캐릭터 선택</a:t>
             </a:r>
             <a:endParaRPr lang="ko-KR" altLang="en-US" dirty="0"/>
           </a:p>
         </p:txBody>
       </p:sp>
-      <p:sp>
-        <p:nvSpPr>
-          <p:cNvPr id="36" name="TextBox 35"/>
-          <p:cNvSpPr txBox="1"/>
-          <p:nvPr/>
-        </p:nvSpPr>
-        <p:spPr>
-          <a:xfrm>
-            <a:off x="1604361" y="764777"/>
-            <a:ext cx="3233650" cy="1754326"/>
-          </a:xfrm>
-          <a:prstGeom prst="rect">
-            <a:avLst/>
-          </a:prstGeom>
-          <a:noFill/>
+      <p:cxnSp>
+        <p:nvCxnSpPr>
+          <p:cNvPr id="25" name="Straight Arrow Connector 24"/>
+          <p:cNvCxnSpPr>
+            <a:endCxn id="21" idx="1"/>
+          </p:cNvCxnSpPr>
+          <p:nvPr/>
+        </p:nvCxnSpPr>
+        <p:spPr>
+          <a:xfrm flipV="1">
+            <a:off x="9148156" y="264620"/>
+            <a:ext cx="236913" cy="525087"/>
+          </a:xfrm>
+          <a:prstGeom prst="straightConnector1">
+            <a:avLst/>
+          </a:prstGeom>
           <a:ln>
-            <a:solidFill>
-              <a:schemeClr val="tx1"/>
-            </a:solidFill>
+            <a:tailEnd type="triangle"/>
           </a:ln>
         </p:spPr>
-        <p:txBody>
-          <a:bodyPr wrap="square" rtlCol="0">
-            <a:spAutoFit/>
-          </a:bodyPr>
-          <a:lstStyle/>
-          <a:p>
-            <a:endParaRPr lang="en-US" altLang="ko-KR" dirty="0" smtClean="0"/>
-          </a:p>
-          <a:p>
-            <a:endParaRPr lang="en-US" altLang="ko-KR" dirty="0"/>
-          </a:p>
-          <a:p>
-            <a:endParaRPr lang="en-US" altLang="ko-KR" dirty="0" smtClean="0"/>
-          </a:p>
-          <a:p>
-            <a:r>
-              <a:rPr lang="ko-KR" altLang="en-US" dirty="0" smtClean="0"/>
-              <a:t>사용중인 객체들의 </a:t>
-            </a:r>
-            <a:endParaRPr lang="en-US" altLang="ko-KR" dirty="0" smtClean="0"/>
-          </a:p>
-          <a:p>
-            <a:r>
-              <a:rPr lang="en-US" altLang="ko-KR" dirty="0" err="1" smtClean="0"/>
-              <a:t>Update&amp;Render</a:t>
-            </a:r>
-            <a:r>
-              <a:rPr lang="en-US" altLang="ko-KR" dirty="0"/>
-              <a:t> </a:t>
-            </a:r>
-            <a:r>
-              <a:rPr lang="ko-KR" altLang="en-US" dirty="0" smtClean="0"/>
-              <a:t>범위기반 </a:t>
-            </a:r>
-            <a:endParaRPr lang="en-US" altLang="ko-KR" dirty="0" smtClean="0"/>
-          </a:p>
-          <a:p>
-            <a:r>
-              <a:rPr lang="en-US" altLang="ko-KR" dirty="0" smtClean="0"/>
-              <a:t>For </a:t>
-            </a:r>
-            <a:r>
-              <a:rPr lang="ko-KR" altLang="en-US" dirty="0" smtClean="0"/>
-              <a:t>문으로 지속적으로 처리 </a:t>
-            </a:r>
-            <a:endParaRPr lang="ko-KR" altLang="en-US" dirty="0"/>
-          </a:p>
-        </p:txBody>
-      </p:sp>
-      <p:sp>
-        <p:nvSpPr>
-          <p:cNvPr id="38" name="TextBox 37"/>
-          <p:cNvSpPr txBox="1"/>
-          <p:nvPr/>
-        </p:nvSpPr>
-        <p:spPr>
-          <a:xfrm>
-            <a:off x="5212085" y="764777"/>
-            <a:ext cx="4854632" cy="1754326"/>
-          </a:xfrm>
-          <a:prstGeom prst="rect">
-            <a:avLst/>
-          </a:prstGeom>
-          <a:noFill/>
+        <p:style>
+          <a:lnRef idx="1">
+            <a:schemeClr val="accent1"/>
+          </a:lnRef>
+          <a:fillRef idx="0">
+            <a:schemeClr val="accent1"/>
+          </a:fillRef>
+          <a:effectRef idx="0">
+            <a:schemeClr val="accent1"/>
+          </a:effectRef>
+          <a:fontRef idx="minor">
+            <a:schemeClr val="tx1"/>
+          </a:fontRef>
+        </p:style>
+      </p:cxnSp>
+      <p:cxnSp>
+        <p:nvCxnSpPr>
+          <p:cNvPr id="27" name="Straight Arrow Connector 26"/>
+          <p:cNvCxnSpPr>
+            <a:endCxn id="22" idx="1"/>
+          </p:cNvCxnSpPr>
+          <p:nvPr/>
+        </p:nvCxnSpPr>
+        <p:spPr>
+          <a:xfrm>
+            <a:off x="9148156" y="789707"/>
+            <a:ext cx="236913" cy="18011"/>
+          </a:xfrm>
+          <a:prstGeom prst="straightConnector1">
+            <a:avLst/>
+          </a:prstGeom>
           <a:ln>
-            <a:solidFill>
-              <a:schemeClr val="tx1"/>
-            </a:solidFill>
+            <a:tailEnd type="triangle"/>
           </a:ln>
         </p:spPr>
-        <p:txBody>
-          <a:bodyPr wrap="square" rtlCol="0">
-            <a:spAutoFit/>
-          </a:bodyPr>
-          <a:lstStyle/>
-          <a:p>
-            <a:endParaRPr lang="en-US" altLang="ko-KR" dirty="0" smtClean="0"/>
-          </a:p>
-          <a:p>
-            <a:endParaRPr lang="en-US" altLang="ko-KR" dirty="0"/>
-          </a:p>
-          <a:p>
-            <a:endParaRPr lang="en-US" altLang="ko-KR" dirty="0" smtClean="0"/>
-          </a:p>
-          <a:p>
-            <a:endParaRPr lang="en-US" altLang="ko-KR" dirty="0" smtClean="0"/>
-          </a:p>
-          <a:p>
-            <a:r>
-              <a:rPr lang="en-US" altLang="ko-KR" dirty="0" smtClean="0"/>
-              <a:t>List</a:t>
-            </a:r>
-            <a:r>
-              <a:rPr lang="ko-KR" altLang="en-US" dirty="0" smtClean="0"/>
-              <a:t>를 사용하여서 삽입 삭제에 용의하게 제작</a:t>
-            </a:r>
-            <a:endParaRPr lang="en-US" altLang="ko-KR" dirty="0" smtClean="0"/>
-          </a:p>
-          <a:p>
-            <a:r>
-              <a:rPr lang="en-US" altLang="ko-KR" dirty="0" smtClean="0"/>
-              <a:t>Add</a:t>
-            </a:r>
-            <a:r>
-              <a:rPr lang="ko-KR" altLang="en-US" dirty="0" smtClean="0"/>
-              <a:t>와 </a:t>
-            </a:r>
-            <a:r>
-              <a:rPr lang="en-US" altLang="ko-KR" dirty="0" smtClean="0"/>
-              <a:t>Remove</a:t>
-            </a:r>
-            <a:r>
-              <a:rPr lang="ko-KR" altLang="en-US" dirty="0" smtClean="0"/>
-              <a:t>함수를 사용하여서 </a:t>
-            </a:r>
-            <a:r>
-              <a:rPr lang="en-US" altLang="ko-KR" dirty="0" smtClean="0"/>
-              <a:t>List</a:t>
-            </a:r>
-            <a:r>
-              <a:rPr lang="ko-KR" altLang="en-US" dirty="0" smtClean="0"/>
-              <a:t>관리</a:t>
-            </a:r>
-            <a:endParaRPr lang="en-US" altLang="ko-KR" dirty="0" smtClean="0"/>
-          </a:p>
-        </p:txBody>
-      </p:sp>
-      <p:sp>
-        <p:nvSpPr>
-          <p:cNvPr id="40" name="TextBox 39"/>
-          <p:cNvSpPr txBox="1"/>
-          <p:nvPr/>
-        </p:nvSpPr>
-        <p:spPr>
-          <a:xfrm>
-            <a:off x="1620988" y="2669318"/>
-            <a:ext cx="8495608" cy="646331"/>
-          </a:xfrm>
-          <a:prstGeom prst="rect">
-            <a:avLst/>
-          </a:prstGeom>
-          <a:noFill/>
+        <p:style>
+          <a:lnRef idx="1">
+            <a:schemeClr val="accent1"/>
+          </a:lnRef>
+          <a:fillRef idx="0">
+            <a:schemeClr val="accent1"/>
+          </a:fillRef>
+          <a:effectRef idx="0">
+            <a:schemeClr val="accent1"/>
+          </a:effectRef>
+          <a:fontRef idx="minor">
+            <a:schemeClr val="tx1"/>
+          </a:fontRef>
+        </p:style>
+      </p:cxnSp>
+      <p:cxnSp>
+        <p:nvCxnSpPr>
+          <p:cNvPr id="29" name="Straight Arrow Connector 28"/>
+          <p:cNvCxnSpPr>
+            <a:endCxn id="23" idx="1"/>
+          </p:cNvCxnSpPr>
+          <p:nvPr/>
+        </p:nvCxnSpPr>
+        <p:spPr>
+          <a:xfrm>
+            <a:off x="9148156" y="789707"/>
+            <a:ext cx="236913" cy="586047"/>
+          </a:xfrm>
+          <a:prstGeom prst="straightConnector1">
+            <a:avLst/>
+          </a:prstGeom>
           <a:ln>
-            <a:solidFill>
-              <a:schemeClr val="tx1"/>
-            </a:solidFill>
+            <a:tailEnd type="triangle"/>
           </a:ln>
         </p:spPr>
-        <p:txBody>
-          <a:bodyPr wrap="square" rtlCol="0">
-            <a:spAutoFit/>
-          </a:bodyPr>
-          <a:lstStyle/>
-          <a:p>
-            <a:r>
-              <a:rPr lang="ko-KR" altLang="en-US" dirty="0" smtClean="0"/>
-              <a:t>용도</a:t>
-            </a:r>
-            <a:r>
-              <a:rPr lang="en-US" altLang="ko-KR" dirty="0" smtClean="0"/>
-              <a:t>:</a:t>
-            </a:r>
-          </a:p>
-          <a:p>
-            <a:r>
-              <a:rPr lang="ko-KR" altLang="en-US" dirty="0" smtClean="0"/>
-              <a:t>플레이어 객체가 사망하거나 스폰할 경우 관리를 위해서 제작</a:t>
-            </a:r>
-            <a:endParaRPr lang="ko-KR" altLang="en-US" dirty="0"/>
-          </a:p>
-        </p:txBody>
-      </p:sp>
-      <p:sp>
-        <p:nvSpPr>
-          <p:cNvPr id="12" name="Rectangle 11"/>
+        <p:style>
+          <a:lnRef idx="1">
+            <a:schemeClr val="accent1"/>
+          </a:lnRef>
+          <a:fillRef idx="0">
+            <a:schemeClr val="accent1"/>
+          </a:fillRef>
+          <a:effectRef idx="0">
+            <a:schemeClr val="accent1"/>
+          </a:effectRef>
+          <a:fontRef idx="minor">
+            <a:schemeClr val="tx1"/>
+          </a:fontRef>
+        </p:style>
+      </p:cxnSp>
+      <p:cxnSp>
+        <p:nvCxnSpPr>
+          <p:cNvPr id="32" name="Straight Arrow Connector 31"/>
+          <p:cNvCxnSpPr>
+            <a:stCxn id="4" idx="3"/>
+            <a:endCxn id="7" idx="1"/>
+          </p:cNvCxnSpPr>
+          <p:nvPr/>
+        </p:nvCxnSpPr>
+        <p:spPr>
+          <a:xfrm>
+            <a:off x="2419005" y="798022"/>
+            <a:ext cx="964276" cy="1"/>
+          </a:xfrm>
+          <a:prstGeom prst="straightConnector1">
+            <a:avLst/>
+          </a:prstGeom>
+          <a:ln>
+            <a:tailEnd type="triangle"/>
+          </a:ln>
+        </p:spPr>
+        <p:style>
+          <a:lnRef idx="1">
+            <a:schemeClr val="accent1"/>
+          </a:lnRef>
+          <a:fillRef idx="0">
+            <a:schemeClr val="accent1"/>
+          </a:fillRef>
+          <a:effectRef idx="0">
+            <a:schemeClr val="accent1"/>
+          </a:effectRef>
+          <a:fontRef idx="minor">
+            <a:schemeClr val="tx1"/>
+          </a:fontRef>
+        </p:style>
+      </p:cxnSp>
+      <p:sp>
+        <p:nvSpPr>
+          <p:cNvPr id="36" name="Rectangle 35"/>
           <p:cNvSpPr/>
           <p:nvPr/>
         </p:nvSpPr>
         <p:spPr>
           <a:xfrm>
-            <a:off x="1496296" y="3549777"/>
-            <a:ext cx="8886304" cy="3100408"/>
+            <a:off x="6762404" y="565266"/>
+            <a:ext cx="2385752" cy="465513"/>
           </a:xfrm>
           <a:prstGeom prst="rect">
             <a:avLst/>
@@ -3510,20 +3457,72 @@
           <a:lstStyle/>
           <a:p>
             <a:pPr algn="ctr"/>
-            <a:endParaRPr lang="ko-KR" altLang="en-US"/>
-          </a:p>
-        </p:txBody>
-      </p:sp>
-      <p:sp>
-        <p:nvSpPr>
-          <p:cNvPr id="13" name="Rectangle 12"/>
+            <a:r>
+              <a:rPr lang="en-US" altLang="ko-KR" dirty="0" err="1" smtClean="0"/>
+              <a:t>UserInfo</a:t>
+            </a:r>
+            <a:r>
+              <a:rPr lang="en-US" altLang="ko-KR" dirty="0" smtClean="0"/>
+              <a:t>(</a:t>
+            </a:r>
+            <a:r>
+              <a:rPr lang="ko-KR" altLang="en-US" dirty="0" smtClean="0"/>
+              <a:t>싱글톤</a:t>
+            </a:r>
+            <a:r>
+              <a:rPr lang="en-US" altLang="ko-KR" dirty="0" smtClean="0"/>
+              <a:t>)</a:t>
+            </a:r>
+            <a:endParaRPr lang="ko-KR" altLang="en-US" dirty="0"/>
+          </a:p>
+        </p:txBody>
+      </p:sp>
+      <p:cxnSp>
+        <p:nvCxnSpPr>
+          <p:cNvPr id="38" name="Straight Arrow Connector 37"/>
+          <p:cNvCxnSpPr>
+            <a:stCxn id="7" idx="3"/>
+            <a:endCxn id="36" idx="1"/>
+          </p:cNvCxnSpPr>
+          <p:nvPr/>
+        </p:nvCxnSpPr>
+        <p:spPr>
+          <a:xfrm>
+            <a:off x="5769033" y="798023"/>
+            <a:ext cx="993371" cy="0"/>
+          </a:xfrm>
+          <a:prstGeom prst="straightConnector1">
+            <a:avLst/>
+          </a:prstGeom>
+          <a:ln>
+            <a:tailEnd type="triangle"/>
+          </a:ln>
+        </p:spPr>
+        <p:style>
+          <a:lnRef idx="1">
+            <a:schemeClr val="accent1"/>
+          </a:lnRef>
+          <a:fillRef idx="0">
+            <a:schemeClr val="accent1"/>
+          </a:fillRef>
+          <a:effectRef idx="0">
+            <a:schemeClr val="accent1"/>
+          </a:effectRef>
+          <a:fontRef idx="minor">
+            <a:schemeClr val="tx1"/>
+          </a:fontRef>
+        </p:style>
+      </p:cxnSp>
+      <p:sp>
+        <p:nvSpPr>
+          <p:cNvPr id="42" name="Rectangle 41"/>
           <p:cNvSpPr/>
           <p:nvPr/>
         </p:nvSpPr>
         <p:spPr>
           <a:xfrm>
-            <a:off x="5444842" y="3961549"/>
-            <a:ext cx="1712420" cy="270163"/>
+            <a:off x="2741123" y="3622262"/>
+            <a:ext cx="2385752" cy="465513"/>
           </a:xfrm>
           <a:prstGeom prst="rect">
             <a:avLst/>
@@ -3551,8 +3550,8 @@
           <a:p>
             <a:pPr algn="ctr"/>
             <a:r>
-              <a:rPr lang="en-US" altLang="ko-KR" dirty="0" smtClean="0"/>
-              <a:t>List&lt;Player&gt;</a:t>
+              <a:rPr lang="en-US" altLang="ko-KR" dirty="0" err="1" smtClean="0"/>
+              <a:t>PlayerManager</a:t>
             </a:r>
             <a:endParaRPr lang="ko-KR" altLang="en-US" dirty="0"/>
           </a:p>
@@ -3560,14 +3559,14 @@
       </p:sp>
       <p:sp>
         <p:nvSpPr>
-          <p:cNvPr id="14" name="Rectangle 13"/>
+          <p:cNvPr id="44" name="Rectangle 43"/>
           <p:cNvSpPr/>
           <p:nvPr/>
         </p:nvSpPr>
         <p:spPr>
           <a:xfrm>
-            <a:off x="5444842" y="4294058"/>
-            <a:ext cx="1712420" cy="270165"/>
+            <a:off x="2743201" y="4484714"/>
+            <a:ext cx="2385752" cy="465513"/>
           </a:xfrm>
           <a:prstGeom prst="rect">
             <a:avLst/>
@@ -3596,11 +3595,7 @@
             <a:pPr algn="ctr"/>
             <a:r>
               <a:rPr lang="en-US" altLang="ko-KR" dirty="0" err="1" smtClean="0"/>
-              <a:t>AddPlayer</a:t>
-            </a:r>
-            <a:r>
-              <a:rPr lang="en-US" altLang="ko-KR" dirty="0" smtClean="0"/>
-              <a:t>()</a:t>
+              <a:t>EnemyManager</a:t>
             </a:r>
             <a:endParaRPr lang="ko-KR" altLang="en-US" dirty="0"/>
           </a:p>
@@ -3608,14 +3603,14 @@
       </p:sp>
       <p:sp>
         <p:nvSpPr>
-          <p:cNvPr id="15" name="Rectangle 14"/>
+          <p:cNvPr id="45" name="Rectangle 44"/>
           <p:cNvSpPr/>
           <p:nvPr/>
         </p:nvSpPr>
         <p:spPr>
           <a:xfrm>
-            <a:off x="5444842" y="4626569"/>
-            <a:ext cx="1712420" cy="286788"/>
+            <a:off x="2741123" y="5378332"/>
+            <a:ext cx="2385752" cy="465513"/>
           </a:xfrm>
           <a:prstGeom prst="rect">
             <a:avLst/>
@@ -3643,16 +3638,8 @@
           <a:p>
             <a:pPr algn="ctr"/>
             <a:r>
-              <a:rPr lang="en-US" altLang="ko-KR" dirty="0" err="1"/>
-              <a:t>R</a:t>
-            </a:r>
-            <a:r>
               <a:rPr lang="en-US" altLang="ko-KR" dirty="0" err="1" smtClean="0"/>
-              <a:t>emovePlayer</a:t>
-            </a:r>
-            <a:r>
-              <a:rPr lang="en-US" altLang="ko-KR" dirty="0" smtClean="0"/>
-              <a:t>()</a:t>
+              <a:t>ProjectileManager</a:t>
             </a:r>
             <a:endParaRPr lang="ko-KR" altLang="en-US" dirty="0"/>
           </a:p>
@@ -3660,45 +3647,14 @@
       </p:sp>
       <p:sp>
         <p:nvSpPr>
-          <p:cNvPr id="16" name="TextBox 15"/>
-          <p:cNvSpPr txBox="1"/>
-          <p:nvPr/>
-        </p:nvSpPr>
-        <p:spPr>
-          <a:xfrm>
-            <a:off x="1230292" y="3549777"/>
-            <a:ext cx="2377437" cy="369332"/>
-          </a:xfrm>
-          <a:prstGeom prst="rect">
-            <a:avLst/>
-          </a:prstGeom>
-          <a:noFill/>
-        </p:spPr>
-        <p:txBody>
-          <a:bodyPr wrap="square" rtlCol="0">
-            <a:spAutoFit/>
-          </a:bodyPr>
-          <a:lstStyle/>
-          <a:p>
-            <a:pPr algn="ctr"/>
-            <a:r>
-              <a:rPr lang="en-US" altLang="ko-KR" dirty="0" err="1" smtClean="0"/>
-              <a:t>EnemyManager</a:t>
-            </a:r>
-            <a:endParaRPr lang="ko-KR" altLang="en-US" dirty="0"/>
-          </a:p>
-        </p:txBody>
-      </p:sp>
-      <p:sp>
-        <p:nvSpPr>
-          <p:cNvPr id="17" name="Rectangle 16"/>
+          <p:cNvPr id="49" name="Rectangle 48"/>
           <p:cNvSpPr/>
           <p:nvPr/>
         </p:nvSpPr>
         <p:spPr>
           <a:xfrm>
-            <a:off x="1687490" y="4348088"/>
-            <a:ext cx="1712420" cy="270165"/>
+            <a:off x="2743201" y="2655903"/>
+            <a:ext cx="2385752" cy="465513"/>
           </a:xfrm>
           <a:prstGeom prst="rect">
             <a:avLst/>
@@ -3727,7 +3683,15 @@
             <a:pPr algn="ctr"/>
             <a:r>
               <a:rPr lang="en-US" altLang="ko-KR" dirty="0" smtClean="0"/>
-              <a:t>Update()</a:t>
+              <a:t>Camera(</a:t>
+            </a:r>
+            <a:r>
+              <a:rPr lang="ko-KR" altLang="en-US" dirty="0" smtClean="0"/>
+              <a:t>싱글톤</a:t>
+            </a:r>
+            <a:r>
+              <a:rPr lang="en-US" altLang="ko-KR" dirty="0" smtClean="0"/>
+              <a:t>)</a:t>
             </a:r>
             <a:endParaRPr lang="ko-KR" altLang="en-US" dirty="0"/>
           </a:p>
@@ -3735,14 +3699,14 @@
       </p:sp>
       <p:sp>
         <p:nvSpPr>
-          <p:cNvPr id="19" name="Rectangle 18"/>
+          <p:cNvPr id="51" name="Rectangle 50"/>
           <p:cNvSpPr/>
           <p:nvPr/>
         </p:nvSpPr>
         <p:spPr>
           <a:xfrm>
-            <a:off x="1687490" y="4028045"/>
-            <a:ext cx="1712420" cy="270165"/>
+            <a:off x="2743201" y="1623049"/>
+            <a:ext cx="2385752" cy="465513"/>
           </a:xfrm>
           <a:prstGeom prst="rect">
             <a:avLst/>
@@ -3770,37 +3734,847 @@
           <a:p>
             <a:pPr algn="ctr"/>
             <a:r>
+              <a:rPr lang="en-US" altLang="ko-KR" dirty="0" err="1"/>
+              <a:t>GameManager</a:t>
+            </a:r>
+            <a:endParaRPr lang="ko-KR" altLang="en-US" dirty="0"/>
+          </a:p>
+        </p:txBody>
+      </p:sp>
+      <p:cxnSp>
+        <p:nvCxnSpPr>
+          <p:cNvPr id="53" name="Straight Arrow Connector 52"/>
+          <p:cNvCxnSpPr>
+            <a:stCxn id="9" idx="3"/>
+            <a:endCxn id="51" idx="1"/>
+          </p:cNvCxnSpPr>
+          <p:nvPr/>
+        </p:nvCxnSpPr>
+        <p:spPr>
+          <a:xfrm flipV="1">
+            <a:off x="2477193" y="1855806"/>
+            <a:ext cx="266008" cy="1805945"/>
+          </a:xfrm>
+          <a:prstGeom prst="straightConnector1">
+            <a:avLst/>
+          </a:prstGeom>
+          <a:ln>
+            <a:tailEnd type="triangle"/>
+          </a:ln>
+        </p:spPr>
+        <p:style>
+          <a:lnRef idx="1">
+            <a:schemeClr val="accent1"/>
+          </a:lnRef>
+          <a:fillRef idx="0">
+            <a:schemeClr val="accent1"/>
+          </a:fillRef>
+          <a:effectRef idx="0">
+            <a:schemeClr val="accent1"/>
+          </a:effectRef>
+          <a:fontRef idx="minor">
+            <a:schemeClr val="tx1"/>
+          </a:fontRef>
+        </p:style>
+      </p:cxnSp>
+      <p:cxnSp>
+        <p:nvCxnSpPr>
+          <p:cNvPr id="55" name="Straight Arrow Connector 54"/>
+          <p:cNvCxnSpPr>
+            <a:stCxn id="9" idx="3"/>
+            <a:endCxn id="49" idx="1"/>
+          </p:cNvCxnSpPr>
+          <p:nvPr/>
+        </p:nvCxnSpPr>
+        <p:spPr>
+          <a:xfrm flipV="1">
+            <a:off x="2477193" y="2888660"/>
+            <a:ext cx="266008" cy="773091"/>
+          </a:xfrm>
+          <a:prstGeom prst="straightConnector1">
+            <a:avLst/>
+          </a:prstGeom>
+          <a:ln>
+            <a:tailEnd type="triangle"/>
+          </a:ln>
+        </p:spPr>
+        <p:style>
+          <a:lnRef idx="1">
+            <a:schemeClr val="accent1"/>
+          </a:lnRef>
+          <a:fillRef idx="0">
+            <a:schemeClr val="accent1"/>
+          </a:fillRef>
+          <a:effectRef idx="0">
+            <a:schemeClr val="accent1"/>
+          </a:effectRef>
+          <a:fontRef idx="minor">
+            <a:schemeClr val="tx1"/>
+          </a:fontRef>
+        </p:style>
+      </p:cxnSp>
+      <p:cxnSp>
+        <p:nvCxnSpPr>
+          <p:cNvPr id="57" name="Straight Arrow Connector 56"/>
+          <p:cNvCxnSpPr>
+            <a:stCxn id="9" idx="3"/>
+            <a:endCxn id="42" idx="1"/>
+          </p:cNvCxnSpPr>
+          <p:nvPr/>
+        </p:nvCxnSpPr>
+        <p:spPr>
+          <a:xfrm>
+            <a:off x="2477193" y="3661751"/>
+            <a:ext cx="263930" cy="193268"/>
+          </a:xfrm>
+          <a:prstGeom prst="straightConnector1">
+            <a:avLst/>
+          </a:prstGeom>
+          <a:ln>
+            <a:tailEnd type="triangle"/>
+          </a:ln>
+        </p:spPr>
+        <p:style>
+          <a:lnRef idx="1">
+            <a:schemeClr val="accent1"/>
+          </a:lnRef>
+          <a:fillRef idx="0">
+            <a:schemeClr val="accent1"/>
+          </a:fillRef>
+          <a:effectRef idx="0">
+            <a:schemeClr val="accent1"/>
+          </a:effectRef>
+          <a:fontRef idx="minor">
+            <a:schemeClr val="tx1"/>
+          </a:fontRef>
+        </p:style>
+      </p:cxnSp>
+      <p:cxnSp>
+        <p:nvCxnSpPr>
+          <p:cNvPr id="59" name="Straight Arrow Connector 58"/>
+          <p:cNvCxnSpPr>
+            <a:stCxn id="9" idx="3"/>
+            <a:endCxn id="44" idx="1"/>
+          </p:cNvCxnSpPr>
+          <p:nvPr/>
+        </p:nvCxnSpPr>
+        <p:spPr>
+          <a:xfrm>
+            <a:off x="2477193" y="3661751"/>
+            <a:ext cx="266008" cy="1055720"/>
+          </a:xfrm>
+          <a:prstGeom prst="straightConnector1">
+            <a:avLst/>
+          </a:prstGeom>
+          <a:ln>
+            <a:tailEnd type="triangle"/>
+          </a:ln>
+        </p:spPr>
+        <p:style>
+          <a:lnRef idx="1">
+            <a:schemeClr val="accent1"/>
+          </a:lnRef>
+          <a:fillRef idx="0">
+            <a:schemeClr val="accent1"/>
+          </a:fillRef>
+          <a:effectRef idx="0">
+            <a:schemeClr val="accent1"/>
+          </a:effectRef>
+          <a:fontRef idx="minor">
+            <a:schemeClr val="tx1"/>
+          </a:fontRef>
+        </p:style>
+      </p:cxnSp>
+      <p:cxnSp>
+        <p:nvCxnSpPr>
+          <p:cNvPr id="61" name="Straight Arrow Connector 60"/>
+          <p:cNvCxnSpPr>
+            <a:stCxn id="9" idx="3"/>
+            <a:endCxn id="45" idx="1"/>
+          </p:cNvCxnSpPr>
+          <p:nvPr/>
+        </p:nvCxnSpPr>
+        <p:spPr>
+          <a:xfrm>
+            <a:off x="2477193" y="3661751"/>
+            <a:ext cx="263930" cy="1949338"/>
+          </a:xfrm>
+          <a:prstGeom prst="straightConnector1">
+            <a:avLst/>
+          </a:prstGeom>
+          <a:ln>
+            <a:tailEnd type="triangle"/>
+          </a:ln>
+        </p:spPr>
+        <p:style>
+          <a:lnRef idx="1">
+            <a:schemeClr val="accent1"/>
+          </a:lnRef>
+          <a:fillRef idx="0">
+            <a:schemeClr val="accent1"/>
+          </a:fillRef>
+          <a:effectRef idx="0">
+            <a:schemeClr val="accent1"/>
+          </a:effectRef>
+          <a:fontRef idx="minor">
+            <a:schemeClr val="tx1"/>
+          </a:fontRef>
+        </p:style>
+      </p:cxnSp>
+      <p:sp>
+        <p:nvSpPr>
+          <p:cNvPr id="62" name="Rectangle 61"/>
+          <p:cNvSpPr/>
+          <p:nvPr/>
+        </p:nvSpPr>
+        <p:spPr>
+          <a:xfrm>
+            <a:off x="2741123" y="6222077"/>
+            <a:ext cx="2385752" cy="465513"/>
+          </a:xfrm>
+          <a:prstGeom prst="rect">
+            <a:avLst/>
+          </a:prstGeom>
+        </p:spPr>
+        <p:style>
+          <a:lnRef idx="2">
+            <a:schemeClr val="accent1">
+              <a:shade val="50000"/>
+            </a:schemeClr>
+          </a:lnRef>
+          <a:fillRef idx="1">
+            <a:schemeClr val="accent1"/>
+          </a:fillRef>
+          <a:effectRef idx="0">
+            <a:schemeClr val="accent1"/>
+          </a:effectRef>
+          <a:fontRef idx="minor">
+            <a:schemeClr val="lt1"/>
+          </a:fontRef>
+        </p:style>
+        <p:txBody>
+          <a:bodyPr rtlCol="0" anchor="ctr"/>
+          <a:lstStyle/>
+          <a:p>
+            <a:pPr algn="ctr"/>
+            <a:r>
+              <a:rPr lang="en-US" altLang="ko-KR" dirty="0" err="1" smtClean="0"/>
+              <a:t>UIManager</a:t>
+            </a:r>
+            <a:endParaRPr lang="ko-KR" altLang="en-US" dirty="0"/>
+          </a:p>
+        </p:txBody>
+      </p:sp>
+      <p:cxnSp>
+        <p:nvCxnSpPr>
+          <p:cNvPr id="64" name="Straight Arrow Connector 63"/>
+          <p:cNvCxnSpPr>
+            <a:stCxn id="9" idx="3"/>
+            <a:endCxn id="62" idx="1"/>
+          </p:cNvCxnSpPr>
+          <p:nvPr/>
+        </p:nvCxnSpPr>
+        <p:spPr>
+          <a:xfrm>
+            <a:off x="2477193" y="3661751"/>
+            <a:ext cx="263930" cy="2793083"/>
+          </a:xfrm>
+          <a:prstGeom prst="straightConnector1">
+            <a:avLst/>
+          </a:prstGeom>
+          <a:ln>
+            <a:tailEnd type="triangle"/>
+          </a:ln>
+        </p:spPr>
+        <p:style>
+          <a:lnRef idx="1">
+            <a:schemeClr val="accent1"/>
+          </a:lnRef>
+          <a:fillRef idx="0">
+            <a:schemeClr val="accent1"/>
+          </a:fillRef>
+          <a:effectRef idx="0">
+            <a:schemeClr val="accent1"/>
+          </a:effectRef>
+          <a:fontRef idx="minor">
+            <a:schemeClr val="tx1"/>
+          </a:fontRef>
+        </p:style>
+      </p:cxnSp>
+      <p:sp>
+        <p:nvSpPr>
+          <p:cNvPr id="70" name="Rounded Rectangle 69"/>
+          <p:cNvSpPr/>
+          <p:nvPr/>
+        </p:nvSpPr>
+        <p:spPr>
+          <a:xfrm>
+            <a:off x="5552901" y="1639674"/>
+            <a:ext cx="6301047" cy="432262"/>
+          </a:xfrm>
+          <a:prstGeom prst="roundRect">
+            <a:avLst>
+              <a:gd name="adj" fmla="val 50000"/>
+            </a:avLst>
+          </a:prstGeom>
+        </p:spPr>
+        <p:style>
+          <a:lnRef idx="2">
+            <a:schemeClr val="accent1">
+              <a:shade val="50000"/>
+            </a:schemeClr>
+          </a:lnRef>
+          <a:fillRef idx="1">
+            <a:schemeClr val="accent1"/>
+          </a:fillRef>
+          <a:effectRef idx="0">
+            <a:schemeClr val="accent1"/>
+          </a:effectRef>
+          <a:fontRef idx="minor">
+            <a:schemeClr val="lt1"/>
+          </a:fontRef>
+        </p:style>
+        <p:txBody>
+          <a:bodyPr rtlCol="0" anchor="ctr"/>
+          <a:lstStyle/>
+          <a:p>
+            <a:pPr algn="ctr"/>
+            <a:r>
+              <a:rPr lang="ko-KR" altLang="en-US" dirty="0" smtClean="0"/>
+              <a:t>각 매니져들끼리의 상호작용</a:t>
+            </a:r>
+            <a:r>
               <a:rPr lang="en-US" altLang="ko-KR" dirty="0" smtClean="0"/>
-              <a:t>Render</a:t>
+              <a:t>(</a:t>
+            </a:r>
+            <a:r>
+              <a:rPr lang="ko-KR" altLang="en-US" dirty="0" smtClean="0"/>
+              <a:t>충돌처리</a:t>
             </a:r>
             <a:r>
               <a:rPr lang="en-US" altLang="ko-KR" dirty="0" smtClean="0"/>
-              <a:t>()</a:t>
+              <a:t>&amp;</a:t>
+            </a:r>
+            <a:r>
+              <a:rPr lang="ko-KR" altLang="en-US" dirty="0" smtClean="0"/>
+              <a:t>스폰</a:t>
+            </a:r>
+            <a:r>
+              <a:rPr lang="en-US" altLang="ko-KR" dirty="0" smtClean="0"/>
+              <a:t>&amp;</a:t>
+            </a:r>
+            <a:r>
+              <a:rPr lang="ko-KR" altLang="en-US" dirty="0" smtClean="0"/>
+              <a:t>점수</a:t>
+            </a:r>
+            <a:r>
+              <a:rPr lang="en-US" altLang="ko-KR" dirty="0" smtClean="0"/>
+              <a:t>&amp;</a:t>
+            </a:r>
+            <a:r>
+              <a:rPr lang="ko-KR" altLang="en-US" dirty="0" smtClean="0"/>
+              <a:t>시간</a:t>
+            </a:r>
+            <a:r>
+              <a:rPr lang="en-US" altLang="ko-KR" dirty="0" smtClean="0"/>
+              <a:t>)</a:t>
             </a:r>
             <a:endParaRPr lang="ko-KR" altLang="en-US" dirty="0"/>
           </a:p>
         </p:txBody>
       </p:sp>
-      <p:sp>
-        <p:nvSpPr>
-          <p:cNvPr id="20" name="TextBox 19"/>
+      <p:cxnSp>
+        <p:nvCxnSpPr>
+          <p:cNvPr id="71" name="Straight Arrow Connector 70"/>
+          <p:cNvCxnSpPr>
+            <a:stCxn id="51" idx="3"/>
+            <a:endCxn id="70" idx="1"/>
+          </p:cNvCxnSpPr>
+          <p:nvPr/>
+        </p:nvCxnSpPr>
+        <p:spPr>
+          <a:xfrm flipV="1">
+            <a:off x="5128953" y="1855805"/>
+            <a:ext cx="423948" cy="1"/>
+          </a:xfrm>
+          <a:prstGeom prst="straightConnector1">
+            <a:avLst/>
+          </a:prstGeom>
+          <a:ln>
+            <a:tailEnd type="triangle"/>
+          </a:ln>
+        </p:spPr>
+        <p:style>
+          <a:lnRef idx="1">
+            <a:schemeClr val="accent1"/>
+          </a:lnRef>
+          <a:fillRef idx="0">
+            <a:schemeClr val="accent1"/>
+          </a:fillRef>
+          <a:effectRef idx="0">
+            <a:schemeClr val="accent1"/>
+          </a:effectRef>
+          <a:fontRef idx="minor">
+            <a:schemeClr val="tx1"/>
+          </a:fontRef>
+        </p:style>
+      </p:cxnSp>
+      <p:sp>
+        <p:nvSpPr>
+          <p:cNvPr id="75" name="Rounded Rectangle 74"/>
+          <p:cNvSpPr/>
+          <p:nvPr/>
+        </p:nvSpPr>
+        <p:spPr>
+          <a:xfrm>
+            <a:off x="5550824" y="2649647"/>
+            <a:ext cx="6303124" cy="432262"/>
+          </a:xfrm>
+          <a:prstGeom prst="roundRect">
+            <a:avLst>
+              <a:gd name="adj" fmla="val 50000"/>
+            </a:avLst>
+          </a:prstGeom>
+        </p:spPr>
+        <p:style>
+          <a:lnRef idx="2">
+            <a:schemeClr val="accent1">
+              <a:shade val="50000"/>
+            </a:schemeClr>
+          </a:lnRef>
+          <a:fillRef idx="1">
+            <a:schemeClr val="accent1"/>
+          </a:fillRef>
+          <a:effectRef idx="0">
+            <a:schemeClr val="accent1"/>
+          </a:effectRef>
+          <a:fontRef idx="minor">
+            <a:schemeClr val="lt1"/>
+          </a:fontRef>
+        </p:style>
+        <p:txBody>
+          <a:bodyPr rtlCol="0" anchor="ctr"/>
+          <a:lstStyle/>
+          <a:p>
+            <a:pPr algn="ctr"/>
+            <a:r>
+              <a:rPr lang="en-US" altLang="ko-KR" dirty="0" smtClean="0"/>
+              <a:t>GM</a:t>
+            </a:r>
+            <a:r>
+              <a:rPr lang="ko-KR" altLang="en-US" dirty="0" smtClean="0"/>
+              <a:t>의 받은 정보를 토대로 카메라를 이동</a:t>
+            </a:r>
+            <a:endParaRPr lang="ko-KR" altLang="en-US" dirty="0"/>
+          </a:p>
+        </p:txBody>
+      </p:sp>
+      <p:cxnSp>
+        <p:nvCxnSpPr>
+          <p:cNvPr id="76" name="Straight Arrow Connector 75"/>
+          <p:cNvCxnSpPr>
+            <a:endCxn id="75" idx="1"/>
+          </p:cNvCxnSpPr>
+          <p:nvPr/>
+        </p:nvCxnSpPr>
+        <p:spPr>
+          <a:xfrm flipV="1">
+            <a:off x="5126875" y="2865778"/>
+            <a:ext cx="423949" cy="2"/>
+          </a:xfrm>
+          <a:prstGeom prst="straightConnector1">
+            <a:avLst/>
+          </a:prstGeom>
+          <a:ln>
+            <a:tailEnd type="triangle"/>
+          </a:ln>
+        </p:spPr>
+        <p:style>
+          <a:lnRef idx="1">
+            <a:schemeClr val="accent1"/>
+          </a:lnRef>
+          <a:fillRef idx="0">
+            <a:schemeClr val="accent1"/>
+          </a:fillRef>
+          <a:effectRef idx="0">
+            <a:schemeClr val="accent1"/>
+          </a:effectRef>
+          <a:fontRef idx="minor">
+            <a:schemeClr val="tx1"/>
+          </a:fontRef>
+        </p:style>
+      </p:cxnSp>
+      <p:sp>
+        <p:nvSpPr>
+          <p:cNvPr id="77" name="Rounded Rectangle 76"/>
+          <p:cNvSpPr/>
+          <p:nvPr/>
+        </p:nvSpPr>
+        <p:spPr>
+          <a:xfrm>
+            <a:off x="5550824" y="3647205"/>
+            <a:ext cx="6303124" cy="432262"/>
+          </a:xfrm>
+          <a:prstGeom prst="roundRect">
+            <a:avLst>
+              <a:gd name="adj" fmla="val 50000"/>
+            </a:avLst>
+          </a:prstGeom>
+        </p:spPr>
+        <p:style>
+          <a:lnRef idx="2">
+            <a:schemeClr val="accent1">
+              <a:shade val="50000"/>
+            </a:schemeClr>
+          </a:lnRef>
+          <a:fillRef idx="1">
+            <a:schemeClr val="accent1"/>
+          </a:fillRef>
+          <a:effectRef idx="0">
+            <a:schemeClr val="accent1"/>
+          </a:effectRef>
+          <a:fontRef idx="minor">
+            <a:schemeClr val="lt1"/>
+          </a:fontRef>
+        </p:style>
+        <p:txBody>
+          <a:bodyPr rtlCol="0" anchor="ctr"/>
+          <a:lstStyle/>
+          <a:p>
+            <a:pPr algn="ctr"/>
+            <a:r>
+              <a:rPr lang="en-US" altLang="ko-KR" dirty="0" smtClean="0"/>
+              <a:t>GM</a:t>
+            </a:r>
+            <a:r>
+              <a:rPr lang="ko-KR" altLang="en-US" dirty="0" smtClean="0"/>
+              <a:t>의 받은 정보를 토대로 캐릭터 스폰과 사망 처리</a:t>
+            </a:r>
+            <a:endParaRPr lang="ko-KR" altLang="en-US" dirty="0"/>
+          </a:p>
+        </p:txBody>
+      </p:sp>
+      <p:cxnSp>
+        <p:nvCxnSpPr>
+          <p:cNvPr id="78" name="Straight Arrow Connector 77"/>
+          <p:cNvCxnSpPr>
+            <a:endCxn id="77" idx="1"/>
+          </p:cNvCxnSpPr>
+          <p:nvPr/>
+        </p:nvCxnSpPr>
+        <p:spPr>
+          <a:xfrm flipV="1">
+            <a:off x="5126875" y="3863336"/>
+            <a:ext cx="423949" cy="2"/>
+          </a:xfrm>
+          <a:prstGeom prst="straightConnector1">
+            <a:avLst/>
+          </a:prstGeom>
+          <a:ln>
+            <a:tailEnd type="triangle"/>
+          </a:ln>
+        </p:spPr>
+        <p:style>
+          <a:lnRef idx="1">
+            <a:schemeClr val="accent1"/>
+          </a:lnRef>
+          <a:fillRef idx="0">
+            <a:schemeClr val="accent1"/>
+          </a:fillRef>
+          <a:effectRef idx="0">
+            <a:schemeClr val="accent1"/>
+          </a:effectRef>
+          <a:fontRef idx="minor">
+            <a:schemeClr val="tx1"/>
+          </a:fontRef>
+        </p:style>
+      </p:cxnSp>
+      <p:sp>
+        <p:nvSpPr>
+          <p:cNvPr id="85" name="Rounded Rectangle 84"/>
+          <p:cNvSpPr/>
+          <p:nvPr/>
+        </p:nvSpPr>
+        <p:spPr>
+          <a:xfrm>
+            <a:off x="5484323" y="4476406"/>
+            <a:ext cx="6303124" cy="432262"/>
+          </a:xfrm>
+          <a:prstGeom prst="roundRect">
+            <a:avLst>
+              <a:gd name="adj" fmla="val 50000"/>
+            </a:avLst>
+          </a:prstGeom>
+        </p:spPr>
+        <p:style>
+          <a:lnRef idx="2">
+            <a:schemeClr val="accent1">
+              <a:shade val="50000"/>
+            </a:schemeClr>
+          </a:lnRef>
+          <a:fillRef idx="1">
+            <a:schemeClr val="accent1"/>
+          </a:fillRef>
+          <a:effectRef idx="0">
+            <a:schemeClr val="accent1"/>
+          </a:effectRef>
+          <a:fontRef idx="minor">
+            <a:schemeClr val="lt1"/>
+          </a:fontRef>
+        </p:style>
+        <p:txBody>
+          <a:bodyPr rtlCol="0" anchor="ctr"/>
+          <a:lstStyle/>
+          <a:p>
+            <a:pPr algn="ctr"/>
+            <a:r>
+              <a:rPr lang="en-US" altLang="ko-KR" dirty="0" smtClean="0"/>
+              <a:t>GM</a:t>
+            </a:r>
+            <a:r>
+              <a:rPr lang="ko-KR" altLang="en-US" dirty="0" smtClean="0"/>
+              <a:t>의 받은 정보를 토대로 적 스폰과 사망 처리</a:t>
+            </a:r>
+            <a:endParaRPr lang="ko-KR" altLang="en-US" dirty="0"/>
+          </a:p>
+        </p:txBody>
+      </p:sp>
+      <p:cxnSp>
+        <p:nvCxnSpPr>
+          <p:cNvPr id="86" name="Straight Arrow Connector 85"/>
+          <p:cNvCxnSpPr>
+            <a:endCxn id="85" idx="1"/>
+          </p:cNvCxnSpPr>
+          <p:nvPr/>
+        </p:nvCxnSpPr>
+        <p:spPr>
+          <a:xfrm flipV="1">
+            <a:off x="5060374" y="4692537"/>
+            <a:ext cx="423949" cy="2"/>
+          </a:xfrm>
+          <a:prstGeom prst="straightConnector1">
+            <a:avLst/>
+          </a:prstGeom>
+          <a:ln>
+            <a:tailEnd type="triangle"/>
+          </a:ln>
+        </p:spPr>
+        <p:style>
+          <a:lnRef idx="1">
+            <a:schemeClr val="accent1"/>
+          </a:lnRef>
+          <a:fillRef idx="0">
+            <a:schemeClr val="accent1"/>
+          </a:fillRef>
+          <a:effectRef idx="0">
+            <a:schemeClr val="accent1"/>
+          </a:effectRef>
+          <a:fontRef idx="minor">
+            <a:schemeClr val="tx1"/>
+          </a:fontRef>
+        </p:style>
+      </p:cxnSp>
+      <p:sp>
+        <p:nvSpPr>
+          <p:cNvPr id="89" name="Rounded Rectangle 88"/>
+          <p:cNvSpPr/>
+          <p:nvPr/>
+        </p:nvSpPr>
+        <p:spPr>
+          <a:xfrm>
+            <a:off x="5550824" y="5367948"/>
+            <a:ext cx="6303124" cy="432262"/>
+          </a:xfrm>
+          <a:prstGeom prst="roundRect">
+            <a:avLst>
+              <a:gd name="adj" fmla="val 50000"/>
+            </a:avLst>
+          </a:prstGeom>
+        </p:spPr>
+        <p:style>
+          <a:lnRef idx="2">
+            <a:schemeClr val="accent1">
+              <a:shade val="50000"/>
+            </a:schemeClr>
+          </a:lnRef>
+          <a:fillRef idx="1">
+            <a:schemeClr val="accent1"/>
+          </a:fillRef>
+          <a:effectRef idx="0">
+            <a:schemeClr val="accent1"/>
+          </a:effectRef>
+          <a:fontRef idx="minor">
+            <a:schemeClr val="lt1"/>
+          </a:fontRef>
+        </p:style>
+        <p:txBody>
+          <a:bodyPr rtlCol="0" anchor="ctr"/>
+          <a:lstStyle/>
+          <a:p>
+            <a:pPr algn="ctr"/>
+            <a:r>
+              <a:rPr lang="en-US" altLang="ko-KR" dirty="0" smtClean="0"/>
+              <a:t>GM</a:t>
+            </a:r>
+            <a:r>
+              <a:rPr lang="ko-KR" altLang="en-US" dirty="0" smtClean="0"/>
+              <a:t>의 받은 정보를 토대로 적</a:t>
+            </a:r>
+            <a:r>
+              <a:rPr lang="en-US" altLang="ko-KR" dirty="0" smtClean="0"/>
+              <a:t>&amp;</a:t>
+            </a:r>
+            <a:r>
+              <a:rPr lang="ko-KR" altLang="en-US" dirty="0" smtClean="0"/>
+              <a:t>캐릭터 투사체 스폰과 제거</a:t>
+            </a:r>
+            <a:endParaRPr lang="ko-KR" altLang="en-US" dirty="0"/>
+          </a:p>
+        </p:txBody>
+      </p:sp>
+      <p:cxnSp>
+        <p:nvCxnSpPr>
+          <p:cNvPr id="90" name="Straight Arrow Connector 89"/>
+          <p:cNvCxnSpPr>
+            <a:endCxn id="89" idx="1"/>
+          </p:cNvCxnSpPr>
+          <p:nvPr/>
+        </p:nvCxnSpPr>
+        <p:spPr>
+          <a:xfrm flipV="1">
+            <a:off x="5126875" y="5584079"/>
+            <a:ext cx="423949" cy="2"/>
+          </a:xfrm>
+          <a:prstGeom prst="straightConnector1">
+            <a:avLst/>
+          </a:prstGeom>
+          <a:ln>
+            <a:tailEnd type="triangle"/>
+          </a:ln>
+        </p:spPr>
+        <p:style>
+          <a:lnRef idx="1">
+            <a:schemeClr val="accent1"/>
+          </a:lnRef>
+          <a:fillRef idx="0">
+            <a:schemeClr val="accent1"/>
+          </a:fillRef>
+          <a:effectRef idx="0">
+            <a:schemeClr val="accent1"/>
+          </a:effectRef>
+          <a:fontRef idx="minor">
+            <a:schemeClr val="tx1"/>
+          </a:fontRef>
+        </p:style>
+      </p:cxnSp>
+      <p:sp>
+        <p:nvSpPr>
+          <p:cNvPr id="93" name="Rounded Rectangle 92"/>
+          <p:cNvSpPr/>
+          <p:nvPr/>
+        </p:nvSpPr>
+        <p:spPr>
+          <a:xfrm>
+            <a:off x="5550824" y="6205462"/>
+            <a:ext cx="6303124" cy="432262"/>
+          </a:xfrm>
+          <a:prstGeom prst="roundRect">
+            <a:avLst>
+              <a:gd name="adj" fmla="val 50000"/>
+            </a:avLst>
+          </a:prstGeom>
+        </p:spPr>
+        <p:style>
+          <a:lnRef idx="2">
+            <a:schemeClr val="accent1">
+              <a:shade val="50000"/>
+            </a:schemeClr>
+          </a:lnRef>
+          <a:fillRef idx="1">
+            <a:schemeClr val="accent1"/>
+          </a:fillRef>
+          <a:effectRef idx="0">
+            <a:schemeClr val="accent1"/>
+          </a:effectRef>
+          <a:fontRef idx="minor">
+            <a:schemeClr val="lt1"/>
+          </a:fontRef>
+        </p:style>
+        <p:txBody>
+          <a:bodyPr rtlCol="0" anchor="ctr"/>
+          <a:lstStyle/>
+          <a:p>
+            <a:pPr algn="ctr"/>
+            <a:r>
+              <a:rPr lang="en-US" altLang="ko-KR" dirty="0" smtClean="0"/>
+              <a:t>GM</a:t>
+            </a:r>
+            <a:r>
+              <a:rPr lang="ko-KR" altLang="en-US" dirty="0" smtClean="0"/>
+              <a:t>의 받은 정보를 토대로 </a:t>
+            </a:r>
+            <a:r>
+              <a:rPr lang="en-US" altLang="ko-KR" dirty="0" smtClean="0"/>
+              <a:t>UI </a:t>
+            </a:r>
+            <a:r>
+              <a:rPr lang="ko-KR" altLang="en-US" dirty="0" smtClean="0"/>
+              <a:t>변경</a:t>
+            </a:r>
+            <a:endParaRPr lang="ko-KR" altLang="en-US" dirty="0"/>
+          </a:p>
+        </p:txBody>
+      </p:sp>
+      <p:cxnSp>
+        <p:nvCxnSpPr>
+          <p:cNvPr id="94" name="Straight Arrow Connector 93"/>
+          <p:cNvCxnSpPr>
+            <a:endCxn id="93" idx="1"/>
+          </p:cNvCxnSpPr>
+          <p:nvPr/>
+        </p:nvCxnSpPr>
+        <p:spPr>
+          <a:xfrm flipV="1">
+            <a:off x="5126875" y="6421593"/>
+            <a:ext cx="423949" cy="2"/>
+          </a:xfrm>
+          <a:prstGeom prst="straightConnector1">
+            <a:avLst/>
+          </a:prstGeom>
+          <a:ln>
+            <a:tailEnd type="triangle"/>
+          </a:ln>
+        </p:spPr>
+        <p:style>
+          <a:lnRef idx="1">
+            <a:schemeClr val="accent1"/>
+          </a:lnRef>
+          <a:fillRef idx="0">
+            <a:schemeClr val="accent1"/>
+          </a:fillRef>
+          <a:effectRef idx="0">
+            <a:schemeClr val="accent1"/>
+          </a:effectRef>
+          <a:fontRef idx="minor">
+            <a:schemeClr val="tx1"/>
+          </a:fontRef>
+        </p:style>
+      </p:cxnSp>
+      <p:sp>
+        <p:nvSpPr>
+          <p:cNvPr id="95" name="TextBox 94"/>
           <p:cNvSpPr txBox="1"/>
           <p:nvPr/>
         </p:nvSpPr>
         <p:spPr>
           <a:xfrm>
-            <a:off x="1604361" y="3895047"/>
-            <a:ext cx="3233650" cy="1754326"/>
+            <a:off x="91441" y="48489"/>
+            <a:ext cx="3524595" cy="369332"/>
           </a:xfrm>
           <a:prstGeom prst="rect">
             <a:avLst/>
           </a:prstGeom>
           <a:noFill/>
-          <a:ln>
-            <a:solidFill>
-              <a:schemeClr val="tx1"/>
-            </a:solidFill>
-          </a:ln>
         </p:spPr>
         <p:txBody>
           <a:bodyPr wrap="square" rtlCol="0">
@@ -3808,44 +4582,9 @@
           </a:bodyPr>
           <a:lstStyle/>
           <a:p>
-            <a:endParaRPr lang="en-US" altLang="ko-KR" dirty="0" smtClean="0"/>
-          </a:p>
-          <a:p>
-            <a:endParaRPr lang="en-US" altLang="ko-KR" dirty="0"/>
-          </a:p>
-          <a:p>
-            <a:endParaRPr lang="en-US" altLang="ko-KR" dirty="0" smtClean="0"/>
-          </a:p>
-          <a:p>
             <a:r>
               <a:rPr lang="ko-KR" altLang="en-US" dirty="0" smtClean="0"/>
-              <a:t>사용 중인 객체들의 </a:t>
-            </a:r>
-            <a:endParaRPr lang="en-US" altLang="ko-KR" dirty="0" smtClean="0"/>
-          </a:p>
-          <a:p>
-            <a:r>
-              <a:rPr lang="en-US" altLang="ko-KR" dirty="0" err="1" smtClean="0"/>
-              <a:t>Update&amp;Render</a:t>
-            </a:r>
-            <a:r>
-              <a:rPr lang="en-US" altLang="ko-KR" dirty="0"/>
-              <a:t> </a:t>
-            </a:r>
-            <a:r>
-              <a:rPr lang="ko-KR" altLang="en-US" dirty="0" smtClean="0"/>
-              <a:t>범위기반 </a:t>
-            </a:r>
-            <a:endParaRPr lang="en-US" altLang="ko-KR" dirty="0" smtClean="0"/>
-          </a:p>
-          <a:p>
-            <a:r>
-              <a:rPr lang="en-US" altLang="ko-KR" dirty="0" smtClean="0"/>
-              <a:t>For </a:t>
-            </a:r>
-            <a:r>
-              <a:rPr lang="ko-KR" altLang="en-US" dirty="0" smtClean="0"/>
-              <a:t>문으로 지속적으로 처리 </a:t>
+              <a:t>구성도</a:t>
             </a:r>
             <a:endParaRPr lang="ko-KR" altLang="en-US" dirty="0"/>
           </a:p>
@@ -3853,24 +4592,19 @@
       </p:sp>
       <p:sp>
         <p:nvSpPr>
-          <p:cNvPr id="21" name="TextBox 20"/>
+          <p:cNvPr id="96" name="TextBox 95"/>
           <p:cNvSpPr txBox="1"/>
           <p:nvPr/>
         </p:nvSpPr>
         <p:spPr>
           <a:xfrm>
-            <a:off x="5245337" y="3895047"/>
-            <a:ext cx="4854632" cy="1754326"/>
+            <a:off x="0" y="6205462"/>
+            <a:ext cx="2475115" cy="369332"/>
           </a:xfrm>
           <a:prstGeom prst="rect">
             <a:avLst/>
           </a:prstGeom>
           <a:noFill/>
-          <a:ln>
-            <a:solidFill>
-              <a:schemeClr val="tx1"/>
-            </a:solidFill>
-          </a:ln>
         </p:spPr>
         <p:txBody>
           <a:bodyPr wrap="square" rtlCol="0">
@@ -3878,97 +4612,13 @@
           </a:bodyPr>
           <a:lstStyle/>
           <a:p>
-            <a:endParaRPr lang="en-US" altLang="ko-KR" dirty="0" smtClean="0"/>
-          </a:p>
-          <a:p>
-            <a:endParaRPr lang="en-US" altLang="ko-KR" dirty="0"/>
-          </a:p>
-          <a:p>
-            <a:endParaRPr lang="en-US" altLang="ko-KR" dirty="0" smtClean="0"/>
-          </a:p>
-          <a:p>
-            <a:endParaRPr lang="en-US" altLang="ko-KR" dirty="0" smtClean="0"/>
-          </a:p>
-          <a:p>
             <a:r>
               <a:rPr lang="en-US" altLang="ko-KR" dirty="0" smtClean="0"/>
-              <a:t>List</a:t>
-            </a:r>
-            <a:r>
-              <a:rPr lang="ko-KR" altLang="en-US" dirty="0" smtClean="0"/>
-              <a:t>를 사용하여서 삽입 삭제에 용의하게 제작</a:t>
-            </a:r>
-            <a:endParaRPr lang="en-US" altLang="ko-KR" dirty="0" smtClean="0"/>
-          </a:p>
-          <a:p>
-            <a:r>
-              <a:rPr lang="en-US" altLang="ko-KR" dirty="0" smtClean="0"/>
-              <a:t>Add</a:t>
-            </a:r>
-            <a:r>
-              <a:rPr lang="ko-KR" altLang="en-US" dirty="0" smtClean="0"/>
-              <a:t>와 </a:t>
-            </a:r>
-            <a:r>
-              <a:rPr lang="en-US" altLang="ko-KR" dirty="0" smtClean="0"/>
-              <a:t>Remove</a:t>
-            </a:r>
-            <a:r>
-              <a:rPr lang="ko-KR" altLang="en-US" dirty="0" smtClean="0"/>
-              <a:t>함수를 사용하여서 </a:t>
-            </a:r>
-            <a:r>
-              <a:rPr lang="en-US" altLang="ko-KR" dirty="0" smtClean="0"/>
-              <a:t>List</a:t>
-            </a:r>
-            <a:r>
-              <a:rPr lang="ko-KR" altLang="en-US" dirty="0" smtClean="0"/>
-              <a:t>관리</a:t>
-            </a:r>
-            <a:endParaRPr lang="en-US" altLang="ko-KR" dirty="0" smtClean="0"/>
-          </a:p>
-        </p:txBody>
-      </p:sp>
-      <p:sp>
-        <p:nvSpPr>
-          <p:cNvPr id="22" name="TextBox 21"/>
-          <p:cNvSpPr txBox="1"/>
-          <p:nvPr/>
-        </p:nvSpPr>
-        <p:spPr>
-          <a:xfrm>
-            <a:off x="1604362" y="5799588"/>
-            <a:ext cx="8495608" cy="646331"/>
-          </a:xfrm>
-          <a:prstGeom prst="rect">
-            <a:avLst/>
-          </a:prstGeom>
-          <a:noFill/>
-          <a:ln>
-            <a:solidFill>
-              <a:schemeClr val="tx1"/>
-            </a:solidFill>
-          </a:ln>
-        </p:spPr>
-        <p:txBody>
-          <a:bodyPr wrap="square" rtlCol="0">
-            <a:spAutoFit/>
-          </a:bodyPr>
-          <a:lstStyle/>
-          <a:p>
-            <a:r>
-              <a:rPr lang="ko-KR" altLang="en-US" dirty="0" smtClean="0"/>
-              <a:t>용도</a:t>
-            </a:r>
-            <a:r>
-              <a:rPr lang="en-US" altLang="ko-KR" dirty="0" smtClean="0"/>
-              <a:t>:</a:t>
-            </a:r>
-          </a:p>
-          <a:p>
-            <a:r>
-              <a:rPr lang="ko-KR" altLang="en-US" dirty="0" smtClean="0"/>
-              <a:t>적 객체가 사망하거나 스폰할 경우 관리를 위해서 제작</a:t>
+              <a:t>GM=</a:t>
+            </a:r>
+            <a:r>
+              <a:rPr lang="en-US" altLang="ko-KR" dirty="0" err="1" smtClean="0"/>
+              <a:t>GameManager</a:t>
             </a:r>
             <a:endParaRPr lang="ko-KR" altLang="en-US" dirty="0"/>
           </a:p>
@@ -3977,7 +4627,7 @@
     </p:spTree>
     <p:extLst>
       <p:ext uri="{BB962C8B-B14F-4D97-AF65-F5344CB8AC3E}">
-        <p14:creationId xmlns:p14="http://schemas.microsoft.com/office/powerpoint/2010/main" val="1570549073"/>
+        <p14:creationId xmlns:p14="http://schemas.microsoft.com/office/powerpoint/2010/main" val="3407946016"/>
       </p:ext>
     </p:extLst>
   </p:cSld>
@@ -4006,14 +4656,14 @@
       </p:grpSpPr>
       <p:sp>
         <p:nvSpPr>
-          <p:cNvPr id="4" name="Rectangle 3"/>
+          <p:cNvPr id="42" name="Rectangle 41"/>
           <p:cNvSpPr/>
           <p:nvPr/>
         </p:nvSpPr>
         <p:spPr>
           <a:xfrm>
-            <a:off x="1496295" y="99760"/>
-            <a:ext cx="8720046" cy="3175455"/>
+            <a:off x="1512921" y="249390"/>
+            <a:ext cx="8886304" cy="3246360"/>
           </a:xfrm>
           <a:prstGeom prst="rect">
             <a:avLst/>
@@ -4046,13 +4696,13 @@
       </p:sp>
       <p:sp>
         <p:nvSpPr>
-          <p:cNvPr id="5" name="Rectangle 4"/>
+          <p:cNvPr id="6" name="Rectangle 5"/>
           <p:cNvSpPr/>
           <p:nvPr/>
         </p:nvSpPr>
         <p:spPr>
           <a:xfrm>
-            <a:off x="5394964" y="681650"/>
+            <a:off x="5411590" y="831279"/>
             <a:ext cx="1712420" cy="270163"/>
           </a:xfrm>
           <a:prstGeom prst="rect">
@@ -4090,13 +4740,13 @@
       </p:sp>
       <p:sp>
         <p:nvSpPr>
-          <p:cNvPr id="6" name="Rectangle 5"/>
+          <p:cNvPr id="7" name="Rectangle 6"/>
           <p:cNvSpPr/>
           <p:nvPr/>
         </p:nvSpPr>
         <p:spPr>
           <a:xfrm>
-            <a:off x="5394964" y="1014159"/>
+            <a:off x="5411590" y="1163788"/>
             <a:ext cx="1712420" cy="270165"/>
           </a:xfrm>
           <a:prstGeom prst="rect">
@@ -4138,13 +4788,13 @@
       </p:sp>
       <p:sp>
         <p:nvSpPr>
-          <p:cNvPr id="7" name="Rectangle 6"/>
+          <p:cNvPr id="8" name="Rectangle 7"/>
           <p:cNvSpPr/>
           <p:nvPr/>
         </p:nvSpPr>
         <p:spPr>
           <a:xfrm>
-            <a:off x="5394964" y="1346670"/>
+            <a:off x="5411590" y="1496299"/>
             <a:ext cx="1712420" cy="286788"/>
           </a:xfrm>
           <a:prstGeom prst="rect">
@@ -4190,13 +4840,13 @@
       </p:sp>
       <p:sp>
         <p:nvSpPr>
-          <p:cNvPr id="8" name="TextBox 7"/>
+          <p:cNvPr id="18" name="TextBox 17"/>
           <p:cNvSpPr txBox="1"/>
           <p:nvPr/>
         </p:nvSpPr>
         <p:spPr>
           <a:xfrm>
-            <a:off x="1371604" y="170709"/>
+            <a:off x="1388230" y="320338"/>
             <a:ext cx="2377437" cy="369332"/>
           </a:xfrm>
           <a:prstGeom prst="rect">
@@ -4212,8 +4862,8 @@
           <a:p>
             <a:pPr algn="ctr"/>
             <a:r>
-              <a:rPr lang="en-US" altLang="ko-KR" dirty="0" err="1" smtClean="0"/>
-              <a:t>ProjectileManager</a:t>
+              <a:rPr lang="en-US" altLang="ko-KR" dirty="0" err="1"/>
+              <a:t>PlayerManager</a:t>
             </a:r>
             <a:endParaRPr lang="ko-KR" altLang="en-US" dirty="0"/>
           </a:p>
@@ -4221,13 +4871,13 @@
       </p:sp>
       <p:sp>
         <p:nvSpPr>
-          <p:cNvPr id="9" name="Rectangle 8"/>
+          <p:cNvPr id="74" name="Rectangle 73"/>
           <p:cNvSpPr/>
           <p:nvPr/>
         </p:nvSpPr>
         <p:spPr>
           <a:xfrm>
-            <a:off x="1670864" y="1068190"/>
+            <a:off x="1687490" y="1217819"/>
             <a:ext cx="1712420" cy="270165"/>
           </a:xfrm>
           <a:prstGeom prst="rect">
@@ -4265,13 +4915,13 @@
       </p:sp>
       <p:sp>
         <p:nvSpPr>
-          <p:cNvPr id="10" name="Rectangle 9"/>
+          <p:cNvPr id="77" name="Rectangle 76"/>
           <p:cNvSpPr/>
           <p:nvPr/>
         </p:nvSpPr>
         <p:spPr>
           <a:xfrm>
-            <a:off x="1670864" y="748147"/>
+            <a:off x="1687490" y="897776"/>
             <a:ext cx="1712420" cy="270165"/>
           </a:xfrm>
           <a:prstGeom prst="rect">
@@ -4301,11 +4951,7 @@
             <a:pPr algn="ctr"/>
             <a:r>
               <a:rPr lang="en-US" altLang="ko-KR" dirty="0" smtClean="0"/>
-              <a:t>Render</a:t>
-            </a:r>
-            <a:r>
-              <a:rPr lang="en-US" altLang="ko-KR" dirty="0" smtClean="0"/>
-              <a:t>()</a:t>
+              <a:t>Render()</a:t>
             </a:r>
             <a:endParaRPr lang="ko-KR" altLang="en-US" dirty="0"/>
           </a:p>
@@ -4313,13 +4959,13 @@
       </p:sp>
       <p:sp>
         <p:nvSpPr>
-          <p:cNvPr id="11" name="TextBox 10"/>
+          <p:cNvPr id="36" name="TextBox 35"/>
           <p:cNvSpPr txBox="1"/>
           <p:nvPr/>
         </p:nvSpPr>
         <p:spPr>
           <a:xfrm>
-            <a:off x="1587735" y="615148"/>
+            <a:off x="1604361" y="764777"/>
             <a:ext cx="3233650" cy="1754326"/>
           </a:xfrm>
           <a:prstGeom prst="rect">
@@ -4383,13 +5029,13 @@
       </p:sp>
       <p:sp>
         <p:nvSpPr>
-          <p:cNvPr id="12" name="TextBox 11"/>
+          <p:cNvPr id="38" name="TextBox 37"/>
           <p:cNvSpPr txBox="1"/>
           <p:nvPr/>
         </p:nvSpPr>
         <p:spPr>
           <a:xfrm>
-            <a:off x="5195459" y="615148"/>
+            <a:off x="5212085" y="764777"/>
             <a:ext cx="4854632" cy="1754326"/>
           </a:xfrm>
           <a:prstGeom prst="rect">
@@ -4461,13 +5107,13 @@
       </p:sp>
       <p:sp>
         <p:nvSpPr>
-          <p:cNvPr id="13" name="TextBox 12"/>
+          <p:cNvPr id="40" name="TextBox 39"/>
           <p:cNvSpPr txBox="1"/>
           <p:nvPr/>
         </p:nvSpPr>
         <p:spPr>
           <a:xfrm>
-            <a:off x="1604362" y="2519689"/>
+            <a:off x="1620988" y="2669318"/>
             <a:ext cx="8495608" cy="646331"/>
           </a:xfrm>
           <a:prstGeom prst="rect">
@@ -4498,27 +5144,508 @@
           <a:p>
             <a:r>
               <a:rPr lang="ko-KR" altLang="en-US" dirty="0" smtClean="0"/>
-              <a:t>플레이어와 적이 발사하는 투사체들의 </a:t>
-            </a:r>
+              <a:t>플레이어 객체가 사망하거나 스폰할 경우 관리를 위해서 제작</a:t>
+            </a:r>
+            <a:endParaRPr lang="ko-KR" altLang="en-US" dirty="0"/>
+          </a:p>
+        </p:txBody>
+      </p:sp>
+      <p:sp>
+        <p:nvSpPr>
+          <p:cNvPr id="12" name="Rectangle 11"/>
+          <p:cNvSpPr/>
+          <p:nvPr/>
+        </p:nvSpPr>
+        <p:spPr>
+          <a:xfrm>
+            <a:off x="1496296" y="3549777"/>
+            <a:ext cx="8886304" cy="3100408"/>
+          </a:xfrm>
+          <a:prstGeom prst="rect">
+            <a:avLst/>
+          </a:prstGeom>
+        </p:spPr>
+        <p:style>
+          <a:lnRef idx="2">
+            <a:schemeClr val="accent1">
+              <a:shade val="50000"/>
+            </a:schemeClr>
+          </a:lnRef>
+          <a:fillRef idx="1">
+            <a:schemeClr val="accent1"/>
+          </a:fillRef>
+          <a:effectRef idx="0">
+            <a:schemeClr val="accent1"/>
+          </a:effectRef>
+          <a:fontRef idx="minor">
+            <a:schemeClr val="lt1"/>
+          </a:fontRef>
+        </p:style>
+        <p:txBody>
+          <a:bodyPr rtlCol="0" anchor="ctr"/>
+          <a:lstStyle/>
+          <a:p>
+            <a:pPr algn="ctr"/>
+            <a:endParaRPr lang="ko-KR" altLang="en-US"/>
+          </a:p>
+        </p:txBody>
+      </p:sp>
+      <p:sp>
+        <p:nvSpPr>
+          <p:cNvPr id="13" name="Rectangle 12"/>
+          <p:cNvSpPr/>
+          <p:nvPr/>
+        </p:nvSpPr>
+        <p:spPr>
+          <a:xfrm>
+            <a:off x="5444842" y="3961549"/>
+            <a:ext cx="1712420" cy="270163"/>
+          </a:xfrm>
+          <a:prstGeom prst="rect">
+            <a:avLst/>
+          </a:prstGeom>
+        </p:spPr>
+        <p:style>
+          <a:lnRef idx="2">
+            <a:schemeClr val="accent1">
+              <a:shade val="50000"/>
+            </a:schemeClr>
+          </a:lnRef>
+          <a:fillRef idx="1">
+            <a:schemeClr val="accent1"/>
+          </a:fillRef>
+          <a:effectRef idx="0">
+            <a:schemeClr val="accent1"/>
+          </a:effectRef>
+          <a:fontRef idx="minor">
+            <a:schemeClr val="lt1"/>
+          </a:fontRef>
+        </p:style>
+        <p:txBody>
+          <a:bodyPr rtlCol="0" anchor="ctr"/>
+          <a:lstStyle/>
+          <a:p>
+            <a:pPr algn="ctr"/>
             <a:r>
               <a:rPr lang="en-US" altLang="ko-KR" dirty="0" smtClean="0"/>
-              <a:t>Update Render</a:t>
-            </a:r>
+              <a:t>List&lt;Enemy&gt;</a:t>
+            </a:r>
+            <a:endParaRPr lang="ko-KR" altLang="en-US" dirty="0"/>
+          </a:p>
+        </p:txBody>
+      </p:sp>
+      <p:sp>
+        <p:nvSpPr>
+          <p:cNvPr id="14" name="Rectangle 13"/>
+          <p:cNvSpPr/>
+          <p:nvPr/>
+        </p:nvSpPr>
+        <p:spPr>
+          <a:xfrm>
+            <a:off x="5444842" y="4294058"/>
+            <a:ext cx="1712420" cy="270165"/>
+          </a:xfrm>
+          <a:prstGeom prst="rect">
+            <a:avLst/>
+          </a:prstGeom>
+        </p:spPr>
+        <p:style>
+          <a:lnRef idx="2">
+            <a:schemeClr val="accent1">
+              <a:shade val="50000"/>
+            </a:schemeClr>
+          </a:lnRef>
+          <a:fillRef idx="1">
+            <a:schemeClr val="accent1"/>
+          </a:fillRef>
+          <a:effectRef idx="0">
+            <a:schemeClr val="accent1"/>
+          </a:effectRef>
+          <a:fontRef idx="minor">
+            <a:schemeClr val="lt1"/>
+          </a:fontRef>
+        </p:style>
+        <p:txBody>
+          <a:bodyPr rtlCol="0" anchor="ctr"/>
+          <a:lstStyle/>
+          <a:p>
+            <a:pPr algn="ctr"/>
+            <a:r>
+              <a:rPr lang="en-US" altLang="ko-KR" dirty="0" err="1" smtClean="0"/>
+              <a:t>AddEnemy</a:t>
+            </a:r>
+            <a:r>
+              <a:rPr lang="en-US" altLang="ko-KR" dirty="0" smtClean="0"/>
+              <a:t>()</a:t>
+            </a:r>
+            <a:endParaRPr lang="ko-KR" altLang="en-US" dirty="0"/>
+          </a:p>
+        </p:txBody>
+      </p:sp>
+      <p:sp>
+        <p:nvSpPr>
+          <p:cNvPr id="15" name="Rectangle 14"/>
+          <p:cNvSpPr/>
+          <p:nvPr/>
+        </p:nvSpPr>
+        <p:spPr>
+          <a:xfrm>
+            <a:off x="5444842" y="4626569"/>
+            <a:ext cx="1795543" cy="286788"/>
+          </a:xfrm>
+          <a:prstGeom prst="rect">
+            <a:avLst/>
+          </a:prstGeom>
+        </p:spPr>
+        <p:style>
+          <a:lnRef idx="2">
+            <a:schemeClr val="accent1">
+              <a:shade val="50000"/>
+            </a:schemeClr>
+          </a:lnRef>
+          <a:fillRef idx="1">
+            <a:schemeClr val="accent1"/>
+          </a:fillRef>
+          <a:effectRef idx="0">
+            <a:schemeClr val="accent1"/>
+          </a:effectRef>
+          <a:fontRef idx="minor">
+            <a:schemeClr val="lt1"/>
+          </a:fontRef>
+        </p:style>
+        <p:txBody>
+          <a:bodyPr rtlCol="0" anchor="ctr"/>
+          <a:lstStyle/>
+          <a:p>
+            <a:pPr algn="ctr"/>
+            <a:r>
+              <a:rPr lang="en-US" altLang="ko-KR" dirty="0" err="1" smtClean="0"/>
+              <a:t>RemoveEnemy</a:t>
+            </a:r>
+            <a:r>
+              <a:rPr lang="en-US" altLang="ko-KR" dirty="0" smtClean="0"/>
+              <a:t>()</a:t>
+            </a:r>
+            <a:endParaRPr lang="ko-KR" altLang="en-US" dirty="0"/>
+          </a:p>
+        </p:txBody>
+      </p:sp>
+      <p:sp>
+        <p:nvSpPr>
+          <p:cNvPr id="16" name="TextBox 15"/>
+          <p:cNvSpPr txBox="1"/>
+          <p:nvPr/>
+        </p:nvSpPr>
+        <p:spPr>
+          <a:xfrm>
+            <a:off x="1230292" y="3549777"/>
+            <a:ext cx="2377437" cy="369332"/>
+          </a:xfrm>
+          <a:prstGeom prst="rect">
+            <a:avLst/>
+          </a:prstGeom>
+          <a:noFill/>
+        </p:spPr>
+        <p:txBody>
+          <a:bodyPr wrap="square" rtlCol="0">
+            <a:spAutoFit/>
+          </a:bodyPr>
+          <a:lstStyle/>
+          <a:p>
+            <a:pPr algn="ctr"/>
+            <a:r>
+              <a:rPr lang="en-US" altLang="ko-KR" dirty="0" err="1" smtClean="0"/>
+              <a:t>EnemyManager</a:t>
+            </a:r>
+            <a:endParaRPr lang="ko-KR" altLang="en-US" dirty="0"/>
+          </a:p>
+        </p:txBody>
+      </p:sp>
+      <p:sp>
+        <p:nvSpPr>
+          <p:cNvPr id="17" name="Rectangle 16"/>
+          <p:cNvSpPr/>
+          <p:nvPr/>
+        </p:nvSpPr>
+        <p:spPr>
+          <a:xfrm>
+            <a:off x="1687490" y="4348088"/>
+            <a:ext cx="1712420" cy="270165"/>
+          </a:xfrm>
+          <a:prstGeom prst="rect">
+            <a:avLst/>
+          </a:prstGeom>
+        </p:spPr>
+        <p:style>
+          <a:lnRef idx="2">
+            <a:schemeClr val="accent1">
+              <a:shade val="50000"/>
+            </a:schemeClr>
+          </a:lnRef>
+          <a:fillRef idx="1">
+            <a:schemeClr val="accent1"/>
+          </a:fillRef>
+          <a:effectRef idx="0">
+            <a:schemeClr val="accent1"/>
+          </a:effectRef>
+          <a:fontRef idx="minor">
+            <a:schemeClr val="lt1"/>
+          </a:fontRef>
+        </p:style>
+        <p:txBody>
+          <a:bodyPr rtlCol="0" anchor="ctr"/>
+          <a:lstStyle/>
+          <a:p>
+            <a:pPr algn="ctr"/>
+            <a:r>
+              <a:rPr lang="en-US" altLang="ko-KR" dirty="0" smtClean="0"/>
+              <a:t>Update()</a:t>
+            </a:r>
+            <a:endParaRPr lang="ko-KR" altLang="en-US" dirty="0"/>
+          </a:p>
+        </p:txBody>
+      </p:sp>
+      <p:sp>
+        <p:nvSpPr>
+          <p:cNvPr id="19" name="Rectangle 18"/>
+          <p:cNvSpPr/>
+          <p:nvPr/>
+        </p:nvSpPr>
+        <p:spPr>
+          <a:xfrm>
+            <a:off x="1687490" y="4028045"/>
+            <a:ext cx="1712420" cy="270165"/>
+          </a:xfrm>
+          <a:prstGeom prst="rect">
+            <a:avLst/>
+          </a:prstGeom>
+        </p:spPr>
+        <p:style>
+          <a:lnRef idx="2">
+            <a:schemeClr val="accent1">
+              <a:shade val="50000"/>
+            </a:schemeClr>
+          </a:lnRef>
+          <a:fillRef idx="1">
+            <a:schemeClr val="accent1"/>
+          </a:fillRef>
+          <a:effectRef idx="0">
+            <a:schemeClr val="accent1"/>
+          </a:effectRef>
+          <a:fontRef idx="minor">
+            <a:schemeClr val="lt1"/>
+          </a:fontRef>
+        </p:style>
+        <p:txBody>
+          <a:bodyPr rtlCol="0" anchor="ctr"/>
+          <a:lstStyle/>
+          <a:p>
+            <a:pPr algn="ctr"/>
+            <a:r>
+              <a:rPr lang="en-US" altLang="ko-KR" dirty="0" smtClean="0"/>
+              <a:t>Render()</a:t>
+            </a:r>
+            <a:endParaRPr lang="ko-KR" altLang="en-US" dirty="0"/>
+          </a:p>
+        </p:txBody>
+      </p:sp>
+      <p:sp>
+        <p:nvSpPr>
+          <p:cNvPr id="20" name="TextBox 19"/>
+          <p:cNvSpPr txBox="1"/>
+          <p:nvPr/>
+        </p:nvSpPr>
+        <p:spPr>
+          <a:xfrm>
+            <a:off x="1604361" y="3895047"/>
+            <a:ext cx="3233650" cy="1754326"/>
+          </a:xfrm>
+          <a:prstGeom prst="rect">
+            <a:avLst/>
+          </a:prstGeom>
+          <a:noFill/>
+          <a:ln>
+            <a:solidFill>
+              <a:schemeClr val="tx1"/>
+            </a:solidFill>
+          </a:ln>
+        </p:spPr>
+        <p:txBody>
+          <a:bodyPr wrap="square" rtlCol="0">
+            <a:spAutoFit/>
+          </a:bodyPr>
+          <a:lstStyle/>
+          <a:p>
+            <a:endParaRPr lang="en-US" altLang="ko-KR" dirty="0" smtClean="0"/>
+          </a:p>
+          <a:p>
+            <a:endParaRPr lang="en-US" altLang="ko-KR" dirty="0"/>
+          </a:p>
+          <a:p>
+            <a:endParaRPr lang="en-US" altLang="ko-KR" dirty="0" smtClean="0"/>
+          </a:p>
+          <a:p>
             <a:r>
               <a:rPr lang="ko-KR" altLang="en-US" dirty="0" smtClean="0"/>
-              <a:t>를 하는 객체이다</a:t>
-            </a:r>
+              <a:t>사용 중인 객체들의 </a:t>
+            </a:r>
+            <a:endParaRPr lang="en-US" altLang="ko-KR" dirty="0" smtClean="0"/>
+          </a:p>
+          <a:p>
+            <a:r>
+              <a:rPr lang="en-US" altLang="ko-KR" dirty="0" err="1" smtClean="0"/>
+              <a:t>Update&amp;Render</a:t>
+            </a:r>
+            <a:r>
+              <a:rPr lang="en-US" altLang="ko-KR" dirty="0"/>
+              <a:t> </a:t>
+            </a:r>
+            <a:r>
+              <a:rPr lang="ko-KR" altLang="en-US" dirty="0" smtClean="0"/>
+              <a:t>범위기반 </a:t>
+            </a:r>
+            <a:endParaRPr lang="en-US" altLang="ko-KR" dirty="0" smtClean="0"/>
+          </a:p>
+          <a:p>
             <a:r>
               <a:rPr lang="en-US" altLang="ko-KR" dirty="0" smtClean="0"/>
-              <a:t>.</a:t>
-            </a:r>
+              <a:t>For </a:t>
+            </a:r>
+            <a:r>
+              <a:rPr lang="ko-KR" altLang="en-US" dirty="0" smtClean="0"/>
+              <a:t>문으로 지속적으로 처리 </a:t>
+            </a:r>
+            <a:endParaRPr lang="ko-KR" altLang="en-US" dirty="0"/>
+          </a:p>
+        </p:txBody>
+      </p:sp>
+      <p:sp>
+        <p:nvSpPr>
+          <p:cNvPr id="21" name="TextBox 20"/>
+          <p:cNvSpPr txBox="1"/>
+          <p:nvPr/>
+        </p:nvSpPr>
+        <p:spPr>
+          <a:xfrm>
+            <a:off x="5182989" y="3891751"/>
+            <a:ext cx="4854632" cy="1754326"/>
+          </a:xfrm>
+          <a:prstGeom prst="rect">
+            <a:avLst/>
+          </a:prstGeom>
+          <a:noFill/>
+          <a:ln>
+            <a:solidFill>
+              <a:schemeClr val="tx1"/>
+            </a:solidFill>
+          </a:ln>
+        </p:spPr>
+        <p:txBody>
+          <a:bodyPr wrap="square" rtlCol="0">
+            <a:spAutoFit/>
+          </a:bodyPr>
+          <a:lstStyle/>
+          <a:p>
+            <a:endParaRPr lang="en-US" altLang="ko-KR" dirty="0" smtClean="0"/>
+          </a:p>
+          <a:p>
+            <a:endParaRPr lang="en-US" altLang="ko-KR" dirty="0"/>
+          </a:p>
+          <a:p>
+            <a:endParaRPr lang="en-US" altLang="ko-KR" dirty="0" smtClean="0"/>
+          </a:p>
+          <a:p>
+            <a:endParaRPr lang="en-US" altLang="ko-KR" dirty="0" smtClean="0"/>
+          </a:p>
+          <a:p>
+            <a:r>
+              <a:rPr lang="en-US" altLang="ko-KR" dirty="0" smtClean="0"/>
+              <a:t>List</a:t>
+            </a:r>
+            <a:r>
+              <a:rPr lang="ko-KR" altLang="en-US" dirty="0" smtClean="0"/>
+              <a:t>를 사용하여서 삽입 삭제에 용의하게 제작</a:t>
+            </a:r>
+            <a:endParaRPr lang="en-US" altLang="ko-KR" dirty="0" smtClean="0"/>
+          </a:p>
+          <a:p>
+            <a:r>
+              <a:rPr lang="en-US" altLang="ko-KR" dirty="0" smtClean="0"/>
+              <a:t>Add</a:t>
+            </a:r>
+            <a:r>
+              <a:rPr lang="ko-KR" altLang="en-US" dirty="0" smtClean="0"/>
+              <a:t>와 </a:t>
+            </a:r>
+            <a:r>
+              <a:rPr lang="en-US" altLang="ko-KR" dirty="0" smtClean="0"/>
+              <a:t>Remove</a:t>
+            </a:r>
+            <a:r>
+              <a:rPr lang="ko-KR" altLang="en-US" dirty="0" smtClean="0"/>
+              <a:t>함수를 사용하여서 </a:t>
+            </a:r>
+            <a:r>
+              <a:rPr lang="en-US" altLang="ko-KR" dirty="0" smtClean="0"/>
+              <a:t>List</a:t>
+            </a:r>
+            <a:r>
+              <a:rPr lang="ko-KR" altLang="en-US" dirty="0" smtClean="0"/>
+              <a:t>관리</a:t>
+            </a:r>
+            <a:endParaRPr lang="en-US" altLang="ko-KR" dirty="0" smtClean="0"/>
+          </a:p>
+        </p:txBody>
+      </p:sp>
+      <p:sp>
+        <p:nvSpPr>
+          <p:cNvPr id="22" name="TextBox 21"/>
+          <p:cNvSpPr txBox="1"/>
+          <p:nvPr/>
+        </p:nvSpPr>
+        <p:spPr>
+          <a:xfrm>
+            <a:off x="1604362" y="5799588"/>
+            <a:ext cx="8495608" cy="646331"/>
+          </a:xfrm>
+          <a:prstGeom prst="rect">
+            <a:avLst/>
+          </a:prstGeom>
+          <a:noFill/>
+          <a:ln>
+            <a:solidFill>
+              <a:schemeClr val="tx1"/>
+            </a:solidFill>
+          </a:ln>
+        </p:spPr>
+        <p:txBody>
+          <a:bodyPr wrap="square" rtlCol="0">
+            <a:spAutoFit/>
+          </a:bodyPr>
+          <a:lstStyle/>
+          <a:p>
+            <a:r>
+              <a:rPr lang="ko-KR" altLang="en-US" dirty="0" smtClean="0"/>
+              <a:t>용도</a:t>
+            </a:r>
+            <a:r>
+              <a:rPr lang="en-US" altLang="ko-KR" dirty="0" smtClean="0"/>
+              <a:t>:</a:t>
+            </a:r>
+          </a:p>
+          <a:p>
+            <a:r>
+              <a:rPr lang="ko-KR" altLang="en-US" dirty="0" smtClean="0"/>
+              <a:t>적 객체가 사망하거나 스폰할 경우 관리를 위해서 제작</a:t>
+            </a:r>
+            <a:endParaRPr lang="ko-KR" altLang="en-US" dirty="0"/>
           </a:p>
         </p:txBody>
       </p:sp>
     </p:spTree>
     <p:extLst>
       <p:ext uri="{BB962C8B-B14F-4D97-AF65-F5344CB8AC3E}">
-        <p14:creationId xmlns:p14="http://schemas.microsoft.com/office/powerpoint/2010/main" val="1081497504"/>
+        <p14:creationId xmlns:p14="http://schemas.microsoft.com/office/powerpoint/2010/main" val="1570549073"/>
       </p:ext>
     </p:extLst>
   </p:cSld>
@@ -4553,8 +5680,8 @@
         </p:nvSpPr>
         <p:spPr>
           <a:xfrm>
-            <a:off x="382388" y="199506"/>
-            <a:ext cx="1928553" cy="598516"/>
+            <a:off x="1496295" y="99760"/>
+            <a:ext cx="8720046" cy="3175455"/>
           </a:xfrm>
           <a:prstGeom prst="rect">
             <a:avLst/>
@@ -4581,24 +5708,20 @@
           <a:lstStyle/>
           <a:p>
             <a:pPr algn="ctr"/>
-            <a:r>
-              <a:rPr lang="en-US" altLang="ko-KR" dirty="0" err="1" smtClean="0"/>
-              <a:t>PlayerManager</a:t>
-            </a:r>
-            <a:endParaRPr lang="ko-KR" altLang="en-US" dirty="0"/>
-          </a:p>
-        </p:txBody>
-      </p:sp>
-      <p:sp>
-        <p:nvSpPr>
-          <p:cNvPr id="6" name="Rectangle 5"/>
+            <a:endParaRPr lang="ko-KR" altLang="en-US"/>
+          </a:p>
+        </p:txBody>
+      </p:sp>
+      <p:sp>
+        <p:nvSpPr>
+          <p:cNvPr id="5" name="Rectangle 4"/>
           <p:cNvSpPr/>
           <p:nvPr/>
         </p:nvSpPr>
         <p:spPr>
           <a:xfrm>
-            <a:off x="490454" y="1167938"/>
-            <a:ext cx="1712420" cy="357447"/>
+            <a:off x="5394963" y="681650"/>
+            <a:ext cx="3516281" cy="270163"/>
           </a:xfrm>
           <a:prstGeom prst="rect">
             <a:avLst/>
@@ -4627,7 +5750,23 @@
             <a:pPr algn="ctr"/>
             <a:r>
               <a:rPr lang="en-US" altLang="ko-KR" dirty="0" smtClean="0"/>
-              <a:t>List&lt;Player&gt;</a:t>
+              <a:t>List&lt;</a:t>
+            </a:r>
+            <a:r>
+              <a:rPr lang="en-US" altLang="ko-KR" dirty="0" err="1" smtClean="0"/>
+              <a:t>EProjectile</a:t>
+            </a:r>
+            <a:r>
+              <a:rPr lang="en-US" altLang="ko-KR" dirty="0" smtClean="0"/>
+              <a:t>&gt;,&lt;</a:t>
+            </a:r>
+            <a:r>
+              <a:rPr lang="en-US" altLang="ko-KR" dirty="0" err="1" smtClean="0"/>
+              <a:t>PProjectile</a:t>
+            </a:r>
+            <a:r>
+              <a:rPr lang="en-US" altLang="ko-KR" dirty="0" smtClean="0"/>
+              <a:t>&gt;</a:t>
             </a:r>
             <a:endParaRPr lang="ko-KR" altLang="en-US" dirty="0"/>
           </a:p>
@@ -4635,14 +5774,14 @@
       </p:sp>
       <p:sp>
         <p:nvSpPr>
-          <p:cNvPr id="7" name="Rectangle 6"/>
+          <p:cNvPr id="6" name="Rectangle 5"/>
           <p:cNvSpPr/>
           <p:nvPr/>
         </p:nvSpPr>
         <p:spPr>
           <a:xfrm>
-            <a:off x="490454" y="1766454"/>
-            <a:ext cx="1712420" cy="407324"/>
+            <a:off x="5394964" y="1014159"/>
+            <a:ext cx="2136366" cy="270165"/>
           </a:xfrm>
           <a:prstGeom prst="rect">
             <a:avLst/>
@@ -4671,7 +5810,11 @@
             <a:pPr algn="ctr"/>
             <a:r>
               <a:rPr lang="en-US" altLang="ko-KR" dirty="0" err="1" smtClean="0"/>
-              <a:t>addPlayer</a:t>
+              <a:t>AddProjectile</a:t>
+            </a:r>
+            <a:r>
+              <a:rPr lang="en-US" altLang="ko-KR" dirty="0" smtClean="0"/>
+              <a:t> ()</a:t>
             </a:r>
             <a:endParaRPr lang="ko-KR" altLang="en-US" dirty="0"/>
           </a:p>
@@ -4679,14 +5822,14 @@
       </p:sp>
       <p:sp>
         <p:nvSpPr>
-          <p:cNvPr id="8" name="Rectangle 7"/>
+          <p:cNvPr id="7" name="Rectangle 6"/>
           <p:cNvSpPr/>
           <p:nvPr/>
         </p:nvSpPr>
         <p:spPr>
           <a:xfrm>
-            <a:off x="490454" y="2356657"/>
-            <a:ext cx="1712420" cy="407324"/>
+            <a:off x="5394963" y="1346670"/>
+            <a:ext cx="2136367" cy="286788"/>
           </a:xfrm>
           <a:prstGeom prst="rect">
             <a:avLst/>
@@ -4714,131 +5857,58 @@
           <a:p>
             <a:pPr algn="ctr"/>
             <a:r>
+              <a:rPr lang="en-US" altLang="ko-KR" dirty="0" err="1"/>
+              <a:t>RemoveProjectile</a:t>
+            </a:r>
+            <a:r>
+              <a:rPr lang="en-US" altLang="ko-KR" dirty="0"/>
+              <a:t> ()</a:t>
+            </a:r>
+            <a:endParaRPr lang="ko-KR" altLang="en-US" dirty="0"/>
+          </a:p>
+        </p:txBody>
+      </p:sp>
+      <p:sp>
+        <p:nvSpPr>
+          <p:cNvPr id="8" name="TextBox 7"/>
+          <p:cNvSpPr txBox="1"/>
+          <p:nvPr/>
+        </p:nvSpPr>
+        <p:spPr>
+          <a:xfrm>
+            <a:off x="1371604" y="170709"/>
+            <a:ext cx="2377437" cy="369332"/>
+          </a:xfrm>
+          <a:prstGeom prst="rect">
+            <a:avLst/>
+          </a:prstGeom>
+          <a:noFill/>
+        </p:spPr>
+        <p:txBody>
+          <a:bodyPr wrap="square" rtlCol="0">
+            <a:spAutoFit/>
+          </a:bodyPr>
+          <a:lstStyle/>
+          <a:p>
+            <a:pPr algn="ctr"/>
+            <a:r>
               <a:rPr lang="en-US" altLang="ko-KR" dirty="0" err="1" smtClean="0"/>
-              <a:t>removePlayer</a:t>
+              <a:t>ProjectileManager</a:t>
             </a:r>
             <a:endParaRPr lang="ko-KR" altLang="en-US" dirty="0"/>
           </a:p>
         </p:txBody>
       </p:sp>
-      <p:cxnSp>
-        <p:nvCxnSpPr>
-          <p:cNvPr id="10" name="Straight Arrow Connector 9"/>
-          <p:cNvCxnSpPr>
-            <a:stCxn id="4" idx="2"/>
-            <a:endCxn id="6" idx="0"/>
-          </p:cNvCxnSpPr>
-          <p:nvPr/>
-        </p:nvCxnSpPr>
-        <p:spPr>
-          <a:xfrm flipH="1">
-            <a:off x="1346664" y="798022"/>
-            <a:ext cx="1" cy="369916"/>
-          </a:xfrm>
-          <a:prstGeom prst="straightConnector1">
-            <a:avLst/>
-          </a:prstGeom>
-          <a:ln>
-            <a:tailEnd type="triangle"/>
-          </a:ln>
-        </p:spPr>
-        <p:style>
-          <a:lnRef idx="1">
-            <a:schemeClr val="accent1"/>
-          </a:lnRef>
-          <a:fillRef idx="0">
-            <a:schemeClr val="accent1"/>
-          </a:fillRef>
-          <a:effectRef idx="0">
-            <a:schemeClr val="accent1"/>
-          </a:effectRef>
-          <a:fontRef idx="minor">
-            <a:schemeClr val="tx1"/>
-          </a:fontRef>
-        </p:style>
-      </p:cxnSp>
-      <p:cxnSp>
-        <p:nvCxnSpPr>
-          <p:cNvPr id="13" name="Straight Arrow Connector 12"/>
-          <p:cNvCxnSpPr>
-            <a:stCxn id="4" idx="2"/>
-            <a:endCxn id="7" idx="0"/>
-          </p:cNvCxnSpPr>
-          <p:nvPr/>
-        </p:nvCxnSpPr>
-        <p:spPr>
-          <a:xfrm flipH="1">
-            <a:off x="1346664" y="798022"/>
-            <a:ext cx="1" cy="968432"/>
-          </a:xfrm>
-          <a:prstGeom prst="straightConnector1">
-            <a:avLst/>
-          </a:prstGeom>
-          <a:ln>
-            <a:tailEnd type="triangle"/>
-          </a:ln>
-        </p:spPr>
-        <p:style>
-          <a:lnRef idx="1">
-            <a:schemeClr val="accent1"/>
-          </a:lnRef>
-          <a:fillRef idx="0">
-            <a:schemeClr val="accent1"/>
-          </a:fillRef>
-          <a:effectRef idx="0">
-            <a:schemeClr val="accent1"/>
-          </a:effectRef>
-          <a:fontRef idx="minor">
-            <a:schemeClr val="tx1"/>
-          </a:fontRef>
-        </p:style>
-      </p:cxnSp>
-      <p:cxnSp>
-        <p:nvCxnSpPr>
-          <p:cNvPr id="16" name="Straight Arrow Connector 15"/>
-          <p:cNvCxnSpPr>
-            <a:stCxn id="4" idx="2"/>
-            <a:endCxn id="8" idx="0"/>
-          </p:cNvCxnSpPr>
-          <p:nvPr/>
-        </p:nvCxnSpPr>
-        <p:spPr>
-          <a:xfrm flipH="1">
-            <a:off x="1346664" y="798022"/>
-            <a:ext cx="1" cy="1558635"/>
-          </a:xfrm>
-          <a:prstGeom prst="straightConnector1">
-            <a:avLst/>
-          </a:prstGeom>
-          <a:ln>
-            <a:tailEnd type="triangle"/>
-          </a:ln>
-        </p:spPr>
-        <p:style>
-          <a:lnRef idx="1">
-            <a:schemeClr val="accent1"/>
-          </a:lnRef>
-          <a:fillRef idx="0">
-            <a:schemeClr val="accent1"/>
-          </a:fillRef>
-          <a:effectRef idx="0">
-            <a:schemeClr val="accent1"/>
-          </a:effectRef>
-          <a:fontRef idx="minor">
-            <a:schemeClr val="tx1"/>
-          </a:fontRef>
-        </p:style>
-      </p:cxnSp>
-      <p:sp>
-        <p:nvSpPr>
-          <p:cNvPr id="19" name="Rectangle 18"/>
+      <p:sp>
+        <p:nvSpPr>
+          <p:cNvPr id="9" name="Rectangle 8"/>
           <p:cNvSpPr/>
           <p:nvPr/>
         </p:nvSpPr>
         <p:spPr>
           <a:xfrm>
-            <a:off x="3111729" y="199506"/>
-            <a:ext cx="1928553" cy="598516"/>
+            <a:off x="1670864" y="1068190"/>
+            <a:ext cx="1712420" cy="270165"/>
           </a:xfrm>
           <a:prstGeom prst="rect">
             <a:avLst/>
@@ -4866,8 +5936,8 @@
           <a:p>
             <a:pPr algn="ctr"/>
             <a:r>
-              <a:rPr lang="en-US" altLang="ko-KR" dirty="0" err="1" smtClean="0"/>
-              <a:t>EnemyManager</a:t>
+              <a:rPr lang="en-US" altLang="ko-KR" dirty="0" smtClean="0"/>
+              <a:t>Update()</a:t>
             </a:r>
             <a:endParaRPr lang="ko-KR" altLang="en-US" dirty="0"/>
           </a:p>
@@ -4875,14 +5945,14 @@
       </p:sp>
       <p:sp>
         <p:nvSpPr>
-          <p:cNvPr id="20" name="Rectangle 19"/>
+          <p:cNvPr id="10" name="Rectangle 9"/>
           <p:cNvSpPr/>
           <p:nvPr/>
         </p:nvSpPr>
         <p:spPr>
           <a:xfrm>
-            <a:off x="3219795" y="1167938"/>
-            <a:ext cx="1712420" cy="357447"/>
+            <a:off x="1670864" y="748147"/>
+            <a:ext cx="1712420" cy="270165"/>
           </a:xfrm>
           <a:prstGeom prst="rect">
             <a:avLst/>
@@ -4911,7 +5981,7 @@
             <a:pPr algn="ctr"/>
             <a:r>
               <a:rPr lang="en-US" altLang="ko-KR" dirty="0" smtClean="0"/>
-              <a:t>List&lt;Enemy&gt;</a:t>
+              <a:t>Render()</a:t>
             </a:r>
             <a:endParaRPr lang="ko-KR" altLang="en-US" dirty="0"/>
           </a:p>
@@ -4919,807 +5989,14 @@
       </p:sp>
       <p:sp>
         <p:nvSpPr>
-          <p:cNvPr id="21" name="Rectangle 20"/>
-          <p:cNvSpPr/>
-          <p:nvPr/>
-        </p:nvSpPr>
-        <p:spPr>
-          <a:xfrm>
-            <a:off x="3219795" y="1766454"/>
-            <a:ext cx="1712420" cy="407324"/>
-          </a:xfrm>
-          <a:prstGeom prst="rect">
-            <a:avLst/>
-          </a:prstGeom>
-        </p:spPr>
-        <p:style>
-          <a:lnRef idx="2">
-            <a:schemeClr val="accent1">
-              <a:shade val="50000"/>
-            </a:schemeClr>
-          </a:lnRef>
-          <a:fillRef idx="1">
-            <a:schemeClr val="accent1"/>
-          </a:fillRef>
-          <a:effectRef idx="0">
-            <a:schemeClr val="accent1"/>
-          </a:effectRef>
-          <a:fontRef idx="minor">
-            <a:schemeClr val="lt1"/>
-          </a:fontRef>
-        </p:style>
-        <p:txBody>
-          <a:bodyPr rtlCol="0" anchor="ctr"/>
-          <a:lstStyle/>
-          <a:p>
-            <a:pPr algn="ctr"/>
-            <a:r>
-              <a:rPr lang="en-US" altLang="ko-KR" dirty="0" err="1" smtClean="0"/>
-              <a:t>addEnemy</a:t>
-            </a:r>
-            <a:endParaRPr lang="ko-KR" altLang="en-US" dirty="0"/>
-          </a:p>
-        </p:txBody>
-      </p:sp>
-      <p:sp>
-        <p:nvSpPr>
-          <p:cNvPr id="22" name="Rectangle 21"/>
-          <p:cNvSpPr/>
-          <p:nvPr/>
-        </p:nvSpPr>
-        <p:spPr>
-          <a:xfrm>
-            <a:off x="3219795" y="2356657"/>
-            <a:ext cx="1712420" cy="407324"/>
-          </a:xfrm>
-          <a:prstGeom prst="rect">
-            <a:avLst/>
-          </a:prstGeom>
-        </p:spPr>
-        <p:style>
-          <a:lnRef idx="2">
-            <a:schemeClr val="accent1">
-              <a:shade val="50000"/>
-            </a:schemeClr>
-          </a:lnRef>
-          <a:fillRef idx="1">
-            <a:schemeClr val="accent1"/>
-          </a:fillRef>
-          <a:effectRef idx="0">
-            <a:schemeClr val="accent1"/>
-          </a:effectRef>
-          <a:fontRef idx="minor">
-            <a:schemeClr val="lt1"/>
-          </a:fontRef>
-        </p:style>
-        <p:txBody>
-          <a:bodyPr rtlCol="0" anchor="ctr"/>
-          <a:lstStyle/>
-          <a:p>
-            <a:pPr algn="ctr"/>
-            <a:r>
-              <a:rPr lang="en-US" altLang="ko-KR" dirty="0" err="1" smtClean="0"/>
-              <a:t>removeEnemy</a:t>
-            </a:r>
-            <a:endParaRPr lang="ko-KR" altLang="en-US" dirty="0"/>
-          </a:p>
-        </p:txBody>
-      </p:sp>
-      <p:cxnSp>
-        <p:nvCxnSpPr>
-          <p:cNvPr id="23" name="Straight Arrow Connector 22"/>
-          <p:cNvCxnSpPr>
-            <a:stCxn id="19" idx="2"/>
-            <a:endCxn id="20" idx="0"/>
-          </p:cNvCxnSpPr>
-          <p:nvPr/>
-        </p:nvCxnSpPr>
-        <p:spPr>
-          <a:xfrm flipH="1">
-            <a:off x="4076005" y="798022"/>
-            <a:ext cx="1" cy="369916"/>
-          </a:xfrm>
-          <a:prstGeom prst="straightConnector1">
-            <a:avLst/>
-          </a:prstGeom>
-          <a:ln>
-            <a:tailEnd type="triangle"/>
-          </a:ln>
-        </p:spPr>
-        <p:style>
-          <a:lnRef idx="1">
-            <a:schemeClr val="accent1"/>
-          </a:lnRef>
-          <a:fillRef idx="0">
-            <a:schemeClr val="accent1"/>
-          </a:fillRef>
-          <a:effectRef idx="0">
-            <a:schemeClr val="accent1"/>
-          </a:effectRef>
-          <a:fontRef idx="minor">
-            <a:schemeClr val="tx1"/>
-          </a:fontRef>
-        </p:style>
-      </p:cxnSp>
-      <p:cxnSp>
-        <p:nvCxnSpPr>
-          <p:cNvPr id="24" name="Straight Arrow Connector 23"/>
-          <p:cNvCxnSpPr>
-            <a:stCxn id="19" idx="2"/>
-            <a:endCxn id="21" idx="0"/>
-          </p:cNvCxnSpPr>
-          <p:nvPr/>
-        </p:nvCxnSpPr>
-        <p:spPr>
-          <a:xfrm flipH="1">
-            <a:off x="4076005" y="798022"/>
-            <a:ext cx="1" cy="968432"/>
-          </a:xfrm>
-          <a:prstGeom prst="straightConnector1">
-            <a:avLst/>
-          </a:prstGeom>
-          <a:ln>
-            <a:tailEnd type="triangle"/>
-          </a:ln>
-        </p:spPr>
-        <p:style>
-          <a:lnRef idx="1">
-            <a:schemeClr val="accent1"/>
-          </a:lnRef>
-          <a:fillRef idx="0">
-            <a:schemeClr val="accent1"/>
-          </a:fillRef>
-          <a:effectRef idx="0">
-            <a:schemeClr val="accent1"/>
-          </a:effectRef>
-          <a:fontRef idx="minor">
-            <a:schemeClr val="tx1"/>
-          </a:fontRef>
-        </p:style>
-      </p:cxnSp>
-      <p:cxnSp>
-        <p:nvCxnSpPr>
-          <p:cNvPr id="25" name="Straight Arrow Connector 24"/>
-          <p:cNvCxnSpPr>
-            <a:stCxn id="19" idx="2"/>
-            <a:endCxn id="22" idx="0"/>
-          </p:cNvCxnSpPr>
-          <p:nvPr/>
-        </p:nvCxnSpPr>
-        <p:spPr>
-          <a:xfrm flipH="1">
-            <a:off x="4076005" y="798022"/>
-            <a:ext cx="1" cy="1558635"/>
-          </a:xfrm>
-          <a:prstGeom prst="straightConnector1">
-            <a:avLst/>
-          </a:prstGeom>
-          <a:ln>
-            <a:tailEnd type="triangle"/>
-          </a:ln>
-        </p:spPr>
-        <p:style>
-          <a:lnRef idx="1">
-            <a:schemeClr val="accent1"/>
-          </a:lnRef>
-          <a:fillRef idx="0">
-            <a:schemeClr val="accent1"/>
-          </a:fillRef>
-          <a:effectRef idx="0">
-            <a:schemeClr val="accent1"/>
-          </a:effectRef>
-          <a:fontRef idx="minor">
-            <a:schemeClr val="tx1"/>
-          </a:fontRef>
-        </p:style>
-      </p:cxnSp>
-      <p:sp>
-        <p:nvSpPr>
-          <p:cNvPr id="27" name="Rectangle 26"/>
-          <p:cNvSpPr/>
-          <p:nvPr/>
-        </p:nvSpPr>
-        <p:spPr>
-          <a:xfrm>
-            <a:off x="55417" y="2967640"/>
-            <a:ext cx="2576945" cy="598516"/>
-          </a:xfrm>
-          <a:prstGeom prst="rect">
-            <a:avLst/>
-          </a:prstGeom>
-        </p:spPr>
-        <p:style>
-          <a:lnRef idx="2">
-            <a:schemeClr val="accent1">
-              <a:shade val="50000"/>
-            </a:schemeClr>
-          </a:lnRef>
-          <a:fillRef idx="1">
-            <a:schemeClr val="accent1"/>
-          </a:fillRef>
-          <a:effectRef idx="0">
-            <a:schemeClr val="accent1"/>
-          </a:effectRef>
-          <a:fontRef idx="minor">
-            <a:schemeClr val="lt1"/>
-          </a:fontRef>
-        </p:style>
-        <p:txBody>
-          <a:bodyPr rtlCol="0" anchor="ctr"/>
-          <a:lstStyle/>
-          <a:p>
-            <a:pPr algn="ctr"/>
-            <a:r>
-              <a:rPr lang="en-US" altLang="ko-KR" dirty="0" err="1" smtClean="0"/>
-              <a:t>PlayerProjectile</a:t>
-            </a:r>
-            <a:endParaRPr lang="en-US" altLang="ko-KR" dirty="0" smtClean="0"/>
-          </a:p>
-          <a:p>
-            <a:pPr algn="ctr"/>
-            <a:r>
-              <a:rPr lang="en-US" altLang="ko-KR" dirty="0" smtClean="0"/>
-              <a:t>Manager</a:t>
-            </a:r>
-            <a:endParaRPr lang="ko-KR" altLang="en-US" dirty="0"/>
-          </a:p>
-        </p:txBody>
-      </p:sp>
-      <p:sp>
-        <p:nvSpPr>
-          <p:cNvPr id="28" name="Rectangle 27"/>
-          <p:cNvSpPr/>
-          <p:nvPr/>
-        </p:nvSpPr>
-        <p:spPr>
-          <a:xfrm>
-            <a:off x="55419" y="3936072"/>
-            <a:ext cx="2576944" cy="357447"/>
-          </a:xfrm>
-          <a:prstGeom prst="rect">
-            <a:avLst/>
-          </a:prstGeom>
-        </p:spPr>
-        <p:style>
-          <a:lnRef idx="2">
-            <a:schemeClr val="accent1">
-              <a:shade val="50000"/>
-            </a:schemeClr>
-          </a:lnRef>
-          <a:fillRef idx="1">
-            <a:schemeClr val="accent1"/>
-          </a:fillRef>
-          <a:effectRef idx="0">
-            <a:schemeClr val="accent1"/>
-          </a:effectRef>
-          <a:fontRef idx="minor">
-            <a:schemeClr val="lt1"/>
-          </a:fontRef>
-        </p:style>
-        <p:txBody>
-          <a:bodyPr rtlCol="0" anchor="ctr"/>
-          <a:lstStyle/>
-          <a:p>
-            <a:pPr algn="ctr"/>
-            <a:r>
-              <a:rPr lang="en-US" altLang="ko-KR" dirty="0" smtClean="0"/>
-              <a:t>List&lt;</a:t>
-            </a:r>
-            <a:r>
-              <a:rPr lang="en-US" altLang="ko-KR" dirty="0" err="1" smtClean="0"/>
-              <a:t>PlayerProjectile</a:t>
-            </a:r>
-            <a:r>
-              <a:rPr lang="en-US" altLang="ko-KR" dirty="0" smtClean="0"/>
-              <a:t>&gt;</a:t>
-            </a:r>
-            <a:endParaRPr lang="ko-KR" altLang="en-US" dirty="0"/>
-          </a:p>
-        </p:txBody>
-      </p:sp>
-      <p:sp>
-        <p:nvSpPr>
-          <p:cNvPr id="29" name="Rectangle 28"/>
-          <p:cNvSpPr/>
-          <p:nvPr/>
-        </p:nvSpPr>
-        <p:spPr>
-          <a:xfrm>
-            <a:off x="55417" y="4534588"/>
-            <a:ext cx="2576945" cy="407324"/>
-          </a:xfrm>
-          <a:prstGeom prst="rect">
-            <a:avLst/>
-          </a:prstGeom>
-        </p:spPr>
-        <p:style>
-          <a:lnRef idx="2">
-            <a:schemeClr val="accent1">
-              <a:shade val="50000"/>
-            </a:schemeClr>
-          </a:lnRef>
-          <a:fillRef idx="1">
-            <a:schemeClr val="accent1"/>
-          </a:fillRef>
-          <a:effectRef idx="0">
-            <a:schemeClr val="accent1"/>
-          </a:effectRef>
-          <a:fontRef idx="minor">
-            <a:schemeClr val="lt1"/>
-          </a:fontRef>
-        </p:style>
-        <p:txBody>
-          <a:bodyPr rtlCol="0" anchor="ctr"/>
-          <a:lstStyle/>
-          <a:p>
-            <a:pPr algn="ctr"/>
-            <a:r>
-              <a:rPr lang="en-US" altLang="ko-KR" dirty="0" err="1" smtClean="0"/>
-              <a:t>addPlayerProjectile</a:t>
-            </a:r>
-            <a:endParaRPr lang="ko-KR" altLang="en-US" dirty="0"/>
-          </a:p>
-        </p:txBody>
-      </p:sp>
-      <p:sp>
-        <p:nvSpPr>
-          <p:cNvPr id="30" name="Rectangle 29"/>
-          <p:cNvSpPr/>
-          <p:nvPr/>
-        </p:nvSpPr>
-        <p:spPr>
-          <a:xfrm>
-            <a:off x="55417" y="5124791"/>
-            <a:ext cx="2576945" cy="407324"/>
-          </a:xfrm>
-          <a:prstGeom prst="rect">
-            <a:avLst/>
-          </a:prstGeom>
-        </p:spPr>
-        <p:style>
-          <a:lnRef idx="2">
-            <a:schemeClr val="accent1">
-              <a:shade val="50000"/>
-            </a:schemeClr>
-          </a:lnRef>
-          <a:fillRef idx="1">
-            <a:schemeClr val="accent1"/>
-          </a:fillRef>
-          <a:effectRef idx="0">
-            <a:schemeClr val="accent1"/>
-          </a:effectRef>
-          <a:fontRef idx="minor">
-            <a:schemeClr val="lt1"/>
-          </a:fontRef>
-        </p:style>
-        <p:txBody>
-          <a:bodyPr rtlCol="0" anchor="ctr"/>
-          <a:lstStyle/>
-          <a:p>
-            <a:pPr algn="ctr"/>
-            <a:r>
-              <a:rPr lang="en-US" altLang="ko-KR" dirty="0" err="1" smtClean="0"/>
-              <a:t>removePlayerProjectile</a:t>
-            </a:r>
-            <a:endParaRPr lang="ko-KR" altLang="en-US" dirty="0"/>
-          </a:p>
-        </p:txBody>
-      </p:sp>
-      <p:cxnSp>
-        <p:nvCxnSpPr>
-          <p:cNvPr id="31" name="Straight Arrow Connector 30"/>
-          <p:cNvCxnSpPr>
-            <a:stCxn id="27" idx="2"/>
-          </p:cNvCxnSpPr>
-          <p:nvPr/>
-        </p:nvCxnSpPr>
-        <p:spPr>
-          <a:xfrm>
-            <a:off x="1343890" y="3566156"/>
-            <a:ext cx="4" cy="369916"/>
-          </a:xfrm>
-          <a:prstGeom prst="straightConnector1">
-            <a:avLst/>
-          </a:prstGeom>
-          <a:ln>
-            <a:tailEnd type="triangle"/>
-          </a:ln>
-        </p:spPr>
-        <p:style>
-          <a:lnRef idx="1">
-            <a:schemeClr val="accent1"/>
-          </a:lnRef>
-          <a:fillRef idx="0">
-            <a:schemeClr val="accent1"/>
-          </a:fillRef>
-          <a:effectRef idx="0">
-            <a:schemeClr val="accent1"/>
-          </a:effectRef>
-          <a:fontRef idx="minor">
-            <a:schemeClr val="tx1"/>
-          </a:fontRef>
-        </p:style>
-      </p:cxnSp>
-      <p:cxnSp>
-        <p:nvCxnSpPr>
-          <p:cNvPr id="32" name="Straight Arrow Connector 31"/>
-          <p:cNvCxnSpPr>
-            <a:stCxn id="27" idx="2"/>
-          </p:cNvCxnSpPr>
-          <p:nvPr/>
-        </p:nvCxnSpPr>
-        <p:spPr>
-          <a:xfrm>
-            <a:off x="1343890" y="3566156"/>
-            <a:ext cx="2" cy="968432"/>
-          </a:xfrm>
-          <a:prstGeom prst="straightConnector1">
-            <a:avLst/>
-          </a:prstGeom>
-          <a:ln>
-            <a:tailEnd type="triangle"/>
-          </a:ln>
-        </p:spPr>
-        <p:style>
-          <a:lnRef idx="1">
-            <a:schemeClr val="accent1"/>
-          </a:lnRef>
-          <a:fillRef idx="0">
-            <a:schemeClr val="accent1"/>
-          </a:fillRef>
-          <a:effectRef idx="0">
-            <a:schemeClr val="accent1"/>
-          </a:effectRef>
-          <a:fontRef idx="minor">
-            <a:schemeClr val="tx1"/>
-          </a:fontRef>
-        </p:style>
-      </p:cxnSp>
-      <p:cxnSp>
-        <p:nvCxnSpPr>
-          <p:cNvPr id="33" name="Straight Arrow Connector 32"/>
-          <p:cNvCxnSpPr>
-            <a:stCxn id="27" idx="2"/>
-          </p:cNvCxnSpPr>
-          <p:nvPr/>
-        </p:nvCxnSpPr>
-        <p:spPr>
-          <a:xfrm>
-            <a:off x="1343890" y="3566156"/>
-            <a:ext cx="2" cy="1558635"/>
-          </a:xfrm>
-          <a:prstGeom prst="straightConnector1">
-            <a:avLst/>
-          </a:prstGeom>
-          <a:ln>
-            <a:tailEnd type="triangle"/>
-          </a:ln>
-        </p:spPr>
-        <p:style>
-          <a:lnRef idx="1">
-            <a:schemeClr val="accent1"/>
-          </a:lnRef>
-          <a:fillRef idx="0">
-            <a:schemeClr val="accent1"/>
-          </a:fillRef>
-          <a:effectRef idx="0">
-            <a:schemeClr val="accent1"/>
-          </a:effectRef>
-          <a:fontRef idx="minor">
-            <a:schemeClr val="tx1"/>
-          </a:fontRef>
-        </p:style>
-      </p:cxnSp>
-      <p:sp>
-        <p:nvSpPr>
-          <p:cNvPr id="44" name="Rectangle 43"/>
-          <p:cNvSpPr/>
-          <p:nvPr/>
-        </p:nvSpPr>
-        <p:spPr>
-          <a:xfrm>
-            <a:off x="2709948" y="2955173"/>
-            <a:ext cx="2751514" cy="598516"/>
-          </a:xfrm>
-          <a:prstGeom prst="rect">
-            <a:avLst/>
-          </a:prstGeom>
-        </p:spPr>
-        <p:style>
-          <a:lnRef idx="2">
-            <a:schemeClr val="accent1">
-              <a:shade val="50000"/>
-            </a:schemeClr>
-          </a:lnRef>
-          <a:fillRef idx="1">
-            <a:schemeClr val="accent1"/>
-          </a:fillRef>
-          <a:effectRef idx="0">
-            <a:schemeClr val="accent1"/>
-          </a:effectRef>
-          <a:fontRef idx="minor">
-            <a:schemeClr val="lt1"/>
-          </a:fontRef>
-        </p:style>
-        <p:txBody>
-          <a:bodyPr rtlCol="0" anchor="ctr"/>
-          <a:lstStyle/>
-          <a:p>
-            <a:pPr algn="ctr"/>
-            <a:r>
-              <a:rPr lang="en-US" altLang="ko-KR" dirty="0" err="1" smtClean="0"/>
-              <a:t>EnemyProjectile</a:t>
-            </a:r>
-            <a:endParaRPr lang="en-US" altLang="ko-KR" dirty="0" smtClean="0"/>
-          </a:p>
-          <a:p>
-            <a:pPr algn="ctr"/>
-            <a:r>
-              <a:rPr lang="en-US" altLang="ko-KR" dirty="0" smtClean="0"/>
-              <a:t>Manager</a:t>
-            </a:r>
-            <a:endParaRPr lang="ko-KR" altLang="en-US" dirty="0"/>
-          </a:p>
-        </p:txBody>
-      </p:sp>
-      <p:sp>
-        <p:nvSpPr>
-          <p:cNvPr id="45" name="Rectangle 44"/>
-          <p:cNvSpPr/>
-          <p:nvPr/>
-        </p:nvSpPr>
-        <p:spPr>
-          <a:xfrm>
-            <a:off x="2709948" y="3923605"/>
-            <a:ext cx="2751512" cy="357447"/>
-          </a:xfrm>
-          <a:prstGeom prst="rect">
-            <a:avLst/>
-          </a:prstGeom>
-        </p:spPr>
-        <p:style>
-          <a:lnRef idx="2">
-            <a:schemeClr val="accent1">
-              <a:shade val="50000"/>
-            </a:schemeClr>
-          </a:lnRef>
-          <a:fillRef idx="1">
-            <a:schemeClr val="accent1"/>
-          </a:fillRef>
-          <a:effectRef idx="0">
-            <a:schemeClr val="accent1"/>
-          </a:effectRef>
-          <a:fontRef idx="minor">
-            <a:schemeClr val="lt1"/>
-          </a:fontRef>
-        </p:style>
-        <p:txBody>
-          <a:bodyPr rtlCol="0" anchor="ctr"/>
-          <a:lstStyle/>
-          <a:p>
-            <a:pPr algn="ctr"/>
-            <a:r>
-              <a:rPr lang="en-US" altLang="ko-KR" dirty="0" smtClean="0"/>
-              <a:t>List&lt;</a:t>
-            </a:r>
-            <a:r>
-              <a:rPr lang="en-US" altLang="ko-KR" dirty="0" err="1" smtClean="0"/>
-              <a:t>EnemyProjectile</a:t>
-            </a:r>
-            <a:r>
-              <a:rPr lang="en-US" altLang="ko-KR" dirty="0" smtClean="0"/>
-              <a:t>&gt;</a:t>
-            </a:r>
-            <a:endParaRPr lang="ko-KR" altLang="en-US" dirty="0"/>
-          </a:p>
-        </p:txBody>
-      </p:sp>
-      <p:sp>
-        <p:nvSpPr>
-          <p:cNvPr id="46" name="Rectangle 45"/>
-          <p:cNvSpPr/>
-          <p:nvPr/>
-        </p:nvSpPr>
-        <p:spPr>
-          <a:xfrm>
-            <a:off x="2709948" y="4513808"/>
-            <a:ext cx="2751514" cy="407324"/>
-          </a:xfrm>
-          <a:prstGeom prst="rect">
-            <a:avLst/>
-          </a:prstGeom>
-        </p:spPr>
-        <p:style>
-          <a:lnRef idx="2">
-            <a:schemeClr val="accent1">
-              <a:shade val="50000"/>
-            </a:schemeClr>
-          </a:lnRef>
-          <a:fillRef idx="1">
-            <a:schemeClr val="accent1"/>
-          </a:fillRef>
-          <a:effectRef idx="0">
-            <a:schemeClr val="accent1"/>
-          </a:effectRef>
-          <a:fontRef idx="minor">
-            <a:schemeClr val="lt1"/>
-          </a:fontRef>
-        </p:style>
-        <p:txBody>
-          <a:bodyPr rtlCol="0" anchor="ctr"/>
-          <a:lstStyle/>
-          <a:p>
-            <a:pPr algn="ctr"/>
-            <a:r>
-              <a:rPr lang="en-US" altLang="ko-KR" dirty="0" err="1" smtClean="0"/>
-              <a:t>addEnemyProjectile</a:t>
-            </a:r>
-            <a:endParaRPr lang="ko-KR" altLang="en-US" dirty="0"/>
-          </a:p>
-        </p:txBody>
-      </p:sp>
-      <p:sp>
-        <p:nvSpPr>
-          <p:cNvPr id="47" name="Rectangle 46"/>
-          <p:cNvSpPr/>
-          <p:nvPr/>
-        </p:nvSpPr>
-        <p:spPr>
-          <a:xfrm>
-            <a:off x="2709948" y="5104011"/>
-            <a:ext cx="2751514" cy="407324"/>
-          </a:xfrm>
-          <a:prstGeom prst="rect">
-            <a:avLst/>
-          </a:prstGeom>
-        </p:spPr>
-        <p:style>
-          <a:lnRef idx="2">
-            <a:schemeClr val="accent1">
-              <a:shade val="50000"/>
-            </a:schemeClr>
-          </a:lnRef>
-          <a:fillRef idx="1">
-            <a:schemeClr val="accent1"/>
-          </a:fillRef>
-          <a:effectRef idx="0">
-            <a:schemeClr val="accent1"/>
-          </a:effectRef>
-          <a:fontRef idx="minor">
-            <a:schemeClr val="lt1"/>
-          </a:fontRef>
-        </p:style>
-        <p:txBody>
-          <a:bodyPr rtlCol="0" anchor="ctr"/>
-          <a:lstStyle/>
-          <a:p>
-            <a:pPr algn="ctr"/>
-            <a:r>
-              <a:rPr lang="en-US" altLang="ko-KR" dirty="0" err="1" smtClean="0"/>
-              <a:t>removeEnemyProjectile</a:t>
-            </a:r>
-            <a:endParaRPr lang="ko-KR" altLang="en-US" dirty="0"/>
-          </a:p>
-        </p:txBody>
-      </p:sp>
-      <p:cxnSp>
-        <p:nvCxnSpPr>
-          <p:cNvPr id="48" name="Straight Arrow Connector 47"/>
-          <p:cNvCxnSpPr>
-            <a:stCxn id="44" idx="2"/>
-            <a:endCxn id="45" idx="0"/>
-          </p:cNvCxnSpPr>
-          <p:nvPr/>
-        </p:nvCxnSpPr>
-        <p:spPr>
-          <a:xfrm flipH="1">
-            <a:off x="4085704" y="3553689"/>
-            <a:ext cx="1" cy="369916"/>
-          </a:xfrm>
-          <a:prstGeom prst="straightConnector1">
-            <a:avLst/>
-          </a:prstGeom>
-          <a:ln>
-            <a:tailEnd type="triangle"/>
-          </a:ln>
-        </p:spPr>
-        <p:style>
-          <a:lnRef idx="1">
-            <a:schemeClr val="accent1"/>
-          </a:lnRef>
-          <a:fillRef idx="0">
-            <a:schemeClr val="accent1"/>
-          </a:fillRef>
-          <a:effectRef idx="0">
-            <a:schemeClr val="accent1"/>
-          </a:effectRef>
-          <a:fontRef idx="minor">
-            <a:schemeClr val="tx1"/>
-          </a:fontRef>
-        </p:style>
-      </p:cxnSp>
-      <p:cxnSp>
-        <p:nvCxnSpPr>
-          <p:cNvPr id="49" name="Straight Arrow Connector 48"/>
-          <p:cNvCxnSpPr>
-            <a:stCxn id="44" idx="2"/>
-            <a:endCxn id="46" idx="0"/>
-          </p:cNvCxnSpPr>
-          <p:nvPr/>
-        </p:nvCxnSpPr>
-        <p:spPr>
-          <a:xfrm>
-            <a:off x="4085705" y="3553689"/>
-            <a:ext cx="0" cy="960119"/>
-          </a:xfrm>
-          <a:prstGeom prst="straightConnector1">
-            <a:avLst/>
-          </a:prstGeom>
-          <a:ln>
-            <a:tailEnd type="triangle"/>
-          </a:ln>
-        </p:spPr>
-        <p:style>
-          <a:lnRef idx="1">
-            <a:schemeClr val="accent1"/>
-          </a:lnRef>
-          <a:fillRef idx="0">
-            <a:schemeClr val="accent1"/>
-          </a:fillRef>
-          <a:effectRef idx="0">
-            <a:schemeClr val="accent1"/>
-          </a:effectRef>
-          <a:fontRef idx="minor">
-            <a:schemeClr val="tx1"/>
-          </a:fontRef>
-        </p:style>
-      </p:cxnSp>
-      <p:cxnSp>
-        <p:nvCxnSpPr>
-          <p:cNvPr id="50" name="Straight Arrow Connector 49"/>
-          <p:cNvCxnSpPr>
-            <a:stCxn id="44" idx="2"/>
-            <a:endCxn id="47" idx="0"/>
-          </p:cNvCxnSpPr>
-          <p:nvPr/>
-        </p:nvCxnSpPr>
-        <p:spPr>
-          <a:xfrm>
-            <a:off x="4085705" y="3553689"/>
-            <a:ext cx="0" cy="1550322"/>
-          </a:xfrm>
-          <a:prstGeom prst="straightConnector1">
-            <a:avLst/>
-          </a:prstGeom>
-          <a:ln>
-            <a:tailEnd type="triangle"/>
-          </a:ln>
-        </p:spPr>
-        <p:style>
-          <a:lnRef idx="1">
-            <a:schemeClr val="accent1"/>
-          </a:lnRef>
-          <a:fillRef idx="0">
-            <a:schemeClr val="accent1"/>
-          </a:fillRef>
-          <a:effectRef idx="0">
-            <a:schemeClr val="accent1"/>
-          </a:effectRef>
-          <a:fontRef idx="minor">
-            <a:schemeClr val="tx1"/>
-          </a:fontRef>
-        </p:style>
-      </p:cxnSp>
-      <p:sp>
-        <p:nvSpPr>
-          <p:cNvPr id="75" name="Rectangle 74"/>
-          <p:cNvSpPr/>
-          <p:nvPr/>
-        </p:nvSpPr>
-        <p:spPr>
-          <a:xfrm>
-            <a:off x="0" y="116378"/>
-            <a:ext cx="5727469" cy="6226231"/>
+          <p:cNvPr id="11" name="TextBox 10"/>
+          <p:cNvSpPr txBox="1"/>
+          <p:nvPr/>
+        </p:nvSpPr>
+        <p:spPr>
+          <a:xfrm>
+            <a:off x="1587735" y="615148"/>
+            <a:ext cx="3233650" cy="1754326"/>
           </a:xfrm>
           <a:prstGeom prst="rect">
             <a:avLst/>
@@ -5731,161 +6008,65 @@
             </a:solidFill>
           </a:ln>
         </p:spPr>
-        <p:style>
-          <a:lnRef idx="2">
-            <a:schemeClr val="accent1">
-              <a:shade val="50000"/>
-            </a:schemeClr>
-          </a:lnRef>
-          <a:fillRef idx="1">
-            <a:schemeClr val="accent1"/>
-          </a:fillRef>
-          <a:effectRef idx="0">
-            <a:schemeClr val="accent1"/>
-          </a:effectRef>
-          <a:fontRef idx="minor">
-            <a:schemeClr val="lt1"/>
-          </a:fontRef>
-        </p:style>
-        <p:txBody>
-          <a:bodyPr rtlCol="0" anchor="ctr"/>
-          <a:lstStyle/>
-          <a:p>
-            <a:pPr algn="ctr"/>
-            <a:endParaRPr lang="ko-KR" altLang="en-US"/>
-          </a:p>
-        </p:txBody>
-      </p:sp>
-      <p:sp>
-        <p:nvSpPr>
-          <p:cNvPr id="76" name="Rectangle 75"/>
-          <p:cNvSpPr/>
-          <p:nvPr/>
-        </p:nvSpPr>
-        <p:spPr>
-          <a:xfrm>
-            <a:off x="6724996" y="83127"/>
-            <a:ext cx="1862051" cy="577734"/>
-          </a:xfrm>
-          <a:prstGeom prst="rect">
-            <a:avLst/>
-          </a:prstGeom>
-        </p:spPr>
-        <p:style>
-          <a:lnRef idx="2">
-            <a:schemeClr val="accent1">
-              <a:shade val="50000"/>
-            </a:schemeClr>
-          </a:lnRef>
-          <a:fillRef idx="1">
-            <a:schemeClr val="accent1"/>
-          </a:fillRef>
-          <a:effectRef idx="0">
-            <a:schemeClr val="accent1"/>
-          </a:effectRef>
-          <a:fontRef idx="minor">
-            <a:schemeClr val="lt1"/>
-          </a:fontRef>
-        </p:style>
-        <p:txBody>
-          <a:bodyPr rtlCol="0" anchor="ctr"/>
-          <a:lstStyle/>
-          <a:p>
-            <a:pPr algn="ctr"/>
+        <p:txBody>
+          <a:bodyPr wrap="square" rtlCol="0">
+            <a:spAutoFit/>
+          </a:bodyPr>
+          <a:lstStyle/>
+          <a:p>
+            <a:endParaRPr lang="en-US" altLang="ko-KR" dirty="0" smtClean="0"/>
+          </a:p>
+          <a:p>
+            <a:endParaRPr lang="en-US" altLang="ko-KR" dirty="0"/>
+          </a:p>
+          <a:p>
+            <a:endParaRPr lang="en-US" altLang="ko-KR" dirty="0" smtClean="0"/>
+          </a:p>
+          <a:p>
+            <a:r>
+              <a:rPr lang="ko-KR" altLang="en-US" dirty="0" smtClean="0"/>
+              <a:t>사용중인 객체들의 </a:t>
+            </a:r>
+            <a:endParaRPr lang="en-US" altLang="ko-KR" dirty="0" smtClean="0"/>
+          </a:p>
+          <a:p>
             <a:r>
               <a:rPr lang="en-US" altLang="ko-KR" dirty="0" err="1" smtClean="0"/>
-              <a:t>GameManager</a:t>
+              <a:t>Update&amp;Render</a:t>
+            </a:r>
+            <a:r>
+              <a:rPr lang="en-US" altLang="ko-KR" dirty="0"/>
+              <a:t> </a:t>
+            </a:r>
+            <a:r>
+              <a:rPr lang="ko-KR" altLang="en-US" dirty="0" smtClean="0"/>
+              <a:t>범위기반 </a:t>
+            </a:r>
+            <a:endParaRPr lang="en-US" altLang="ko-KR" dirty="0" smtClean="0"/>
+          </a:p>
+          <a:p>
+            <a:r>
+              <a:rPr lang="en-US" altLang="ko-KR" dirty="0" smtClean="0"/>
+              <a:t>For </a:t>
+            </a:r>
+            <a:r>
+              <a:rPr lang="ko-KR" altLang="en-US" dirty="0" smtClean="0"/>
+              <a:t>문으로 지속적으로 처리 </a:t>
             </a:r>
             <a:endParaRPr lang="ko-KR" altLang="en-US" dirty="0"/>
           </a:p>
         </p:txBody>
       </p:sp>
-      <p:cxnSp>
-        <p:nvCxnSpPr>
-          <p:cNvPr id="78" name="Straight Arrow Connector 77"/>
-          <p:cNvCxnSpPr>
-            <a:endCxn id="76" idx="1"/>
-          </p:cNvCxnSpPr>
-          <p:nvPr/>
-        </p:nvCxnSpPr>
-        <p:spPr>
-          <a:xfrm>
-            <a:off x="5744094" y="371994"/>
-            <a:ext cx="980902" cy="0"/>
-          </a:xfrm>
-          <a:prstGeom prst="straightConnector1">
-            <a:avLst/>
-          </a:prstGeom>
-          <a:ln>
-            <a:solidFill>
-              <a:schemeClr val="tx1"/>
-            </a:solidFill>
-            <a:tailEnd type="triangle"/>
-          </a:ln>
-        </p:spPr>
-        <p:style>
-          <a:lnRef idx="1">
-            <a:schemeClr val="accent1"/>
-          </a:lnRef>
-          <a:fillRef idx="0">
-            <a:schemeClr val="accent1"/>
-          </a:fillRef>
-          <a:effectRef idx="0">
-            <a:schemeClr val="accent1"/>
-          </a:effectRef>
-          <a:fontRef idx="minor">
-            <a:schemeClr val="tx1"/>
-          </a:fontRef>
-        </p:style>
-      </p:cxnSp>
-      <p:cxnSp>
-        <p:nvCxnSpPr>
-          <p:cNvPr id="81" name="Straight Arrow Connector 80"/>
-          <p:cNvCxnSpPr>
-            <a:stCxn id="76" idx="1"/>
-          </p:cNvCxnSpPr>
-          <p:nvPr/>
-        </p:nvCxnSpPr>
-        <p:spPr>
-          <a:xfrm flipH="1">
-            <a:off x="5744094" y="371994"/>
-            <a:ext cx="980902" cy="0"/>
-          </a:xfrm>
-          <a:prstGeom prst="straightConnector1">
-            <a:avLst/>
-          </a:prstGeom>
-          <a:ln>
-            <a:solidFill>
-              <a:schemeClr val="tx1"/>
-            </a:solidFill>
-            <a:tailEnd type="triangle"/>
-          </a:ln>
-        </p:spPr>
-        <p:style>
-          <a:lnRef idx="1">
-            <a:schemeClr val="accent1"/>
-          </a:lnRef>
-          <a:fillRef idx="0">
-            <a:schemeClr val="accent1"/>
-          </a:fillRef>
-          <a:effectRef idx="0">
-            <a:schemeClr val="accent1"/>
-          </a:effectRef>
-          <a:fontRef idx="minor">
-            <a:schemeClr val="tx1"/>
-          </a:fontRef>
-        </p:style>
-      </p:cxnSp>
-      <p:sp>
-        <p:nvSpPr>
-          <p:cNvPr id="82" name="Rectangle 81"/>
-          <p:cNvSpPr/>
-          <p:nvPr/>
-        </p:nvSpPr>
-        <p:spPr>
-          <a:xfrm>
-            <a:off x="5933892" y="798022"/>
-            <a:ext cx="5926975" cy="5577840"/>
+      <p:sp>
+        <p:nvSpPr>
+          <p:cNvPr id="12" name="TextBox 11"/>
+          <p:cNvSpPr txBox="1"/>
+          <p:nvPr/>
+        </p:nvSpPr>
+        <p:spPr>
+          <a:xfrm>
+            <a:off x="5170523" y="573298"/>
+            <a:ext cx="4854632" cy="1754326"/>
           </a:xfrm>
           <a:prstGeom prst="rect">
             <a:avLst/>
@@ -5897,6 +6078,134 @@
             </a:solidFill>
           </a:ln>
         </p:spPr>
+        <p:txBody>
+          <a:bodyPr wrap="square" rtlCol="0">
+            <a:spAutoFit/>
+          </a:bodyPr>
+          <a:lstStyle/>
+          <a:p>
+            <a:endParaRPr lang="en-US" altLang="ko-KR" dirty="0" smtClean="0"/>
+          </a:p>
+          <a:p>
+            <a:endParaRPr lang="en-US" altLang="ko-KR" dirty="0"/>
+          </a:p>
+          <a:p>
+            <a:endParaRPr lang="en-US" altLang="ko-KR" dirty="0" smtClean="0"/>
+          </a:p>
+          <a:p>
+            <a:endParaRPr lang="en-US" altLang="ko-KR" dirty="0" smtClean="0"/>
+          </a:p>
+          <a:p>
+            <a:r>
+              <a:rPr lang="en-US" altLang="ko-KR" dirty="0" smtClean="0"/>
+              <a:t>List</a:t>
+            </a:r>
+            <a:r>
+              <a:rPr lang="ko-KR" altLang="en-US" dirty="0" smtClean="0"/>
+              <a:t>를 사용하여서 삽입 삭제에 용의하게 제작</a:t>
+            </a:r>
+            <a:endParaRPr lang="en-US" altLang="ko-KR" dirty="0" smtClean="0"/>
+          </a:p>
+          <a:p>
+            <a:r>
+              <a:rPr lang="en-US" altLang="ko-KR" dirty="0" smtClean="0"/>
+              <a:t>Add</a:t>
+            </a:r>
+            <a:r>
+              <a:rPr lang="ko-KR" altLang="en-US" dirty="0" smtClean="0"/>
+              <a:t>와 </a:t>
+            </a:r>
+            <a:r>
+              <a:rPr lang="en-US" altLang="ko-KR" dirty="0" smtClean="0"/>
+              <a:t>Remove</a:t>
+            </a:r>
+            <a:r>
+              <a:rPr lang="ko-KR" altLang="en-US" dirty="0" smtClean="0"/>
+              <a:t>함수를 사용하여서 </a:t>
+            </a:r>
+            <a:r>
+              <a:rPr lang="en-US" altLang="ko-KR" dirty="0" smtClean="0"/>
+              <a:t>List</a:t>
+            </a:r>
+            <a:r>
+              <a:rPr lang="ko-KR" altLang="en-US" dirty="0" smtClean="0"/>
+              <a:t>관리</a:t>
+            </a:r>
+            <a:endParaRPr lang="en-US" altLang="ko-KR" dirty="0" smtClean="0"/>
+          </a:p>
+        </p:txBody>
+      </p:sp>
+      <p:sp>
+        <p:nvSpPr>
+          <p:cNvPr id="13" name="TextBox 12"/>
+          <p:cNvSpPr txBox="1"/>
+          <p:nvPr/>
+        </p:nvSpPr>
+        <p:spPr>
+          <a:xfrm>
+            <a:off x="1604362" y="2519689"/>
+            <a:ext cx="8495608" cy="646331"/>
+          </a:xfrm>
+          <a:prstGeom prst="rect">
+            <a:avLst/>
+          </a:prstGeom>
+          <a:noFill/>
+          <a:ln>
+            <a:solidFill>
+              <a:schemeClr val="tx1"/>
+            </a:solidFill>
+          </a:ln>
+        </p:spPr>
+        <p:txBody>
+          <a:bodyPr wrap="square" rtlCol="0">
+            <a:spAutoFit/>
+          </a:bodyPr>
+          <a:lstStyle/>
+          <a:p>
+            <a:r>
+              <a:rPr lang="ko-KR" altLang="en-US" dirty="0" smtClean="0"/>
+              <a:t>용도</a:t>
+            </a:r>
+            <a:r>
+              <a:rPr lang="en-US" altLang="ko-KR" dirty="0" smtClean="0"/>
+              <a:t>:</a:t>
+            </a:r>
+          </a:p>
+          <a:p>
+            <a:r>
+              <a:rPr lang="ko-KR" altLang="en-US" dirty="0" smtClean="0"/>
+              <a:t>플레이어와 적이 발사하는 투사체들의 </a:t>
+            </a:r>
+            <a:r>
+              <a:rPr lang="en-US" altLang="ko-KR" dirty="0" smtClean="0"/>
+              <a:t>Update Render</a:t>
+            </a:r>
+            <a:r>
+              <a:rPr lang="ko-KR" altLang="en-US" dirty="0" smtClean="0"/>
+              <a:t>를 하는 객체이다</a:t>
+            </a:r>
+            <a:r>
+              <a:rPr lang="en-US" altLang="ko-KR" dirty="0" smtClean="0"/>
+              <a:t>.</a:t>
+            </a:r>
+          </a:p>
+        </p:txBody>
+      </p:sp>
+      <p:sp>
+        <p:nvSpPr>
+          <p:cNvPr id="14" name="Rectangle 13"/>
+          <p:cNvSpPr/>
+          <p:nvPr/>
+        </p:nvSpPr>
+        <p:spPr>
+          <a:xfrm>
+            <a:off x="1496295" y="3467280"/>
+            <a:ext cx="8720046" cy="3175455"/>
+          </a:xfrm>
+          <a:prstGeom prst="rect">
+            <a:avLst/>
+          </a:prstGeom>
+        </p:spPr>
         <p:style>
           <a:lnRef idx="2">
             <a:schemeClr val="accent1">
@@ -5924,14 +6233,14 @@
       </p:sp>
       <p:sp>
         <p:nvSpPr>
-          <p:cNvPr id="100" name="Rectangle 99"/>
+          <p:cNvPr id="15" name="Rectangle 14"/>
           <p:cNvSpPr/>
           <p:nvPr/>
         </p:nvSpPr>
         <p:spPr>
           <a:xfrm>
-            <a:off x="8219199" y="2953736"/>
-            <a:ext cx="1454727" cy="496683"/>
+            <a:off x="5112327" y="4107354"/>
+            <a:ext cx="1795547" cy="270163"/>
           </a:xfrm>
           <a:prstGeom prst="rect">
             <a:avLst/>
@@ -5959,8 +6268,8 @@
           <a:p>
             <a:pPr algn="ctr"/>
             <a:r>
-              <a:rPr lang="en-US" altLang="ko-KR" dirty="0" smtClean="0"/>
-              <a:t>Enemy</a:t>
+              <a:rPr lang="en-US" altLang="ko-KR" dirty="0" err="1" smtClean="0"/>
+              <a:t>Enum:Num</a:t>
             </a:r>
             <a:endParaRPr lang="ko-KR" altLang="en-US" dirty="0"/>
           </a:p>
@@ -5968,14 +6277,45 @@
       </p:sp>
       <p:sp>
         <p:nvSpPr>
-          <p:cNvPr id="103" name="Rectangle 102"/>
+          <p:cNvPr id="18" name="TextBox 17"/>
+          <p:cNvSpPr txBox="1"/>
+          <p:nvPr/>
+        </p:nvSpPr>
+        <p:spPr>
+          <a:xfrm>
+            <a:off x="1371604" y="3538229"/>
+            <a:ext cx="2377437" cy="369332"/>
+          </a:xfrm>
+          <a:prstGeom prst="rect">
+            <a:avLst/>
+          </a:prstGeom>
+          <a:noFill/>
+        </p:spPr>
+        <p:txBody>
+          <a:bodyPr wrap="square" rtlCol="0">
+            <a:spAutoFit/>
+          </a:bodyPr>
+          <a:lstStyle/>
+          <a:p>
+            <a:pPr algn="ctr"/>
+            <a:r>
+              <a:rPr lang="en-US" altLang="ko-KR" dirty="0" err="1" smtClean="0"/>
+              <a:t>UIManager</a:t>
+            </a:r>
+            <a:endParaRPr lang="ko-KR" altLang="en-US" dirty="0"/>
+          </a:p>
+        </p:txBody>
+      </p:sp>
+      <p:sp>
+        <p:nvSpPr>
+          <p:cNvPr id="19" name="Rectangle 18"/>
           <p:cNvSpPr/>
           <p:nvPr/>
         </p:nvSpPr>
         <p:spPr>
           <a:xfrm>
-            <a:off x="9486889" y="4275859"/>
-            <a:ext cx="1629295" cy="392778"/>
+            <a:off x="1670864" y="4435710"/>
+            <a:ext cx="1712420" cy="270165"/>
           </a:xfrm>
           <a:prstGeom prst="rect">
             <a:avLst/>
@@ -6004,7 +6344,7 @@
             <a:pPr algn="ctr"/>
             <a:r>
               <a:rPr lang="en-US" altLang="ko-KR" dirty="0" smtClean="0"/>
-              <a:t>shield</a:t>
+              <a:t>Update()</a:t>
             </a:r>
             <a:endParaRPr lang="ko-KR" altLang="en-US" dirty="0"/>
           </a:p>
@@ -6012,14 +6352,14 @@
       </p:sp>
       <p:sp>
         <p:nvSpPr>
-          <p:cNvPr id="104" name="Rectangle 103"/>
+          <p:cNvPr id="20" name="Rectangle 19"/>
           <p:cNvSpPr/>
           <p:nvPr/>
         </p:nvSpPr>
         <p:spPr>
           <a:xfrm>
-            <a:off x="6371012" y="4299912"/>
-            <a:ext cx="1629295" cy="392778"/>
+            <a:off x="1670864" y="4115667"/>
+            <a:ext cx="1712420" cy="270165"/>
           </a:xfrm>
           <a:prstGeom prst="rect">
             <a:avLst/>
@@ -6048,7 +6388,7 @@
             <a:pPr algn="ctr"/>
             <a:r>
               <a:rPr lang="en-US" altLang="ko-KR" dirty="0" smtClean="0"/>
-              <a:t>rifle</a:t>
+              <a:t>Render()</a:t>
             </a:r>
             <a:endParaRPr lang="ko-KR" altLang="en-US" dirty="0"/>
           </a:p>
@@ -6056,14 +6396,148 @@
       </p:sp>
       <p:sp>
         <p:nvSpPr>
-          <p:cNvPr id="105" name="Rectangle 104"/>
+          <p:cNvPr id="21" name="TextBox 20"/>
+          <p:cNvSpPr txBox="1"/>
+          <p:nvPr/>
+        </p:nvSpPr>
+        <p:spPr>
+          <a:xfrm>
+            <a:off x="1587735" y="3982668"/>
+            <a:ext cx="3233650" cy="1754326"/>
+          </a:xfrm>
+          <a:prstGeom prst="rect">
+            <a:avLst/>
+          </a:prstGeom>
+          <a:noFill/>
+          <a:ln>
+            <a:solidFill>
+              <a:schemeClr val="tx1"/>
+            </a:solidFill>
+          </a:ln>
+        </p:spPr>
+        <p:txBody>
+          <a:bodyPr wrap="square" rtlCol="0">
+            <a:spAutoFit/>
+          </a:bodyPr>
+          <a:lstStyle/>
+          <a:p>
+            <a:endParaRPr lang="en-US" altLang="ko-KR" dirty="0" smtClean="0"/>
+          </a:p>
+          <a:p>
+            <a:endParaRPr lang="en-US" altLang="ko-KR" dirty="0"/>
+          </a:p>
+          <a:p>
+            <a:endParaRPr lang="en-US" altLang="ko-KR" dirty="0" smtClean="0"/>
+          </a:p>
+          <a:p>
+            <a:r>
+              <a:rPr lang="ko-KR" altLang="en-US" dirty="0" smtClean="0"/>
+              <a:t>사용중인 객체들의 </a:t>
+            </a:r>
+            <a:endParaRPr lang="en-US" altLang="ko-KR" dirty="0" smtClean="0"/>
+          </a:p>
+          <a:p>
+            <a:r>
+              <a:rPr lang="en-US" altLang="ko-KR" dirty="0" err="1" smtClean="0"/>
+              <a:t>Update&amp;Render</a:t>
+            </a:r>
+            <a:r>
+              <a:rPr lang="en-US" altLang="ko-KR" dirty="0"/>
+              <a:t> </a:t>
+            </a:r>
+            <a:r>
+              <a:rPr lang="ko-KR" altLang="en-US" dirty="0" smtClean="0"/>
+              <a:t>범위기반 </a:t>
+            </a:r>
+            <a:endParaRPr lang="en-US" altLang="ko-KR" dirty="0" smtClean="0"/>
+          </a:p>
+          <a:p>
+            <a:r>
+              <a:rPr lang="en-US" altLang="ko-KR" dirty="0" smtClean="0"/>
+              <a:t>For </a:t>
+            </a:r>
+            <a:r>
+              <a:rPr lang="ko-KR" altLang="en-US" dirty="0" smtClean="0"/>
+              <a:t>문으로 지속적으로 처리 </a:t>
+            </a:r>
+            <a:endParaRPr lang="ko-KR" altLang="en-US" dirty="0"/>
+          </a:p>
+        </p:txBody>
+      </p:sp>
+      <p:sp>
+        <p:nvSpPr>
+          <p:cNvPr id="23" name="TextBox 22"/>
+          <p:cNvSpPr txBox="1"/>
+          <p:nvPr/>
+        </p:nvSpPr>
+        <p:spPr>
+          <a:xfrm>
+            <a:off x="1604362" y="5887209"/>
+            <a:ext cx="8495608" cy="646331"/>
+          </a:xfrm>
+          <a:prstGeom prst="rect">
+            <a:avLst/>
+          </a:prstGeom>
+          <a:noFill/>
+          <a:ln>
+            <a:solidFill>
+              <a:schemeClr val="tx1"/>
+            </a:solidFill>
+          </a:ln>
+        </p:spPr>
+        <p:txBody>
+          <a:bodyPr wrap="square" rtlCol="0">
+            <a:spAutoFit/>
+          </a:bodyPr>
+          <a:lstStyle/>
+          <a:p>
+            <a:r>
+              <a:rPr lang="ko-KR" altLang="en-US" dirty="0" smtClean="0"/>
+              <a:t>용도</a:t>
+            </a:r>
+            <a:r>
+              <a:rPr lang="en-US" altLang="ko-KR" dirty="0" smtClean="0"/>
+              <a:t>:</a:t>
+            </a:r>
+          </a:p>
+          <a:p>
+            <a:r>
+              <a:rPr lang="ko-KR" altLang="en-US" dirty="0" smtClean="0"/>
+              <a:t>화면에 투영하는 </a:t>
+            </a:r>
+            <a:r>
+              <a:rPr lang="en-US" altLang="ko-KR" dirty="0" smtClean="0"/>
+              <a:t>UI</a:t>
+            </a:r>
+            <a:r>
+              <a:rPr lang="ko-KR" altLang="en-US" dirty="0" smtClean="0"/>
+              <a:t>의 </a:t>
+            </a:r>
+            <a:r>
+              <a:rPr lang="en-US" altLang="ko-KR" dirty="0" smtClean="0"/>
+              <a:t>Update Render</a:t>
+            </a:r>
+            <a:r>
+              <a:rPr lang="ko-KR" altLang="en-US" dirty="0" smtClean="0"/>
+              <a:t>를 하는 객체이다</a:t>
+            </a:r>
+            <a:r>
+              <a:rPr lang="en-US" altLang="ko-KR" dirty="0" smtClean="0"/>
+              <a:t>.</a:t>
+            </a:r>
+          </a:p>
+        </p:txBody>
+      </p:sp>
+      <p:sp>
+        <p:nvSpPr>
+          <p:cNvPr id="43" name="Rectangle 42"/>
           <p:cNvSpPr/>
           <p:nvPr/>
         </p:nvSpPr>
         <p:spPr>
           <a:xfrm>
-            <a:off x="6400970" y="4770973"/>
-            <a:ext cx="1629295" cy="392778"/>
+            <a:off x="5112327" y="4476124"/>
+            <a:ext cx="1795547" cy="270163"/>
           </a:xfrm>
           <a:prstGeom prst="rect">
             <a:avLst/>
@@ -6091,8 +6565,12 @@
           <a:p>
             <a:pPr algn="ctr"/>
             <a:r>
-              <a:rPr lang="en-US" altLang="ko-KR" dirty="0" smtClean="0"/>
-              <a:t>bazooka</a:t>
+              <a:rPr lang="en-US" altLang="ko-KR" dirty="0" err="1" smtClean="0"/>
+              <a:t>Enum:</a:t>
+            </a:r>
+            <a:r>
+              <a:rPr lang="en-US" altLang="ko-KR" dirty="0" err="1"/>
+              <a:t>Alphabet</a:t>
             </a:r>
             <a:endParaRPr lang="ko-KR" altLang="en-US" dirty="0"/>
           </a:p>
@@ -6100,239 +6578,24 @@
       </p:sp>
       <p:sp>
         <p:nvSpPr>
-          <p:cNvPr id="106" name="Rectangle 105"/>
-          <p:cNvSpPr/>
-          <p:nvPr/>
-        </p:nvSpPr>
-        <p:spPr>
-          <a:xfrm>
-            <a:off x="9476322" y="4802527"/>
-            <a:ext cx="1618729" cy="392778"/>
+          <p:cNvPr id="44" name="TextBox 43"/>
+          <p:cNvSpPr txBox="1"/>
+          <p:nvPr/>
+        </p:nvSpPr>
+        <p:spPr>
+          <a:xfrm>
+            <a:off x="4946076" y="3982668"/>
+            <a:ext cx="4854632" cy="1477328"/>
           </a:xfrm>
           <a:prstGeom prst="rect">
             <a:avLst/>
           </a:prstGeom>
-        </p:spPr>
-        <p:style>
-          <a:lnRef idx="2">
-            <a:schemeClr val="accent1">
-              <a:shade val="50000"/>
-            </a:schemeClr>
-          </a:lnRef>
-          <a:fillRef idx="1">
-            <a:schemeClr val="accent1"/>
-          </a:fillRef>
-          <a:effectRef idx="0">
-            <a:schemeClr val="accent1"/>
-          </a:effectRef>
-          <a:fontRef idx="minor">
-            <a:schemeClr val="lt1"/>
-          </a:fontRef>
-        </p:style>
-        <p:txBody>
-          <a:bodyPr rtlCol="0" anchor="ctr"/>
-          <a:lstStyle/>
-          <a:p>
-            <a:pPr algn="ctr"/>
-            <a:r>
-              <a:rPr lang="en-US" altLang="ko-KR" dirty="0" smtClean="0"/>
-              <a:t>Tank</a:t>
-            </a:r>
-            <a:endParaRPr lang="ko-KR" altLang="en-US" dirty="0"/>
-          </a:p>
-        </p:txBody>
-      </p:sp>
-      <p:sp>
-        <p:nvSpPr>
-          <p:cNvPr id="107" name="Rectangle 106"/>
-          <p:cNvSpPr/>
-          <p:nvPr/>
-        </p:nvSpPr>
-        <p:spPr>
-          <a:xfrm>
-            <a:off x="9465756" y="5349088"/>
-            <a:ext cx="1629295" cy="392778"/>
-          </a:xfrm>
-          <a:prstGeom prst="rect">
-            <a:avLst/>
-          </a:prstGeom>
-        </p:spPr>
-        <p:style>
-          <a:lnRef idx="2">
-            <a:schemeClr val="accent1">
-              <a:shade val="50000"/>
-            </a:schemeClr>
-          </a:lnRef>
-          <a:fillRef idx="1">
-            <a:schemeClr val="accent1"/>
-          </a:fillRef>
-          <a:effectRef idx="0">
-            <a:schemeClr val="accent1"/>
-          </a:effectRef>
-          <a:fontRef idx="minor">
-            <a:schemeClr val="lt1"/>
-          </a:fontRef>
-        </p:style>
-        <p:txBody>
-          <a:bodyPr rtlCol="0" anchor="ctr"/>
-          <a:lstStyle/>
-          <a:p>
-            <a:pPr algn="ctr"/>
-            <a:r>
-              <a:rPr lang="en-US" altLang="ko-KR" dirty="0" err="1" smtClean="0"/>
-              <a:t>HalfTrack</a:t>
-            </a:r>
-            <a:endParaRPr lang="ko-KR" altLang="en-US" dirty="0"/>
-          </a:p>
-        </p:txBody>
-      </p:sp>
-      <p:sp>
-        <p:nvSpPr>
-          <p:cNvPr id="108" name="Rectangle 107"/>
-          <p:cNvSpPr/>
-          <p:nvPr/>
-        </p:nvSpPr>
-        <p:spPr>
-          <a:xfrm>
-            <a:off x="6400969" y="5713095"/>
-            <a:ext cx="1629295" cy="392778"/>
-          </a:xfrm>
-          <a:prstGeom prst="rect">
-            <a:avLst/>
-          </a:prstGeom>
-        </p:spPr>
-        <p:style>
-          <a:lnRef idx="2">
-            <a:schemeClr val="accent1">
-              <a:shade val="50000"/>
-            </a:schemeClr>
-          </a:lnRef>
-          <a:fillRef idx="1">
-            <a:schemeClr val="accent1"/>
-          </a:fillRef>
-          <a:effectRef idx="0">
-            <a:schemeClr val="accent1"/>
-          </a:effectRef>
-          <a:fontRef idx="minor">
-            <a:schemeClr val="lt1"/>
-          </a:fontRef>
-        </p:style>
-        <p:txBody>
-          <a:bodyPr rtlCol="0" anchor="ctr"/>
-          <a:lstStyle/>
-          <a:p>
-            <a:pPr algn="ctr"/>
-            <a:r>
-              <a:rPr lang="en-US" altLang="ko-KR" dirty="0" err="1" smtClean="0"/>
-              <a:t>Granadier</a:t>
-            </a:r>
-            <a:endParaRPr lang="ko-KR" altLang="en-US" dirty="0"/>
-          </a:p>
-        </p:txBody>
-      </p:sp>
-      <p:sp>
-        <p:nvSpPr>
-          <p:cNvPr id="110" name="Rectangle 109"/>
-          <p:cNvSpPr/>
-          <p:nvPr/>
-        </p:nvSpPr>
-        <p:spPr>
-          <a:xfrm>
-            <a:off x="6400969" y="5242034"/>
-            <a:ext cx="1629295" cy="392778"/>
-          </a:xfrm>
-          <a:prstGeom prst="rect">
-            <a:avLst/>
-          </a:prstGeom>
-        </p:spPr>
-        <p:style>
-          <a:lnRef idx="2">
-            <a:schemeClr val="accent1">
-              <a:shade val="50000"/>
-            </a:schemeClr>
-          </a:lnRef>
-          <a:fillRef idx="1">
-            <a:schemeClr val="accent1"/>
-          </a:fillRef>
-          <a:effectRef idx="0">
-            <a:schemeClr val="accent1"/>
-          </a:effectRef>
-          <a:fontRef idx="minor">
-            <a:schemeClr val="lt1"/>
-          </a:fontRef>
-        </p:style>
-        <p:txBody>
-          <a:bodyPr rtlCol="0" anchor="ctr"/>
-          <a:lstStyle/>
-          <a:p>
-            <a:pPr algn="ctr"/>
-            <a:r>
-              <a:rPr lang="en-US" altLang="ko-KR" dirty="0" smtClean="0"/>
-              <a:t>Siren</a:t>
-            </a:r>
-            <a:endParaRPr lang="ko-KR" altLang="en-US" dirty="0"/>
-          </a:p>
-        </p:txBody>
-      </p:sp>
-      <p:sp>
-        <p:nvSpPr>
-          <p:cNvPr id="111" name="Rectangle 110"/>
-          <p:cNvSpPr/>
-          <p:nvPr/>
-        </p:nvSpPr>
-        <p:spPr>
-          <a:xfrm>
-            <a:off x="6349879" y="3794379"/>
-            <a:ext cx="1629295" cy="392778"/>
-          </a:xfrm>
-          <a:prstGeom prst="rect">
-            <a:avLst/>
-          </a:prstGeom>
-        </p:spPr>
-        <p:style>
-          <a:lnRef idx="2">
-            <a:schemeClr val="accent1">
-              <a:shade val="50000"/>
-            </a:schemeClr>
-          </a:lnRef>
-          <a:fillRef idx="1">
-            <a:schemeClr val="accent1"/>
-          </a:fillRef>
-          <a:effectRef idx="0">
-            <a:schemeClr val="accent1"/>
-          </a:effectRef>
-          <a:fontRef idx="minor">
-            <a:schemeClr val="lt1"/>
-          </a:fontRef>
-        </p:style>
-        <p:txBody>
-          <a:bodyPr rtlCol="0" anchor="ctr"/>
-          <a:lstStyle/>
-          <a:p>
-            <a:pPr algn="ctr"/>
-            <a:r>
-              <a:rPr lang="en-US" altLang="ko-KR" dirty="0" err="1" smtClean="0"/>
-              <a:t>Moter</a:t>
-            </a:r>
-            <a:endParaRPr lang="ko-KR" altLang="en-US" dirty="0"/>
-          </a:p>
-        </p:txBody>
-      </p:sp>
-      <p:sp>
-        <p:nvSpPr>
-          <p:cNvPr id="2" name="TextBox 1"/>
-          <p:cNvSpPr txBox="1"/>
-          <p:nvPr/>
-        </p:nvSpPr>
-        <p:spPr>
-          <a:xfrm>
-            <a:off x="5943598" y="38810"/>
-            <a:ext cx="750923" cy="646331"/>
-          </a:xfrm>
-          <a:prstGeom prst="rect">
-            <a:avLst/>
-          </a:prstGeom>
           <a:noFill/>
+          <a:ln>
+            <a:solidFill>
+              <a:schemeClr val="tx1"/>
+            </a:solidFill>
+          </a:ln>
         </p:spPr>
         <p:txBody>
           <a:bodyPr wrap="square" rtlCol="0">
@@ -6340,507 +6603,34 @@
           </a:bodyPr>
           <a:lstStyle/>
           <a:p>
+            <a:endParaRPr lang="en-US" altLang="ko-KR" dirty="0" smtClean="0"/>
+          </a:p>
+          <a:p>
+            <a:endParaRPr lang="en-US" altLang="ko-KR" dirty="0"/>
+          </a:p>
+          <a:p>
+            <a:endParaRPr lang="en-US" altLang="ko-KR" dirty="0" smtClean="0"/>
+          </a:p>
+          <a:p>
             <a:r>
               <a:rPr lang="ko-KR" altLang="en-US" dirty="0" smtClean="0"/>
-              <a:t>상호</a:t>
-            </a:r>
-            <a:endParaRPr lang="en-US" altLang="ko-KR" dirty="0" smtClean="0"/>
-          </a:p>
-          <a:p>
-            <a:r>
-              <a:rPr lang="ko-KR" altLang="en-US" dirty="0" smtClean="0"/>
-              <a:t>작용</a:t>
-            </a:r>
-            <a:endParaRPr lang="ko-KR" altLang="en-US" dirty="0"/>
-          </a:p>
-        </p:txBody>
-      </p:sp>
-      <p:sp>
-        <p:nvSpPr>
-          <p:cNvPr id="3" name="TextBox 2"/>
-          <p:cNvSpPr txBox="1"/>
-          <p:nvPr/>
-        </p:nvSpPr>
-        <p:spPr>
-          <a:xfrm>
-            <a:off x="8730431" y="89733"/>
-            <a:ext cx="2510444" cy="369332"/>
-          </a:xfrm>
-          <a:prstGeom prst="rect">
-            <a:avLst/>
-          </a:prstGeom>
-          <a:noFill/>
-        </p:spPr>
-        <p:txBody>
-          <a:bodyPr wrap="square" rtlCol="0">
-            <a:spAutoFit/>
-          </a:bodyPr>
-          <a:lstStyle/>
-          <a:p>
+              <a:t>문자나 숫자를 이미지로 교환하기 위해서 만든 </a:t>
+            </a:r>
+            <a:r>
+              <a:rPr lang="en-US" altLang="ko-KR" dirty="0" err="1" smtClean="0"/>
+              <a:t>enum</a:t>
+            </a:r>
             <a:r>
               <a:rPr lang="en-US" altLang="ko-KR" dirty="0" smtClean="0"/>
-              <a:t>*</a:t>
-            </a:r>
-            <a:r>
-              <a:rPr lang="ko-KR" altLang="en-US" dirty="0" smtClean="0"/>
-              <a:t>옵저버 패턴</a:t>
-            </a:r>
-            <a:endParaRPr lang="ko-KR" altLang="en-US" dirty="0"/>
-          </a:p>
-        </p:txBody>
-      </p:sp>
-      <p:sp>
-        <p:nvSpPr>
-          <p:cNvPr id="26" name="Rectangle 25"/>
-          <p:cNvSpPr/>
-          <p:nvPr/>
-        </p:nvSpPr>
-        <p:spPr>
-          <a:xfrm>
-            <a:off x="6371012" y="3314709"/>
-            <a:ext cx="1608162" cy="343427"/>
-          </a:xfrm>
-          <a:prstGeom prst="rect">
-            <a:avLst/>
-          </a:prstGeom>
-        </p:spPr>
-        <p:style>
-          <a:lnRef idx="2">
-            <a:schemeClr val="accent1">
-              <a:shade val="50000"/>
-            </a:schemeClr>
-          </a:lnRef>
-          <a:fillRef idx="1">
-            <a:schemeClr val="accent1"/>
-          </a:fillRef>
-          <a:effectRef idx="0">
-            <a:schemeClr val="accent1"/>
-          </a:effectRef>
-          <a:fontRef idx="minor">
-            <a:schemeClr val="lt1"/>
-          </a:fontRef>
-        </p:style>
-        <p:txBody>
-          <a:bodyPr rtlCol="0" anchor="ctr"/>
-          <a:lstStyle/>
-          <a:p>
-            <a:pPr algn="ctr"/>
-            <a:r>
-              <a:rPr lang="en-US" altLang="ko-KR" dirty="0" smtClean="0"/>
-              <a:t>Human</a:t>
-            </a:r>
-            <a:endParaRPr lang="ko-KR" altLang="en-US" dirty="0"/>
-          </a:p>
-        </p:txBody>
-      </p:sp>
-      <p:sp>
-        <p:nvSpPr>
-          <p:cNvPr id="71" name="Rectangle 70"/>
-          <p:cNvSpPr/>
-          <p:nvPr/>
-        </p:nvSpPr>
-        <p:spPr>
-          <a:xfrm>
-            <a:off x="9486889" y="3771604"/>
-            <a:ext cx="1608162" cy="343427"/>
-          </a:xfrm>
-          <a:prstGeom prst="rect">
-            <a:avLst/>
-          </a:prstGeom>
-        </p:spPr>
-        <p:style>
-          <a:lnRef idx="2">
-            <a:schemeClr val="accent1">
-              <a:shade val="50000"/>
-            </a:schemeClr>
-          </a:lnRef>
-          <a:fillRef idx="1">
-            <a:schemeClr val="accent1"/>
-          </a:fillRef>
-          <a:effectRef idx="0">
-            <a:schemeClr val="accent1"/>
-          </a:effectRef>
-          <a:fontRef idx="minor">
-            <a:schemeClr val="lt1"/>
-          </a:fontRef>
-        </p:style>
-        <p:txBody>
-          <a:bodyPr rtlCol="0" anchor="ctr"/>
-          <a:lstStyle/>
-          <a:p>
-            <a:pPr algn="ctr"/>
-            <a:r>
-              <a:rPr lang="en-US" altLang="ko-KR" dirty="0" smtClean="0"/>
-              <a:t>Arm</a:t>
-            </a:r>
-            <a:endParaRPr lang="ko-KR" altLang="en-US" dirty="0"/>
-          </a:p>
-        </p:txBody>
-      </p:sp>
-      <p:cxnSp>
-        <p:nvCxnSpPr>
-          <p:cNvPr id="35" name="Straight Arrow Connector 34"/>
-          <p:cNvCxnSpPr>
-            <a:stCxn id="100" idx="1"/>
-            <a:endCxn id="26" idx="0"/>
-          </p:cNvCxnSpPr>
-          <p:nvPr/>
-        </p:nvCxnSpPr>
-        <p:spPr>
-          <a:xfrm flipH="1">
-            <a:off x="7175093" y="3202078"/>
-            <a:ext cx="1044106" cy="112631"/>
-          </a:xfrm>
-          <a:prstGeom prst="straightConnector1">
-            <a:avLst/>
-          </a:prstGeom>
-          <a:ln>
-            <a:tailEnd type="triangle"/>
-          </a:ln>
-        </p:spPr>
-        <p:style>
-          <a:lnRef idx="1">
-            <a:schemeClr val="accent1"/>
-          </a:lnRef>
-          <a:fillRef idx="0">
-            <a:schemeClr val="accent1"/>
-          </a:fillRef>
-          <a:effectRef idx="0">
-            <a:schemeClr val="accent1"/>
-          </a:effectRef>
-          <a:fontRef idx="minor">
-            <a:schemeClr val="tx1"/>
-          </a:fontRef>
-        </p:style>
-      </p:cxnSp>
-      <p:cxnSp>
-        <p:nvCxnSpPr>
-          <p:cNvPr id="37" name="Straight Arrow Connector 36"/>
-          <p:cNvCxnSpPr>
-            <a:stCxn id="26" idx="2"/>
-            <a:endCxn id="111" idx="0"/>
-          </p:cNvCxnSpPr>
-          <p:nvPr/>
-        </p:nvCxnSpPr>
-        <p:spPr>
-          <a:xfrm flipH="1">
-            <a:off x="7164527" y="3658136"/>
-            <a:ext cx="10566" cy="136243"/>
-          </a:xfrm>
-          <a:prstGeom prst="straightConnector1">
-            <a:avLst/>
-          </a:prstGeom>
-          <a:ln>
-            <a:tailEnd type="triangle"/>
-          </a:ln>
-        </p:spPr>
-        <p:style>
-          <a:lnRef idx="1">
-            <a:schemeClr val="accent1"/>
-          </a:lnRef>
-          <a:fillRef idx="0">
-            <a:schemeClr val="accent1"/>
-          </a:fillRef>
-          <a:effectRef idx="0">
-            <a:schemeClr val="accent1"/>
-          </a:effectRef>
-          <a:fontRef idx="minor">
-            <a:schemeClr val="tx1"/>
-          </a:fontRef>
-        </p:style>
-      </p:cxnSp>
-      <p:cxnSp>
-        <p:nvCxnSpPr>
-          <p:cNvPr id="39" name="Straight Arrow Connector 38"/>
-          <p:cNvCxnSpPr>
-            <a:stCxn id="26" idx="2"/>
-            <a:endCxn id="104" idx="0"/>
-          </p:cNvCxnSpPr>
-          <p:nvPr/>
-        </p:nvCxnSpPr>
-        <p:spPr>
-          <a:xfrm>
-            <a:off x="7175093" y="3658136"/>
-            <a:ext cx="10567" cy="641776"/>
-          </a:xfrm>
-          <a:prstGeom prst="straightConnector1">
-            <a:avLst/>
-          </a:prstGeom>
-          <a:ln>
-            <a:tailEnd type="triangle"/>
-          </a:ln>
-        </p:spPr>
-        <p:style>
-          <a:lnRef idx="1">
-            <a:schemeClr val="accent1"/>
-          </a:lnRef>
-          <a:fillRef idx="0">
-            <a:schemeClr val="accent1"/>
-          </a:fillRef>
-          <a:effectRef idx="0">
-            <a:schemeClr val="accent1"/>
-          </a:effectRef>
-          <a:fontRef idx="minor">
-            <a:schemeClr val="tx1"/>
-          </a:fontRef>
-        </p:style>
-      </p:cxnSp>
-      <p:cxnSp>
-        <p:nvCxnSpPr>
-          <p:cNvPr id="41" name="Straight Arrow Connector 40"/>
-          <p:cNvCxnSpPr>
-            <a:stCxn id="26" idx="2"/>
-            <a:endCxn id="105" idx="0"/>
-          </p:cNvCxnSpPr>
-          <p:nvPr/>
-        </p:nvCxnSpPr>
-        <p:spPr>
-          <a:xfrm>
-            <a:off x="7175093" y="3658136"/>
-            <a:ext cx="40525" cy="1112837"/>
-          </a:xfrm>
-          <a:prstGeom prst="straightConnector1">
-            <a:avLst/>
-          </a:prstGeom>
-          <a:ln>
-            <a:tailEnd type="triangle"/>
-          </a:ln>
-        </p:spPr>
-        <p:style>
-          <a:lnRef idx="1">
-            <a:schemeClr val="accent1"/>
-          </a:lnRef>
-          <a:fillRef idx="0">
-            <a:schemeClr val="accent1"/>
-          </a:fillRef>
-          <a:effectRef idx="0">
-            <a:schemeClr val="accent1"/>
-          </a:effectRef>
-          <a:fontRef idx="minor">
-            <a:schemeClr val="tx1"/>
-          </a:fontRef>
-        </p:style>
-      </p:cxnSp>
-      <p:cxnSp>
-        <p:nvCxnSpPr>
-          <p:cNvPr id="43" name="Straight Arrow Connector 42"/>
-          <p:cNvCxnSpPr>
-            <a:stCxn id="26" idx="2"/>
-            <a:endCxn id="110" idx="0"/>
-          </p:cNvCxnSpPr>
-          <p:nvPr/>
-        </p:nvCxnSpPr>
-        <p:spPr>
-          <a:xfrm>
-            <a:off x="7175093" y="3658136"/>
-            <a:ext cx="40524" cy="1583898"/>
-          </a:xfrm>
-          <a:prstGeom prst="straightConnector1">
-            <a:avLst/>
-          </a:prstGeom>
-          <a:ln>
-            <a:tailEnd type="triangle"/>
-          </a:ln>
-        </p:spPr>
-        <p:style>
-          <a:lnRef idx="1">
-            <a:schemeClr val="accent1"/>
-          </a:lnRef>
-          <a:fillRef idx="0">
-            <a:schemeClr val="accent1"/>
-          </a:fillRef>
-          <a:effectRef idx="0">
-            <a:schemeClr val="accent1"/>
-          </a:effectRef>
-          <a:fontRef idx="minor">
-            <a:schemeClr val="tx1"/>
-          </a:fontRef>
-        </p:style>
-      </p:cxnSp>
-      <p:cxnSp>
-        <p:nvCxnSpPr>
-          <p:cNvPr id="52" name="Straight Arrow Connector 51"/>
-          <p:cNvCxnSpPr>
-            <a:stCxn id="26" idx="2"/>
-            <a:endCxn id="108" idx="0"/>
-          </p:cNvCxnSpPr>
-          <p:nvPr/>
-        </p:nvCxnSpPr>
-        <p:spPr>
-          <a:xfrm>
-            <a:off x="7175093" y="3658136"/>
-            <a:ext cx="40524" cy="2054959"/>
-          </a:xfrm>
-          <a:prstGeom prst="straightConnector1">
-            <a:avLst/>
-          </a:prstGeom>
-          <a:ln>
-            <a:tailEnd type="triangle"/>
-          </a:ln>
-        </p:spPr>
-        <p:style>
-          <a:lnRef idx="1">
-            <a:schemeClr val="accent1"/>
-          </a:lnRef>
-          <a:fillRef idx="0">
-            <a:schemeClr val="accent1"/>
-          </a:fillRef>
-          <a:effectRef idx="0">
-            <a:schemeClr val="accent1"/>
-          </a:effectRef>
-          <a:fontRef idx="minor">
-            <a:schemeClr val="tx1"/>
-          </a:fontRef>
-        </p:style>
-      </p:cxnSp>
-      <p:cxnSp>
-        <p:nvCxnSpPr>
-          <p:cNvPr id="55" name="Straight Arrow Connector 54"/>
-          <p:cNvCxnSpPr>
-            <a:stCxn id="100" idx="2"/>
-            <a:endCxn id="71" idx="0"/>
-          </p:cNvCxnSpPr>
-          <p:nvPr/>
-        </p:nvCxnSpPr>
-        <p:spPr>
-          <a:xfrm>
-            <a:off x="8946563" y="3450419"/>
-            <a:ext cx="1344407" cy="321185"/>
-          </a:xfrm>
-          <a:prstGeom prst="straightConnector1">
-            <a:avLst/>
-          </a:prstGeom>
-          <a:ln>
-            <a:tailEnd type="triangle"/>
-          </a:ln>
-        </p:spPr>
-        <p:style>
-          <a:lnRef idx="1">
-            <a:schemeClr val="accent1"/>
-          </a:lnRef>
-          <a:fillRef idx="0">
-            <a:schemeClr val="accent1"/>
-          </a:fillRef>
-          <a:effectRef idx="0">
-            <a:schemeClr val="accent1"/>
-          </a:effectRef>
-          <a:fontRef idx="minor">
-            <a:schemeClr val="tx1"/>
-          </a:fontRef>
-        </p:style>
-      </p:cxnSp>
-      <p:cxnSp>
-        <p:nvCxnSpPr>
-          <p:cNvPr id="57" name="Straight Arrow Connector 56"/>
-          <p:cNvCxnSpPr>
-            <a:stCxn id="71" idx="2"/>
-            <a:endCxn id="103" idx="0"/>
-          </p:cNvCxnSpPr>
-          <p:nvPr/>
-        </p:nvCxnSpPr>
-        <p:spPr>
-          <a:xfrm>
-            <a:off x="10290970" y="4115031"/>
-            <a:ext cx="10567" cy="160828"/>
-          </a:xfrm>
-          <a:prstGeom prst="straightConnector1">
-            <a:avLst/>
-          </a:prstGeom>
-          <a:ln>
-            <a:tailEnd type="triangle"/>
-          </a:ln>
-        </p:spPr>
-        <p:style>
-          <a:lnRef idx="1">
-            <a:schemeClr val="accent1"/>
-          </a:lnRef>
-          <a:fillRef idx="0">
-            <a:schemeClr val="accent1"/>
-          </a:fillRef>
-          <a:effectRef idx="0">
-            <a:schemeClr val="accent1"/>
-          </a:effectRef>
-          <a:fontRef idx="minor">
-            <a:schemeClr val="tx1"/>
-          </a:fontRef>
-        </p:style>
-      </p:cxnSp>
-      <p:cxnSp>
-        <p:nvCxnSpPr>
-          <p:cNvPr id="59" name="Straight Arrow Connector 58"/>
-          <p:cNvCxnSpPr>
-            <a:stCxn id="71" idx="2"/>
-            <a:endCxn id="106" idx="0"/>
-          </p:cNvCxnSpPr>
-          <p:nvPr/>
-        </p:nvCxnSpPr>
-        <p:spPr>
-          <a:xfrm flipH="1">
-            <a:off x="10285687" y="4115031"/>
-            <a:ext cx="5283" cy="687496"/>
-          </a:xfrm>
-          <a:prstGeom prst="straightConnector1">
-            <a:avLst/>
-          </a:prstGeom>
-          <a:ln>
-            <a:tailEnd type="triangle"/>
-          </a:ln>
-        </p:spPr>
-        <p:style>
-          <a:lnRef idx="1">
-            <a:schemeClr val="accent1"/>
-          </a:lnRef>
-          <a:fillRef idx="0">
-            <a:schemeClr val="accent1"/>
-          </a:fillRef>
-          <a:effectRef idx="0">
-            <a:schemeClr val="accent1"/>
-          </a:effectRef>
-          <a:fontRef idx="minor">
-            <a:schemeClr val="tx1"/>
-          </a:fontRef>
-        </p:style>
-      </p:cxnSp>
-      <p:cxnSp>
-        <p:nvCxnSpPr>
-          <p:cNvPr id="61" name="Straight Arrow Connector 60"/>
-          <p:cNvCxnSpPr>
-            <a:stCxn id="71" idx="2"/>
-            <a:endCxn id="107" idx="0"/>
-          </p:cNvCxnSpPr>
-          <p:nvPr/>
-        </p:nvCxnSpPr>
-        <p:spPr>
-          <a:xfrm flipH="1">
-            <a:off x="10280404" y="4115031"/>
-            <a:ext cx="10566" cy="1234057"/>
-          </a:xfrm>
-          <a:prstGeom prst="straightConnector1">
-            <a:avLst/>
-          </a:prstGeom>
-          <a:ln>
-            <a:tailEnd type="triangle"/>
-          </a:ln>
-        </p:spPr>
-        <p:style>
-          <a:lnRef idx="1">
-            <a:schemeClr val="accent1"/>
-          </a:lnRef>
-          <a:fillRef idx="0">
-            <a:schemeClr val="accent1"/>
-          </a:fillRef>
-          <a:effectRef idx="0">
-            <a:schemeClr val="accent1"/>
-          </a:effectRef>
-          <a:fontRef idx="minor">
-            <a:schemeClr val="tx1"/>
-          </a:fontRef>
-        </p:style>
-      </p:cxnSp>
+              <a:t> class</a:t>
+            </a:r>
+          </a:p>
+        </p:txBody>
+      </p:sp>
     </p:spTree>
     <p:extLst>
       <p:ext uri="{BB962C8B-B14F-4D97-AF65-F5344CB8AC3E}">
-        <p14:creationId xmlns:p14="http://schemas.microsoft.com/office/powerpoint/2010/main" val="2322464200"/>
+        <p14:creationId xmlns:p14="http://schemas.microsoft.com/office/powerpoint/2010/main" val="1081497504"/>
       </p:ext>
     </p:extLst>
   </p:cSld>
@@ -6875,7 +6665,7 @@
         </p:nvSpPr>
         <p:spPr>
           <a:xfrm>
-            <a:off x="476601" y="1558634"/>
+            <a:off x="8426282" y="518738"/>
             <a:ext cx="1454727" cy="496683"/>
           </a:xfrm>
           <a:prstGeom prst="rect">
@@ -6904,8 +6694,8 @@
           <a:p>
             <a:pPr algn="ctr"/>
             <a:r>
-              <a:rPr lang="en-US" altLang="ko-KR" dirty="0" smtClean="0"/>
-              <a:t>Friendly</a:t>
+              <a:rPr lang="en-US" altLang="ko-KR" dirty="0"/>
+              <a:t>NPC</a:t>
             </a:r>
             <a:endParaRPr lang="ko-KR" altLang="en-US" dirty="0"/>
           </a:p>
@@ -6919,7 +6709,7 @@
         </p:nvSpPr>
         <p:spPr>
           <a:xfrm>
-            <a:off x="389318" y="2239235"/>
+            <a:off x="7407971" y="1285457"/>
             <a:ext cx="1629295" cy="392778"/>
           </a:xfrm>
           <a:prstGeom prst="rect">
@@ -6948,7 +6738,11 @@
           <a:p>
             <a:pPr algn="ctr"/>
             <a:r>
-              <a:rPr lang="en-US" altLang="ko-KR" dirty="0" smtClean="0"/>
+              <a:rPr lang="en-US" altLang="ko-KR" dirty="0" err="1" smtClean="0"/>
+              <a:t>Helpful</a:t>
+            </a:r>
+            <a:r>
+              <a:rPr lang="en-US" altLang="ko-KR" dirty="0" err="1" smtClean="0"/>
               <a:t>NPC</a:t>
             </a:r>
             <a:endParaRPr lang="ko-KR" altLang="en-US" dirty="0"/>
@@ -6965,9 +6759,9 @@
           <p:nvPr/>
         </p:nvCxnSpPr>
         <p:spPr>
-          <a:xfrm>
-            <a:off x="1203965" y="2055317"/>
-            <a:ext cx="1" cy="183918"/>
+          <a:xfrm flipH="1">
+            <a:off x="8222619" y="1015421"/>
+            <a:ext cx="931027" cy="270036"/>
           </a:xfrm>
           <a:prstGeom prst="straightConnector1">
             <a:avLst/>
@@ -6993,24 +6787,48 @@
       </p:cxnSp>
       <p:sp>
         <p:nvSpPr>
-          <p:cNvPr id="22" name="Rectangle 21"/>
+          <p:cNvPr id="23" name="TextBox 22"/>
+          <p:cNvSpPr txBox="1"/>
+          <p:nvPr/>
+        </p:nvSpPr>
+        <p:spPr>
+          <a:xfrm>
+            <a:off x="72326" y="118214"/>
+            <a:ext cx="1928553" cy="369332"/>
+          </a:xfrm>
+          <a:prstGeom prst="rect">
+            <a:avLst/>
+          </a:prstGeom>
+          <a:noFill/>
+        </p:spPr>
+        <p:txBody>
+          <a:bodyPr wrap="square" rtlCol="0">
+            <a:spAutoFit/>
+          </a:bodyPr>
+          <a:lstStyle/>
+          <a:p>
+            <a:r>
+              <a:rPr lang="ko-KR" altLang="en-US" dirty="0" smtClean="0"/>
+              <a:t>상속 관계</a:t>
+            </a:r>
+            <a:endParaRPr lang="ko-KR" altLang="en-US" dirty="0"/>
+          </a:p>
+        </p:txBody>
+      </p:sp>
+      <p:sp>
+        <p:nvSpPr>
+          <p:cNvPr id="24" name="Rectangle 23"/>
           <p:cNvSpPr/>
           <p:nvPr/>
         </p:nvSpPr>
         <p:spPr>
           <a:xfrm>
-            <a:off x="220286" y="308602"/>
-            <a:ext cx="11683539" cy="6366518"/>
+            <a:off x="624823" y="737940"/>
+            <a:ext cx="1496290" cy="415636"/>
           </a:xfrm>
           <a:prstGeom prst="rect">
             <a:avLst/>
           </a:prstGeom>
-          <a:noFill/>
-          <a:ln>
-            <a:solidFill>
-              <a:schemeClr val="tx1"/>
-            </a:solidFill>
-          </a:ln>
         </p:spPr>
         <p:style>
           <a:lnRef idx="2">
@@ -7033,35 +6851,9 @@
           <a:lstStyle/>
           <a:p>
             <a:pPr algn="ctr"/>
-            <a:endParaRPr lang="ko-KR" altLang="en-US"/>
-          </a:p>
-        </p:txBody>
-      </p:sp>
-      <p:sp>
-        <p:nvSpPr>
-          <p:cNvPr id="23" name="TextBox 22"/>
-          <p:cNvSpPr txBox="1"/>
-          <p:nvPr/>
-        </p:nvSpPr>
-        <p:spPr>
-          <a:xfrm>
-            <a:off x="389318" y="663226"/>
-            <a:ext cx="1928553" cy="369332"/>
-          </a:xfrm>
-          <a:prstGeom prst="rect">
-            <a:avLst/>
-          </a:prstGeom>
-          <a:noFill/>
-        </p:spPr>
-        <p:txBody>
-          <a:bodyPr wrap="square" rtlCol="0">
-            <a:spAutoFit/>
-          </a:bodyPr>
-          <a:lstStyle/>
-          <a:p>
-            <a:r>
-              <a:rPr lang="ko-KR" altLang="en-US" dirty="0" smtClean="0"/>
-              <a:t>상속 관계</a:t>
+            <a:r>
+              <a:rPr lang="en-US" altLang="ko-KR" dirty="0" smtClean="0"/>
+              <a:t>Player</a:t>
             </a:r>
             <a:endParaRPr lang="ko-KR" altLang="en-US" dirty="0"/>
           </a:p>
@@ -7069,14 +6861,14 @@
       </p:sp>
       <p:sp>
         <p:nvSpPr>
-          <p:cNvPr id="24" name="Rectangle 23"/>
+          <p:cNvPr id="25" name="Rectangle 24"/>
           <p:cNvSpPr/>
           <p:nvPr/>
         </p:nvSpPr>
         <p:spPr>
           <a:xfrm>
-            <a:off x="2762597" y="1612664"/>
-            <a:ext cx="1496290" cy="415636"/>
+            <a:off x="281231" y="1364511"/>
+            <a:ext cx="997527" cy="392778"/>
           </a:xfrm>
           <a:prstGeom prst="rect">
             <a:avLst/>
@@ -7105,50 +6897,6 @@
             <a:pPr algn="ctr"/>
             <a:r>
               <a:rPr lang="en-US" altLang="ko-KR" dirty="0" smtClean="0"/>
-              <a:t>Player</a:t>
-            </a:r>
-            <a:endParaRPr lang="ko-KR" altLang="en-US" dirty="0"/>
-          </a:p>
-        </p:txBody>
-      </p:sp>
-      <p:sp>
-        <p:nvSpPr>
-          <p:cNvPr id="25" name="Rectangle 24"/>
-          <p:cNvSpPr/>
-          <p:nvPr/>
-        </p:nvSpPr>
-        <p:spPr>
-          <a:xfrm>
-            <a:off x="2419005" y="2239235"/>
-            <a:ext cx="997527" cy="392778"/>
-          </a:xfrm>
-          <a:prstGeom prst="rect">
-            <a:avLst/>
-          </a:prstGeom>
-        </p:spPr>
-        <p:style>
-          <a:lnRef idx="2">
-            <a:schemeClr val="accent1">
-              <a:shade val="50000"/>
-            </a:schemeClr>
-          </a:lnRef>
-          <a:fillRef idx="1">
-            <a:schemeClr val="accent1"/>
-          </a:fillRef>
-          <a:effectRef idx="0">
-            <a:schemeClr val="accent1"/>
-          </a:effectRef>
-          <a:fontRef idx="minor">
-            <a:schemeClr val="lt1"/>
-          </a:fontRef>
-        </p:style>
-        <p:txBody>
-          <a:bodyPr rtlCol="0" anchor="ctr"/>
-          <a:lstStyle/>
-          <a:p>
-            <a:pPr algn="ctr"/>
-            <a:r>
-              <a:rPr lang="en-US" altLang="ko-KR" dirty="0" smtClean="0"/>
               <a:t>Soldier</a:t>
             </a:r>
             <a:endParaRPr lang="ko-KR" altLang="en-US" dirty="0"/>
@@ -7163,7 +6911,7 @@
         </p:nvSpPr>
         <p:spPr>
           <a:xfrm>
-            <a:off x="3610495" y="2234034"/>
+            <a:off x="1472721" y="1359310"/>
             <a:ext cx="997527" cy="392778"/>
           </a:xfrm>
           <a:prstGeom prst="rect">
@@ -7210,7 +6958,7 @@
         </p:nvCxnSpPr>
         <p:spPr>
           <a:xfrm flipH="1">
-            <a:off x="2917769" y="2028300"/>
+            <a:off x="779995" y="1153576"/>
             <a:ext cx="592973" cy="210935"/>
           </a:xfrm>
           <a:prstGeom prst="straightConnector1">
@@ -7246,7 +6994,7 @@
         </p:nvCxnSpPr>
         <p:spPr>
           <a:xfrm>
-            <a:off x="3510742" y="2028300"/>
+            <a:off x="1372968" y="1153576"/>
             <a:ext cx="598517" cy="205734"/>
           </a:xfrm>
           <a:prstGeom prst="straightConnector1">
@@ -7279,7 +7027,7 @@
         </p:nvSpPr>
         <p:spPr>
           <a:xfrm>
-            <a:off x="8084131" y="616922"/>
+            <a:off x="8588175" y="2327105"/>
             <a:ext cx="1645920" cy="415636"/>
           </a:xfrm>
           <a:prstGeom prst="rect">
@@ -7317,14 +7065,14 @@
       </p:sp>
       <p:sp>
         <p:nvSpPr>
-          <p:cNvPr id="33" name="Rectangle 32"/>
+          <p:cNvPr id="38" name="Rectangle 37"/>
           <p:cNvSpPr/>
           <p:nvPr/>
         </p:nvSpPr>
         <p:spPr>
           <a:xfrm>
-            <a:off x="6317682" y="1292322"/>
-            <a:ext cx="1645920" cy="415636"/>
+            <a:off x="1964501" y="2265018"/>
+            <a:ext cx="1510829" cy="415636"/>
           </a:xfrm>
           <a:prstGeom prst="rect">
             <a:avLst/>
@@ -7353,7 +7101,7 @@
             <a:pPr algn="ctr"/>
             <a:r>
               <a:rPr lang="en-US" altLang="ko-KR" dirty="0" smtClean="0"/>
-              <a:t>Weapon</a:t>
+              <a:t>Object</a:t>
             </a:r>
             <a:endParaRPr lang="ko-KR" altLang="en-US" dirty="0"/>
           </a:p>
@@ -7361,14 +7109,14 @@
       </p:sp>
       <p:sp>
         <p:nvSpPr>
-          <p:cNvPr id="34" name="Rectangle 33"/>
+          <p:cNvPr id="39" name="Rectangle 38"/>
           <p:cNvSpPr/>
           <p:nvPr/>
         </p:nvSpPr>
         <p:spPr>
           <a:xfrm>
-            <a:off x="8084131" y="1292322"/>
-            <a:ext cx="1645920" cy="415636"/>
+            <a:off x="342116" y="2931048"/>
+            <a:ext cx="1203068" cy="392778"/>
           </a:xfrm>
           <a:prstGeom prst="rect">
             <a:avLst/>
@@ -7396,138 +7144,6 @@
           <a:p>
             <a:pPr algn="ctr"/>
             <a:r>
-              <a:rPr lang="en-US" altLang="ko-KR" dirty="0" smtClean="0"/>
-              <a:t>Score</a:t>
-            </a:r>
-            <a:endParaRPr lang="ko-KR" altLang="en-US" dirty="0"/>
-          </a:p>
-        </p:txBody>
-      </p:sp>
-      <p:sp>
-        <p:nvSpPr>
-          <p:cNvPr id="36" name="Rectangle 35"/>
-          <p:cNvSpPr/>
-          <p:nvPr/>
-        </p:nvSpPr>
-        <p:spPr>
-          <a:xfrm>
-            <a:off x="9850580" y="1292322"/>
-            <a:ext cx="1645920" cy="415636"/>
-          </a:xfrm>
-          <a:prstGeom prst="rect">
-            <a:avLst/>
-          </a:prstGeom>
-        </p:spPr>
-        <p:style>
-          <a:lnRef idx="2">
-            <a:schemeClr val="accent1">
-              <a:shade val="50000"/>
-            </a:schemeClr>
-          </a:lnRef>
-          <a:fillRef idx="1">
-            <a:schemeClr val="accent1"/>
-          </a:fillRef>
-          <a:effectRef idx="0">
-            <a:schemeClr val="accent1"/>
-          </a:effectRef>
-          <a:fontRef idx="minor">
-            <a:schemeClr val="lt1"/>
-          </a:fontRef>
-        </p:style>
-        <p:txBody>
-          <a:bodyPr rtlCol="0" anchor="ctr"/>
-          <a:lstStyle/>
-          <a:p>
-            <a:pPr algn="ctr"/>
-            <a:r>
-              <a:rPr lang="en-US" altLang="ko-KR" dirty="0" smtClean="0"/>
-              <a:t>BOMB</a:t>
-            </a:r>
-            <a:endParaRPr lang="ko-KR" altLang="en-US" dirty="0"/>
-          </a:p>
-        </p:txBody>
-      </p:sp>
-      <p:sp>
-        <p:nvSpPr>
-          <p:cNvPr id="38" name="Rectangle 37"/>
-          <p:cNvSpPr/>
-          <p:nvPr/>
-        </p:nvSpPr>
-        <p:spPr>
-          <a:xfrm>
-            <a:off x="1663590" y="3054318"/>
-            <a:ext cx="1510829" cy="415636"/>
-          </a:xfrm>
-          <a:prstGeom prst="rect">
-            <a:avLst/>
-          </a:prstGeom>
-        </p:spPr>
-        <p:style>
-          <a:lnRef idx="2">
-            <a:schemeClr val="accent1">
-              <a:shade val="50000"/>
-            </a:schemeClr>
-          </a:lnRef>
-          <a:fillRef idx="1">
-            <a:schemeClr val="accent1"/>
-          </a:fillRef>
-          <a:effectRef idx="0">
-            <a:schemeClr val="accent1"/>
-          </a:effectRef>
-          <a:fontRef idx="minor">
-            <a:schemeClr val="lt1"/>
-          </a:fontRef>
-        </p:style>
-        <p:txBody>
-          <a:bodyPr rtlCol="0" anchor="ctr"/>
-          <a:lstStyle/>
-          <a:p>
-            <a:pPr algn="ctr"/>
-            <a:r>
-              <a:rPr lang="en-US" altLang="ko-KR" dirty="0" smtClean="0"/>
-              <a:t>Object</a:t>
-            </a:r>
-            <a:endParaRPr lang="ko-KR" altLang="en-US" dirty="0"/>
-          </a:p>
-        </p:txBody>
-      </p:sp>
-      <p:sp>
-        <p:nvSpPr>
-          <p:cNvPr id="39" name="Rectangle 38"/>
-          <p:cNvSpPr/>
-          <p:nvPr/>
-        </p:nvSpPr>
-        <p:spPr>
-          <a:xfrm>
-            <a:off x="497411" y="3704335"/>
-            <a:ext cx="1203068" cy="392778"/>
-          </a:xfrm>
-          <a:prstGeom prst="rect">
-            <a:avLst/>
-          </a:prstGeom>
-        </p:spPr>
-        <p:style>
-          <a:lnRef idx="2">
-            <a:schemeClr val="accent1">
-              <a:shade val="50000"/>
-            </a:schemeClr>
-          </a:lnRef>
-          <a:fillRef idx="1">
-            <a:schemeClr val="accent1"/>
-          </a:fillRef>
-          <a:effectRef idx="0">
-            <a:schemeClr val="accent1"/>
-          </a:effectRef>
-          <a:fontRef idx="minor">
-            <a:schemeClr val="lt1"/>
-          </a:fontRef>
-        </p:style>
-        <p:txBody>
-          <a:bodyPr rtlCol="0" anchor="ctr"/>
-          <a:lstStyle/>
-          <a:p>
-            <a:pPr algn="ctr"/>
-            <a:r>
               <a:rPr lang="en-US" altLang="ko-KR" dirty="0" err="1" smtClean="0"/>
               <a:t>SandBags</a:t>
             </a:r>
@@ -7543,7 +7159,7 @@
         </p:nvSpPr>
         <p:spPr>
           <a:xfrm>
-            <a:off x="1830253" y="3704335"/>
+            <a:off x="1718172" y="2921239"/>
             <a:ext cx="1181704" cy="392778"/>
           </a:xfrm>
           <a:prstGeom prst="rect">
@@ -7590,8 +7206,8 @@
         </p:nvCxnSpPr>
         <p:spPr>
           <a:xfrm flipH="1">
-            <a:off x="1098945" y="3469954"/>
-            <a:ext cx="1320060" cy="234381"/>
+            <a:off x="943650" y="2680654"/>
+            <a:ext cx="1776266" cy="250394"/>
           </a:xfrm>
           <a:prstGeom prst="straightConnector1">
             <a:avLst/>
@@ -7625,9 +7241,9 @@
           <p:nvPr/>
         </p:nvCxnSpPr>
         <p:spPr>
-          <a:xfrm>
-            <a:off x="2419005" y="3469954"/>
-            <a:ext cx="2100" cy="234381"/>
+          <a:xfrm flipH="1">
+            <a:off x="2309024" y="2680654"/>
+            <a:ext cx="410892" cy="240585"/>
           </a:xfrm>
           <a:prstGeom prst="straightConnector1">
             <a:avLst/>
@@ -7659,7 +7275,7 @@
         </p:nvSpPr>
         <p:spPr>
           <a:xfrm>
-            <a:off x="3194188" y="3704335"/>
+            <a:off x="3028055" y="2921239"/>
             <a:ext cx="1197033" cy="392778"/>
           </a:xfrm>
           <a:prstGeom prst="rect">
@@ -7702,8 +7318,8 @@
         </p:nvSpPr>
         <p:spPr>
           <a:xfrm>
-            <a:off x="497411" y="4205556"/>
-            <a:ext cx="1203068" cy="353660"/>
+            <a:off x="5632283" y="2919837"/>
+            <a:ext cx="1346246" cy="394179"/>
           </a:xfrm>
           <a:prstGeom prst="rect">
             <a:avLst/>
@@ -7731,52 +7347,8 @@
           <a:p>
             <a:pPr algn="ctr"/>
             <a:r>
-              <a:rPr lang="en-US" altLang="ko-KR" dirty="0" smtClean="0"/>
-              <a:t>Fish</a:t>
-            </a:r>
-            <a:endParaRPr lang="ko-KR" altLang="en-US" dirty="0"/>
-          </a:p>
-        </p:txBody>
-      </p:sp>
-      <p:sp>
-        <p:nvSpPr>
-          <p:cNvPr id="52" name="Rectangle 51"/>
-          <p:cNvSpPr/>
-          <p:nvPr/>
-        </p:nvSpPr>
-        <p:spPr>
-          <a:xfrm>
-            <a:off x="1826053" y="4193419"/>
-            <a:ext cx="1185904" cy="353660"/>
-          </a:xfrm>
-          <a:prstGeom prst="rect">
-            <a:avLst/>
-          </a:prstGeom>
-        </p:spPr>
-        <p:style>
-          <a:lnRef idx="2">
-            <a:schemeClr val="accent1">
-              <a:shade val="50000"/>
-            </a:schemeClr>
-          </a:lnRef>
-          <a:fillRef idx="1">
-            <a:schemeClr val="accent1"/>
-          </a:fillRef>
-          <a:effectRef idx="0">
-            <a:schemeClr val="accent1"/>
-          </a:effectRef>
-          <a:fontRef idx="minor">
-            <a:schemeClr val="lt1"/>
-          </a:fontRef>
-        </p:style>
-        <p:txBody>
-          <a:bodyPr rtlCol="0" anchor="ctr"/>
-          <a:lstStyle/>
-          <a:p>
-            <a:pPr algn="ctr"/>
-            <a:r>
               <a:rPr lang="en-US" altLang="ko-KR" dirty="0" err="1" smtClean="0"/>
-              <a:t>MailBox</a:t>
+              <a:t>HitBoxOBj</a:t>
             </a:r>
             <a:endParaRPr lang="ko-KR" altLang="en-US" dirty="0"/>
           </a:p>
@@ -7790,8 +7362,8 @@
         </p:nvSpPr>
         <p:spPr>
           <a:xfrm>
-            <a:off x="3194188" y="4193419"/>
-            <a:ext cx="1197033" cy="365797"/>
+            <a:off x="4340686" y="2919838"/>
+            <a:ext cx="1197033" cy="403988"/>
           </a:xfrm>
           <a:prstGeom prst="rect">
             <a:avLst/>
@@ -7837,44 +7409,8 @@
         </p:nvCxnSpPr>
         <p:spPr>
           <a:xfrm>
-            <a:off x="2419005" y="3469954"/>
-            <a:ext cx="1373700" cy="234381"/>
-          </a:xfrm>
-          <a:prstGeom prst="straightConnector1">
-            <a:avLst/>
-          </a:prstGeom>
-          <a:ln>
-            <a:tailEnd type="triangle"/>
-          </a:ln>
-        </p:spPr>
-        <p:style>
-          <a:lnRef idx="1">
-            <a:schemeClr val="accent1"/>
-          </a:lnRef>
-          <a:fillRef idx="0">
-            <a:schemeClr val="accent1"/>
-          </a:fillRef>
-          <a:effectRef idx="0">
-            <a:schemeClr val="accent1"/>
-          </a:effectRef>
-          <a:fontRef idx="minor">
-            <a:schemeClr val="tx1"/>
-          </a:fontRef>
-        </p:style>
-      </p:cxnSp>
-      <p:cxnSp>
-        <p:nvCxnSpPr>
-          <p:cNvPr id="60" name="Straight Arrow Connector 59"/>
-          <p:cNvCxnSpPr>
-            <a:stCxn id="38" idx="2"/>
-            <a:endCxn id="52" idx="0"/>
-          </p:cNvCxnSpPr>
-          <p:nvPr/>
-        </p:nvCxnSpPr>
-        <p:spPr>
-          <a:xfrm>
-            <a:off x="2419005" y="3469954"/>
-            <a:ext cx="0" cy="723465"/>
+            <a:off x="2719916" y="2680654"/>
+            <a:ext cx="906656" cy="240585"/>
           </a:xfrm>
           <a:prstGeom prst="straightConnector1">
             <a:avLst/>
@@ -7909,8 +7445,8 @@
         </p:nvCxnSpPr>
         <p:spPr>
           <a:xfrm>
-            <a:off x="2419005" y="3469954"/>
-            <a:ext cx="1373700" cy="723465"/>
+            <a:off x="2719916" y="2680654"/>
+            <a:ext cx="2219287" cy="239184"/>
           </a:xfrm>
           <a:prstGeom prst="straightConnector1">
             <a:avLst/>
@@ -7944,9 +7480,9 @@
           <p:nvPr/>
         </p:nvCxnSpPr>
         <p:spPr>
-          <a:xfrm flipH="1">
-            <a:off x="1098945" y="3469954"/>
-            <a:ext cx="1320060" cy="735602"/>
+          <a:xfrm>
+            <a:off x="2719916" y="2680654"/>
+            <a:ext cx="3585490" cy="239183"/>
           </a:xfrm>
           <a:prstGeom prst="straightConnector1">
             <a:avLst/>
@@ -7970,124 +7506,16 @@
           </a:fontRef>
         </p:style>
       </p:cxnSp>
-      <p:cxnSp>
-        <p:nvCxnSpPr>
-          <p:cNvPr id="66" name="Straight Arrow Connector 65"/>
-          <p:cNvCxnSpPr>
-            <a:stCxn id="32" idx="2"/>
-            <a:endCxn id="33" idx="0"/>
-          </p:cNvCxnSpPr>
-          <p:nvPr/>
-        </p:nvCxnSpPr>
-        <p:spPr>
-          <a:xfrm flipH="1">
-            <a:off x="7140642" y="1032558"/>
-            <a:ext cx="1766449" cy="259764"/>
-          </a:xfrm>
-          <a:prstGeom prst="straightConnector1">
-            <a:avLst/>
-          </a:prstGeom>
-          <a:ln>
-            <a:tailEnd type="triangle"/>
-          </a:ln>
-        </p:spPr>
-        <p:style>
-          <a:lnRef idx="1">
-            <a:schemeClr val="accent1"/>
-          </a:lnRef>
-          <a:fillRef idx="0">
-            <a:schemeClr val="accent1"/>
-          </a:fillRef>
-          <a:effectRef idx="0">
-            <a:schemeClr val="accent1"/>
-          </a:effectRef>
-          <a:fontRef idx="minor">
-            <a:schemeClr val="tx1"/>
-          </a:fontRef>
-        </p:style>
-      </p:cxnSp>
-      <p:cxnSp>
-        <p:nvCxnSpPr>
-          <p:cNvPr id="68" name="Straight Arrow Connector 67"/>
-          <p:cNvCxnSpPr>
-            <a:stCxn id="32" idx="2"/>
-            <a:endCxn id="34" idx="0"/>
-          </p:cNvCxnSpPr>
-          <p:nvPr/>
-        </p:nvCxnSpPr>
-        <p:spPr>
-          <a:xfrm>
-            <a:off x="8907091" y="1032558"/>
-            <a:ext cx="0" cy="259764"/>
-          </a:xfrm>
-          <a:prstGeom prst="straightConnector1">
-            <a:avLst/>
-          </a:prstGeom>
-          <a:ln>
-            <a:tailEnd type="triangle"/>
-          </a:ln>
-        </p:spPr>
-        <p:style>
-          <a:lnRef idx="1">
-            <a:schemeClr val="accent1"/>
-          </a:lnRef>
-          <a:fillRef idx="0">
-            <a:schemeClr val="accent1"/>
-          </a:fillRef>
-          <a:effectRef idx="0">
-            <a:schemeClr val="accent1"/>
-          </a:effectRef>
-          <a:fontRef idx="minor">
-            <a:schemeClr val="tx1"/>
-          </a:fontRef>
-        </p:style>
-      </p:cxnSp>
-      <p:cxnSp>
-        <p:nvCxnSpPr>
-          <p:cNvPr id="70" name="Straight Arrow Connector 69"/>
-          <p:cNvCxnSpPr>
-            <a:stCxn id="32" idx="2"/>
-            <a:endCxn id="36" idx="0"/>
-          </p:cNvCxnSpPr>
-          <p:nvPr/>
-        </p:nvCxnSpPr>
-        <p:spPr>
-          <a:xfrm>
-            <a:off x="8907091" y="1032558"/>
-            <a:ext cx="1766449" cy="259764"/>
-          </a:xfrm>
-          <a:prstGeom prst="straightConnector1">
-            <a:avLst/>
-          </a:prstGeom>
-          <a:ln>
-            <a:tailEnd type="triangle"/>
-          </a:ln>
-        </p:spPr>
-        <p:style>
-          <a:lnRef idx="1">
-            <a:schemeClr val="accent1"/>
-          </a:lnRef>
-          <a:fillRef idx="0">
-            <a:schemeClr val="accent1"/>
-          </a:fillRef>
-          <a:effectRef idx="0">
-            <a:schemeClr val="accent1"/>
-          </a:effectRef>
-          <a:fontRef idx="minor">
-            <a:schemeClr val="tx1"/>
-          </a:fontRef>
-        </p:style>
-      </p:cxnSp>
-      <p:sp>
-        <p:nvSpPr>
-          <p:cNvPr id="2" name="Rectangle 1"/>
+      <p:sp>
+        <p:nvSpPr>
+          <p:cNvPr id="54" name="Rectangle 53"/>
           <p:cNvSpPr/>
           <p:nvPr/>
         </p:nvSpPr>
         <p:spPr>
           <a:xfrm>
-            <a:off x="6317682" y="2160098"/>
-            <a:ext cx="1645920" cy="368143"/>
+            <a:off x="9282289" y="1285457"/>
+            <a:ext cx="1537855" cy="392778"/>
           </a:xfrm>
           <a:prstGeom prst="rect">
             <a:avLst/>
@@ -8116,26 +7544,66 @@
             <a:pPr algn="ctr"/>
             <a:r>
               <a:rPr lang="en-US" altLang="ko-KR" dirty="0" smtClean="0"/>
-              <a:t>Boss</a:t>
-            </a:r>
-            <a:endParaRPr lang="ko-KR" altLang="en-US" dirty="0"/>
-          </a:p>
-        </p:txBody>
-      </p:sp>
-      <p:sp>
-        <p:nvSpPr>
-          <p:cNvPr id="35" name="Rectangle 34"/>
+              <a:t>Animal</a:t>
+            </a:r>
+          </a:p>
+        </p:txBody>
+      </p:sp>
+      <p:cxnSp>
+        <p:nvCxnSpPr>
+          <p:cNvPr id="57" name="Straight Arrow Connector 56"/>
+          <p:cNvCxnSpPr>
+            <a:stCxn id="4" idx="2"/>
+            <a:endCxn id="54" idx="0"/>
+          </p:cNvCxnSpPr>
+          <p:nvPr/>
+        </p:nvCxnSpPr>
+        <p:spPr>
+          <a:xfrm>
+            <a:off x="9153646" y="1015421"/>
+            <a:ext cx="897571" cy="270036"/>
+          </a:xfrm>
+          <a:prstGeom prst="straightConnector1">
+            <a:avLst/>
+          </a:prstGeom>
+          <a:ln>
+            <a:tailEnd type="triangle"/>
+          </a:ln>
+        </p:spPr>
+        <p:style>
+          <a:lnRef idx="1">
+            <a:schemeClr val="accent1"/>
+          </a:lnRef>
+          <a:fillRef idx="0">
+            <a:schemeClr val="accent1"/>
+          </a:fillRef>
+          <a:effectRef idx="0">
+            <a:schemeClr val="accent1"/>
+          </a:effectRef>
+          <a:fontRef idx="minor">
+            <a:schemeClr val="tx1"/>
+          </a:fontRef>
+        </p:style>
+      </p:cxnSp>
+      <p:sp>
+        <p:nvSpPr>
+          <p:cNvPr id="81" name="Rectangle 80"/>
           <p:cNvSpPr/>
           <p:nvPr/>
         </p:nvSpPr>
         <p:spPr>
           <a:xfrm>
-            <a:off x="6317682" y="2645432"/>
-            <a:ext cx="1645920" cy="368143"/>
+            <a:off x="4208308" y="683549"/>
+            <a:ext cx="1213658" cy="502920"/>
           </a:xfrm>
           <a:prstGeom prst="rect">
             <a:avLst/>
           </a:prstGeom>
+          <a:ln>
+            <a:solidFill>
+              <a:schemeClr val="tx1"/>
+            </a:solidFill>
+          </a:ln>
         </p:spPr>
         <p:style>
           <a:lnRef idx="2">
@@ -8160,7 +7628,154 @@
             <a:pPr algn="ctr"/>
             <a:r>
               <a:rPr lang="en-US" altLang="ko-KR" dirty="0" smtClean="0"/>
-              <a:t>Stage1Boss</a:t>
+              <a:t>Projectile</a:t>
+            </a:r>
+            <a:endParaRPr lang="ko-KR" altLang="en-US" dirty="0"/>
+          </a:p>
+        </p:txBody>
+      </p:sp>
+      <p:sp>
+        <p:nvSpPr>
+          <p:cNvPr id="82" name="Rectangle 81"/>
+          <p:cNvSpPr/>
+          <p:nvPr/>
+        </p:nvSpPr>
+        <p:spPr>
+          <a:xfrm>
+            <a:off x="2842953" y="1334021"/>
+            <a:ext cx="1213658" cy="469668"/>
+          </a:xfrm>
+          <a:prstGeom prst="rect">
+            <a:avLst/>
+          </a:prstGeom>
+          <a:ln>
+            <a:solidFill>
+              <a:schemeClr val="tx1"/>
+            </a:solidFill>
+          </a:ln>
+        </p:spPr>
+        <p:style>
+          <a:lnRef idx="2">
+            <a:schemeClr val="accent1">
+              <a:shade val="50000"/>
+            </a:schemeClr>
+          </a:lnRef>
+          <a:fillRef idx="1">
+            <a:schemeClr val="accent1"/>
+          </a:fillRef>
+          <a:effectRef idx="0">
+            <a:schemeClr val="accent1"/>
+          </a:effectRef>
+          <a:fontRef idx="minor">
+            <a:schemeClr val="lt1"/>
+          </a:fontRef>
+        </p:style>
+        <p:txBody>
+          <a:bodyPr rtlCol="0" anchor="ctr"/>
+          <a:lstStyle/>
+          <a:p>
+            <a:pPr algn="ctr"/>
+            <a:r>
+              <a:rPr lang="en-US" altLang="ko-KR" dirty="0" smtClean="0"/>
+              <a:t>Bullet</a:t>
+            </a:r>
+            <a:endParaRPr lang="ko-KR" altLang="en-US" dirty="0"/>
+          </a:p>
+        </p:txBody>
+      </p:sp>
+      <p:sp>
+        <p:nvSpPr>
+          <p:cNvPr id="83" name="Rectangle 82"/>
+          <p:cNvSpPr/>
+          <p:nvPr/>
+        </p:nvSpPr>
+        <p:spPr>
+          <a:xfrm>
+            <a:off x="4127956" y="1334021"/>
+            <a:ext cx="1389614" cy="469668"/>
+          </a:xfrm>
+          <a:prstGeom prst="rect">
+            <a:avLst/>
+          </a:prstGeom>
+          <a:ln>
+            <a:solidFill>
+              <a:schemeClr val="tx1"/>
+            </a:solidFill>
+          </a:ln>
+        </p:spPr>
+        <p:style>
+          <a:lnRef idx="2">
+            <a:schemeClr val="accent1">
+              <a:shade val="50000"/>
+            </a:schemeClr>
+          </a:lnRef>
+          <a:fillRef idx="1">
+            <a:schemeClr val="accent1"/>
+          </a:fillRef>
+          <a:effectRef idx="0">
+            <a:schemeClr val="accent1"/>
+          </a:effectRef>
+          <a:fontRef idx="minor">
+            <a:schemeClr val="lt1"/>
+          </a:fontRef>
+        </p:style>
+        <p:txBody>
+          <a:bodyPr rtlCol="0" anchor="ctr"/>
+          <a:lstStyle/>
+          <a:p>
+            <a:pPr algn="ctr"/>
+            <a:r>
+              <a:rPr lang="en-US" altLang="ko-KR" dirty="0" smtClean="0"/>
+              <a:t>Missile</a:t>
+            </a:r>
+            <a:endParaRPr lang="ko-KR" altLang="en-US" dirty="0"/>
+          </a:p>
+        </p:txBody>
+      </p:sp>
+      <p:sp>
+        <p:nvSpPr>
+          <p:cNvPr id="84" name="Rectangle 83"/>
+          <p:cNvSpPr/>
+          <p:nvPr/>
+        </p:nvSpPr>
+        <p:spPr>
+          <a:xfrm>
+            <a:off x="5588915" y="1334021"/>
+            <a:ext cx="1389614" cy="469668"/>
+          </a:xfrm>
+          <a:prstGeom prst="rect">
+            <a:avLst/>
+          </a:prstGeom>
+          <a:ln>
+            <a:solidFill>
+              <a:schemeClr val="tx1"/>
+            </a:solidFill>
+          </a:ln>
+        </p:spPr>
+        <p:style>
+          <a:lnRef idx="2">
+            <a:schemeClr val="accent1">
+              <a:shade val="50000"/>
+            </a:schemeClr>
+          </a:lnRef>
+          <a:fillRef idx="1">
+            <a:schemeClr val="accent1"/>
+          </a:fillRef>
+          <a:effectRef idx="0">
+            <a:schemeClr val="accent1"/>
+          </a:effectRef>
+          <a:fontRef idx="minor">
+            <a:schemeClr val="lt1"/>
+          </a:fontRef>
+        </p:style>
+        <p:txBody>
+          <a:bodyPr rtlCol="0" anchor="ctr"/>
+          <a:lstStyle/>
+          <a:p>
+            <a:pPr algn="ctr"/>
+            <a:r>
+              <a:rPr lang="en-US" altLang="ko-KR" dirty="0" err="1" smtClean="0"/>
+              <a:t>Granade</a:t>
             </a:r>
             <a:endParaRPr lang="ko-KR" altLang="en-US" dirty="0"/>
           </a:p>
@@ -8168,17 +7783,266 @@
       </p:sp>
       <p:cxnSp>
         <p:nvCxnSpPr>
-          <p:cNvPr id="6" name="Straight Arrow Connector 5"/>
+          <p:cNvPr id="85" name="Straight Arrow Connector 84"/>
           <p:cNvCxnSpPr>
-            <a:stCxn id="2" idx="2"/>
-            <a:endCxn id="35" idx="0"/>
+            <a:stCxn id="81" idx="2"/>
+            <a:endCxn id="82" idx="0"/>
           </p:cNvCxnSpPr>
           <p:nvPr/>
         </p:nvCxnSpPr>
         <p:spPr>
-          <a:xfrm>
-            <a:off x="7140642" y="2528241"/>
-            <a:ext cx="0" cy="117191"/>
+          <a:xfrm flipH="1">
+            <a:off x="3449782" y="1186469"/>
+            <a:ext cx="1365355" cy="147552"/>
+          </a:xfrm>
+          <a:prstGeom prst="straightConnector1">
+            <a:avLst/>
+          </a:prstGeom>
+          <a:ln>
+            <a:solidFill>
+              <a:schemeClr val="tx1"/>
+            </a:solidFill>
+            <a:tailEnd type="triangle"/>
+          </a:ln>
+        </p:spPr>
+        <p:style>
+          <a:lnRef idx="1">
+            <a:schemeClr val="accent1"/>
+          </a:lnRef>
+          <a:fillRef idx="0">
+            <a:schemeClr val="accent1"/>
+          </a:fillRef>
+          <a:effectRef idx="0">
+            <a:schemeClr val="accent1"/>
+          </a:effectRef>
+          <a:fontRef idx="minor">
+            <a:schemeClr val="tx1"/>
+          </a:fontRef>
+        </p:style>
+      </p:cxnSp>
+      <p:cxnSp>
+        <p:nvCxnSpPr>
+          <p:cNvPr id="86" name="Straight Arrow Connector 85"/>
+          <p:cNvCxnSpPr>
+            <a:stCxn id="81" idx="2"/>
+            <a:endCxn id="84" idx="0"/>
+          </p:cNvCxnSpPr>
+          <p:nvPr/>
+        </p:nvCxnSpPr>
+        <p:spPr>
+          <a:xfrm>
+            <a:off x="4815137" y="1186469"/>
+            <a:ext cx="1468585" cy="147552"/>
+          </a:xfrm>
+          <a:prstGeom prst="straightConnector1">
+            <a:avLst/>
+          </a:prstGeom>
+          <a:ln>
+            <a:solidFill>
+              <a:schemeClr val="tx1"/>
+            </a:solidFill>
+            <a:tailEnd type="triangle"/>
+          </a:ln>
+        </p:spPr>
+        <p:style>
+          <a:lnRef idx="1">
+            <a:schemeClr val="accent1"/>
+          </a:lnRef>
+          <a:fillRef idx="0">
+            <a:schemeClr val="accent1"/>
+          </a:fillRef>
+          <a:effectRef idx="0">
+            <a:schemeClr val="accent1"/>
+          </a:effectRef>
+          <a:fontRef idx="minor">
+            <a:schemeClr val="tx1"/>
+          </a:fontRef>
+        </p:style>
+      </p:cxnSp>
+      <p:cxnSp>
+        <p:nvCxnSpPr>
+          <p:cNvPr id="87" name="Straight Arrow Connector 86"/>
+          <p:cNvCxnSpPr>
+            <a:stCxn id="81" idx="2"/>
+            <a:endCxn id="83" idx="0"/>
+          </p:cNvCxnSpPr>
+          <p:nvPr/>
+        </p:nvCxnSpPr>
+        <p:spPr>
+          <a:xfrm>
+            <a:off x="4815137" y="1186469"/>
+            <a:ext cx="7626" cy="147552"/>
+          </a:xfrm>
+          <a:prstGeom prst="straightConnector1">
+            <a:avLst/>
+          </a:prstGeom>
+          <a:ln>
+            <a:solidFill>
+              <a:schemeClr val="tx1"/>
+            </a:solidFill>
+            <a:tailEnd type="triangle"/>
+          </a:ln>
+        </p:spPr>
+        <p:style>
+          <a:lnRef idx="1">
+            <a:schemeClr val="accent1"/>
+          </a:lnRef>
+          <a:fillRef idx="0">
+            <a:schemeClr val="accent1"/>
+          </a:fillRef>
+          <a:effectRef idx="0">
+            <a:schemeClr val="accent1"/>
+          </a:effectRef>
+          <a:fontRef idx="minor">
+            <a:schemeClr val="tx1"/>
+          </a:fontRef>
+        </p:style>
+      </p:cxnSp>
+      <p:sp>
+        <p:nvSpPr>
+          <p:cNvPr id="88" name="Rectangle 87"/>
+          <p:cNvSpPr/>
+          <p:nvPr/>
+        </p:nvSpPr>
+        <p:spPr>
+          <a:xfrm>
+            <a:off x="7407971" y="2931048"/>
+            <a:ext cx="1280161" cy="392778"/>
+          </a:xfrm>
+          <a:prstGeom prst="rect">
+            <a:avLst/>
+          </a:prstGeom>
+        </p:spPr>
+        <p:style>
+          <a:lnRef idx="2">
+            <a:schemeClr val="accent1">
+              <a:shade val="50000"/>
+            </a:schemeClr>
+          </a:lnRef>
+          <a:fillRef idx="1">
+            <a:schemeClr val="accent1"/>
+          </a:fillRef>
+          <a:effectRef idx="0">
+            <a:schemeClr val="accent1"/>
+          </a:effectRef>
+          <a:fontRef idx="minor">
+            <a:schemeClr val="lt1"/>
+          </a:fontRef>
+        </p:style>
+        <p:txBody>
+          <a:bodyPr rtlCol="0" anchor="ctr"/>
+          <a:lstStyle/>
+          <a:p>
+            <a:pPr algn="ctr"/>
+            <a:r>
+              <a:rPr lang="en-US" altLang="ko-KR" dirty="0" smtClean="0"/>
+              <a:t>Weapon</a:t>
+            </a:r>
+            <a:endParaRPr lang="ko-KR" altLang="en-US" dirty="0"/>
+          </a:p>
+        </p:txBody>
+      </p:sp>
+      <p:sp>
+        <p:nvSpPr>
+          <p:cNvPr id="89" name="Rectangle 88"/>
+          <p:cNvSpPr/>
+          <p:nvPr/>
+        </p:nvSpPr>
+        <p:spPr>
+          <a:xfrm>
+            <a:off x="8771055" y="2931048"/>
+            <a:ext cx="1787329" cy="392778"/>
+          </a:xfrm>
+          <a:prstGeom prst="rect">
+            <a:avLst/>
+          </a:prstGeom>
+        </p:spPr>
+        <p:style>
+          <a:lnRef idx="2">
+            <a:schemeClr val="accent1">
+              <a:shade val="50000"/>
+            </a:schemeClr>
+          </a:lnRef>
+          <a:fillRef idx="1">
+            <a:schemeClr val="accent1"/>
+          </a:fillRef>
+          <a:effectRef idx="0">
+            <a:schemeClr val="accent1"/>
+          </a:effectRef>
+          <a:fontRef idx="minor">
+            <a:schemeClr val="lt1"/>
+          </a:fontRef>
+        </p:style>
+        <p:txBody>
+          <a:bodyPr rtlCol="0" anchor="ctr"/>
+          <a:lstStyle/>
+          <a:p>
+            <a:pPr algn="ctr"/>
+            <a:r>
+              <a:rPr lang="en-US" altLang="ko-KR" dirty="0" err="1" smtClean="0"/>
+              <a:t>UnStabilization</a:t>
+            </a:r>
+            <a:endParaRPr lang="ko-KR" altLang="en-US" dirty="0"/>
+          </a:p>
+        </p:txBody>
+      </p:sp>
+      <p:sp>
+        <p:nvSpPr>
+          <p:cNvPr id="90" name="Rectangle 89"/>
+          <p:cNvSpPr/>
+          <p:nvPr/>
+        </p:nvSpPr>
+        <p:spPr>
+          <a:xfrm>
+            <a:off x="10704420" y="2925442"/>
+            <a:ext cx="1353847" cy="403989"/>
+          </a:xfrm>
+          <a:prstGeom prst="rect">
+            <a:avLst/>
+          </a:prstGeom>
+        </p:spPr>
+        <p:style>
+          <a:lnRef idx="2">
+            <a:schemeClr val="accent1">
+              <a:shade val="50000"/>
+            </a:schemeClr>
+          </a:lnRef>
+          <a:fillRef idx="1">
+            <a:schemeClr val="accent1"/>
+          </a:fillRef>
+          <a:effectRef idx="0">
+            <a:schemeClr val="accent1"/>
+          </a:effectRef>
+          <a:fontRef idx="minor">
+            <a:schemeClr val="lt1"/>
+          </a:fontRef>
+        </p:style>
+        <p:txBody>
+          <a:bodyPr rtlCol="0" anchor="ctr"/>
+          <a:lstStyle/>
+          <a:p>
+            <a:pPr algn="ctr"/>
+            <a:r>
+              <a:rPr lang="en-US" altLang="ko-KR" dirty="0" smtClean="0"/>
+              <a:t>Score</a:t>
+            </a:r>
+            <a:endParaRPr lang="ko-KR" altLang="en-US" dirty="0"/>
+          </a:p>
+        </p:txBody>
+      </p:sp>
+      <p:cxnSp>
+        <p:nvCxnSpPr>
+          <p:cNvPr id="92" name="Straight Arrow Connector 91"/>
+          <p:cNvCxnSpPr>
+            <a:stCxn id="32" idx="2"/>
+            <a:endCxn id="88" idx="0"/>
+          </p:cNvCxnSpPr>
+          <p:nvPr/>
+        </p:nvCxnSpPr>
+        <p:spPr>
+          <a:xfrm flipH="1">
+            <a:off x="8048052" y="2742741"/>
+            <a:ext cx="1363083" cy="188307"/>
           </a:xfrm>
           <a:prstGeom prst="straightConnector1">
             <a:avLst/>
@@ -8202,6 +8066,220 @@
           </a:fontRef>
         </p:style>
       </p:cxnSp>
+      <p:cxnSp>
+        <p:nvCxnSpPr>
+          <p:cNvPr id="94" name="Straight Arrow Connector 93"/>
+          <p:cNvCxnSpPr>
+            <a:stCxn id="32" idx="2"/>
+            <a:endCxn id="89" idx="0"/>
+          </p:cNvCxnSpPr>
+          <p:nvPr/>
+        </p:nvCxnSpPr>
+        <p:spPr>
+          <a:xfrm>
+            <a:off x="9411135" y="2742741"/>
+            <a:ext cx="253585" cy="188307"/>
+          </a:xfrm>
+          <a:prstGeom prst="straightConnector1">
+            <a:avLst/>
+          </a:prstGeom>
+          <a:ln>
+            <a:tailEnd type="triangle"/>
+          </a:ln>
+        </p:spPr>
+        <p:style>
+          <a:lnRef idx="1">
+            <a:schemeClr val="accent1"/>
+          </a:lnRef>
+          <a:fillRef idx="0">
+            <a:schemeClr val="accent1"/>
+          </a:fillRef>
+          <a:effectRef idx="0">
+            <a:schemeClr val="accent1"/>
+          </a:effectRef>
+          <a:fontRef idx="minor">
+            <a:schemeClr val="tx1"/>
+          </a:fontRef>
+        </p:style>
+      </p:cxnSp>
+      <p:cxnSp>
+        <p:nvCxnSpPr>
+          <p:cNvPr id="96" name="Straight Arrow Connector 95"/>
+          <p:cNvCxnSpPr>
+            <a:stCxn id="32" idx="2"/>
+            <a:endCxn id="90" idx="0"/>
+          </p:cNvCxnSpPr>
+          <p:nvPr/>
+        </p:nvCxnSpPr>
+        <p:spPr>
+          <a:xfrm>
+            <a:off x="9411135" y="2742741"/>
+            <a:ext cx="1970209" cy="182701"/>
+          </a:xfrm>
+          <a:prstGeom prst="straightConnector1">
+            <a:avLst/>
+          </a:prstGeom>
+          <a:ln>
+            <a:tailEnd type="triangle"/>
+          </a:ln>
+        </p:spPr>
+        <p:style>
+          <a:lnRef idx="1">
+            <a:schemeClr val="accent1"/>
+          </a:lnRef>
+          <a:fillRef idx="0">
+            <a:schemeClr val="accent1"/>
+          </a:fillRef>
+          <a:effectRef idx="0">
+            <a:schemeClr val="accent1"/>
+          </a:effectRef>
+          <a:fontRef idx="minor">
+            <a:schemeClr val="tx1"/>
+          </a:fontRef>
+        </p:style>
+      </p:cxnSp>
+      <p:sp>
+        <p:nvSpPr>
+          <p:cNvPr id="98" name="Rounded Rectangle 97"/>
+          <p:cNvSpPr/>
+          <p:nvPr/>
+        </p:nvSpPr>
+        <p:spPr>
+          <a:xfrm>
+            <a:off x="7477963" y="3518387"/>
+            <a:ext cx="1140176" cy="340822"/>
+          </a:xfrm>
+          <a:prstGeom prst="roundRect">
+            <a:avLst>
+              <a:gd name="adj" fmla="val 50000"/>
+            </a:avLst>
+          </a:prstGeom>
+        </p:spPr>
+        <p:style>
+          <a:lnRef idx="2">
+            <a:schemeClr val="accent1">
+              <a:shade val="50000"/>
+            </a:schemeClr>
+          </a:lnRef>
+          <a:fillRef idx="1">
+            <a:schemeClr val="accent1"/>
+          </a:fillRef>
+          <a:effectRef idx="0">
+            <a:schemeClr val="accent1"/>
+          </a:effectRef>
+          <a:fontRef idx="minor">
+            <a:schemeClr val="lt1"/>
+          </a:fontRef>
+        </p:style>
+        <p:txBody>
+          <a:bodyPr rtlCol="0" anchor="ctr"/>
+          <a:lstStyle/>
+          <a:p>
+            <a:pPr algn="ctr"/>
+            <a:r>
+              <a:rPr lang="ko-KR" altLang="en-US" dirty="0" smtClean="0"/>
+              <a:t>소모품</a:t>
+            </a:r>
+            <a:endParaRPr lang="ko-KR" altLang="en-US" dirty="0"/>
+          </a:p>
+        </p:txBody>
+      </p:sp>
+      <p:sp>
+        <p:nvSpPr>
+          <p:cNvPr id="99" name="Rounded Rectangle 98"/>
+          <p:cNvSpPr/>
+          <p:nvPr/>
+        </p:nvSpPr>
+        <p:spPr>
+          <a:xfrm>
+            <a:off x="8426282" y="4013449"/>
+            <a:ext cx="2011884" cy="450485"/>
+          </a:xfrm>
+          <a:prstGeom prst="roundRect">
+            <a:avLst>
+              <a:gd name="adj" fmla="val 50000"/>
+            </a:avLst>
+          </a:prstGeom>
+        </p:spPr>
+        <p:style>
+          <a:lnRef idx="2">
+            <a:schemeClr val="accent1">
+              <a:shade val="50000"/>
+            </a:schemeClr>
+          </a:lnRef>
+          <a:fillRef idx="1">
+            <a:schemeClr val="accent1"/>
+          </a:fillRef>
+          <a:effectRef idx="0">
+            <a:schemeClr val="accent1"/>
+          </a:effectRef>
+          <a:fontRef idx="minor">
+            <a:schemeClr val="lt1"/>
+          </a:fontRef>
+        </p:style>
+        <p:txBody>
+          <a:bodyPr rtlCol="0" anchor="ctr"/>
+          <a:lstStyle/>
+          <a:p>
+            <a:pPr algn="ctr"/>
+            <a:r>
+              <a:rPr lang="ko-KR" altLang="en-US" sz="1400" dirty="0" smtClean="0"/>
+              <a:t>시간이 지나면 </a:t>
+            </a:r>
+            <a:endParaRPr lang="en-US" altLang="ko-KR" sz="1400" dirty="0" smtClean="0"/>
+          </a:p>
+          <a:p>
+            <a:pPr algn="ctr"/>
+            <a:r>
+              <a:rPr lang="ko-KR" altLang="en-US" sz="1400" dirty="0" smtClean="0"/>
+              <a:t>상태와 점수가 변함</a:t>
+            </a:r>
+            <a:endParaRPr lang="ko-KR" altLang="en-US" sz="1400" dirty="0"/>
+          </a:p>
+        </p:txBody>
+      </p:sp>
+      <p:sp>
+        <p:nvSpPr>
+          <p:cNvPr id="100" name="Rounded Rectangle 99"/>
+          <p:cNvSpPr/>
+          <p:nvPr/>
+        </p:nvSpPr>
+        <p:spPr>
+          <a:xfrm>
+            <a:off x="10299831" y="3595507"/>
+            <a:ext cx="1140176" cy="340822"/>
+          </a:xfrm>
+          <a:prstGeom prst="roundRect">
+            <a:avLst>
+              <a:gd name="adj" fmla="val 50000"/>
+            </a:avLst>
+          </a:prstGeom>
+        </p:spPr>
+        <p:style>
+          <a:lnRef idx="2">
+            <a:schemeClr val="accent1">
+              <a:shade val="50000"/>
+            </a:schemeClr>
+          </a:lnRef>
+          <a:fillRef idx="1">
+            <a:schemeClr val="accent1"/>
+          </a:fillRef>
+          <a:effectRef idx="0">
+            <a:schemeClr val="accent1"/>
+          </a:effectRef>
+          <a:fontRef idx="minor">
+            <a:schemeClr val="lt1"/>
+          </a:fontRef>
+        </p:style>
+        <p:txBody>
+          <a:bodyPr rtlCol="0" anchor="ctr"/>
+          <a:lstStyle/>
+          <a:p>
+            <a:pPr algn="ctr"/>
+            <a:endParaRPr lang="ko-KR" altLang="en-US" dirty="0"/>
+          </a:p>
+        </p:txBody>
+      </p:sp>
     </p:spTree>
     <p:extLst>
       <p:ext uri="{BB962C8B-B14F-4D97-AF65-F5344CB8AC3E}">

--- a/기획 문서/FrameWork.pptx
+++ b/기획 문서/FrameWork.pptx
@@ -9,8 +9,6 @@
     <p:sldId id="261" r:id="rId3"/>
     <p:sldId id="262" r:id="rId4"/>
     <p:sldId id="257" r:id="rId5"/>
-    <p:sldId id="258" r:id="rId6"/>
-    <p:sldId id="259" r:id="rId7"/>
   </p:sldIdLst>
   <p:sldSz cx="12192000" cy="6858000"/>
   <p:notesSz cx="6858000" cy="9144000"/>
@@ -248,7 +246,7 @@
           <a:p>
             <a:fld id="{9F268087-1A4D-47AC-A1CE-95FF2473F6F0}" type="datetimeFigureOut">
               <a:rPr lang="ko-KR" altLang="en-US" smtClean="0"/>
-              <a:t>2021-08-07</a:t>
+              <a:t>2021-08-08</a:t>
             </a:fld>
             <a:endParaRPr lang="ko-KR" altLang="en-US"/>
           </a:p>
@@ -418,7 +416,7 @@
           <a:p>
             <a:fld id="{9F268087-1A4D-47AC-A1CE-95FF2473F6F0}" type="datetimeFigureOut">
               <a:rPr lang="ko-KR" altLang="en-US" smtClean="0"/>
-              <a:t>2021-08-07</a:t>
+              <a:t>2021-08-08</a:t>
             </a:fld>
             <a:endParaRPr lang="ko-KR" altLang="en-US"/>
           </a:p>
@@ -598,7 +596,7 @@
           <a:p>
             <a:fld id="{9F268087-1A4D-47AC-A1CE-95FF2473F6F0}" type="datetimeFigureOut">
               <a:rPr lang="ko-KR" altLang="en-US" smtClean="0"/>
-              <a:t>2021-08-07</a:t>
+              <a:t>2021-08-08</a:t>
             </a:fld>
             <a:endParaRPr lang="ko-KR" altLang="en-US"/>
           </a:p>
@@ -768,7 +766,7 @@
           <a:p>
             <a:fld id="{9F268087-1A4D-47AC-A1CE-95FF2473F6F0}" type="datetimeFigureOut">
               <a:rPr lang="ko-KR" altLang="en-US" smtClean="0"/>
-              <a:t>2021-08-07</a:t>
+              <a:t>2021-08-08</a:t>
             </a:fld>
             <a:endParaRPr lang="ko-KR" altLang="en-US"/>
           </a:p>
@@ -1014,7 +1012,7 @@
           <a:p>
             <a:fld id="{9F268087-1A4D-47AC-A1CE-95FF2473F6F0}" type="datetimeFigureOut">
               <a:rPr lang="ko-KR" altLang="en-US" smtClean="0"/>
-              <a:t>2021-08-07</a:t>
+              <a:t>2021-08-08</a:t>
             </a:fld>
             <a:endParaRPr lang="ko-KR" altLang="en-US"/>
           </a:p>
@@ -1246,7 +1244,7 @@
           <a:p>
             <a:fld id="{9F268087-1A4D-47AC-A1CE-95FF2473F6F0}" type="datetimeFigureOut">
               <a:rPr lang="ko-KR" altLang="en-US" smtClean="0"/>
-              <a:t>2021-08-07</a:t>
+              <a:t>2021-08-08</a:t>
             </a:fld>
             <a:endParaRPr lang="ko-KR" altLang="en-US"/>
           </a:p>
@@ -1613,7 +1611,7 @@
           <a:p>
             <a:fld id="{9F268087-1A4D-47AC-A1CE-95FF2473F6F0}" type="datetimeFigureOut">
               <a:rPr lang="ko-KR" altLang="en-US" smtClean="0"/>
-              <a:t>2021-08-07</a:t>
+              <a:t>2021-08-08</a:t>
             </a:fld>
             <a:endParaRPr lang="ko-KR" altLang="en-US"/>
           </a:p>
@@ -1731,7 +1729,7 @@
           <a:p>
             <a:fld id="{9F268087-1A4D-47AC-A1CE-95FF2473F6F0}" type="datetimeFigureOut">
               <a:rPr lang="ko-KR" altLang="en-US" smtClean="0"/>
-              <a:t>2021-08-07</a:t>
+              <a:t>2021-08-08</a:t>
             </a:fld>
             <a:endParaRPr lang="ko-KR" altLang="en-US"/>
           </a:p>
@@ -1826,7 +1824,7 @@
           <a:p>
             <a:fld id="{9F268087-1A4D-47AC-A1CE-95FF2473F6F0}" type="datetimeFigureOut">
               <a:rPr lang="ko-KR" altLang="en-US" smtClean="0"/>
-              <a:t>2021-08-07</a:t>
+              <a:t>2021-08-08</a:t>
             </a:fld>
             <a:endParaRPr lang="ko-KR" altLang="en-US"/>
           </a:p>
@@ -2103,7 +2101,7 @@
           <a:p>
             <a:fld id="{9F268087-1A4D-47AC-A1CE-95FF2473F6F0}" type="datetimeFigureOut">
               <a:rPr lang="ko-KR" altLang="en-US" smtClean="0"/>
-              <a:t>2021-08-07</a:t>
+              <a:t>2021-08-08</a:t>
             </a:fld>
             <a:endParaRPr lang="ko-KR" altLang="en-US"/>
           </a:p>
@@ -2356,7 +2354,7 @@
           <a:p>
             <a:fld id="{9F268087-1A4D-47AC-A1CE-95FF2473F6F0}" type="datetimeFigureOut">
               <a:rPr lang="ko-KR" altLang="en-US" smtClean="0"/>
-              <a:t>2021-08-07</a:t>
+              <a:t>2021-08-08</a:t>
             </a:fld>
             <a:endParaRPr lang="ko-KR" altLang="en-US"/>
           </a:p>
@@ -2569,7 +2567,7 @@
           <a:p>
             <a:fld id="{9F268087-1A4D-47AC-A1CE-95FF2473F6F0}" type="datetimeFigureOut">
               <a:rPr lang="ko-KR" altLang="en-US" smtClean="0"/>
-              <a:t>2021-08-07</a:t>
+              <a:t>2021-08-08</a:t>
             </a:fld>
             <a:endParaRPr lang="ko-KR" altLang="en-US"/>
           </a:p>
@@ -6739,11 +6737,7 @@
             <a:pPr algn="ctr"/>
             <a:r>
               <a:rPr lang="en-US" altLang="ko-KR" dirty="0" err="1" smtClean="0"/>
-              <a:t>Helpful</a:t>
-            </a:r>
-            <a:r>
-              <a:rPr lang="en-US" altLang="ko-KR" dirty="0" err="1" smtClean="0"/>
-              <a:t>NPC</a:t>
+              <a:t>HelpfulNPC</a:t>
             </a:r>
             <a:endParaRPr lang="ko-KR" altLang="en-US" dirty="0"/>
           </a:p>
@@ -7027,7 +7021,7 @@
         </p:nvSpPr>
         <p:spPr>
           <a:xfrm>
-            <a:off x="8588175" y="2327105"/>
+            <a:off x="8712913" y="2900343"/>
             <a:ext cx="1645920" cy="415636"/>
           </a:xfrm>
           <a:prstGeom prst="rect">
@@ -7071,7 +7065,7 @@
         </p:nvSpPr>
         <p:spPr>
           <a:xfrm>
-            <a:off x="1964501" y="2265018"/>
+            <a:off x="1852336" y="3179871"/>
             <a:ext cx="1510829" cy="415636"/>
           </a:xfrm>
           <a:prstGeom prst="rect">
@@ -7115,7 +7109,7 @@
         </p:nvSpPr>
         <p:spPr>
           <a:xfrm>
-            <a:off x="342116" y="2931048"/>
+            <a:off x="229951" y="3845901"/>
             <a:ext cx="1203068" cy="392778"/>
           </a:xfrm>
           <a:prstGeom prst="rect">
@@ -7159,7 +7153,7 @@
         </p:nvSpPr>
         <p:spPr>
           <a:xfrm>
-            <a:off x="1718172" y="2921239"/>
+            <a:off x="1606007" y="3836092"/>
             <a:ext cx="1181704" cy="392778"/>
           </a:xfrm>
           <a:prstGeom prst="rect">
@@ -7206,7 +7200,7 @@
         </p:nvCxnSpPr>
         <p:spPr>
           <a:xfrm flipH="1">
-            <a:off x="943650" y="2680654"/>
+            <a:off x="831485" y="3595507"/>
             <a:ext cx="1776266" cy="250394"/>
           </a:xfrm>
           <a:prstGeom prst="straightConnector1">
@@ -7242,7 +7236,7 @@
         </p:nvCxnSpPr>
         <p:spPr>
           <a:xfrm flipH="1">
-            <a:off x="2309024" y="2680654"/>
+            <a:off x="2196859" y="3595507"/>
             <a:ext cx="410892" cy="240585"/>
           </a:xfrm>
           <a:prstGeom prst="straightConnector1">
@@ -7275,7 +7269,7 @@
         </p:nvSpPr>
         <p:spPr>
           <a:xfrm>
-            <a:off x="3028055" y="2921239"/>
+            <a:off x="2915890" y="3836092"/>
             <a:ext cx="1197033" cy="392778"/>
           </a:xfrm>
           <a:prstGeom prst="rect">
@@ -7318,7 +7312,7 @@
         </p:nvSpPr>
         <p:spPr>
           <a:xfrm>
-            <a:off x="5632283" y="2919837"/>
+            <a:off x="5520118" y="3834690"/>
             <a:ext cx="1346246" cy="394179"/>
           </a:xfrm>
           <a:prstGeom prst="rect">
@@ -7362,7 +7356,7 @@
         </p:nvSpPr>
         <p:spPr>
           <a:xfrm>
-            <a:off x="4340686" y="2919838"/>
+            <a:off x="4228521" y="3834691"/>
             <a:ext cx="1197033" cy="403988"/>
           </a:xfrm>
           <a:prstGeom prst="rect">
@@ -7409,7 +7403,7 @@
         </p:nvCxnSpPr>
         <p:spPr>
           <a:xfrm>
-            <a:off x="2719916" y="2680654"/>
+            <a:off x="2607751" y="3595507"/>
             <a:ext cx="906656" cy="240585"/>
           </a:xfrm>
           <a:prstGeom prst="straightConnector1">
@@ -7445,7 +7439,7 @@
         </p:nvCxnSpPr>
         <p:spPr>
           <a:xfrm>
-            <a:off x="2719916" y="2680654"/>
+            <a:off x="2607751" y="3595507"/>
             <a:ext cx="2219287" cy="239184"/>
           </a:xfrm>
           <a:prstGeom prst="straightConnector1">
@@ -7481,7 +7475,7 @@
         </p:nvCxnSpPr>
         <p:spPr>
           <a:xfrm>
-            <a:off x="2719916" y="2680654"/>
+            <a:off x="2607751" y="3595507"/>
             <a:ext cx="3585490" cy="239183"/>
           </a:xfrm>
           <a:prstGeom prst="straightConnector1">
@@ -7906,7 +7900,7 @@
         </p:nvSpPr>
         <p:spPr>
           <a:xfrm>
-            <a:off x="7407971" y="2931048"/>
+            <a:off x="7279125" y="3512939"/>
             <a:ext cx="1280161" cy="392778"/>
           </a:xfrm>
           <a:prstGeom prst="rect">
@@ -7950,7 +7944,7 @@
         </p:nvSpPr>
         <p:spPr>
           <a:xfrm>
-            <a:off x="8771055" y="2931048"/>
+            <a:off x="8642209" y="3512939"/>
             <a:ext cx="1787329" cy="392778"/>
           </a:xfrm>
           <a:prstGeom prst="rect">
@@ -7979,8 +7973,8 @@
           <a:p>
             <a:pPr algn="ctr"/>
             <a:r>
-              <a:rPr lang="en-US" altLang="ko-KR" dirty="0" err="1" smtClean="0"/>
-              <a:t>UnStabilization</a:t>
+              <a:rPr lang="en-US" altLang="ko-KR" dirty="0" smtClean="0"/>
+              <a:t>Movement</a:t>
             </a:r>
             <a:endParaRPr lang="ko-KR" altLang="en-US" dirty="0"/>
           </a:p>
@@ -7994,7 +7988,7 @@
         </p:nvSpPr>
         <p:spPr>
           <a:xfrm>
-            <a:off x="10704420" y="2925442"/>
+            <a:off x="10575574" y="3507333"/>
             <a:ext cx="1353847" cy="403989"/>
           </a:xfrm>
           <a:prstGeom prst="rect">
@@ -8041,8 +8035,8 @@
         </p:nvCxnSpPr>
         <p:spPr>
           <a:xfrm flipH="1">
-            <a:off x="8048052" y="2742741"/>
-            <a:ext cx="1363083" cy="188307"/>
+            <a:off x="7919206" y="3315979"/>
+            <a:ext cx="1616667" cy="196960"/>
           </a:xfrm>
           <a:prstGeom prst="straightConnector1">
             <a:avLst/>
@@ -8077,8 +8071,8 @@
         </p:nvCxnSpPr>
         <p:spPr>
           <a:xfrm>
-            <a:off x="9411135" y="2742741"/>
-            <a:ext cx="253585" cy="188307"/>
+            <a:off x="9535873" y="3315979"/>
+            <a:ext cx="1" cy="196960"/>
           </a:xfrm>
           <a:prstGeom prst="straightConnector1">
             <a:avLst/>
@@ -8113,8 +8107,8 @@
         </p:nvCxnSpPr>
         <p:spPr>
           <a:xfrm>
-            <a:off x="9411135" y="2742741"/>
-            <a:ext cx="1970209" cy="182701"/>
+            <a:off x="9535873" y="3315979"/>
+            <a:ext cx="1716625" cy="191354"/>
           </a:xfrm>
           <a:prstGeom prst="straightConnector1">
             <a:avLst/>
@@ -8146,7 +8140,7 @@
         </p:nvSpPr>
         <p:spPr>
           <a:xfrm>
-            <a:off x="7477963" y="3518387"/>
+            <a:off x="7349117" y="4100278"/>
             <a:ext cx="1140176" cy="340822"/>
           </a:xfrm>
           <a:prstGeom prst="roundRect">
@@ -8192,7 +8186,7 @@
         </p:nvSpPr>
         <p:spPr>
           <a:xfrm>
-            <a:off x="8426282" y="4013449"/>
+            <a:off x="8297436" y="4595340"/>
             <a:ext cx="2011884" cy="450485"/>
           </a:xfrm>
           <a:prstGeom prst="roundRect">
@@ -8246,8 +8240,8 @@
         </p:nvSpPr>
         <p:spPr>
           <a:xfrm>
-            <a:off x="10299831" y="3595507"/>
-            <a:ext cx="1140176" cy="340822"/>
+            <a:off x="10170984" y="4177398"/>
+            <a:ext cx="1892169" cy="340822"/>
           </a:xfrm>
           <a:prstGeom prst="roundRect">
             <a:avLst>
@@ -8276,7 +8270,373 @@
           <a:lstStyle/>
           <a:p>
             <a:pPr algn="ctr"/>
-            <a:endParaRPr lang="ko-KR" altLang="en-US" dirty="0"/>
+            <a:r>
+              <a:rPr lang="ko-KR" altLang="en-US" sz="1100" dirty="0" smtClean="0"/>
+              <a:t>움직이지 않는 </a:t>
+            </a:r>
+            <a:endParaRPr lang="en-US" altLang="ko-KR" sz="1100" dirty="0" smtClean="0"/>
+          </a:p>
+          <a:p>
+            <a:pPr algn="ctr"/>
+            <a:r>
+              <a:rPr lang="ko-KR" altLang="en-US" sz="1100" dirty="0" smtClean="0"/>
+              <a:t>점수 아이템</a:t>
+            </a:r>
+            <a:endParaRPr lang="ko-KR" altLang="en-US" sz="1100" dirty="0"/>
+          </a:p>
+        </p:txBody>
+      </p:sp>
+      <p:sp>
+        <p:nvSpPr>
+          <p:cNvPr id="43" name="Rounded Rectangle 42"/>
+          <p:cNvSpPr/>
+          <p:nvPr/>
+        </p:nvSpPr>
+        <p:spPr>
+          <a:xfrm>
+            <a:off x="5557056" y="1926025"/>
+            <a:ext cx="1389614" cy="390698"/>
+          </a:xfrm>
+          <a:prstGeom prst="roundRect">
+            <a:avLst>
+              <a:gd name="adj" fmla="val 50000"/>
+            </a:avLst>
+          </a:prstGeom>
+        </p:spPr>
+        <p:style>
+          <a:lnRef idx="2">
+            <a:schemeClr val="accent1">
+              <a:shade val="50000"/>
+            </a:schemeClr>
+          </a:lnRef>
+          <a:fillRef idx="1">
+            <a:schemeClr val="accent1"/>
+          </a:fillRef>
+          <a:effectRef idx="0">
+            <a:schemeClr val="accent1"/>
+          </a:effectRef>
+          <a:fontRef idx="minor">
+            <a:schemeClr val="lt1"/>
+          </a:fontRef>
+        </p:style>
+        <p:txBody>
+          <a:bodyPr rtlCol="0" anchor="ctr"/>
+          <a:lstStyle/>
+          <a:p>
+            <a:pPr algn="ctr"/>
+            <a:r>
+              <a:rPr lang="ko-KR" altLang="en-US" sz="1100" dirty="0" smtClean="0"/>
+              <a:t>포물선 운동 객체</a:t>
+            </a:r>
+            <a:endParaRPr lang="ko-KR" altLang="en-US" sz="1100" dirty="0"/>
+          </a:p>
+        </p:txBody>
+      </p:sp>
+      <p:sp>
+        <p:nvSpPr>
+          <p:cNvPr id="44" name="Rounded Rectangle 43"/>
+          <p:cNvSpPr/>
+          <p:nvPr/>
+        </p:nvSpPr>
+        <p:spPr>
+          <a:xfrm>
+            <a:off x="4127956" y="1936407"/>
+            <a:ext cx="1389614" cy="390698"/>
+          </a:xfrm>
+          <a:prstGeom prst="roundRect">
+            <a:avLst>
+              <a:gd name="adj" fmla="val 50000"/>
+            </a:avLst>
+          </a:prstGeom>
+        </p:spPr>
+        <p:style>
+          <a:lnRef idx="2">
+            <a:schemeClr val="accent1">
+              <a:shade val="50000"/>
+            </a:schemeClr>
+          </a:lnRef>
+          <a:fillRef idx="1">
+            <a:schemeClr val="accent1"/>
+          </a:fillRef>
+          <a:effectRef idx="0">
+            <a:schemeClr val="accent1"/>
+          </a:effectRef>
+          <a:fontRef idx="minor">
+            <a:schemeClr val="lt1"/>
+          </a:fontRef>
+        </p:style>
+        <p:txBody>
+          <a:bodyPr rtlCol="0" anchor="ctr"/>
+          <a:lstStyle/>
+          <a:p>
+            <a:pPr algn="ctr"/>
+            <a:r>
+              <a:rPr lang="ko-KR" altLang="en-US" sz="1100" dirty="0" smtClean="0"/>
+              <a:t>유도 기능 있는</a:t>
+            </a:r>
+            <a:endParaRPr lang="en-US" altLang="ko-KR" sz="1100" dirty="0" smtClean="0"/>
+          </a:p>
+          <a:p>
+            <a:pPr algn="ctr"/>
+            <a:r>
+              <a:rPr lang="ko-KR" altLang="en-US" sz="1100" dirty="0" smtClean="0"/>
+              <a:t>객체</a:t>
+            </a:r>
+            <a:endParaRPr lang="ko-KR" altLang="en-US" sz="1100" dirty="0"/>
+          </a:p>
+        </p:txBody>
+      </p:sp>
+      <p:sp>
+        <p:nvSpPr>
+          <p:cNvPr id="45" name="Rounded Rectangle 44"/>
+          <p:cNvSpPr/>
+          <p:nvPr/>
+        </p:nvSpPr>
+        <p:spPr>
+          <a:xfrm>
+            <a:off x="2698856" y="1926024"/>
+            <a:ext cx="1389614" cy="581891"/>
+          </a:xfrm>
+          <a:prstGeom prst="roundRect">
+            <a:avLst>
+              <a:gd name="adj" fmla="val 50000"/>
+            </a:avLst>
+          </a:prstGeom>
+        </p:spPr>
+        <p:style>
+          <a:lnRef idx="2">
+            <a:schemeClr val="accent1">
+              <a:shade val="50000"/>
+            </a:schemeClr>
+          </a:lnRef>
+          <a:fillRef idx="1">
+            <a:schemeClr val="accent1"/>
+          </a:fillRef>
+          <a:effectRef idx="0">
+            <a:schemeClr val="accent1"/>
+          </a:effectRef>
+          <a:fontRef idx="minor">
+            <a:schemeClr val="lt1"/>
+          </a:fontRef>
+        </p:style>
+        <p:txBody>
+          <a:bodyPr rtlCol="0" anchor="ctr"/>
+          <a:lstStyle/>
+          <a:p>
+            <a:pPr algn="ctr"/>
+            <a:r>
+              <a:rPr lang="ko-KR" altLang="en-US" sz="1100" dirty="0" smtClean="0"/>
+              <a:t>등속운동 하는</a:t>
+            </a:r>
+            <a:endParaRPr lang="en-US" altLang="ko-KR" sz="1100" dirty="0" smtClean="0"/>
+          </a:p>
+          <a:p>
+            <a:pPr algn="ctr"/>
+            <a:r>
+              <a:rPr lang="ko-KR" altLang="en-US" sz="1100" dirty="0" smtClean="0"/>
+              <a:t>객체</a:t>
+            </a:r>
+            <a:endParaRPr lang="en-US" altLang="ko-KR" sz="1100" dirty="0" smtClean="0"/>
+          </a:p>
+          <a:p>
+            <a:pPr algn="ctr"/>
+            <a:r>
+              <a:rPr lang="en-US" altLang="ko-KR" sz="1100" dirty="0" smtClean="0"/>
+              <a:t>(</a:t>
+            </a:r>
+            <a:r>
+              <a:rPr lang="ko-KR" altLang="en-US" sz="1100" dirty="0" smtClean="0"/>
+              <a:t>범위 기반 포함</a:t>
+            </a:r>
+            <a:r>
+              <a:rPr lang="en-US" altLang="ko-KR" sz="1100" dirty="0" smtClean="0"/>
+              <a:t>)</a:t>
+            </a:r>
+            <a:endParaRPr lang="ko-KR" altLang="en-US" sz="1100" dirty="0"/>
+          </a:p>
+        </p:txBody>
+      </p:sp>
+      <p:sp>
+        <p:nvSpPr>
+          <p:cNvPr id="46" name="Rounded Rectangle 45"/>
+          <p:cNvSpPr/>
+          <p:nvPr/>
+        </p:nvSpPr>
+        <p:spPr>
+          <a:xfrm>
+            <a:off x="281231" y="1968224"/>
+            <a:ext cx="945126" cy="390698"/>
+          </a:xfrm>
+          <a:prstGeom prst="roundRect">
+            <a:avLst>
+              <a:gd name="adj" fmla="val 50000"/>
+            </a:avLst>
+          </a:prstGeom>
+        </p:spPr>
+        <p:style>
+          <a:lnRef idx="2">
+            <a:schemeClr val="accent1">
+              <a:shade val="50000"/>
+            </a:schemeClr>
+          </a:lnRef>
+          <a:fillRef idx="1">
+            <a:schemeClr val="accent1"/>
+          </a:fillRef>
+          <a:effectRef idx="0">
+            <a:schemeClr val="accent1"/>
+          </a:effectRef>
+          <a:fontRef idx="minor">
+            <a:schemeClr val="lt1"/>
+          </a:fontRef>
+        </p:style>
+        <p:txBody>
+          <a:bodyPr rtlCol="0" anchor="ctr"/>
+          <a:lstStyle/>
+          <a:p>
+            <a:pPr algn="ctr"/>
+            <a:r>
+              <a:rPr lang="ko-KR" altLang="en-US" sz="1100" smtClean="0"/>
+              <a:t>일반 상태</a:t>
+            </a:r>
+            <a:endParaRPr lang="en-US" altLang="ko-KR" sz="1100" dirty="0" smtClean="0"/>
+          </a:p>
+        </p:txBody>
+      </p:sp>
+      <p:sp>
+        <p:nvSpPr>
+          <p:cNvPr id="47" name="Rounded Rectangle 46"/>
+          <p:cNvSpPr/>
+          <p:nvPr/>
+        </p:nvSpPr>
+        <p:spPr>
+          <a:xfrm>
+            <a:off x="1498921" y="1968224"/>
+            <a:ext cx="945126" cy="390698"/>
+          </a:xfrm>
+          <a:prstGeom prst="roundRect">
+            <a:avLst>
+              <a:gd name="adj" fmla="val 50000"/>
+            </a:avLst>
+          </a:prstGeom>
+        </p:spPr>
+        <p:style>
+          <a:lnRef idx="2">
+            <a:schemeClr val="accent1">
+              <a:shade val="50000"/>
+            </a:schemeClr>
+          </a:lnRef>
+          <a:fillRef idx="1">
+            <a:schemeClr val="accent1"/>
+          </a:fillRef>
+          <a:effectRef idx="0">
+            <a:schemeClr val="accent1"/>
+          </a:effectRef>
+          <a:fontRef idx="minor">
+            <a:schemeClr val="lt1"/>
+          </a:fontRef>
+        </p:style>
+        <p:txBody>
+          <a:bodyPr rtlCol="0" anchor="ctr"/>
+          <a:lstStyle/>
+          <a:p>
+            <a:pPr algn="ctr"/>
+            <a:r>
+              <a:rPr lang="ko-KR" altLang="en-US" sz="1100" dirty="0" smtClean="0"/>
+              <a:t>장비 탑승 상태</a:t>
+            </a:r>
+            <a:endParaRPr lang="en-US" altLang="ko-KR" sz="1100" dirty="0" smtClean="0"/>
+          </a:p>
+        </p:txBody>
+      </p:sp>
+      <p:sp>
+        <p:nvSpPr>
+          <p:cNvPr id="48" name="Rounded Rectangle 47"/>
+          <p:cNvSpPr/>
+          <p:nvPr/>
+        </p:nvSpPr>
+        <p:spPr>
+          <a:xfrm>
+            <a:off x="7477963" y="1803801"/>
+            <a:ext cx="1389614" cy="390698"/>
+          </a:xfrm>
+          <a:prstGeom prst="roundRect">
+            <a:avLst>
+              <a:gd name="adj" fmla="val 50000"/>
+            </a:avLst>
+          </a:prstGeom>
+        </p:spPr>
+        <p:style>
+          <a:lnRef idx="2">
+            <a:schemeClr val="accent1">
+              <a:shade val="50000"/>
+            </a:schemeClr>
+          </a:lnRef>
+          <a:fillRef idx="1">
+            <a:schemeClr val="accent1"/>
+          </a:fillRef>
+          <a:effectRef idx="0">
+            <a:schemeClr val="accent1"/>
+          </a:effectRef>
+          <a:fontRef idx="minor">
+            <a:schemeClr val="lt1"/>
+          </a:fontRef>
+        </p:style>
+        <p:txBody>
+          <a:bodyPr rtlCol="0" anchor="ctr"/>
+          <a:lstStyle/>
+          <a:p>
+            <a:pPr algn="ctr"/>
+            <a:r>
+              <a:rPr lang="ko-KR" altLang="en-US" sz="1100" dirty="0" smtClean="0"/>
+              <a:t>아이템 주는 포로</a:t>
+            </a:r>
+            <a:endParaRPr lang="ko-KR" altLang="en-US" sz="1100" dirty="0"/>
+          </a:p>
+        </p:txBody>
+      </p:sp>
+      <p:sp>
+        <p:nvSpPr>
+          <p:cNvPr id="49" name="Rounded Rectangle 48"/>
+          <p:cNvSpPr/>
+          <p:nvPr/>
+        </p:nvSpPr>
+        <p:spPr>
+          <a:xfrm>
+            <a:off x="9360030" y="1821662"/>
+            <a:ext cx="1389614" cy="390698"/>
+          </a:xfrm>
+          <a:prstGeom prst="roundRect">
+            <a:avLst>
+              <a:gd name="adj" fmla="val 50000"/>
+            </a:avLst>
+          </a:prstGeom>
+        </p:spPr>
+        <p:style>
+          <a:lnRef idx="2">
+            <a:schemeClr val="accent1">
+              <a:shade val="50000"/>
+            </a:schemeClr>
+          </a:lnRef>
+          <a:fillRef idx="1">
+            <a:schemeClr val="accent1"/>
+          </a:fillRef>
+          <a:effectRef idx="0">
+            <a:schemeClr val="accent1"/>
+          </a:effectRef>
+          <a:fontRef idx="minor">
+            <a:schemeClr val="lt1"/>
+          </a:fontRef>
+        </p:style>
+        <p:txBody>
+          <a:bodyPr rtlCol="0" anchor="ctr"/>
+          <a:lstStyle/>
+          <a:p>
+            <a:pPr algn="ctr"/>
+            <a:r>
+              <a:rPr lang="ko-KR" altLang="en-US" sz="1100" dirty="0" smtClean="0"/>
+              <a:t>등장하는 동물</a:t>
+            </a:r>
+            <a:endParaRPr lang="ko-KR" altLang="en-US" sz="1100" dirty="0"/>
           </a:p>
         </p:txBody>
       </p:sp>
@@ -8284,379 +8644,6 @@
     <p:extLst>
       <p:ext uri="{BB962C8B-B14F-4D97-AF65-F5344CB8AC3E}">
         <p14:creationId xmlns:p14="http://schemas.microsoft.com/office/powerpoint/2010/main" val="1841653546"/>
-      </p:ext>
-    </p:extLst>
-  </p:cSld>
-  <p:clrMapOvr>
-    <a:masterClrMapping/>
-  </p:clrMapOvr>
-</p:sld>
-</file>
-
-<file path=ppt/slides/slide5.xml><?xml version="1.0" encoding="utf-8"?>
-<p:sld xmlns:a="http://schemas.openxmlformats.org/drawingml/2006/main" xmlns:r="http://schemas.openxmlformats.org/officeDocument/2006/relationships" xmlns:p="http://schemas.openxmlformats.org/presentationml/2006/main">
-  <p:cSld>
-    <p:spTree>
-      <p:nvGrpSpPr>
-        <p:cNvPr id="1" name=""/>
-        <p:cNvGrpSpPr/>
-        <p:nvPr/>
-      </p:nvGrpSpPr>
-      <p:grpSpPr>
-        <a:xfrm>
-          <a:off x="0" y="0"/>
-          <a:ext cx="0" cy="0"/>
-          <a:chOff x="0" y="0"/>
-          <a:chExt cx="0" cy="0"/>
-        </a:xfrm>
-      </p:grpSpPr>
-      <p:sp>
-        <p:nvSpPr>
-          <p:cNvPr id="4" name="Rectangle 3"/>
-          <p:cNvSpPr/>
-          <p:nvPr/>
-        </p:nvSpPr>
-        <p:spPr>
-          <a:xfrm>
-            <a:off x="1905682" y="139228"/>
-            <a:ext cx="1213658" cy="502920"/>
-          </a:xfrm>
-          <a:prstGeom prst="rect">
-            <a:avLst/>
-          </a:prstGeom>
-          <a:ln>
-            <a:solidFill>
-              <a:schemeClr val="tx1"/>
-            </a:solidFill>
-          </a:ln>
-        </p:spPr>
-        <p:style>
-          <a:lnRef idx="2">
-            <a:schemeClr val="accent1">
-              <a:shade val="50000"/>
-            </a:schemeClr>
-          </a:lnRef>
-          <a:fillRef idx="1">
-            <a:schemeClr val="accent1"/>
-          </a:fillRef>
-          <a:effectRef idx="0">
-            <a:schemeClr val="accent1"/>
-          </a:effectRef>
-          <a:fontRef idx="minor">
-            <a:schemeClr val="lt1"/>
-          </a:fontRef>
-        </p:style>
-        <p:txBody>
-          <a:bodyPr rtlCol="0" anchor="ctr"/>
-          <a:lstStyle/>
-          <a:p>
-            <a:pPr algn="ctr"/>
-            <a:r>
-              <a:rPr lang="en-US" altLang="ko-KR" dirty="0" smtClean="0"/>
-              <a:t>Projectile</a:t>
-            </a:r>
-            <a:endParaRPr lang="ko-KR" altLang="en-US" dirty="0"/>
-          </a:p>
-        </p:txBody>
-      </p:sp>
-      <p:sp>
-        <p:nvSpPr>
-          <p:cNvPr id="5" name="Rectangle 4"/>
-          <p:cNvSpPr/>
-          <p:nvPr/>
-        </p:nvSpPr>
-        <p:spPr>
-          <a:xfrm>
-            <a:off x="540327" y="789700"/>
-            <a:ext cx="1213658" cy="469668"/>
-          </a:xfrm>
-          <a:prstGeom prst="rect">
-            <a:avLst/>
-          </a:prstGeom>
-          <a:ln>
-            <a:solidFill>
-              <a:schemeClr val="tx1"/>
-            </a:solidFill>
-          </a:ln>
-        </p:spPr>
-        <p:style>
-          <a:lnRef idx="2">
-            <a:schemeClr val="accent1">
-              <a:shade val="50000"/>
-            </a:schemeClr>
-          </a:lnRef>
-          <a:fillRef idx="1">
-            <a:schemeClr val="accent1"/>
-          </a:fillRef>
-          <a:effectRef idx="0">
-            <a:schemeClr val="accent1"/>
-          </a:effectRef>
-          <a:fontRef idx="minor">
-            <a:schemeClr val="lt1"/>
-          </a:fontRef>
-        </p:style>
-        <p:txBody>
-          <a:bodyPr rtlCol="0" anchor="ctr"/>
-          <a:lstStyle/>
-          <a:p>
-            <a:pPr algn="ctr"/>
-            <a:r>
-              <a:rPr lang="en-US" altLang="ko-KR" dirty="0" smtClean="0"/>
-              <a:t>Bullet</a:t>
-            </a:r>
-            <a:endParaRPr lang="ko-KR" altLang="en-US" dirty="0"/>
-          </a:p>
-        </p:txBody>
-      </p:sp>
-      <p:sp>
-        <p:nvSpPr>
-          <p:cNvPr id="6" name="Rectangle 5"/>
-          <p:cNvSpPr/>
-          <p:nvPr/>
-        </p:nvSpPr>
-        <p:spPr>
-          <a:xfrm>
-            <a:off x="1825330" y="789700"/>
-            <a:ext cx="1389614" cy="469668"/>
-          </a:xfrm>
-          <a:prstGeom prst="rect">
-            <a:avLst/>
-          </a:prstGeom>
-          <a:ln>
-            <a:solidFill>
-              <a:schemeClr val="tx1"/>
-            </a:solidFill>
-          </a:ln>
-        </p:spPr>
-        <p:style>
-          <a:lnRef idx="2">
-            <a:schemeClr val="accent1">
-              <a:shade val="50000"/>
-            </a:schemeClr>
-          </a:lnRef>
-          <a:fillRef idx="1">
-            <a:schemeClr val="accent1"/>
-          </a:fillRef>
-          <a:effectRef idx="0">
-            <a:schemeClr val="accent1"/>
-          </a:effectRef>
-          <a:fontRef idx="minor">
-            <a:schemeClr val="lt1"/>
-          </a:fontRef>
-        </p:style>
-        <p:txBody>
-          <a:bodyPr rtlCol="0" anchor="ctr"/>
-          <a:lstStyle/>
-          <a:p>
-            <a:pPr algn="ctr"/>
-            <a:r>
-              <a:rPr lang="en-US" altLang="ko-KR" dirty="0" smtClean="0"/>
-              <a:t>Missile</a:t>
-            </a:r>
-            <a:endParaRPr lang="ko-KR" altLang="en-US" dirty="0"/>
-          </a:p>
-        </p:txBody>
-      </p:sp>
-      <p:sp>
-        <p:nvSpPr>
-          <p:cNvPr id="7" name="Rectangle 6"/>
-          <p:cNvSpPr/>
-          <p:nvPr/>
-        </p:nvSpPr>
-        <p:spPr>
-          <a:xfrm>
-            <a:off x="3286289" y="789700"/>
-            <a:ext cx="1389614" cy="469668"/>
-          </a:xfrm>
-          <a:prstGeom prst="rect">
-            <a:avLst/>
-          </a:prstGeom>
-          <a:ln>
-            <a:solidFill>
-              <a:schemeClr val="tx1"/>
-            </a:solidFill>
-          </a:ln>
-        </p:spPr>
-        <p:style>
-          <a:lnRef idx="2">
-            <a:schemeClr val="accent1">
-              <a:shade val="50000"/>
-            </a:schemeClr>
-          </a:lnRef>
-          <a:fillRef idx="1">
-            <a:schemeClr val="accent1"/>
-          </a:fillRef>
-          <a:effectRef idx="0">
-            <a:schemeClr val="accent1"/>
-          </a:effectRef>
-          <a:fontRef idx="minor">
-            <a:schemeClr val="lt1"/>
-          </a:fontRef>
-        </p:style>
-        <p:txBody>
-          <a:bodyPr rtlCol="0" anchor="ctr"/>
-          <a:lstStyle/>
-          <a:p>
-            <a:pPr algn="ctr"/>
-            <a:r>
-              <a:rPr lang="en-US" altLang="ko-KR" dirty="0" err="1" smtClean="0"/>
-              <a:t>Granade</a:t>
-            </a:r>
-            <a:endParaRPr lang="ko-KR" altLang="en-US" dirty="0"/>
-          </a:p>
-        </p:txBody>
-      </p:sp>
-      <p:cxnSp>
-        <p:nvCxnSpPr>
-          <p:cNvPr id="8" name="Straight Arrow Connector 7"/>
-          <p:cNvCxnSpPr>
-            <a:stCxn id="4" idx="2"/>
-            <a:endCxn id="5" idx="0"/>
-          </p:cNvCxnSpPr>
-          <p:nvPr/>
-        </p:nvCxnSpPr>
-        <p:spPr>
-          <a:xfrm flipH="1">
-            <a:off x="1147156" y="642148"/>
-            <a:ext cx="1365355" cy="147552"/>
-          </a:xfrm>
-          <a:prstGeom prst="straightConnector1">
-            <a:avLst/>
-          </a:prstGeom>
-          <a:ln>
-            <a:solidFill>
-              <a:schemeClr val="tx1"/>
-            </a:solidFill>
-            <a:tailEnd type="triangle"/>
-          </a:ln>
-        </p:spPr>
-        <p:style>
-          <a:lnRef idx="1">
-            <a:schemeClr val="accent1"/>
-          </a:lnRef>
-          <a:fillRef idx="0">
-            <a:schemeClr val="accent1"/>
-          </a:fillRef>
-          <a:effectRef idx="0">
-            <a:schemeClr val="accent1"/>
-          </a:effectRef>
-          <a:fontRef idx="minor">
-            <a:schemeClr val="tx1"/>
-          </a:fontRef>
-        </p:style>
-      </p:cxnSp>
-      <p:cxnSp>
-        <p:nvCxnSpPr>
-          <p:cNvPr id="9" name="Straight Arrow Connector 8"/>
-          <p:cNvCxnSpPr>
-            <a:stCxn id="4" idx="2"/>
-            <a:endCxn id="7" idx="0"/>
-          </p:cNvCxnSpPr>
-          <p:nvPr/>
-        </p:nvCxnSpPr>
-        <p:spPr>
-          <a:xfrm>
-            <a:off x="2512511" y="642148"/>
-            <a:ext cx="1468585" cy="147552"/>
-          </a:xfrm>
-          <a:prstGeom prst="straightConnector1">
-            <a:avLst/>
-          </a:prstGeom>
-          <a:ln>
-            <a:solidFill>
-              <a:schemeClr val="tx1"/>
-            </a:solidFill>
-            <a:tailEnd type="triangle"/>
-          </a:ln>
-        </p:spPr>
-        <p:style>
-          <a:lnRef idx="1">
-            <a:schemeClr val="accent1"/>
-          </a:lnRef>
-          <a:fillRef idx="0">
-            <a:schemeClr val="accent1"/>
-          </a:fillRef>
-          <a:effectRef idx="0">
-            <a:schemeClr val="accent1"/>
-          </a:effectRef>
-          <a:fontRef idx="minor">
-            <a:schemeClr val="tx1"/>
-          </a:fontRef>
-        </p:style>
-      </p:cxnSp>
-      <p:cxnSp>
-        <p:nvCxnSpPr>
-          <p:cNvPr id="10" name="Straight Arrow Connector 9"/>
-          <p:cNvCxnSpPr>
-            <a:stCxn id="4" idx="2"/>
-            <a:endCxn id="6" idx="0"/>
-          </p:cNvCxnSpPr>
-          <p:nvPr/>
-        </p:nvCxnSpPr>
-        <p:spPr>
-          <a:xfrm>
-            <a:off x="2512511" y="642148"/>
-            <a:ext cx="7626" cy="147552"/>
-          </a:xfrm>
-          <a:prstGeom prst="straightConnector1">
-            <a:avLst/>
-          </a:prstGeom>
-          <a:ln>
-            <a:solidFill>
-              <a:schemeClr val="tx1"/>
-            </a:solidFill>
-            <a:tailEnd type="triangle"/>
-          </a:ln>
-        </p:spPr>
-        <p:style>
-          <a:lnRef idx="1">
-            <a:schemeClr val="accent1"/>
-          </a:lnRef>
-          <a:fillRef idx="0">
-            <a:schemeClr val="accent1"/>
-          </a:fillRef>
-          <a:effectRef idx="0">
-            <a:schemeClr val="accent1"/>
-          </a:effectRef>
-          <a:fontRef idx="minor">
-            <a:schemeClr val="tx1"/>
-          </a:fontRef>
-        </p:style>
-      </p:cxnSp>
-    </p:spTree>
-    <p:extLst>
-      <p:ext uri="{BB962C8B-B14F-4D97-AF65-F5344CB8AC3E}">
-        <p14:creationId xmlns:p14="http://schemas.microsoft.com/office/powerpoint/2010/main" val="138135117"/>
-      </p:ext>
-    </p:extLst>
-  </p:cSld>
-  <p:clrMapOvr>
-    <a:masterClrMapping/>
-  </p:clrMapOvr>
-</p:sld>
-</file>
-
-<file path=ppt/slides/slide6.xml><?xml version="1.0" encoding="utf-8"?>
-<p:sld xmlns:a="http://schemas.openxmlformats.org/drawingml/2006/main" xmlns:r="http://schemas.openxmlformats.org/officeDocument/2006/relationships" xmlns:p="http://schemas.openxmlformats.org/presentationml/2006/main">
-  <p:cSld>
-    <p:spTree>
-      <p:nvGrpSpPr>
-        <p:cNvPr id="1" name=""/>
-        <p:cNvGrpSpPr/>
-        <p:nvPr/>
-      </p:nvGrpSpPr>
-      <p:grpSpPr>
-        <a:xfrm>
-          <a:off x="0" y="0"/>
-          <a:ext cx="0" cy="0"/>
-          <a:chOff x="0" y="0"/>
-          <a:chExt cx="0" cy="0"/>
-        </a:xfrm>
-      </p:grpSpPr>
-    </p:spTree>
-    <p:extLst>
-      <p:ext uri="{BB962C8B-B14F-4D97-AF65-F5344CB8AC3E}">
-        <p14:creationId xmlns:p14="http://schemas.microsoft.com/office/powerpoint/2010/main" val="2904132236"/>
       </p:ext>
     </p:extLst>
   </p:cSld>

--- a/기획 문서/FrameWork.pptx
+++ b/기획 문서/FrameWork.pptx
@@ -246,7 +246,7 @@
           <a:p>
             <a:fld id="{9F268087-1A4D-47AC-A1CE-95FF2473F6F0}" type="datetimeFigureOut">
               <a:rPr lang="ko-KR" altLang="en-US" smtClean="0"/>
-              <a:t>2021-08-08</a:t>
+              <a:t>2021-08-09</a:t>
             </a:fld>
             <a:endParaRPr lang="ko-KR" altLang="en-US"/>
           </a:p>
@@ -416,7 +416,7 @@
           <a:p>
             <a:fld id="{9F268087-1A4D-47AC-A1CE-95FF2473F6F0}" type="datetimeFigureOut">
               <a:rPr lang="ko-KR" altLang="en-US" smtClean="0"/>
-              <a:t>2021-08-08</a:t>
+              <a:t>2021-08-09</a:t>
             </a:fld>
             <a:endParaRPr lang="ko-KR" altLang="en-US"/>
           </a:p>
@@ -596,7 +596,7 @@
           <a:p>
             <a:fld id="{9F268087-1A4D-47AC-A1CE-95FF2473F6F0}" type="datetimeFigureOut">
               <a:rPr lang="ko-KR" altLang="en-US" smtClean="0"/>
-              <a:t>2021-08-08</a:t>
+              <a:t>2021-08-09</a:t>
             </a:fld>
             <a:endParaRPr lang="ko-KR" altLang="en-US"/>
           </a:p>
@@ -766,7 +766,7 @@
           <a:p>
             <a:fld id="{9F268087-1A4D-47AC-A1CE-95FF2473F6F0}" type="datetimeFigureOut">
               <a:rPr lang="ko-KR" altLang="en-US" smtClean="0"/>
-              <a:t>2021-08-08</a:t>
+              <a:t>2021-08-09</a:t>
             </a:fld>
             <a:endParaRPr lang="ko-KR" altLang="en-US"/>
           </a:p>
@@ -1012,7 +1012,7 @@
           <a:p>
             <a:fld id="{9F268087-1A4D-47AC-A1CE-95FF2473F6F0}" type="datetimeFigureOut">
               <a:rPr lang="ko-KR" altLang="en-US" smtClean="0"/>
-              <a:t>2021-08-08</a:t>
+              <a:t>2021-08-09</a:t>
             </a:fld>
             <a:endParaRPr lang="ko-KR" altLang="en-US"/>
           </a:p>
@@ -1244,7 +1244,7 @@
           <a:p>
             <a:fld id="{9F268087-1A4D-47AC-A1CE-95FF2473F6F0}" type="datetimeFigureOut">
               <a:rPr lang="ko-KR" altLang="en-US" smtClean="0"/>
-              <a:t>2021-08-08</a:t>
+              <a:t>2021-08-09</a:t>
             </a:fld>
             <a:endParaRPr lang="ko-KR" altLang="en-US"/>
           </a:p>
@@ -1611,7 +1611,7 @@
           <a:p>
             <a:fld id="{9F268087-1A4D-47AC-A1CE-95FF2473F6F0}" type="datetimeFigureOut">
               <a:rPr lang="ko-KR" altLang="en-US" smtClean="0"/>
-              <a:t>2021-08-08</a:t>
+              <a:t>2021-08-09</a:t>
             </a:fld>
             <a:endParaRPr lang="ko-KR" altLang="en-US"/>
           </a:p>
@@ -1729,7 +1729,7 @@
           <a:p>
             <a:fld id="{9F268087-1A4D-47AC-A1CE-95FF2473F6F0}" type="datetimeFigureOut">
               <a:rPr lang="ko-KR" altLang="en-US" smtClean="0"/>
-              <a:t>2021-08-08</a:t>
+              <a:t>2021-08-09</a:t>
             </a:fld>
             <a:endParaRPr lang="ko-KR" altLang="en-US"/>
           </a:p>
@@ -1824,7 +1824,7 @@
           <a:p>
             <a:fld id="{9F268087-1A4D-47AC-A1CE-95FF2473F6F0}" type="datetimeFigureOut">
               <a:rPr lang="ko-KR" altLang="en-US" smtClean="0"/>
-              <a:t>2021-08-08</a:t>
+              <a:t>2021-08-09</a:t>
             </a:fld>
             <a:endParaRPr lang="ko-KR" altLang="en-US"/>
           </a:p>
@@ -2101,7 +2101,7 @@
           <a:p>
             <a:fld id="{9F268087-1A4D-47AC-A1CE-95FF2473F6F0}" type="datetimeFigureOut">
               <a:rPr lang="ko-KR" altLang="en-US" smtClean="0"/>
-              <a:t>2021-08-08</a:t>
+              <a:t>2021-08-09</a:t>
             </a:fld>
             <a:endParaRPr lang="ko-KR" altLang="en-US"/>
           </a:p>
@@ -2354,7 +2354,7 @@
           <a:p>
             <a:fld id="{9F268087-1A4D-47AC-A1CE-95FF2473F6F0}" type="datetimeFigureOut">
               <a:rPr lang="ko-KR" altLang="en-US" smtClean="0"/>
-              <a:t>2021-08-08</a:t>
+              <a:t>2021-08-09</a:t>
             </a:fld>
             <a:endParaRPr lang="ko-KR" altLang="en-US"/>
           </a:p>
@@ -2567,7 +2567,7 @@
           <a:p>
             <a:fld id="{9F268087-1A4D-47AC-A1CE-95FF2473F6F0}" type="datetimeFigureOut">
               <a:rPr lang="ko-KR" altLang="en-US" smtClean="0"/>
-              <a:t>2021-08-08</a:t>
+              <a:t>2021-08-09</a:t>
             </a:fld>
             <a:endParaRPr lang="ko-KR" altLang="en-US"/>
           </a:p>
@@ -6855,166 +6855,6 @@
       </p:sp>
       <p:sp>
         <p:nvSpPr>
-          <p:cNvPr id="25" name="Rectangle 24"/>
-          <p:cNvSpPr/>
-          <p:nvPr/>
-        </p:nvSpPr>
-        <p:spPr>
-          <a:xfrm>
-            <a:off x="281231" y="1364511"/>
-            <a:ext cx="997527" cy="392778"/>
-          </a:xfrm>
-          <a:prstGeom prst="rect">
-            <a:avLst/>
-          </a:prstGeom>
-        </p:spPr>
-        <p:style>
-          <a:lnRef idx="2">
-            <a:schemeClr val="accent1">
-              <a:shade val="50000"/>
-            </a:schemeClr>
-          </a:lnRef>
-          <a:fillRef idx="1">
-            <a:schemeClr val="accent1"/>
-          </a:fillRef>
-          <a:effectRef idx="0">
-            <a:schemeClr val="accent1"/>
-          </a:effectRef>
-          <a:fontRef idx="minor">
-            <a:schemeClr val="lt1"/>
-          </a:fontRef>
-        </p:style>
-        <p:txBody>
-          <a:bodyPr rtlCol="0" anchor="ctr"/>
-          <a:lstStyle/>
-          <a:p>
-            <a:pPr algn="ctr"/>
-            <a:r>
-              <a:rPr lang="en-US" altLang="ko-KR" dirty="0" smtClean="0"/>
-              <a:t>Soldier</a:t>
-            </a:r>
-            <a:endParaRPr lang="ko-KR" altLang="en-US" dirty="0"/>
-          </a:p>
-        </p:txBody>
-      </p:sp>
-      <p:sp>
-        <p:nvSpPr>
-          <p:cNvPr id="27" name="Rectangle 26"/>
-          <p:cNvSpPr/>
-          <p:nvPr/>
-        </p:nvSpPr>
-        <p:spPr>
-          <a:xfrm>
-            <a:off x="1472721" y="1359310"/>
-            <a:ext cx="997527" cy="392778"/>
-          </a:xfrm>
-          <a:prstGeom prst="rect">
-            <a:avLst/>
-          </a:prstGeom>
-        </p:spPr>
-        <p:style>
-          <a:lnRef idx="2">
-            <a:schemeClr val="accent1">
-              <a:shade val="50000"/>
-            </a:schemeClr>
-          </a:lnRef>
-          <a:fillRef idx="1">
-            <a:schemeClr val="accent1"/>
-          </a:fillRef>
-          <a:effectRef idx="0">
-            <a:schemeClr val="accent1"/>
-          </a:effectRef>
-          <a:fontRef idx="minor">
-            <a:schemeClr val="lt1"/>
-          </a:fontRef>
-        </p:style>
-        <p:txBody>
-          <a:bodyPr rtlCol="0" anchor="ctr"/>
-          <a:lstStyle/>
-          <a:p>
-            <a:pPr algn="ctr"/>
-            <a:r>
-              <a:rPr lang="en-US" altLang="ko-KR" dirty="0" smtClean="0"/>
-              <a:t>Slug</a:t>
-            </a:r>
-            <a:endParaRPr lang="ko-KR" altLang="en-US" dirty="0"/>
-          </a:p>
-        </p:txBody>
-      </p:sp>
-      <p:cxnSp>
-        <p:nvCxnSpPr>
-          <p:cNvPr id="29" name="Straight Arrow Connector 28"/>
-          <p:cNvCxnSpPr>
-            <a:stCxn id="24" idx="2"/>
-            <a:endCxn id="25" idx="0"/>
-          </p:cNvCxnSpPr>
-          <p:nvPr/>
-        </p:nvCxnSpPr>
-        <p:spPr>
-          <a:xfrm flipH="1">
-            <a:off x="779995" y="1153576"/>
-            <a:ext cx="592973" cy="210935"/>
-          </a:xfrm>
-          <a:prstGeom prst="straightConnector1">
-            <a:avLst/>
-          </a:prstGeom>
-          <a:ln>
-            <a:tailEnd type="triangle"/>
-          </a:ln>
-        </p:spPr>
-        <p:style>
-          <a:lnRef idx="1">
-            <a:schemeClr val="accent1"/>
-          </a:lnRef>
-          <a:fillRef idx="0">
-            <a:schemeClr val="accent1"/>
-          </a:fillRef>
-          <a:effectRef idx="0">
-            <a:schemeClr val="accent1"/>
-          </a:effectRef>
-          <a:fontRef idx="minor">
-            <a:schemeClr val="tx1"/>
-          </a:fontRef>
-        </p:style>
-      </p:cxnSp>
-      <p:cxnSp>
-        <p:nvCxnSpPr>
-          <p:cNvPr id="31" name="Straight Arrow Connector 30"/>
-          <p:cNvCxnSpPr>
-            <a:stCxn id="24" idx="2"/>
-            <a:endCxn id="27" idx="0"/>
-          </p:cNvCxnSpPr>
-          <p:nvPr/>
-        </p:nvCxnSpPr>
-        <p:spPr>
-          <a:xfrm>
-            <a:off x="1372968" y="1153576"/>
-            <a:ext cx="598517" cy="205734"/>
-          </a:xfrm>
-          <a:prstGeom prst="straightConnector1">
-            <a:avLst/>
-          </a:prstGeom>
-          <a:ln>
-            <a:tailEnd type="triangle"/>
-          </a:ln>
-        </p:spPr>
-        <p:style>
-          <a:lnRef idx="1">
-            <a:schemeClr val="accent1"/>
-          </a:lnRef>
-          <a:fillRef idx="0">
-            <a:schemeClr val="accent1"/>
-          </a:fillRef>
-          <a:effectRef idx="0">
-            <a:schemeClr val="accent1"/>
-          </a:effectRef>
-          <a:fontRef idx="minor">
-            <a:schemeClr val="tx1"/>
-          </a:fontRef>
-        </p:style>
-      </p:cxnSp>
-      <p:sp>
-        <p:nvSpPr>
           <p:cNvPr id="32" name="Rectangle 31"/>
           <p:cNvSpPr/>
           <p:nvPr/>
@@ -8458,14 +8298,14 @@
       </p:sp>
       <p:sp>
         <p:nvSpPr>
-          <p:cNvPr id="46" name="Rounded Rectangle 45"/>
+          <p:cNvPr id="48" name="Rounded Rectangle 47"/>
           <p:cNvSpPr/>
           <p:nvPr/>
         </p:nvSpPr>
         <p:spPr>
           <a:xfrm>
-            <a:off x="281231" y="1968224"/>
-            <a:ext cx="945126" cy="390698"/>
+            <a:off x="7477963" y="1803801"/>
+            <a:ext cx="1389614" cy="390698"/>
           </a:xfrm>
           <a:prstGeom prst="roundRect">
             <a:avLst>
@@ -8495,23 +8335,23 @@
           <a:p>
             <a:pPr algn="ctr"/>
             <a:r>
-              <a:rPr lang="ko-KR" altLang="en-US" sz="1100" smtClean="0"/>
-              <a:t>일반 상태</a:t>
-            </a:r>
-            <a:endParaRPr lang="en-US" altLang="ko-KR" sz="1100" dirty="0" smtClean="0"/>
-          </a:p>
-        </p:txBody>
-      </p:sp>
-      <p:sp>
-        <p:nvSpPr>
-          <p:cNvPr id="47" name="Rounded Rectangle 46"/>
+              <a:rPr lang="ko-KR" altLang="en-US" sz="1100" dirty="0" smtClean="0"/>
+              <a:t>아이템 주는 포로</a:t>
+            </a:r>
+            <a:endParaRPr lang="ko-KR" altLang="en-US" sz="1100" dirty="0"/>
+          </a:p>
+        </p:txBody>
+      </p:sp>
+      <p:sp>
+        <p:nvSpPr>
+          <p:cNvPr id="49" name="Rounded Rectangle 48"/>
           <p:cNvSpPr/>
           <p:nvPr/>
         </p:nvSpPr>
         <p:spPr>
           <a:xfrm>
-            <a:off x="1498921" y="1968224"/>
-            <a:ext cx="945126" cy="390698"/>
+            <a:off x="9360030" y="1821662"/>
+            <a:ext cx="1389614" cy="390698"/>
           </a:xfrm>
           <a:prstGeom prst="roundRect">
             <a:avLst>
@@ -8542,27 +8382,25 @@
             <a:pPr algn="ctr"/>
             <a:r>
               <a:rPr lang="ko-KR" altLang="en-US" sz="1100" dirty="0" smtClean="0"/>
-              <a:t>장비 탑승 상태</a:t>
-            </a:r>
-            <a:endParaRPr lang="en-US" altLang="ko-KR" sz="1100" dirty="0" smtClean="0"/>
-          </a:p>
-        </p:txBody>
-      </p:sp>
-      <p:sp>
-        <p:nvSpPr>
-          <p:cNvPr id="48" name="Rounded Rectangle 47"/>
+              <a:t>등장하는 동물</a:t>
+            </a:r>
+            <a:endParaRPr lang="ko-KR" altLang="en-US" sz="1100" dirty="0"/>
+          </a:p>
+        </p:txBody>
+      </p:sp>
+      <p:sp>
+        <p:nvSpPr>
+          <p:cNvPr id="2" name="Rectangle 1"/>
           <p:cNvSpPr/>
           <p:nvPr/>
         </p:nvSpPr>
         <p:spPr>
           <a:xfrm>
-            <a:off x="7477963" y="1803801"/>
-            <a:ext cx="1389614" cy="390698"/>
-          </a:xfrm>
-          <a:prstGeom prst="roundRect">
-            <a:avLst>
-              <a:gd name="adj" fmla="val 50000"/>
-            </a:avLst>
+            <a:off x="1546019" y="1410911"/>
+            <a:ext cx="981184" cy="525496"/>
+          </a:xfrm>
+          <a:prstGeom prst="rect">
+            <a:avLst/>
           </a:prstGeom>
         </p:spPr>
         <p:style>
@@ -8587,28 +8425,26 @@
           <a:p>
             <a:pPr algn="ctr"/>
             <a:r>
-              <a:rPr lang="ko-KR" altLang="en-US" sz="1100" dirty="0" smtClean="0"/>
-              <a:t>아이템 주는 포로</a:t>
-            </a:r>
-            <a:endParaRPr lang="ko-KR" altLang="en-US" sz="1100" dirty="0"/>
-          </a:p>
-        </p:txBody>
-      </p:sp>
-      <p:sp>
-        <p:nvSpPr>
-          <p:cNvPr id="49" name="Rounded Rectangle 48"/>
+              <a:rPr lang="en-US" altLang="ko-KR" dirty="0" err="1"/>
+              <a:t>SoldierUpper</a:t>
+            </a:r>
+            <a:endParaRPr lang="ko-KR" altLang="en-US" dirty="0"/>
+          </a:p>
+        </p:txBody>
+      </p:sp>
+      <p:sp>
+        <p:nvSpPr>
+          <p:cNvPr id="52" name="Rectangle 51"/>
           <p:cNvSpPr/>
           <p:nvPr/>
         </p:nvSpPr>
         <p:spPr>
           <a:xfrm>
-            <a:off x="9360030" y="1821662"/>
-            <a:ext cx="1389614" cy="390698"/>
-          </a:xfrm>
-          <a:prstGeom prst="roundRect">
-            <a:avLst>
-              <a:gd name="adj" fmla="val 50000"/>
-            </a:avLst>
+            <a:off x="241687" y="1449409"/>
+            <a:ext cx="948729" cy="486998"/>
+          </a:xfrm>
+          <a:prstGeom prst="rect">
+            <a:avLst/>
           </a:prstGeom>
         </p:spPr>
         <p:style>
@@ -8633,13 +8469,84 @@
           <a:p>
             <a:pPr algn="ctr"/>
             <a:r>
-              <a:rPr lang="ko-KR" altLang="en-US" sz="1100" dirty="0" smtClean="0"/>
-              <a:t>등장하는 동물</a:t>
-            </a:r>
-            <a:endParaRPr lang="ko-KR" altLang="en-US" sz="1100" dirty="0"/>
-          </a:p>
-        </p:txBody>
-      </p:sp>
+              <a:rPr lang="en-US" altLang="ko-KR" dirty="0" err="1"/>
+              <a:t>SoldierLower</a:t>
+            </a:r>
+            <a:endParaRPr lang="ko-KR" altLang="en-US" dirty="0"/>
+          </a:p>
+        </p:txBody>
+      </p:sp>
+      <p:cxnSp>
+        <p:nvCxnSpPr>
+          <p:cNvPr id="6" name="Straight Arrow Connector 5"/>
+          <p:cNvCxnSpPr>
+            <a:stCxn id="24" idx="2"/>
+          </p:cNvCxnSpPr>
+          <p:nvPr/>
+        </p:nvCxnSpPr>
+        <p:spPr>
+          <a:xfrm flipH="1">
+            <a:off x="831485" y="1153576"/>
+            <a:ext cx="541483" cy="257335"/>
+          </a:xfrm>
+          <a:prstGeom prst="straightConnector1">
+            <a:avLst/>
+          </a:prstGeom>
+          <a:ln>
+            <a:tailEnd type="triangle"/>
+          </a:ln>
+        </p:spPr>
+        <p:style>
+          <a:lnRef idx="1">
+            <a:schemeClr val="accent1"/>
+          </a:lnRef>
+          <a:fillRef idx="0">
+            <a:schemeClr val="accent1"/>
+          </a:fillRef>
+          <a:effectRef idx="0">
+            <a:schemeClr val="accent1"/>
+          </a:effectRef>
+          <a:fontRef idx="minor">
+            <a:schemeClr val="tx1"/>
+          </a:fontRef>
+        </p:style>
+      </p:cxnSp>
+      <p:cxnSp>
+        <p:nvCxnSpPr>
+          <p:cNvPr id="8" name="Straight Arrow Connector 7"/>
+          <p:cNvCxnSpPr>
+            <a:stCxn id="24" idx="2"/>
+            <a:endCxn id="2" idx="0"/>
+          </p:cNvCxnSpPr>
+          <p:nvPr/>
+        </p:nvCxnSpPr>
+        <p:spPr>
+          <a:xfrm>
+            <a:off x="1372968" y="1153576"/>
+            <a:ext cx="663643" cy="257335"/>
+          </a:xfrm>
+          <a:prstGeom prst="straightConnector1">
+            <a:avLst/>
+          </a:prstGeom>
+          <a:ln>
+            <a:tailEnd type="triangle"/>
+          </a:ln>
+        </p:spPr>
+        <p:style>
+          <a:lnRef idx="1">
+            <a:schemeClr val="accent1"/>
+          </a:lnRef>
+          <a:fillRef idx="0">
+            <a:schemeClr val="accent1"/>
+          </a:fillRef>
+          <a:effectRef idx="0">
+            <a:schemeClr val="accent1"/>
+          </a:effectRef>
+          <a:fontRef idx="minor">
+            <a:schemeClr val="tx1"/>
+          </a:fontRef>
+        </p:style>
+      </p:cxnSp>
     </p:spTree>
     <p:extLst>
       <p:ext uri="{BB962C8B-B14F-4D97-AF65-F5344CB8AC3E}">

--- a/기획 문서/FrameWork.pptx
+++ b/기획 문서/FrameWork.pptx
@@ -9,6 +9,7 @@
     <p:sldId id="261" r:id="rId3"/>
     <p:sldId id="262" r:id="rId4"/>
     <p:sldId id="257" r:id="rId5"/>
+    <p:sldId id="264" r:id="rId6"/>
   </p:sldIdLst>
   <p:sldSz cx="12192000" cy="6858000"/>
   <p:notesSz cx="6858000" cy="9144000"/>
@@ -246,7 +247,7 @@
           <a:p>
             <a:fld id="{9F268087-1A4D-47AC-A1CE-95FF2473F6F0}" type="datetimeFigureOut">
               <a:rPr lang="ko-KR" altLang="en-US" smtClean="0"/>
-              <a:t>2021-08-09</a:t>
+              <a:t>2021-08-13</a:t>
             </a:fld>
             <a:endParaRPr lang="ko-KR" altLang="en-US"/>
           </a:p>
@@ -416,7 +417,7 @@
           <a:p>
             <a:fld id="{9F268087-1A4D-47AC-A1CE-95FF2473F6F0}" type="datetimeFigureOut">
               <a:rPr lang="ko-KR" altLang="en-US" smtClean="0"/>
-              <a:t>2021-08-09</a:t>
+              <a:t>2021-08-13</a:t>
             </a:fld>
             <a:endParaRPr lang="ko-KR" altLang="en-US"/>
           </a:p>
@@ -596,7 +597,7 @@
           <a:p>
             <a:fld id="{9F268087-1A4D-47AC-A1CE-95FF2473F6F0}" type="datetimeFigureOut">
               <a:rPr lang="ko-KR" altLang="en-US" smtClean="0"/>
-              <a:t>2021-08-09</a:t>
+              <a:t>2021-08-13</a:t>
             </a:fld>
             <a:endParaRPr lang="ko-KR" altLang="en-US"/>
           </a:p>
@@ -766,7 +767,7 @@
           <a:p>
             <a:fld id="{9F268087-1A4D-47AC-A1CE-95FF2473F6F0}" type="datetimeFigureOut">
               <a:rPr lang="ko-KR" altLang="en-US" smtClean="0"/>
-              <a:t>2021-08-09</a:t>
+              <a:t>2021-08-13</a:t>
             </a:fld>
             <a:endParaRPr lang="ko-KR" altLang="en-US"/>
           </a:p>
@@ -1012,7 +1013,7 @@
           <a:p>
             <a:fld id="{9F268087-1A4D-47AC-A1CE-95FF2473F6F0}" type="datetimeFigureOut">
               <a:rPr lang="ko-KR" altLang="en-US" smtClean="0"/>
-              <a:t>2021-08-09</a:t>
+              <a:t>2021-08-13</a:t>
             </a:fld>
             <a:endParaRPr lang="ko-KR" altLang="en-US"/>
           </a:p>
@@ -1244,7 +1245,7 @@
           <a:p>
             <a:fld id="{9F268087-1A4D-47AC-A1CE-95FF2473F6F0}" type="datetimeFigureOut">
               <a:rPr lang="ko-KR" altLang="en-US" smtClean="0"/>
-              <a:t>2021-08-09</a:t>
+              <a:t>2021-08-13</a:t>
             </a:fld>
             <a:endParaRPr lang="ko-KR" altLang="en-US"/>
           </a:p>
@@ -1611,7 +1612,7 @@
           <a:p>
             <a:fld id="{9F268087-1A4D-47AC-A1CE-95FF2473F6F0}" type="datetimeFigureOut">
               <a:rPr lang="ko-KR" altLang="en-US" smtClean="0"/>
-              <a:t>2021-08-09</a:t>
+              <a:t>2021-08-13</a:t>
             </a:fld>
             <a:endParaRPr lang="ko-KR" altLang="en-US"/>
           </a:p>
@@ -1729,7 +1730,7 @@
           <a:p>
             <a:fld id="{9F268087-1A4D-47AC-A1CE-95FF2473F6F0}" type="datetimeFigureOut">
               <a:rPr lang="ko-KR" altLang="en-US" smtClean="0"/>
-              <a:t>2021-08-09</a:t>
+              <a:t>2021-08-13</a:t>
             </a:fld>
             <a:endParaRPr lang="ko-KR" altLang="en-US"/>
           </a:p>
@@ -1824,7 +1825,7 @@
           <a:p>
             <a:fld id="{9F268087-1A4D-47AC-A1CE-95FF2473F6F0}" type="datetimeFigureOut">
               <a:rPr lang="ko-KR" altLang="en-US" smtClean="0"/>
-              <a:t>2021-08-09</a:t>
+              <a:t>2021-08-13</a:t>
             </a:fld>
             <a:endParaRPr lang="ko-KR" altLang="en-US"/>
           </a:p>
@@ -2101,7 +2102,7 @@
           <a:p>
             <a:fld id="{9F268087-1A4D-47AC-A1CE-95FF2473F6F0}" type="datetimeFigureOut">
               <a:rPr lang="ko-KR" altLang="en-US" smtClean="0"/>
-              <a:t>2021-08-09</a:t>
+              <a:t>2021-08-13</a:t>
             </a:fld>
             <a:endParaRPr lang="ko-KR" altLang="en-US"/>
           </a:p>
@@ -2354,7 +2355,7 @@
           <a:p>
             <a:fld id="{9F268087-1A4D-47AC-A1CE-95FF2473F6F0}" type="datetimeFigureOut">
               <a:rPr lang="ko-KR" altLang="en-US" smtClean="0"/>
-              <a:t>2021-08-09</a:t>
+              <a:t>2021-08-13</a:t>
             </a:fld>
             <a:endParaRPr lang="ko-KR" altLang="en-US"/>
           </a:p>
@@ -2567,7 +2568,7 @@
           <a:p>
             <a:fld id="{9F268087-1A4D-47AC-A1CE-95FF2473F6F0}" type="datetimeFigureOut">
               <a:rPr lang="ko-KR" altLang="en-US" smtClean="0"/>
-              <a:t>2021-08-09</a:t>
+              <a:t>2021-08-13</a:t>
             </a:fld>
             <a:endParaRPr lang="ko-KR" altLang="en-US"/>
           </a:p>
@@ -8560,6 +8561,497 @@
 </p:sld>
 </file>
 
+<file path=ppt/slides/slide5.xml><?xml version="1.0" encoding="utf-8"?>
+<p:sld xmlns:a="http://schemas.openxmlformats.org/drawingml/2006/main" xmlns:r="http://schemas.openxmlformats.org/officeDocument/2006/relationships" xmlns:p="http://schemas.openxmlformats.org/presentationml/2006/main">
+  <p:cSld>
+    <p:spTree>
+      <p:nvGrpSpPr>
+        <p:cNvPr id="1" name=""/>
+        <p:cNvGrpSpPr/>
+        <p:nvPr/>
+      </p:nvGrpSpPr>
+      <p:grpSpPr>
+        <a:xfrm>
+          <a:off x="0" y="0"/>
+          <a:ext cx="0" cy="0"/>
+          <a:chOff x="0" y="0"/>
+          <a:chExt cx="0" cy="0"/>
+        </a:xfrm>
+      </p:grpSpPr>
+      <p:sp>
+        <p:nvSpPr>
+          <p:cNvPr id="23" name="TextBox 22"/>
+          <p:cNvSpPr txBox="1"/>
+          <p:nvPr/>
+        </p:nvSpPr>
+        <p:spPr>
+          <a:xfrm>
+            <a:off x="72326" y="118214"/>
+            <a:ext cx="1928553" cy="369332"/>
+          </a:xfrm>
+          <a:prstGeom prst="rect">
+            <a:avLst/>
+          </a:prstGeom>
+          <a:noFill/>
+        </p:spPr>
+        <p:txBody>
+          <a:bodyPr wrap="square" rtlCol="0">
+            <a:spAutoFit/>
+          </a:bodyPr>
+          <a:lstStyle/>
+          <a:p>
+            <a:r>
+              <a:rPr lang="ko-KR" altLang="en-US" dirty="0" smtClean="0"/>
+              <a:t>상속 관계</a:t>
+            </a:r>
+            <a:endParaRPr lang="ko-KR" altLang="en-US" dirty="0"/>
+          </a:p>
+        </p:txBody>
+      </p:sp>
+      <p:sp>
+        <p:nvSpPr>
+          <p:cNvPr id="38" name="Rectangle 37"/>
+          <p:cNvSpPr/>
+          <p:nvPr/>
+        </p:nvSpPr>
+        <p:spPr>
+          <a:xfrm>
+            <a:off x="1839980" y="487546"/>
+            <a:ext cx="1510829" cy="415636"/>
+          </a:xfrm>
+          <a:prstGeom prst="rect">
+            <a:avLst/>
+          </a:prstGeom>
+        </p:spPr>
+        <p:style>
+          <a:lnRef idx="2">
+            <a:schemeClr val="accent1">
+              <a:shade val="50000"/>
+            </a:schemeClr>
+          </a:lnRef>
+          <a:fillRef idx="1">
+            <a:schemeClr val="accent1"/>
+          </a:fillRef>
+          <a:effectRef idx="0">
+            <a:schemeClr val="accent1"/>
+          </a:effectRef>
+          <a:fontRef idx="minor">
+            <a:schemeClr val="lt1"/>
+          </a:fontRef>
+        </p:style>
+        <p:txBody>
+          <a:bodyPr rtlCol="0" anchor="ctr"/>
+          <a:lstStyle/>
+          <a:p>
+            <a:pPr algn="ctr"/>
+            <a:r>
+              <a:rPr lang="en-US" altLang="ko-KR" dirty="0" smtClean="0"/>
+              <a:t>Enemy</a:t>
+            </a:r>
+            <a:endParaRPr lang="ko-KR" altLang="en-US" dirty="0"/>
+          </a:p>
+        </p:txBody>
+      </p:sp>
+      <p:sp>
+        <p:nvSpPr>
+          <p:cNvPr id="39" name="Rectangle 38"/>
+          <p:cNvSpPr/>
+          <p:nvPr/>
+        </p:nvSpPr>
+        <p:spPr>
+          <a:xfrm>
+            <a:off x="217595" y="1153575"/>
+            <a:ext cx="1203068" cy="588727"/>
+          </a:xfrm>
+          <a:prstGeom prst="rect">
+            <a:avLst/>
+          </a:prstGeom>
+        </p:spPr>
+        <p:style>
+          <a:lnRef idx="2">
+            <a:schemeClr val="accent1">
+              <a:shade val="50000"/>
+            </a:schemeClr>
+          </a:lnRef>
+          <a:fillRef idx="1">
+            <a:schemeClr val="accent1"/>
+          </a:fillRef>
+          <a:effectRef idx="0">
+            <a:schemeClr val="accent1"/>
+          </a:effectRef>
+          <a:fontRef idx="minor">
+            <a:schemeClr val="lt1"/>
+          </a:fontRef>
+        </p:style>
+        <p:txBody>
+          <a:bodyPr rtlCol="0" anchor="ctr"/>
+          <a:lstStyle/>
+          <a:p>
+            <a:pPr algn="ctr"/>
+            <a:r>
+              <a:rPr lang="en-US" altLang="ko-KR" dirty="0" smtClean="0"/>
+              <a:t>Enemy</a:t>
+            </a:r>
+          </a:p>
+          <a:p>
+            <a:pPr algn="ctr"/>
+            <a:r>
+              <a:rPr lang="en-US" altLang="ko-KR" dirty="0" smtClean="0"/>
+              <a:t>Soldier</a:t>
+            </a:r>
+            <a:endParaRPr lang="ko-KR" altLang="en-US" dirty="0"/>
+          </a:p>
+        </p:txBody>
+      </p:sp>
+      <p:cxnSp>
+        <p:nvCxnSpPr>
+          <p:cNvPr id="41" name="Straight Arrow Connector 40"/>
+          <p:cNvCxnSpPr>
+            <a:stCxn id="38" idx="2"/>
+            <a:endCxn id="39" idx="0"/>
+          </p:cNvCxnSpPr>
+          <p:nvPr/>
+        </p:nvCxnSpPr>
+        <p:spPr>
+          <a:xfrm flipH="1">
+            <a:off x="819129" y="903182"/>
+            <a:ext cx="1776266" cy="250394"/>
+          </a:xfrm>
+          <a:prstGeom prst="straightConnector1">
+            <a:avLst/>
+          </a:prstGeom>
+          <a:ln>
+            <a:tailEnd type="triangle"/>
+          </a:ln>
+        </p:spPr>
+        <p:style>
+          <a:lnRef idx="1">
+            <a:schemeClr val="accent1"/>
+          </a:lnRef>
+          <a:fillRef idx="0">
+            <a:schemeClr val="accent1"/>
+          </a:fillRef>
+          <a:effectRef idx="0">
+            <a:schemeClr val="accent1"/>
+          </a:effectRef>
+          <a:fontRef idx="minor">
+            <a:schemeClr val="tx1"/>
+          </a:fontRef>
+        </p:style>
+      </p:cxnSp>
+      <p:sp>
+        <p:nvSpPr>
+          <p:cNvPr id="46" name="Rectangle 45"/>
+          <p:cNvSpPr/>
+          <p:nvPr/>
+        </p:nvSpPr>
+        <p:spPr>
+          <a:xfrm>
+            <a:off x="217595" y="2080860"/>
+            <a:ext cx="1346246" cy="394179"/>
+          </a:xfrm>
+          <a:prstGeom prst="rect">
+            <a:avLst/>
+          </a:prstGeom>
+        </p:spPr>
+        <p:style>
+          <a:lnRef idx="2">
+            <a:schemeClr val="accent1">
+              <a:shade val="50000"/>
+            </a:schemeClr>
+          </a:lnRef>
+          <a:fillRef idx="1">
+            <a:schemeClr val="accent1"/>
+          </a:fillRef>
+          <a:effectRef idx="0">
+            <a:schemeClr val="accent1"/>
+          </a:effectRef>
+          <a:fontRef idx="minor">
+            <a:schemeClr val="lt1"/>
+          </a:fontRef>
+        </p:style>
+        <p:txBody>
+          <a:bodyPr rtlCol="0" anchor="ctr"/>
+          <a:lstStyle/>
+          <a:p>
+            <a:pPr algn="ctr"/>
+            <a:r>
+              <a:rPr lang="en-US" altLang="ko-KR" dirty="0" smtClean="0"/>
+              <a:t>Grenadier</a:t>
+            </a:r>
+            <a:endParaRPr lang="ko-KR" altLang="en-US" dirty="0"/>
+          </a:p>
+        </p:txBody>
+      </p:sp>
+      <p:sp>
+        <p:nvSpPr>
+          <p:cNvPr id="47" name="Rectangle 46"/>
+          <p:cNvSpPr/>
+          <p:nvPr/>
+        </p:nvSpPr>
+        <p:spPr>
+          <a:xfrm>
+            <a:off x="217595" y="2616507"/>
+            <a:ext cx="1346246" cy="394179"/>
+          </a:xfrm>
+          <a:prstGeom prst="rect">
+            <a:avLst/>
+          </a:prstGeom>
+        </p:spPr>
+        <p:style>
+          <a:lnRef idx="2">
+            <a:schemeClr val="accent1">
+              <a:shade val="50000"/>
+            </a:schemeClr>
+          </a:lnRef>
+          <a:fillRef idx="1">
+            <a:schemeClr val="accent1"/>
+          </a:fillRef>
+          <a:effectRef idx="0">
+            <a:schemeClr val="accent1"/>
+          </a:effectRef>
+          <a:fontRef idx="minor">
+            <a:schemeClr val="lt1"/>
+          </a:fontRef>
+        </p:style>
+        <p:txBody>
+          <a:bodyPr rtlCol="0" anchor="ctr"/>
+          <a:lstStyle/>
+          <a:p>
+            <a:pPr algn="ctr"/>
+            <a:r>
+              <a:rPr lang="en-US" altLang="ko-KR" dirty="0" smtClean="0"/>
+              <a:t>Bazooka</a:t>
+            </a:r>
+            <a:endParaRPr lang="ko-KR" altLang="en-US" dirty="0"/>
+          </a:p>
+        </p:txBody>
+      </p:sp>
+      <p:sp>
+        <p:nvSpPr>
+          <p:cNvPr id="3" name="Rectangle 2"/>
+          <p:cNvSpPr/>
+          <p:nvPr/>
+        </p:nvSpPr>
+        <p:spPr>
+          <a:xfrm>
+            <a:off x="3334981" y="1196823"/>
+            <a:ext cx="1099751" cy="502230"/>
+          </a:xfrm>
+          <a:prstGeom prst="rect">
+            <a:avLst/>
+          </a:prstGeom>
+        </p:spPr>
+        <p:style>
+          <a:lnRef idx="2">
+            <a:schemeClr val="accent1">
+              <a:shade val="50000"/>
+            </a:schemeClr>
+          </a:lnRef>
+          <a:fillRef idx="1">
+            <a:schemeClr val="accent1"/>
+          </a:fillRef>
+          <a:effectRef idx="0">
+            <a:schemeClr val="accent1"/>
+          </a:effectRef>
+          <a:fontRef idx="minor">
+            <a:schemeClr val="lt1"/>
+          </a:fontRef>
+        </p:style>
+        <p:txBody>
+          <a:bodyPr rtlCol="0" anchor="ctr"/>
+          <a:lstStyle/>
+          <a:p>
+            <a:pPr algn="ctr"/>
+            <a:r>
+              <a:rPr lang="en-US" altLang="ko-KR" dirty="0" smtClean="0"/>
+              <a:t>Vehicle</a:t>
+            </a:r>
+            <a:endParaRPr lang="ko-KR" altLang="en-US" dirty="0"/>
+          </a:p>
+        </p:txBody>
+      </p:sp>
+      <p:cxnSp>
+        <p:nvCxnSpPr>
+          <p:cNvPr id="9" name="Straight Arrow Connector 8"/>
+          <p:cNvCxnSpPr>
+            <a:stCxn id="38" idx="2"/>
+            <a:endCxn id="3" idx="0"/>
+          </p:cNvCxnSpPr>
+          <p:nvPr/>
+        </p:nvCxnSpPr>
+        <p:spPr>
+          <a:xfrm>
+            <a:off x="2595395" y="903182"/>
+            <a:ext cx="1289462" cy="293641"/>
+          </a:xfrm>
+          <a:prstGeom prst="straightConnector1">
+            <a:avLst/>
+          </a:prstGeom>
+          <a:ln>
+            <a:tailEnd type="triangle"/>
+          </a:ln>
+        </p:spPr>
+        <p:style>
+          <a:lnRef idx="1">
+            <a:schemeClr val="accent1"/>
+          </a:lnRef>
+          <a:fillRef idx="0">
+            <a:schemeClr val="accent1"/>
+          </a:fillRef>
+          <a:effectRef idx="0">
+            <a:schemeClr val="accent1"/>
+          </a:effectRef>
+          <a:fontRef idx="minor">
+            <a:schemeClr val="tx1"/>
+          </a:fontRef>
+        </p:style>
+      </p:cxnSp>
+      <p:sp>
+        <p:nvSpPr>
+          <p:cNvPr id="10" name="Rectangle 9"/>
+          <p:cNvSpPr/>
+          <p:nvPr/>
+        </p:nvSpPr>
+        <p:spPr>
+          <a:xfrm>
+            <a:off x="3223888" y="2066346"/>
+            <a:ext cx="1321936" cy="367447"/>
+          </a:xfrm>
+          <a:prstGeom prst="rect">
+            <a:avLst/>
+          </a:prstGeom>
+        </p:spPr>
+        <p:style>
+          <a:lnRef idx="2">
+            <a:schemeClr val="accent1">
+              <a:shade val="50000"/>
+            </a:schemeClr>
+          </a:lnRef>
+          <a:fillRef idx="1">
+            <a:schemeClr val="accent1"/>
+          </a:fillRef>
+          <a:effectRef idx="0">
+            <a:schemeClr val="accent1"/>
+          </a:effectRef>
+          <a:fontRef idx="minor">
+            <a:schemeClr val="lt1"/>
+          </a:fontRef>
+        </p:style>
+        <p:txBody>
+          <a:bodyPr rtlCol="0" anchor="ctr"/>
+          <a:lstStyle/>
+          <a:p>
+            <a:pPr algn="ctr"/>
+            <a:r>
+              <a:rPr lang="en-US" altLang="ko-KR" dirty="0" smtClean="0"/>
+              <a:t>Helicopter</a:t>
+            </a:r>
+            <a:endParaRPr lang="ko-KR" altLang="en-US" dirty="0"/>
+          </a:p>
+        </p:txBody>
+      </p:sp>
+      <p:sp>
+        <p:nvSpPr>
+          <p:cNvPr id="58" name="Rectangle 57"/>
+          <p:cNvSpPr/>
+          <p:nvPr/>
+        </p:nvSpPr>
+        <p:spPr>
+          <a:xfrm>
+            <a:off x="3240126" y="2654717"/>
+            <a:ext cx="1321936" cy="367447"/>
+          </a:xfrm>
+          <a:prstGeom prst="rect">
+            <a:avLst/>
+          </a:prstGeom>
+        </p:spPr>
+        <p:style>
+          <a:lnRef idx="2">
+            <a:schemeClr val="accent1">
+              <a:shade val="50000"/>
+            </a:schemeClr>
+          </a:lnRef>
+          <a:fillRef idx="1">
+            <a:schemeClr val="accent1"/>
+          </a:fillRef>
+          <a:effectRef idx="0">
+            <a:schemeClr val="accent1"/>
+          </a:effectRef>
+          <a:fontRef idx="minor">
+            <a:schemeClr val="lt1"/>
+          </a:fontRef>
+        </p:style>
+        <p:txBody>
+          <a:bodyPr rtlCol="0" anchor="ctr"/>
+          <a:lstStyle/>
+          <a:p>
+            <a:pPr algn="ctr"/>
+            <a:r>
+              <a:rPr lang="en-US" altLang="ko-KR" dirty="0" smtClean="0"/>
+              <a:t>Tank</a:t>
+            </a:r>
+            <a:endParaRPr lang="ko-KR" altLang="en-US" dirty="0"/>
+          </a:p>
+        </p:txBody>
+      </p:sp>
+      <p:sp>
+        <p:nvSpPr>
+          <p:cNvPr id="59" name="Rectangle 58"/>
+          <p:cNvSpPr/>
+          <p:nvPr/>
+        </p:nvSpPr>
+        <p:spPr>
+          <a:xfrm>
+            <a:off x="217595" y="3205233"/>
+            <a:ext cx="1438210" cy="394179"/>
+          </a:xfrm>
+          <a:prstGeom prst="rect">
+            <a:avLst/>
+          </a:prstGeom>
+        </p:spPr>
+        <p:style>
+          <a:lnRef idx="2">
+            <a:schemeClr val="accent1">
+              <a:shade val="50000"/>
+            </a:schemeClr>
+          </a:lnRef>
+          <a:fillRef idx="1">
+            <a:schemeClr val="accent1"/>
+          </a:fillRef>
+          <a:effectRef idx="0">
+            <a:schemeClr val="accent1"/>
+          </a:effectRef>
+          <a:fontRef idx="minor">
+            <a:schemeClr val="lt1"/>
+          </a:fontRef>
+        </p:style>
+        <p:txBody>
+          <a:bodyPr rtlCol="0" anchor="ctr"/>
+          <a:lstStyle/>
+          <a:p>
+            <a:pPr algn="ctr"/>
+            <a:r>
+              <a:rPr lang="en-US" altLang="ko-KR" dirty="0" err="1" smtClean="0"/>
+              <a:t>RocketDiver</a:t>
+            </a:r>
+            <a:endParaRPr lang="ko-KR" altLang="en-US" dirty="0"/>
+          </a:p>
+        </p:txBody>
+      </p:sp>
+    </p:spTree>
+    <p:extLst>
+      <p:ext uri="{BB962C8B-B14F-4D97-AF65-F5344CB8AC3E}">
+        <p14:creationId xmlns:p14="http://schemas.microsoft.com/office/powerpoint/2010/main" val="759486688"/>
+      </p:ext>
+    </p:extLst>
+  </p:cSld>
+  <p:clrMapOvr>
+    <a:masterClrMapping/>
+  </p:clrMapOvr>
+</p:sld>
+</file>
+
 <file path=ppt/theme/theme1.xml><?xml version="1.0" encoding="utf-8"?>
 <a:theme xmlns:a="http://schemas.openxmlformats.org/drawingml/2006/main" name="Office Theme">
   <a:themeElements>
